--- a/images/ppt/graphics.pptx
+++ b/images/ppt/graphics.pptx
@@ -129,1138 +129,6 @@
 </p:presentation>
 </file>
 
-<file path=ppt/charts/chart1.xml><?xml version="1.0" encoding="utf-8"?>
-<c:chartSpace xmlns:c="http://schemas.openxmlformats.org/drawingml/2006/chart" xmlns:a="http://schemas.openxmlformats.org/drawingml/2006/main" xmlns:r="http://schemas.openxmlformats.org/officeDocument/2006/relationships">
-  <c:date1904 val="0"/>
-  <c:lang val="de-DE"/>
-  <c:roundedCorners val="0"/>
-  <mc:AlternateContent xmlns:mc="http://schemas.openxmlformats.org/markup-compatibility/2006">
-    <mc:Choice xmlns:c14="http://schemas.microsoft.com/office/drawing/2007/8/2/chart" Requires="c14">
-      <c14:style val="102"/>
-    </mc:Choice>
-    <mc:Fallback>
-      <c:style val="2"/>
-    </mc:Fallback>
-  </mc:AlternateContent>
-  <c:chart>
-    <c:autoTitleDeleted val="1"/>
-    <c:plotArea>
-      <c:layout/>
-      <c:barChart>
-        <c:barDir val="col"/>
-        <c:grouping val="stacked"/>
-        <c:varyColors val="0"/>
-        <c:ser>
-          <c:idx val="0"/>
-          <c:order val="0"/>
-          <c:tx>
-            <c:strRef>
-              <c:f>Tabelle1!$B$1</c:f>
-              <c:strCache>
-                <c:ptCount val="1"/>
-                <c:pt idx="0">
-                  <c:v>Resolution Type 1
-(Erfolgreich)</c:v>
-                </c:pt>
-              </c:strCache>
-            </c:strRef>
-          </c:tx>
-          <c:spPr>
-            <a:solidFill>
-              <a:schemeClr val="accent1"/>
-            </a:solidFill>
-            <a:ln>
-              <a:noFill/>
-            </a:ln>
-            <a:effectLst/>
-          </c:spPr>
-          <c:invertIfNegative val="0"/>
-          <c:dLbls>
-            <c:spPr>
-              <a:noFill/>
-              <a:ln>
-                <a:noFill/>
-              </a:ln>
-              <a:effectLst/>
-            </c:spPr>
-            <c:txPr>
-              <a:bodyPr rot="0" spcFirstLastPara="1" vertOverflow="ellipsis" vert="horz" wrap="square" lIns="38100" tIns="19050" rIns="38100" bIns="19050" anchor="ctr" anchorCtr="1">
-                <a:spAutoFit/>
-              </a:bodyPr>
-              <a:lstStyle/>
-              <a:p>
-                <a:pPr>
-                  <a:defRPr sz="1197" b="0" i="0" u="none" strike="noStrike" kern="1200" baseline="0">
-                    <a:solidFill>
-                      <a:schemeClr val="tx1">
-                        <a:lumMod val="75000"/>
-                        <a:lumOff val="25000"/>
-                      </a:schemeClr>
-                    </a:solidFill>
-                    <a:latin typeface="CMU Serif" panose="02000603000000000000" pitchFamily="2" charset="0"/>
-                    <a:ea typeface="CMU Serif" panose="02000603000000000000" pitchFamily="2" charset="0"/>
-                    <a:cs typeface="CMU Serif" panose="02000603000000000000" pitchFamily="2" charset="0"/>
-                  </a:defRPr>
-                </a:pPr>
-                <a:endParaRPr lang="de-DE"/>
-              </a:p>
-            </c:txPr>
-            <c:showLegendKey val="0"/>
-            <c:showVal val="1"/>
-            <c:showCatName val="0"/>
-            <c:showSerName val="0"/>
-            <c:showPercent val="0"/>
-            <c:showBubbleSize val="0"/>
-            <c:showLeaderLines val="0"/>
-            <c:extLst>
-              <c:ext xmlns:c15="http://schemas.microsoft.com/office/drawing/2012/chart" uri="{CE6537A1-D6FC-4f65-9D91-7224C49458BB}">
-                <c15:layout/>
-                <c15:showLeaderLines val="1"/>
-                <c15:leaderLines>
-                  <c:spPr>
-                    <a:ln w="9525" cap="flat" cmpd="sng" algn="ctr">
-                      <a:solidFill>
-                        <a:schemeClr val="tx1">
-                          <a:lumMod val="35000"/>
-                          <a:lumOff val="65000"/>
-                        </a:schemeClr>
-                      </a:solidFill>
-                      <a:round/>
-                    </a:ln>
-                    <a:effectLst/>
-                  </c:spPr>
-                </c15:leaderLines>
-              </c:ext>
-            </c:extLst>
-          </c:dLbls>
-          <c:cat>
-            <c:strRef>
-              <c:f>Tabelle1!$A$2:$A$5</c:f>
-              <c:strCache>
-                <c:ptCount val="4"/>
-                <c:pt idx="0">
-                  <c:v>Insgesamt</c:v>
-                </c:pt>
-                <c:pt idx="1">
-                  <c:v>Große Unternehmen</c:v>
-                </c:pt>
-                <c:pt idx="2">
-                  <c:v>Mittelgroße Unternehmen</c:v>
-                </c:pt>
-                <c:pt idx="3">
-                  <c:v>Kleine Unternehmen</c:v>
-                </c:pt>
-              </c:strCache>
-            </c:strRef>
-          </c:cat>
-          <c:val>
-            <c:numRef>
-              <c:f>Tabelle1!$B$2:$B$5</c:f>
-              <c:numCache>
-                <c:formatCode>General</c:formatCode>
-                <c:ptCount val="4"/>
-                <c:pt idx="0">
-                  <c:v>0.16200000000000001</c:v>
-                </c:pt>
-                <c:pt idx="1">
-                  <c:v>0.09</c:v>
-                </c:pt>
-                <c:pt idx="2">
-                  <c:v>0.16200000000000001</c:v>
-                </c:pt>
-                <c:pt idx="3">
-                  <c:v>0.28000000000000003</c:v>
-                </c:pt>
-              </c:numCache>
-            </c:numRef>
-          </c:val>
-        </c:ser>
-        <c:ser>
-          <c:idx val="1"/>
-          <c:order val="1"/>
-          <c:tx>
-            <c:strRef>
-              <c:f>Tabelle1!$C$1</c:f>
-              <c:strCache>
-                <c:ptCount val="1"/>
-                <c:pt idx="0">
-                  <c:v>Resolution Type 2
-(Herausgefordert)</c:v>
-                </c:pt>
-              </c:strCache>
-            </c:strRef>
-          </c:tx>
-          <c:spPr>
-            <a:solidFill>
-              <a:schemeClr val="accent2"/>
-            </a:solidFill>
-            <a:ln>
-              <a:noFill/>
-            </a:ln>
-            <a:effectLst/>
-          </c:spPr>
-          <c:invertIfNegative val="0"/>
-          <c:dLbls>
-            <c:spPr>
-              <a:noFill/>
-              <a:ln>
-                <a:noFill/>
-              </a:ln>
-              <a:effectLst/>
-            </c:spPr>
-            <c:txPr>
-              <a:bodyPr rot="0" spcFirstLastPara="1" vertOverflow="ellipsis" vert="horz" wrap="square" lIns="38100" tIns="19050" rIns="38100" bIns="19050" anchor="ctr" anchorCtr="1">
-                <a:spAutoFit/>
-              </a:bodyPr>
-              <a:lstStyle/>
-              <a:p>
-                <a:pPr>
-                  <a:defRPr sz="1197" b="0" i="0" u="none" strike="noStrike" kern="1200" baseline="0">
-                    <a:solidFill>
-                      <a:schemeClr val="tx1">
-                        <a:lumMod val="75000"/>
-                        <a:lumOff val="25000"/>
-                      </a:schemeClr>
-                    </a:solidFill>
-                    <a:latin typeface="CMU Serif" panose="02000603000000000000" pitchFamily="2" charset="0"/>
-                    <a:ea typeface="CMU Serif" panose="02000603000000000000" pitchFamily="2" charset="0"/>
-                    <a:cs typeface="CMU Serif" panose="02000603000000000000" pitchFamily="2" charset="0"/>
-                  </a:defRPr>
-                </a:pPr>
-                <a:endParaRPr lang="de-DE"/>
-              </a:p>
-            </c:txPr>
-            <c:showLegendKey val="0"/>
-            <c:showVal val="1"/>
-            <c:showCatName val="0"/>
-            <c:showSerName val="0"/>
-            <c:showPercent val="0"/>
-            <c:showBubbleSize val="0"/>
-            <c:showLeaderLines val="0"/>
-            <c:extLst>
-              <c:ext xmlns:c15="http://schemas.microsoft.com/office/drawing/2012/chart" uri="{CE6537A1-D6FC-4f65-9D91-7224C49458BB}">
-                <c15:layout/>
-                <c15:showLeaderLines val="1"/>
-                <c15:leaderLines>
-                  <c:spPr>
-                    <a:ln w="9525" cap="flat" cmpd="sng" algn="ctr">
-                      <a:solidFill>
-                        <a:schemeClr val="tx1">
-                          <a:lumMod val="35000"/>
-                          <a:lumOff val="65000"/>
-                        </a:schemeClr>
-                      </a:solidFill>
-                      <a:round/>
-                    </a:ln>
-                    <a:effectLst/>
-                  </c:spPr>
-                </c15:leaderLines>
-              </c:ext>
-            </c:extLst>
-          </c:dLbls>
-          <c:cat>
-            <c:strRef>
-              <c:f>Tabelle1!$A$2:$A$5</c:f>
-              <c:strCache>
-                <c:ptCount val="4"/>
-                <c:pt idx="0">
-                  <c:v>Insgesamt</c:v>
-                </c:pt>
-                <c:pt idx="1">
-                  <c:v>Große Unternehmen</c:v>
-                </c:pt>
-                <c:pt idx="2">
-                  <c:v>Mittelgroße Unternehmen</c:v>
-                </c:pt>
-                <c:pt idx="3">
-                  <c:v>Kleine Unternehmen</c:v>
-                </c:pt>
-              </c:strCache>
-            </c:strRef>
-          </c:cat>
-          <c:val>
-            <c:numRef>
-              <c:f>Tabelle1!$C$2:$C$5</c:f>
-              <c:numCache>
-                <c:formatCode>General</c:formatCode>
-                <c:ptCount val="4"/>
-                <c:pt idx="0">
-                  <c:v>0.52700000000000002</c:v>
-                </c:pt>
-                <c:pt idx="1">
-                  <c:v>0.61499999999999999</c:v>
-                </c:pt>
-                <c:pt idx="2">
-                  <c:v>0.46700000000000003</c:v>
-                </c:pt>
-                <c:pt idx="3">
-                  <c:v>0.504</c:v>
-                </c:pt>
-              </c:numCache>
-            </c:numRef>
-          </c:val>
-        </c:ser>
-        <c:ser>
-          <c:idx val="2"/>
-          <c:order val="2"/>
-          <c:tx>
-            <c:strRef>
-              <c:f>Tabelle1!$D$1</c:f>
-              <c:strCache>
-                <c:ptCount val="1"/>
-                <c:pt idx="0">
-                  <c:v>Resolution Type 3
-(Beendet)</c:v>
-                </c:pt>
-              </c:strCache>
-            </c:strRef>
-          </c:tx>
-          <c:spPr>
-            <a:solidFill>
-              <a:schemeClr val="accent3"/>
-            </a:solidFill>
-            <a:ln>
-              <a:noFill/>
-            </a:ln>
-            <a:effectLst/>
-          </c:spPr>
-          <c:invertIfNegative val="0"/>
-          <c:dLbls>
-            <c:spPr>
-              <a:noFill/>
-              <a:ln>
-                <a:noFill/>
-              </a:ln>
-              <a:effectLst/>
-            </c:spPr>
-            <c:txPr>
-              <a:bodyPr rot="0" spcFirstLastPara="1" vertOverflow="ellipsis" vert="horz" wrap="square" lIns="38100" tIns="19050" rIns="38100" bIns="19050" anchor="ctr" anchorCtr="1">
-                <a:spAutoFit/>
-              </a:bodyPr>
-              <a:lstStyle/>
-              <a:p>
-                <a:pPr>
-                  <a:defRPr sz="1197" b="0" i="0" u="none" strike="noStrike" kern="1200" baseline="0">
-                    <a:solidFill>
-                      <a:schemeClr val="tx1">
-                        <a:lumMod val="75000"/>
-                        <a:lumOff val="25000"/>
-                      </a:schemeClr>
-                    </a:solidFill>
-                    <a:latin typeface="CMU Serif" panose="02000603000000000000" pitchFamily="2" charset="0"/>
-                    <a:ea typeface="CMU Serif" panose="02000603000000000000" pitchFamily="2" charset="0"/>
-                    <a:cs typeface="CMU Serif" panose="02000603000000000000" pitchFamily="2" charset="0"/>
-                  </a:defRPr>
-                </a:pPr>
-                <a:endParaRPr lang="de-DE"/>
-              </a:p>
-            </c:txPr>
-            <c:showLegendKey val="0"/>
-            <c:showVal val="1"/>
-            <c:showCatName val="0"/>
-            <c:showSerName val="0"/>
-            <c:showPercent val="0"/>
-            <c:showBubbleSize val="0"/>
-            <c:showLeaderLines val="0"/>
-            <c:extLst>
-              <c:ext xmlns:c15="http://schemas.microsoft.com/office/drawing/2012/chart" uri="{CE6537A1-D6FC-4f65-9D91-7224C49458BB}">
-                <c15:layout/>
-                <c15:showLeaderLines val="1"/>
-                <c15:leaderLines>
-                  <c:spPr>
-                    <a:ln w="9525" cap="flat" cmpd="sng" algn="ctr">
-                      <a:solidFill>
-                        <a:schemeClr val="tx1">
-                          <a:lumMod val="35000"/>
-                          <a:lumOff val="65000"/>
-                        </a:schemeClr>
-                      </a:solidFill>
-                      <a:round/>
-                    </a:ln>
-                    <a:effectLst/>
-                  </c:spPr>
-                </c15:leaderLines>
-              </c:ext>
-            </c:extLst>
-          </c:dLbls>
-          <c:cat>
-            <c:strRef>
-              <c:f>Tabelle1!$A$2:$A$5</c:f>
-              <c:strCache>
-                <c:ptCount val="4"/>
-                <c:pt idx="0">
-                  <c:v>Insgesamt</c:v>
-                </c:pt>
-                <c:pt idx="1">
-                  <c:v>Große Unternehmen</c:v>
-                </c:pt>
-                <c:pt idx="2">
-                  <c:v>Mittelgroße Unternehmen</c:v>
-                </c:pt>
-                <c:pt idx="3">
-                  <c:v>Kleine Unternehmen</c:v>
-                </c:pt>
-              </c:strCache>
-            </c:strRef>
-          </c:cat>
-          <c:val>
-            <c:numRef>
-              <c:f>Tabelle1!$D$2:$D$5</c:f>
-              <c:numCache>
-                <c:formatCode>General</c:formatCode>
-                <c:ptCount val="4"/>
-                <c:pt idx="0">
-                  <c:v>0.311</c:v>
-                </c:pt>
-                <c:pt idx="1">
-                  <c:v>0.29499999999999998</c:v>
-                </c:pt>
-                <c:pt idx="2">
-                  <c:v>0.371</c:v>
-                </c:pt>
-                <c:pt idx="3">
-                  <c:v>0.216</c:v>
-                </c:pt>
-              </c:numCache>
-            </c:numRef>
-          </c:val>
-        </c:ser>
-        <c:dLbls>
-          <c:showLegendKey val="0"/>
-          <c:showVal val="0"/>
-          <c:showCatName val="0"/>
-          <c:showSerName val="0"/>
-          <c:showPercent val="0"/>
-          <c:showBubbleSize val="0"/>
-        </c:dLbls>
-        <c:gapWidth val="150"/>
-        <c:overlap val="100"/>
-        <c:axId val="313379312"/>
-        <c:axId val="313380824"/>
-      </c:barChart>
-      <c:catAx>
-        <c:axId val="313379312"/>
-        <c:scaling>
-          <c:orientation val="minMax"/>
-        </c:scaling>
-        <c:delete val="0"/>
-        <c:axPos val="b"/>
-        <c:numFmt formatCode="General" sourceLinked="1"/>
-        <c:majorTickMark val="none"/>
-        <c:minorTickMark val="none"/>
-        <c:tickLblPos val="nextTo"/>
-        <c:spPr>
-          <a:noFill/>
-          <a:ln w="9525" cap="flat" cmpd="sng" algn="ctr">
-            <a:solidFill>
-              <a:schemeClr val="tx1">
-                <a:lumMod val="15000"/>
-                <a:lumOff val="85000"/>
-              </a:schemeClr>
-            </a:solidFill>
-            <a:round/>
-          </a:ln>
-          <a:effectLst/>
-        </c:spPr>
-        <c:txPr>
-          <a:bodyPr rot="-60000000" spcFirstLastPara="1" vertOverflow="ellipsis" vert="horz" wrap="square" anchor="ctr" anchorCtr="1"/>
-          <a:lstStyle/>
-          <a:p>
-            <a:pPr>
-              <a:defRPr sz="1197" b="0" i="0" u="none" strike="noStrike" kern="1200" baseline="0">
-                <a:solidFill>
-                  <a:schemeClr val="tx1">
-                    <a:lumMod val="65000"/>
-                    <a:lumOff val="35000"/>
-                  </a:schemeClr>
-                </a:solidFill>
-                <a:latin typeface="CMU Serif" panose="02000603000000000000" pitchFamily="2" charset="0"/>
-                <a:ea typeface="CMU Serif" panose="02000603000000000000" pitchFamily="2" charset="0"/>
-                <a:cs typeface="CMU Serif" panose="02000603000000000000" pitchFamily="2" charset="0"/>
-              </a:defRPr>
-            </a:pPr>
-            <a:endParaRPr lang="de-DE"/>
-          </a:p>
-        </c:txPr>
-        <c:crossAx val="313380824"/>
-        <c:crosses val="autoZero"/>
-        <c:auto val="1"/>
-        <c:lblAlgn val="ctr"/>
-        <c:lblOffset val="100"/>
-        <c:noMultiLvlLbl val="0"/>
-      </c:catAx>
-      <c:valAx>
-        <c:axId val="313380824"/>
-        <c:scaling>
-          <c:orientation val="minMax"/>
-        </c:scaling>
-        <c:delete val="0"/>
-        <c:axPos val="l"/>
-        <c:majorGridlines>
-          <c:spPr>
-            <a:ln w="9525" cap="flat" cmpd="sng" algn="ctr">
-              <a:solidFill>
-                <a:schemeClr val="tx1">
-                  <a:lumMod val="15000"/>
-                  <a:lumOff val="85000"/>
-                </a:schemeClr>
-              </a:solidFill>
-              <a:round/>
-            </a:ln>
-            <a:effectLst/>
-          </c:spPr>
-        </c:majorGridlines>
-        <c:numFmt formatCode="0%" sourceLinked="0"/>
-        <c:majorTickMark val="none"/>
-        <c:minorTickMark val="none"/>
-        <c:tickLblPos val="nextTo"/>
-        <c:spPr>
-          <a:noFill/>
-          <a:ln>
-            <a:noFill/>
-          </a:ln>
-          <a:effectLst/>
-        </c:spPr>
-        <c:txPr>
-          <a:bodyPr rot="-60000000" spcFirstLastPara="1" vertOverflow="ellipsis" vert="horz" wrap="square" anchor="ctr" anchorCtr="1"/>
-          <a:lstStyle/>
-          <a:p>
-            <a:pPr>
-              <a:defRPr sz="1197" b="0" i="0" u="none" strike="noStrike" kern="1200" baseline="0">
-                <a:solidFill>
-                  <a:schemeClr val="tx1">
-                    <a:lumMod val="65000"/>
-                    <a:lumOff val="35000"/>
-                  </a:schemeClr>
-                </a:solidFill>
-                <a:latin typeface="CMU Serif" panose="02000603000000000000" pitchFamily="2" charset="0"/>
-                <a:ea typeface="CMU Serif" panose="02000603000000000000" pitchFamily="2" charset="0"/>
-                <a:cs typeface="CMU Serif" panose="02000603000000000000" pitchFamily="2" charset="0"/>
-              </a:defRPr>
-            </a:pPr>
-            <a:endParaRPr lang="de-DE"/>
-          </a:p>
-        </c:txPr>
-        <c:crossAx val="313379312"/>
-        <c:crosses val="autoZero"/>
-        <c:crossBetween val="between"/>
-      </c:valAx>
-      <c:spPr>
-        <a:noFill/>
-        <a:ln>
-          <a:noFill/>
-        </a:ln>
-        <a:effectLst/>
-      </c:spPr>
-    </c:plotArea>
-    <c:legend>
-      <c:legendPos val="b"/>
-      <c:layout/>
-      <c:overlay val="0"/>
-      <c:spPr>
-        <a:noFill/>
-        <a:ln>
-          <a:noFill/>
-        </a:ln>
-        <a:effectLst/>
-      </c:spPr>
-      <c:txPr>
-        <a:bodyPr rot="0" spcFirstLastPara="1" vertOverflow="ellipsis" vert="horz" wrap="square" anchor="ctr" anchorCtr="1"/>
-        <a:lstStyle/>
-        <a:p>
-          <a:pPr>
-            <a:defRPr sz="1197" b="0" i="0" u="none" strike="noStrike" kern="1200" baseline="0">
-              <a:solidFill>
-                <a:schemeClr val="tx1">
-                  <a:lumMod val="65000"/>
-                  <a:lumOff val="35000"/>
-                </a:schemeClr>
-              </a:solidFill>
-              <a:latin typeface="CMU Serif" panose="02000603000000000000" pitchFamily="2" charset="0"/>
-              <a:ea typeface="CMU Serif" panose="02000603000000000000" pitchFamily="2" charset="0"/>
-              <a:cs typeface="CMU Serif" panose="02000603000000000000" pitchFamily="2" charset="0"/>
-            </a:defRPr>
-          </a:pPr>
-          <a:endParaRPr lang="de-DE"/>
-        </a:p>
-      </c:txPr>
-    </c:legend>
-    <c:plotVisOnly val="1"/>
-    <c:dispBlanksAs val="gap"/>
-    <c:showDLblsOverMax val="0"/>
-  </c:chart>
-  <c:spPr>
-    <a:noFill/>
-    <a:ln>
-      <a:noFill/>
-    </a:ln>
-    <a:effectLst/>
-  </c:spPr>
-  <c:txPr>
-    <a:bodyPr/>
-    <a:lstStyle/>
-    <a:p>
-      <a:pPr>
-        <a:defRPr>
-          <a:latin typeface="CMU Serif" panose="02000603000000000000" pitchFamily="2" charset="0"/>
-          <a:ea typeface="CMU Serif" panose="02000603000000000000" pitchFamily="2" charset="0"/>
-          <a:cs typeface="CMU Serif" panose="02000603000000000000" pitchFamily="2" charset="0"/>
-        </a:defRPr>
-      </a:pPr>
-      <a:endParaRPr lang="de-DE"/>
-    </a:p>
-  </c:txPr>
-  <c:externalData r:id="rId3">
-    <c:autoUpdate val="0"/>
-  </c:externalData>
-</c:chartSpace>
-</file>
-
-<file path=ppt/charts/colors1.xml><?xml version="1.0" encoding="utf-8"?>
-<cs:colorStyle xmlns:cs="http://schemas.microsoft.com/office/drawing/2012/chartStyle" xmlns:a="http://schemas.openxmlformats.org/drawingml/2006/main" meth="cycle" id="10">
-  <a:schemeClr val="accent1"/>
-  <a:schemeClr val="accent2"/>
-  <a:schemeClr val="accent3"/>
-  <a:schemeClr val="accent4"/>
-  <a:schemeClr val="accent5"/>
-  <a:schemeClr val="accent6"/>
-  <cs:variation/>
-  <cs:variation>
-    <a:lumMod val="60000"/>
-  </cs:variation>
-  <cs:variation>
-    <a:lumMod val="80000"/>
-    <a:lumOff val="20000"/>
-  </cs:variation>
-  <cs:variation>
-    <a:lumMod val="80000"/>
-  </cs:variation>
-  <cs:variation>
-    <a:lumMod val="60000"/>
-    <a:lumOff val="40000"/>
-  </cs:variation>
-  <cs:variation>
-    <a:lumMod val="50000"/>
-  </cs:variation>
-  <cs:variation>
-    <a:lumMod val="70000"/>
-    <a:lumOff val="30000"/>
-  </cs:variation>
-  <cs:variation>
-    <a:lumMod val="70000"/>
-  </cs:variation>
-  <cs:variation>
-    <a:lumMod val="50000"/>
-    <a:lumOff val="50000"/>
-  </cs:variation>
-</cs:colorStyle>
-</file>
-
-<file path=ppt/charts/style1.xml><?xml version="1.0" encoding="utf-8"?>
-<cs:chartStyle xmlns:cs="http://schemas.microsoft.com/office/drawing/2012/chartStyle" xmlns:a="http://schemas.openxmlformats.org/drawingml/2006/main" id="297">
-  <cs:axisTitle>
-    <cs:lnRef idx="0"/>
-    <cs:fillRef idx="0"/>
-    <cs:effectRef idx="0"/>
-    <cs:fontRef idx="minor">
-      <a:schemeClr val="tx1">
-        <a:lumMod val="65000"/>
-        <a:lumOff val="35000"/>
-      </a:schemeClr>
-    </cs:fontRef>
-    <cs:defRPr sz="1330" kern="1200"/>
-  </cs:axisTitle>
-  <cs:categoryAxis>
-    <cs:lnRef idx="0"/>
-    <cs:fillRef idx="0"/>
-    <cs:effectRef idx="0"/>
-    <cs:fontRef idx="minor">
-      <a:schemeClr val="tx1">
-        <a:lumMod val="65000"/>
-        <a:lumOff val="35000"/>
-      </a:schemeClr>
-    </cs:fontRef>
-    <cs:spPr>
-      <a:ln w="9525" cap="flat" cmpd="sng" algn="ctr">
-        <a:solidFill>
-          <a:schemeClr val="tx1">
-            <a:lumMod val="15000"/>
-            <a:lumOff val="85000"/>
-          </a:schemeClr>
-        </a:solidFill>
-        <a:round/>
-      </a:ln>
-    </cs:spPr>
-    <cs:defRPr sz="1197" kern="1200"/>
-  </cs:categoryAxis>
-  <cs:chartArea mods="allowNoFillOverride allowNoLineOverride">
-    <cs:lnRef idx="0"/>
-    <cs:fillRef idx="0"/>
-    <cs:effectRef idx="0"/>
-    <cs:fontRef idx="minor">
-      <a:schemeClr val="tx1"/>
-    </cs:fontRef>
-    <cs:spPr>
-      <a:solidFill>
-        <a:schemeClr val="bg1"/>
-      </a:solidFill>
-      <a:ln w="9525" cap="flat" cmpd="sng" algn="ctr">
-        <a:solidFill>
-          <a:schemeClr val="tx1">
-            <a:lumMod val="15000"/>
-            <a:lumOff val="85000"/>
-          </a:schemeClr>
-        </a:solidFill>
-        <a:round/>
-      </a:ln>
-    </cs:spPr>
-    <cs:defRPr sz="1330" kern="1200"/>
-  </cs:chartArea>
-  <cs:dataLabel>
-    <cs:lnRef idx="0"/>
-    <cs:fillRef idx="0"/>
-    <cs:effectRef idx="0"/>
-    <cs:fontRef idx="minor">
-      <a:schemeClr val="tx1">
-        <a:lumMod val="75000"/>
-        <a:lumOff val="25000"/>
-      </a:schemeClr>
-    </cs:fontRef>
-    <cs:defRPr sz="1197" kern="1200"/>
-  </cs:dataLabel>
-  <cs:dataLabelCallout>
-    <cs:lnRef idx="0"/>
-    <cs:fillRef idx="0"/>
-    <cs:effectRef idx="0"/>
-    <cs:fontRef idx="minor">
-      <a:schemeClr val="dk1">
-        <a:lumMod val="65000"/>
-        <a:lumOff val="35000"/>
-      </a:schemeClr>
-    </cs:fontRef>
-    <cs:spPr>
-      <a:solidFill>
-        <a:schemeClr val="lt1"/>
-      </a:solidFill>
-      <a:ln>
-        <a:solidFill>
-          <a:schemeClr val="dk1">
-            <a:lumMod val="25000"/>
-            <a:lumOff val="75000"/>
-          </a:schemeClr>
-        </a:solidFill>
-      </a:ln>
-    </cs:spPr>
-    <cs:defRPr sz="1197" kern="1200"/>
-    <cs:bodyPr rot="0" spcFirstLastPara="1" vertOverflow="clip" horzOverflow="clip" vert="horz" wrap="square" lIns="36576" tIns="18288" rIns="36576" bIns="18288" anchor="ctr" anchorCtr="1">
-      <a:spAutoFit/>
-    </cs:bodyPr>
-  </cs:dataLabelCallout>
-  <cs:dataPoint>
-    <cs:lnRef idx="0"/>
-    <cs:fillRef idx="1">
-      <cs:styleClr val="auto"/>
-    </cs:fillRef>
-    <cs:effectRef idx="0"/>
-    <cs:fontRef idx="minor">
-      <a:schemeClr val="tx1"/>
-    </cs:fontRef>
-  </cs:dataPoint>
-  <cs:dataPoint3D>
-    <cs:lnRef idx="0"/>
-    <cs:fillRef idx="1">
-      <cs:styleClr val="auto"/>
-    </cs:fillRef>
-    <cs:effectRef idx="0"/>
-    <cs:fontRef idx="minor">
-      <a:schemeClr val="tx1"/>
-    </cs:fontRef>
-  </cs:dataPoint3D>
-  <cs:dataPointLine>
-    <cs:lnRef idx="0">
-      <cs:styleClr val="auto"/>
-    </cs:lnRef>
-    <cs:fillRef idx="1"/>
-    <cs:effectRef idx="0"/>
-    <cs:fontRef idx="minor">
-      <a:schemeClr val="tx1"/>
-    </cs:fontRef>
-    <cs:spPr>
-      <a:ln w="28575" cap="rnd">
-        <a:solidFill>
-          <a:schemeClr val="phClr"/>
-        </a:solidFill>
-        <a:round/>
-      </a:ln>
-    </cs:spPr>
-  </cs:dataPointLine>
-  <cs:dataPointMarker>
-    <cs:lnRef idx="0">
-      <cs:styleClr val="auto"/>
-    </cs:lnRef>
-    <cs:fillRef idx="1">
-      <cs:styleClr val="auto"/>
-    </cs:fillRef>
-    <cs:effectRef idx="0"/>
-    <cs:fontRef idx="minor">
-      <a:schemeClr val="tx1"/>
-    </cs:fontRef>
-    <cs:spPr>
-      <a:ln w="9525">
-        <a:solidFill>
-          <a:schemeClr val="phClr"/>
-        </a:solidFill>
-      </a:ln>
-    </cs:spPr>
-  </cs:dataPointMarker>
-  <cs:dataPointMarkerLayout symbol="circle" size="5"/>
-  <cs:dataPointWireframe>
-    <cs:lnRef idx="0">
-      <cs:styleClr val="auto"/>
-    </cs:lnRef>
-    <cs:fillRef idx="1"/>
-    <cs:effectRef idx="0"/>
-    <cs:fontRef idx="minor">
-      <a:schemeClr val="tx1"/>
-    </cs:fontRef>
-    <cs:spPr>
-      <a:ln w="9525" cap="rnd">
-        <a:solidFill>
-          <a:schemeClr val="phClr"/>
-        </a:solidFill>
-        <a:round/>
-      </a:ln>
-    </cs:spPr>
-  </cs:dataPointWireframe>
-  <cs:dataTable>
-    <cs:lnRef idx="0"/>
-    <cs:fillRef idx="0"/>
-    <cs:effectRef idx="0"/>
-    <cs:fontRef idx="minor">
-      <a:schemeClr val="tx1">
-        <a:lumMod val="65000"/>
-        <a:lumOff val="35000"/>
-      </a:schemeClr>
-    </cs:fontRef>
-    <cs:spPr>
-      <a:noFill/>
-      <a:ln w="9525" cap="flat" cmpd="sng" algn="ctr">
-        <a:solidFill>
-          <a:schemeClr val="tx1">
-            <a:lumMod val="15000"/>
-            <a:lumOff val="85000"/>
-          </a:schemeClr>
-        </a:solidFill>
-        <a:round/>
-      </a:ln>
-    </cs:spPr>
-    <cs:defRPr sz="1197" kern="1200"/>
-  </cs:dataTable>
-  <cs:downBar>
-    <cs:lnRef idx="0"/>
-    <cs:fillRef idx="0"/>
-    <cs:effectRef idx="0"/>
-    <cs:fontRef idx="minor">
-      <a:schemeClr val="tx1"/>
-    </cs:fontRef>
-    <cs:spPr>
-      <a:solidFill>
-        <a:schemeClr val="dk1">
-          <a:lumMod val="75000"/>
-          <a:lumOff val="25000"/>
-        </a:schemeClr>
-      </a:solidFill>
-      <a:ln w="9525" cap="flat" cmpd="sng" algn="ctr">
-        <a:solidFill>
-          <a:schemeClr val="tx1">
-            <a:lumMod val="65000"/>
-            <a:lumOff val="35000"/>
-          </a:schemeClr>
-        </a:solidFill>
-        <a:round/>
-      </a:ln>
-    </cs:spPr>
-  </cs:downBar>
-  <cs:dropLine>
-    <cs:lnRef idx="0"/>
-    <cs:fillRef idx="0"/>
-    <cs:effectRef idx="0"/>
-    <cs:fontRef idx="minor">
-      <a:schemeClr val="tx1"/>
-    </cs:fontRef>
-    <cs:spPr>
-      <a:ln w="9525" cap="flat" cmpd="sng" algn="ctr">
-        <a:solidFill>
-          <a:schemeClr val="tx1">
-            <a:lumMod val="35000"/>
-            <a:lumOff val="65000"/>
-          </a:schemeClr>
-        </a:solidFill>
-        <a:round/>
-      </a:ln>
-    </cs:spPr>
-  </cs:dropLine>
-  <cs:errorBar>
-    <cs:lnRef idx="0"/>
-    <cs:fillRef idx="0"/>
-    <cs:effectRef idx="0"/>
-    <cs:fontRef idx="minor">
-      <a:schemeClr val="tx1"/>
-    </cs:fontRef>
-    <cs:spPr>
-      <a:ln w="9525" cap="flat" cmpd="sng" algn="ctr">
-        <a:solidFill>
-          <a:schemeClr val="tx1">
-            <a:lumMod val="65000"/>
-            <a:lumOff val="35000"/>
-          </a:schemeClr>
-        </a:solidFill>
-        <a:round/>
-      </a:ln>
-    </cs:spPr>
-  </cs:errorBar>
-  <cs:floor>
-    <cs:lnRef idx="0"/>
-    <cs:fillRef idx="0"/>
-    <cs:effectRef idx="0"/>
-    <cs:fontRef idx="minor">
-      <a:schemeClr val="tx1"/>
-    </cs:fontRef>
-    <cs:spPr>
-      <a:noFill/>
-      <a:ln>
-        <a:noFill/>
-      </a:ln>
-    </cs:spPr>
-  </cs:floor>
-  <cs:gridlineMajor>
-    <cs:lnRef idx="0"/>
-    <cs:fillRef idx="0"/>
-    <cs:effectRef idx="0"/>
-    <cs:fontRef idx="minor">
-      <a:schemeClr val="tx1"/>
-    </cs:fontRef>
-    <cs:spPr>
-      <a:ln w="9525" cap="flat" cmpd="sng" algn="ctr">
-        <a:solidFill>
-          <a:schemeClr val="tx1">
-            <a:lumMod val="15000"/>
-            <a:lumOff val="85000"/>
-          </a:schemeClr>
-        </a:solidFill>
-        <a:round/>
-      </a:ln>
-    </cs:spPr>
-  </cs:gridlineMajor>
-  <cs:gridlineMinor>
-    <cs:lnRef idx="0"/>
-    <cs:fillRef idx="0"/>
-    <cs:effectRef idx="0"/>
-    <cs:fontRef idx="minor">
-      <a:schemeClr val="tx1"/>
-    </cs:fontRef>
-    <cs:spPr>
-      <a:ln w="9525" cap="flat" cmpd="sng" algn="ctr">
-        <a:solidFill>
-          <a:schemeClr val="tx1">
-            <a:lumMod val="5000"/>
-            <a:lumOff val="95000"/>
-          </a:schemeClr>
-        </a:solidFill>
-        <a:round/>
-      </a:ln>
-    </cs:spPr>
-  </cs:gridlineMinor>
-  <cs:hiLoLine>
-    <cs:lnRef idx="0"/>
-    <cs:fillRef idx="0"/>
-    <cs:effectRef idx="0"/>
-    <cs:fontRef idx="minor">
-      <a:schemeClr val="tx1"/>
-    </cs:fontRef>
-    <cs:spPr>
-      <a:ln w="9525" cap="flat" cmpd="sng" algn="ctr">
-        <a:solidFill>
-          <a:schemeClr val="tx1">
-            <a:lumMod val="50000"/>
-            <a:lumOff val="50000"/>
-          </a:schemeClr>
-        </a:solidFill>
-        <a:round/>
-      </a:ln>
-    </cs:spPr>
-  </cs:hiLoLine>
-  <cs:leaderLine>
-    <cs:lnRef idx="0"/>
-    <cs:fillRef idx="0"/>
-    <cs:effectRef idx="0"/>
-    <cs:fontRef idx="minor">
-      <a:schemeClr val="tx1"/>
-    </cs:fontRef>
-    <cs:spPr>
-      <a:ln w="9525" cap="flat" cmpd="sng" algn="ctr">
-        <a:solidFill>
-          <a:schemeClr val="tx1">
-            <a:lumMod val="35000"/>
-            <a:lumOff val="65000"/>
-          </a:schemeClr>
-        </a:solidFill>
-        <a:round/>
-      </a:ln>
-    </cs:spPr>
-  </cs:leaderLine>
-  <cs:legend>
-    <cs:lnRef idx="0"/>
-    <cs:fillRef idx="0"/>
-    <cs:effectRef idx="0"/>
-    <cs:fontRef idx="minor">
-      <a:schemeClr val="tx1">
-        <a:lumMod val="65000"/>
-        <a:lumOff val="35000"/>
-      </a:schemeClr>
-    </cs:fontRef>
-    <cs:defRPr sz="1197" kern="1200"/>
-  </cs:legend>
-  <cs:plotArea mods="allowNoFillOverride allowNoLineOverride">
-    <cs:lnRef idx="0"/>
-    <cs:fillRef idx="0"/>
-    <cs:effectRef idx="0"/>
-    <cs:fontRef idx="minor">
-      <a:schemeClr val="tx1"/>
-    </cs:fontRef>
-  </cs:plotArea>
-  <cs:plotArea3D mods="allowNoFillOverride allowNoLineOverride">
-    <cs:lnRef idx="0"/>
-    <cs:fillRef idx="0"/>
-    <cs:effectRef idx="0"/>
-    <cs:fontRef idx="minor">
-      <a:schemeClr val="tx1"/>
-    </cs:fontRef>
-  </cs:plotArea3D>
-  <cs:seriesAxis>
-    <cs:lnRef idx="0"/>
-    <cs:fillRef idx="0"/>
-    <cs:effectRef idx="0"/>
-    <cs:fontRef idx="minor">
-      <a:schemeClr val="tx1">
-        <a:lumMod val="65000"/>
-        <a:lumOff val="35000"/>
-      </a:schemeClr>
-    </cs:fontRef>
-    <cs:defRPr sz="1197" kern="1200"/>
-  </cs:seriesAxis>
-  <cs:seriesLine>
-    <cs:lnRef idx="0"/>
-    <cs:fillRef idx="0"/>
-    <cs:effectRef idx="0"/>
-    <cs:fontRef idx="minor">
-      <a:schemeClr val="tx1"/>
-    </cs:fontRef>
-    <cs:spPr>
-      <a:ln w="9525" cap="flat" cmpd="sng" algn="ctr">
-        <a:solidFill>
-          <a:schemeClr val="tx1">
-            <a:lumMod val="35000"/>
-            <a:lumOff val="65000"/>
-          </a:schemeClr>
-        </a:solidFill>
-        <a:round/>
-      </a:ln>
-    </cs:spPr>
-  </cs:seriesLine>
-  <cs:title>
-    <cs:lnRef idx="0"/>
-    <cs:fillRef idx="0"/>
-    <cs:effectRef idx="0"/>
-    <cs:fontRef idx="minor">
-      <a:schemeClr val="tx1">
-        <a:lumMod val="65000"/>
-        <a:lumOff val="35000"/>
-      </a:schemeClr>
-    </cs:fontRef>
-    <cs:defRPr sz="1862" b="0" kern="1200" spc="0" baseline="0"/>
-  </cs:title>
-  <cs:trendline>
-    <cs:lnRef idx="0">
-      <cs:styleClr val="auto"/>
-    </cs:lnRef>
-    <cs:fillRef idx="0"/>
-    <cs:effectRef idx="0"/>
-    <cs:fontRef idx="minor">
-      <a:schemeClr val="tx1"/>
-    </cs:fontRef>
-    <cs:spPr>
-      <a:ln w="19050" cap="rnd">
-        <a:solidFill>
-          <a:schemeClr val="phClr"/>
-        </a:solidFill>
-        <a:prstDash val="sysDot"/>
-      </a:ln>
-    </cs:spPr>
-  </cs:trendline>
-  <cs:trendlineLabel>
-    <cs:lnRef idx="0"/>
-    <cs:fillRef idx="0"/>
-    <cs:effectRef idx="0"/>
-    <cs:fontRef idx="minor">
-      <a:schemeClr val="tx1">
-        <a:lumMod val="65000"/>
-        <a:lumOff val="35000"/>
-      </a:schemeClr>
-    </cs:fontRef>
-    <cs:defRPr sz="1197" kern="1200"/>
-  </cs:trendlineLabel>
-  <cs:upBar>
-    <cs:lnRef idx="0"/>
-    <cs:fillRef idx="0"/>
-    <cs:effectRef idx="0"/>
-    <cs:fontRef idx="minor">
-      <a:schemeClr val="tx1"/>
-    </cs:fontRef>
-    <cs:spPr>
-      <a:solidFill>
-        <a:schemeClr val="lt1"/>
-      </a:solidFill>
-      <a:ln w="9525" cap="flat" cmpd="sng" algn="ctr">
-        <a:solidFill>
-          <a:schemeClr val="tx1">
-            <a:lumMod val="65000"/>
-            <a:lumOff val="35000"/>
-          </a:schemeClr>
-        </a:solidFill>
-        <a:round/>
-      </a:ln>
-    </cs:spPr>
-  </cs:upBar>
-  <cs:valueAxis>
-    <cs:lnRef idx="0"/>
-    <cs:fillRef idx="0"/>
-    <cs:effectRef idx="0"/>
-    <cs:fontRef idx="minor">
-      <a:schemeClr val="tx1">
-        <a:lumMod val="65000"/>
-        <a:lumOff val="35000"/>
-      </a:schemeClr>
-    </cs:fontRef>
-    <cs:defRPr sz="1197" kern="1200"/>
-  </cs:valueAxis>
-  <cs:wall>
-    <cs:lnRef idx="0"/>
-    <cs:fillRef idx="0"/>
-    <cs:effectRef idx="0"/>
-    <cs:fontRef idx="minor">
-      <a:schemeClr val="tx1"/>
-    </cs:fontRef>
-    <cs:spPr>
-      <a:noFill/>
-      <a:ln>
-        <a:noFill/>
-      </a:ln>
-    </cs:spPr>
-  </cs:wall>
-</cs:chartStyle>
-</file>
-
 <file path=ppt/notesMasters/notesMaster1.xml><?xml version="1.0" encoding="utf-8"?>
 <p:notesMaster xmlns:a="http://schemas.openxmlformats.org/drawingml/2006/main" xmlns:r="http://schemas.openxmlformats.org/officeDocument/2006/relationships" xmlns:p="http://schemas.openxmlformats.org/presentationml/2006/main">
   <p:cSld>
@@ -1343,7 +211,7 @@
           <a:p>
             <a:fld id="{188F6163-F954-4171-86F8-919C3805A43A}" type="datetimeFigureOut">
               <a:rPr lang="de-DE" smtClean="0"/>
-              <a:t>22.11.2016</a:t>
+              <a:t>09.01.2017</a:t>
             </a:fld>
             <a:endParaRPr lang="de-DE"/>
           </a:p>
@@ -3062,7 +1930,7 @@
           <a:p>
             <a:fld id="{6E727812-5F0F-454E-BB06-65ACDB23CEDF}" type="datetimeFigureOut">
               <a:rPr lang="de-DE" smtClean="0"/>
-              <a:t>22.11.2016</a:t>
+              <a:t>09.01.2017</a:t>
             </a:fld>
             <a:endParaRPr lang="de-DE"/>
           </a:p>
@@ -3239,7 +2107,7 @@
           <a:p>
             <a:fld id="{6E727812-5F0F-454E-BB06-65ACDB23CEDF}" type="datetimeFigureOut">
               <a:rPr lang="de-DE" smtClean="0"/>
-              <a:t>22.11.2016</a:t>
+              <a:t>09.01.2017</a:t>
             </a:fld>
             <a:endParaRPr lang="de-DE"/>
           </a:p>
@@ -3419,7 +2287,7 @@
           <a:p>
             <a:fld id="{6E727812-5F0F-454E-BB06-65ACDB23CEDF}" type="datetimeFigureOut">
               <a:rPr lang="de-DE" smtClean="0"/>
-              <a:t>22.11.2016</a:t>
+              <a:t>09.01.2017</a:t>
             </a:fld>
             <a:endParaRPr lang="de-DE"/>
           </a:p>
@@ -3589,7 +2457,7 @@
           <a:p>
             <a:fld id="{6E727812-5F0F-454E-BB06-65ACDB23CEDF}" type="datetimeFigureOut">
               <a:rPr lang="de-DE" smtClean="0"/>
-              <a:t>22.11.2016</a:t>
+              <a:t>09.01.2017</a:t>
             </a:fld>
             <a:endParaRPr lang="de-DE"/>
           </a:p>
@@ -3833,7 +2701,7 @@
           <a:p>
             <a:fld id="{6E727812-5F0F-454E-BB06-65ACDB23CEDF}" type="datetimeFigureOut">
               <a:rPr lang="de-DE" smtClean="0"/>
-              <a:t>22.11.2016</a:t>
+              <a:t>09.01.2017</a:t>
             </a:fld>
             <a:endParaRPr lang="de-DE"/>
           </a:p>
@@ -4065,7 +2933,7 @@
           <a:p>
             <a:fld id="{6E727812-5F0F-454E-BB06-65ACDB23CEDF}" type="datetimeFigureOut">
               <a:rPr lang="de-DE" smtClean="0"/>
-              <a:t>22.11.2016</a:t>
+              <a:t>09.01.2017</a:t>
             </a:fld>
             <a:endParaRPr lang="de-DE"/>
           </a:p>
@@ -4432,7 +3300,7 @@
           <a:p>
             <a:fld id="{6E727812-5F0F-454E-BB06-65ACDB23CEDF}" type="datetimeFigureOut">
               <a:rPr lang="de-DE" smtClean="0"/>
-              <a:t>22.11.2016</a:t>
+              <a:t>09.01.2017</a:t>
             </a:fld>
             <a:endParaRPr lang="de-DE"/>
           </a:p>
@@ -4550,7 +3418,7 @@
           <a:p>
             <a:fld id="{6E727812-5F0F-454E-BB06-65ACDB23CEDF}" type="datetimeFigureOut">
               <a:rPr lang="de-DE" smtClean="0"/>
-              <a:t>22.11.2016</a:t>
+              <a:t>09.01.2017</a:t>
             </a:fld>
             <a:endParaRPr lang="de-DE"/>
           </a:p>
@@ -4645,7 +3513,7 @@
           <a:p>
             <a:fld id="{6E727812-5F0F-454E-BB06-65ACDB23CEDF}" type="datetimeFigureOut">
               <a:rPr lang="de-DE" smtClean="0"/>
-              <a:t>22.11.2016</a:t>
+              <a:t>09.01.2017</a:t>
             </a:fld>
             <a:endParaRPr lang="de-DE"/>
           </a:p>
@@ -4922,7 +3790,7 @@
           <a:p>
             <a:fld id="{6E727812-5F0F-454E-BB06-65ACDB23CEDF}" type="datetimeFigureOut">
               <a:rPr lang="de-DE" smtClean="0"/>
-              <a:t>22.11.2016</a:t>
+              <a:t>09.01.2017</a:t>
             </a:fld>
             <a:endParaRPr lang="de-DE"/>
           </a:p>
@@ -5179,7 +4047,7 @@
           <a:p>
             <a:fld id="{6E727812-5F0F-454E-BB06-65ACDB23CEDF}" type="datetimeFigureOut">
               <a:rPr lang="de-DE" smtClean="0"/>
-              <a:t>22.11.2016</a:t>
+              <a:t>09.01.2017</a:t>
             </a:fld>
             <a:endParaRPr lang="de-DE"/>
           </a:p>
@@ -5392,7 +4260,7 @@
           <a:p>
             <a:fld id="{6E727812-5F0F-454E-BB06-65ACDB23CEDF}" type="datetimeFigureOut">
               <a:rPr lang="de-DE" smtClean="0"/>
-              <a:t>22.11.2016</a:t>
+              <a:t>09.01.2017</a:t>
             </a:fld>
             <a:endParaRPr lang="de-DE"/>
           </a:p>
@@ -5797,28 +4665,216 @@
           <a:chExt cx="0" cy="0"/>
         </a:xfrm>
       </p:grpSpPr>
-      <p:graphicFrame>
-        <p:nvGraphicFramePr>
-          <p:cNvPr id="3" name="Diagramm 2"/>
-          <p:cNvGraphicFramePr/>
-          <p:nvPr>
-            <p:extLst>
-              <p:ext uri="{D42A27DB-BD31-4B8C-83A1-F6EECF244321}">
-                <p14:modId xmlns:p14="http://schemas.microsoft.com/office/powerpoint/2010/main" val="2913976215"/>
-              </p:ext>
-            </p:extLst>
-          </p:nvPr>
-        </p:nvGraphicFramePr>
-        <p:xfrm>
-          <a:off x="0" y="-1"/>
-          <a:ext cx="9072282" cy="6789271"/>
-        </p:xfrm>
-        <a:graphic>
-          <a:graphicData uri="http://schemas.openxmlformats.org/drawingml/2006/chart">
-            <c:chart xmlns:c="http://schemas.openxmlformats.org/drawingml/2006/chart" xmlns:r="http://schemas.openxmlformats.org/officeDocument/2006/relationships" r:id="rId3"/>
-          </a:graphicData>
-        </a:graphic>
-      </p:graphicFrame>
+      <p:sp>
+        <p:nvSpPr>
+          <p:cNvPr id="2" name="Gleichschenkliges Dreieck 1"/>
+          <p:cNvSpPr/>
+          <p:nvPr/>
+        </p:nvSpPr>
+        <p:spPr>
+          <a:xfrm>
+            <a:off x="1491418" y="773326"/>
+            <a:ext cx="6161164" cy="5311349"/>
+          </a:xfrm>
+          <a:prstGeom prst="triangle">
+            <a:avLst/>
+          </a:prstGeom>
+        </p:spPr>
+        <p:style>
+          <a:lnRef idx="2">
+            <a:schemeClr val="accent1">
+              <a:shade val="50000"/>
+            </a:schemeClr>
+          </a:lnRef>
+          <a:fillRef idx="1">
+            <a:schemeClr val="accent1"/>
+          </a:fillRef>
+          <a:effectRef idx="0">
+            <a:schemeClr val="accent1"/>
+          </a:effectRef>
+          <a:fontRef idx="minor">
+            <a:schemeClr val="lt1"/>
+          </a:fontRef>
+        </p:style>
+        <p:txBody>
+          <a:bodyPr rtlCol="0" anchor="ctr"/>
+          <a:lstStyle/>
+          <a:p>
+            <a:pPr algn="ctr"/>
+            <a:endParaRPr lang="de-DE" sz="6600" dirty="0"/>
+          </a:p>
+        </p:txBody>
+      </p:sp>
+      <p:sp>
+        <p:nvSpPr>
+          <p:cNvPr id="9" name="Abgerundetes Rechteck 8"/>
+          <p:cNvSpPr/>
+          <p:nvPr/>
+        </p:nvSpPr>
+        <p:spPr>
+          <a:xfrm>
+            <a:off x="3916152" y="543149"/>
+            <a:ext cx="1311691" cy="460353"/>
+          </a:xfrm>
+          <a:prstGeom prst="roundRect">
+            <a:avLst/>
+          </a:prstGeom>
+        </p:spPr>
+        <p:style>
+          <a:lnRef idx="2">
+            <a:schemeClr val="accent2">
+              <a:shade val="50000"/>
+            </a:schemeClr>
+          </a:lnRef>
+          <a:fillRef idx="1">
+            <a:schemeClr val="accent2"/>
+          </a:fillRef>
+          <a:effectRef idx="0">
+            <a:schemeClr val="accent2"/>
+          </a:effectRef>
+          <a:fontRef idx="minor">
+            <a:schemeClr val="lt1"/>
+          </a:fontRef>
+        </p:style>
+        <p:txBody>
+          <a:bodyPr rtlCol="0" anchor="ctr"/>
+          <a:lstStyle/>
+          <a:p>
+            <a:pPr algn="ctr"/>
+            <a:r>
+              <a:rPr lang="de-DE" dirty="0" smtClean="0"/>
+              <a:t>Leistung</a:t>
+            </a:r>
+            <a:endParaRPr lang="de-DE" dirty="0"/>
+          </a:p>
+        </p:txBody>
+      </p:sp>
+      <p:sp>
+        <p:nvSpPr>
+          <p:cNvPr id="10" name="Abgerundetes Rechteck 9"/>
+          <p:cNvSpPr/>
+          <p:nvPr/>
+        </p:nvSpPr>
+        <p:spPr>
+          <a:xfrm>
+            <a:off x="835572" y="5854498"/>
+            <a:ext cx="1311691" cy="460353"/>
+          </a:xfrm>
+          <a:prstGeom prst="roundRect">
+            <a:avLst/>
+          </a:prstGeom>
+        </p:spPr>
+        <p:style>
+          <a:lnRef idx="2">
+            <a:schemeClr val="accent2">
+              <a:shade val="50000"/>
+            </a:schemeClr>
+          </a:lnRef>
+          <a:fillRef idx="1">
+            <a:schemeClr val="accent2"/>
+          </a:fillRef>
+          <a:effectRef idx="0">
+            <a:schemeClr val="accent2"/>
+          </a:effectRef>
+          <a:fontRef idx="minor">
+            <a:schemeClr val="lt1"/>
+          </a:fontRef>
+        </p:style>
+        <p:txBody>
+          <a:bodyPr rtlCol="0" anchor="ctr"/>
+          <a:lstStyle/>
+          <a:p>
+            <a:pPr algn="ctr"/>
+            <a:r>
+              <a:rPr lang="de-DE" dirty="0" smtClean="0"/>
+              <a:t>Zeit</a:t>
+            </a:r>
+            <a:endParaRPr lang="de-DE" dirty="0"/>
+          </a:p>
+        </p:txBody>
+      </p:sp>
+      <p:sp>
+        <p:nvSpPr>
+          <p:cNvPr id="11" name="Abgerundetes Rechteck 10"/>
+          <p:cNvSpPr/>
+          <p:nvPr/>
+        </p:nvSpPr>
+        <p:spPr>
+          <a:xfrm>
+            <a:off x="6996737" y="5854498"/>
+            <a:ext cx="1311691" cy="460353"/>
+          </a:xfrm>
+          <a:prstGeom prst="roundRect">
+            <a:avLst/>
+          </a:prstGeom>
+        </p:spPr>
+        <p:style>
+          <a:lnRef idx="2">
+            <a:schemeClr val="accent2">
+              <a:shade val="50000"/>
+            </a:schemeClr>
+          </a:lnRef>
+          <a:fillRef idx="1">
+            <a:schemeClr val="accent2"/>
+          </a:fillRef>
+          <a:effectRef idx="0">
+            <a:schemeClr val="accent2"/>
+          </a:effectRef>
+          <a:fontRef idx="minor">
+            <a:schemeClr val="lt1"/>
+          </a:fontRef>
+        </p:style>
+        <p:txBody>
+          <a:bodyPr rtlCol="0" anchor="ctr"/>
+          <a:lstStyle/>
+          <a:p>
+            <a:pPr algn="ctr"/>
+            <a:r>
+              <a:rPr lang="de-DE" dirty="0" smtClean="0"/>
+              <a:t>Kosten</a:t>
+            </a:r>
+            <a:endParaRPr lang="de-DE" dirty="0"/>
+          </a:p>
+        </p:txBody>
+      </p:sp>
+      <p:sp>
+        <p:nvSpPr>
+          <p:cNvPr id="13" name="Textfeld 12"/>
+          <p:cNvSpPr txBox="1"/>
+          <p:nvPr/>
+        </p:nvSpPr>
+        <p:spPr>
+          <a:xfrm>
+            <a:off x="3255578" y="3529898"/>
+            <a:ext cx="2632841" cy="923330"/>
+          </a:xfrm>
+          <a:prstGeom prst="rect">
+            <a:avLst/>
+          </a:prstGeom>
+          <a:noFill/>
+        </p:spPr>
+        <p:txBody>
+          <a:bodyPr wrap="square" rtlCol="0">
+            <a:spAutoFit/>
+          </a:bodyPr>
+          <a:lstStyle/>
+          <a:p>
+            <a:r>
+              <a:rPr lang="de-DE" sz="5400" dirty="0" smtClean="0">
+                <a:solidFill>
+                  <a:schemeClr val="bg1"/>
+                </a:solidFill>
+              </a:rPr>
+              <a:t>Qualität</a:t>
+            </a:r>
+            <a:endParaRPr lang="de-DE" sz="5400" dirty="0">
+              <a:solidFill>
+                <a:schemeClr val="bg1"/>
+              </a:solidFill>
+            </a:endParaRPr>
+          </a:p>
+        </p:txBody>
+      </p:sp>
     </p:spTree>
     <p:extLst>
       <p:ext uri="{BB962C8B-B14F-4D97-AF65-F5344CB8AC3E}">

--- a/images/ppt/graphics.pptx
+++ b/images/ppt/graphics.pptx
@@ -211,7 +211,7 @@
           <a:p>
             <a:fld id="{188F6163-F954-4171-86F8-919C3805A43A}" type="datetimeFigureOut">
               <a:rPr lang="de-DE" smtClean="0"/>
-              <a:t>09.01.2017</a:t>
+              <a:t>16.01.2017</a:t>
             </a:fld>
             <a:endParaRPr lang="de-DE"/>
           </a:p>
@@ -525,7 +525,7 @@
           <a:p>
             <a:r>
               <a:rPr lang="de-DE" dirty="0" smtClean="0"/>
-              <a:t>dg_failed-projects.pptx</a:t>
+              <a:t>img_magisches-dreieck.pdf</a:t>
             </a:r>
             <a:endParaRPr lang="de-DE" dirty="0"/>
           </a:p>
@@ -1930,7 +1930,7 @@
           <a:p>
             <a:fld id="{6E727812-5F0F-454E-BB06-65ACDB23CEDF}" type="datetimeFigureOut">
               <a:rPr lang="de-DE" smtClean="0"/>
-              <a:t>09.01.2017</a:t>
+              <a:t>16.01.2017</a:t>
             </a:fld>
             <a:endParaRPr lang="de-DE"/>
           </a:p>
@@ -2107,7 +2107,7 @@
           <a:p>
             <a:fld id="{6E727812-5F0F-454E-BB06-65ACDB23CEDF}" type="datetimeFigureOut">
               <a:rPr lang="de-DE" smtClean="0"/>
-              <a:t>09.01.2017</a:t>
+              <a:t>16.01.2017</a:t>
             </a:fld>
             <a:endParaRPr lang="de-DE"/>
           </a:p>
@@ -2287,7 +2287,7 @@
           <a:p>
             <a:fld id="{6E727812-5F0F-454E-BB06-65ACDB23CEDF}" type="datetimeFigureOut">
               <a:rPr lang="de-DE" smtClean="0"/>
-              <a:t>09.01.2017</a:t>
+              <a:t>16.01.2017</a:t>
             </a:fld>
             <a:endParaRPr lang="de-DE"/>
           </a:p>
@@ -2457,7 +2457,7 @@
           <a:p>
             <a:fld id="{6E727812-5F0F-454E-BB06-65ACDB23CEDF}" type="datetimeFigureOut">
               <a:rPr lang="de-DE" smtClean="0"/>
-              <a:t>09.01.2017</a:t>
+              <a:t>16.01.2017</a:t>
             </a:fld>
             <a:endParaRPr lang="de-DE"/>
           </a:p>
@@ -2701,7 +2701,7 @@
           <a:p>
             <a:fld id="{6E727812-5F0F-454E-BB06-65ACDB23CEDF}" type="datetimeFigureOut">
               <a:rPr lang="de-DE" smtClean="0"/>
-              <a:t>09.01.2017</a:t>
+              <a:t>16.01.2017</a:t>
             </a:fld>
             <a:endParaRPr lang="de-DE"/>
           </a:p>
@@ -2933,7 +2933,7 @@
           <a:p>
             <a:fld id="{6E727812-5F0F-454E-BB06-65ACDB23CEDF}" type="datetimeFigureOut">
               <a:rPr lang="de-DE" smtClean="0"/>
-              <a:t>09.01.2017</a:t>
+              <a:t>16.01.2017</a:t>
             </a:fld>
             <a:endParaRPr lang="de-DE"/>
           </a:p>
@@ -3300,7 +3300,7 @@
           <a:p>
             <a:fld id="{6E727812-5F0F-454E-BB06-65ACDB23CEDF}" type="datetimeFigureOut">
               <a:rPr lang="de-DE" smtClean="0"/>
-              <a:t>09.01.2017</a:t>
+              <a:t>16.01.2017</a:t>
             </a:fld>
             <a:endParaRPr lang="de-DE"/>
           </a:p>
@@ -3418,7 +3418,7 @@
           <a:p>
             <a:fld id="{6E727812-5F0F-454E-BB06-65ACDB23CEDF}" type="datetimeFigureOut">
               <a:rPr lang="de-DE" smtClean="0"/>
-              <a:t>09.01.2017</a:t>
+              <a:t>16.01.2017</a:t>
             </a:fld>
             <a:endParaRPr lang="de-DE"/>
           </a:p>
@@ -3513,7 +3513,7 @@
           <a:p>
             <a:fld id="{6E727812-5F0F-454E-BB06-65ACDB23CEDF}" type="datetimeFigureOut">
               <a:rPr lang="de-DE" smtClean="0"/>
-              <a:t>09.01.2017</a:t>
+              <a:t>16.01.2017</a:t>
             </a:fld>
             <a:endParaRPr lang="de-DE"/>
           </a:p>
@@ -3790,7 +3790,7 @@
           <a:p>
             <a:fld id="{6E727812-5F0F-454E-BB06-65ACDB23CEDF}" type="datetimeFigureOut">
               <a:rPr lang="de-DE" smtClean="0"/>
-              <a:t>09.01.2017</a:t>
+              <a:t>16.01.2017</a:t>
             </a:fld>
             <a:endParaRPr lang="de-DE"/>
           </a:p>
@@ -4047,7 +4047,7 @@
           <a:p>
             <a:fld id="{6E727812-5F0F-454E-BB06-65ACDB23CEDF}" type="datetimeFigureOut">
               <a:rPr lang="de-DE" smtClean="0"/>
-              <a:t>09.01.2017</a:t>
+              <a:t>16.01.2017</a:t>
             </a:fld>
             <a:endParaRPr lang="de-DE"/>
           </a:p>
@@ -4260,7 +4260,7 @@
           <a:p>
             <a:fld id="{6E727812-5F0F-454E-BB06-65ACDB23CEDF}" type="datetimeFigureOut">
               <a:rPr lang="de-DE" smtClean="0"/>
-              <a:t>09.01.2017</a:t>
+              <a:t>16.01.2017</a:t>
             </a:fld>
             <a:endParaRPr lang="de-DE"/>
           </a:p>
@@ -14187,7 +14187,15 @@
             <a:pPr algn="ctr"/>
             <a:r>
               <a:rPr lang="de-DE" sz="1400" dirty="0" smtClean="0"/>
-              <a:t>HTTP Client</a:t>
+              <a:t>Security REST</a:t>
+            </a:r>
+            <a:r>
+              <a:rPr lang="de-DE" sz="1400" dirty="0" smtClean="0"/>
+              <a:t> </a:t>
+            </a:r>
+            <a:r>
+              <a:rPr lang="de-DE" sz="1400" dirty="0" smtClean="0"/>
+              <a:t>Client</a:t>
             </a:r>
             <a:endParaRPr lang="de-DE" sz="1400" dirty="0"/>
           </a:p>
@@ -14195,18 +14203,21 @@
       </p:sp>
       <p:sp>
         <p:nvSpPr>
-          <p:cNvPr id="9" name="Rechteck 8"/>
+          <p:cNvPr id="10" name="Rechteck 9"/>
           <p:cNvSpPr/>
           <p:nvPr/>
         </p:nvSpPr>
         <p:spPr>
-          <a:xfrm rot="16200000">
-            <a:off x="2378652" y="2248874"/>
-            <a:ext cx="1980096" cy="498380"/>
+          <a:xfrm>
+            <a:off x="5437191" y="1512024"/>
+            <a:ext cx="1791155" cy="815002"/>
           </a:xfrm>
           <a:prstGeom prst="rect">
             <a:avLst/>
           </a:prstGeom>
+          <a:ln w="38100" cap="rnd">
+            <a:prstDash val="sysDash"/>
+          </a:ln>
         </p:spPr>
         <p:style>
           <a:lnRef idx="2">
@@ -14230,53 +14241,6 @@
           <a:p>
             <a:pPr algn="ctr"/>
             <a:r>
-              <a:rPr lang="de-DE" sz="1400" dirty="0" smtClean="0"/>
-              <a:t>Gateways</a:t>
-            </a:r>
-            <a:endParaRPr lang="de-DE" sz="1400" dirty="0"/>
-          </a:p>
-        </p:txBody>
-      </p:sp>
-      <p:sp>
-        <p:nvSpPr>
-          <p:cNvPr id="10" name="Rechteck 9"/>
-          <p:cNvSpPr/>
-          <p:nvPr/>
-        </p:nvSpPr>
-        <p:spPr>
-          <a:xfrm>
-            <a:off x="5437191" y="1512024"/>
-            <a:ext cx="1791155" cy="815002"/>
-          </a:xfrm>
-          <a:prstGeom prst="rect">
-            <a:avLst/>
-          </a:prstGeom>
-          <a:ln w="38100" cap="rnd">
-            <a:prstDash val="sysDash"/>
-          </a:ln>
-        </p:spPr>
-        <p:style>
-          <a:lnRef idx="2">
-            <a:schemeClr val="accent3">
-              <a:shade val="50000"/>
-            </a:schemeClr>
-          </a:lnRef>
-          <a:fillRef idx="1">
-            <a:schemeClr val="accent3"/>
-          </a:fillRef>
-          <a:effectRef idx="0">
-            <a:schemeClr val="accent3"/>
-          </a:effectRef>
-          <a:fontRef idx="minor">
-            <a:schemeClr val="lt1"/>
-          </a:fontRef>
-        </p:style>
-        <p:txBody>
-          <a:bodyPr rtlCol="0" anchor="ctr"/>
-          <a:lstStyle/>
-          <a:p>
-            <a:pPr algn="ctr"/>
-            <a:r>
               <a:rPr lang="de-DE" sz="1400" dirty="0" err="1" smtClean="0"/>
               <a:t>External</a:t>
             </a:r>
@@ -14459,47 +14423,8 @@
         </p:nvCxnSpPr>
         <p:spPr>
           <a:xfrm>
-            <a:off x="2839434" y="1847817"/>
-            <a:ext cx="280076" cy="1024"/>
-          </a:xfrm>
-          <a:prstGeom prst="line">
-            <a:avLst/>
-          </a:prstGeom>
-          <a:ln w="28575">
-            <a:solidFill>
-              <a:schemeClr val="bg1">
-                <a:lumMod val="50000"/>
-              </a:schemeClr>
-            </a:solidFill>
-          </a:ln>
-        </p:spPr>
-        <p:style>
-          <a:lnRef idx="1">
-            <a:schemeClr val="accent1"/>
-          </a:lnRef>
-          <a:fillRef idx="0">
-            <a:schemeClr val="accent1"/>
-          </a:fillRef>
-          <a:effectRef idx="0">
-            <a:schemeClr val="accent1"/>
-          </a:effectRef>
-          <a:fontRef idx="minor">
-            <a:schemeClr val="tx1"/>
-          </a:fontRef>
-        </p:style>
-      </p:cxnSp>
-      <p:cxnSp>
-        <p:nvCxnSpPr>
-          <p:cNvPr id="16" name="Gerader Verbinder 15"/>
-          <p:cNvCxnSpPr>
-            <a:stCxn id="9" idx="2"/>
-          </p:cNvCxnSpPr>
-          <p:nvPr/>
-        </p:nvCxnSpPr>
-        <p:spPr>
-          <a:xfrm>
-            <a:off x="3617891" y="2498064"/>
-            <a:ext cx="278011" cy="0"/>
+            <a:off x="2839433" y="1847817"/>
+            <a:ext cx="1056469" cy="0"/>
           </a:xfrm>
           <a:prstGeom prst="line">
             <a:avLst/>

--- a/images/ppt/graphics.pptx
+++ b/images/ppt/graphics.pptx
@@ -18,7 +18,7 @@
     <p:sldId id="257" r:id="rId9"/>
     <p:sldId id="258" r:id="rId10"/>
     <p:sldId id="271" r:id="rId11"/>
-    <p:sldId id="259" r:id="rId12"/>
+    <p:sldId id="278" r:id="rId12"/>
     <p:sldId id="260" r:id="rId13"/>
     <p:sldId id="261" r:id="rId14"/>
     <p:sldId id="262" r:id="rId15"/>
@@ -216,7 +216,7 @@
           <a:p>
             <a:fld id="{188F6163-F954-4171-86F8-919C3805A43A}" type="datetimeFigureOut">
               <a:rPr lang="de-DE" smtClean="0"/>
-              <a:t>25.01.2017</a:t>
+              <a:t>26.01.2017</a:t>
             </a:fld>
             <a:endParaRPr lang="de-DE"/>
           </a:p>
@@ -706,7 +706,7 @@
           <a:p>
             <a:r>
               <a:rPr lang="de-DE" dirty="0" smtClean="0"/>
-              <a:t>img_unit-testing.pptx</a:t>
+              <a:t>Img_unit_testing.pptx</a:t>
             </a:r>
             <a:endParaRPr lang="de-DE" dirty="0"/>
           </a:p>
@@ -738,7 +738,7 @@
     </p:spTree>
     <p:extLst>
       <p:ext uri="{BB962C8B-B14F-4D97-AF65-F5344CB8AC3E}">
-        <p14:creationId xmlns:p14="http://schemas.microsoft.com/office/powerpoint/2010/main" val="1031142868"/>
+        <p14:creationId xmlns:p14="http://schemas.microsoft.com/office/powerpoint/2010/main" val="1643096522"/>
       </p:ext>
     </p:extLst>
   </p:cSld>
@@ -2423,7 +2423,7 @@
           <a:p>
             <a:fld id="{6E727812-5F0F-454E-BB06-65ACDB23CEDF}" type="datetimeFigureOut">
               <a:rPr lang="de-DE" smtClean="0"/>
-              <a:t>25.01.2017</a:t>
+              <a:t>26.01.2017</a:t>
             </a:fld>
             <a:endParaRPr lang="de-DE"/>
           </a:p>
@@ -2600,7 +2600,7 @@
           <a:p>
             <a:fld id="{6E727812-5F0F-454E-BB06-65ACDB23CEDF}" type="datetimeFigureOut">
               <a:rPr lang="de-DE" smtClean="0"/>
-              <a:t>25.01.2017</a:t>
+              <a:t>26.01.2017</a:t>
             </a:fld>
             <a:endParaRPr lang="de-DE"/>
           </a:p>
@@ -2780,7 +2780,7 @@
           <a:p>
             <a:fld id="{6E727812-5F0F-454E-BB06-65ACDB23CEDF}" type="datetimeFigureOut">
               <a:rPr lang="de-DE" smtClean="0"/>
-              <a:t>25.01.2017</a:t>
+              <a:t>26.01.2017</a:t>
             </a:fld>
             <a:endParaRPr lang="de-DE"/>
           </a:p>
@@ -2950,7 +2950,7 @@
           <a:p>
             <a:fld id="{6E727812-5F0F-454E-BB06-65ACDB23CEDF}" type="datetimeFigureOut">
               <a:rPr lang="de-DE" smtClean="0"/>
-              <a:t>25.01.2017</a:t>
+              <a:t>26.01.2017</a:t>
             </a:fld>
             <a:endParaRPr lang="de-DE"/>
           </a:p>
@@ -3194,7 +3194,7 @@
           <a:p>
             <a:fld id="{6E727812-5F0F-454E-BB06-65ACDB23CEDF}" type="datetimeFigureOut">
               <a:rPr lang="de-DE" smtClean="0"/>
-              <a:t>25.01.2017</a:t>
+              <a:t>26.01.2017</a:t>
             </a:fld>
             <a:endParaRPr lang="de-DE"/>
           </a:p>
@@ -3426,7 +3426,7 @@
           <a:p>
             <a:fld id="{6E727812-5F0F-454E-BB06-65ACDB23CEDF}" type="datetimeFigureOut">
               <a:rPr lang="de-DE" smtClean="0"/>
-              <a:t>25.01.2017</a:t>
+              <a:t>26.01.2017</a:t>
             </a:fld>
             <a:endParaRPr lang="de-DE"/>
           </a:p>
@@ -3793,7 +3793,7 @@
           <a:p>
             <a:fld id="{6E727812-5F0F-454E-BB06-65ACDB23CEDF}" type="datetimeFigureOut">
               <a:rPr lang="de-DE" smtClean="0"/>
-              <a:t>25.01.2017</a:t>
+              <a:t>26.01.2017</a:t>
             </a:fld>
             <a:endParaRPr lang="de-DE"/>
           </a:p>
@@ -3911,7 +3911,7 @@
           <a:p>
             <a:fld id="{6E727812-5F0F-454E-BB06-65ACDB23CEDF}" type="datetimeFigureOut">
               <a:rPr lang="de-DE" smtClean="0"/>
-              <a:t>25.01.2017</a:t>
+              <a:t>26.01.2017</a:t>
             </a:fld>
             <a:endParaRPr lang="de-DE"/>
           </a:p>
@@ -4006,7 +4006,7 @@
           <a:p>
             <a:fld id="{6E727812-5F0F-454E-BB06-65ACDB23CEDF}" type="datetimeFigureOut">
               <a:rPr lang="de-DE" smtClean="0"/>
-              <a:t>25.01.2017</a:t>
+              <a:t>26.01.2017</a:t>
             </a:fld>
             <a:endParaRPr lang="de-DE"/>
           </a:p>
@@ -4283,7 +4283,7 @@
           <a:p>
             <a:fld id="{6E727812-5F0F-454E-BB06-65ACDB23CEDF}" type="datetimeFigureOut">
               <a:rPr lang="de-DE" smtClean="0"/>
-              <a:t>25.01.2017</a:t>
+              <a:t>26.01.2017</a:t>
             </a:fld>
             <a:endParaRPr lang="de-DE"/>
           </a:p>
@@ -4540,7 +4540,7 @@
           <a:p>
             <a:fld id="{6E727812-5F0F-454E-BB06-65ACDB23CEDF}" type="datetimeFigureOut">
               <a:rPr lang="de-DE" smtClean="0"/>
-              <a:t>25.01.2017</a:t>
+              <a:t>26.01.2017</a:t>
             </a:fld>
             <a:endParaRPr lang="de-DE"/>
           </a:p>
@@ -4753,7 +4753,7 @@
           <a:p>
             <a:fld id="{6E727812-5F0F-454E-BB06-65ACDB23CEDF}" type="datetimeFigureOut">
               <a:rPr lang="de-DE" smtClean="0"/>
-              <a:t>25.01.2017</a:t>
+              <a:t>26.01.2017</a:t>
             </a:fld>
             <a:endParaRPr lang="de-DE"/>
           </a:p>
@@ -5407,63 +5407,14 @@
       </p:grpSpPr>
       <p:sp>
         <p:nvSpPr>
-          <p:cNvPr id="2" name="Rechteck 1"/>
+          <p:cNvPr id="23" name="Rechteck 22"/>
           <p:cNvSpPr/>
           <p:nvPr/>
         </p:nvSpPr>
         <p:spPr>
           <a:xfrm>
-            <a:off x="124292" y="44390"/>
-            <a:ext cx="5034889" cy="6717516"/>
-          </a:xfrm>
-          <a:prstGeom prst="rect">
-            <a:avLst/>
-          </a:prstGeom>
-          <a:noFill/>
-          <a:ln w="19050">
-            <a:solidFill>
-              <a:schemeClr val="bg1">
-                <a:lumMod val="75000"/>
-              </a:schemeClr>
-            </a:solidFill>
-            <a:prstDash val="dashDot"/>
-          </a:ln>
-        </p:spPr>
-        <p:style>
-          <a:lnRef idx="2">
-            <a:schemeClr val="accent1">
-              <a:shade val="50000"/>
-            </a:schemeClr>
-          </a:lnRef>
-          <a:fillRef idx="1">
-            <a:schemeClr val="accent1"/>
-          </a:fillRef>
-          <a:effectRef idx="0">
-            <a:schemeClr val="accent1"/>
-          </a:effectRef>
-          <a:fontRef idx="minor">
-            <a:schemeClr val="lt1"/>
-          </a:fontRef>
-        </p:style>
-        <p:txBody>
-          <a:bodyPr rtlCol="0" anchor="ctr"/>
-          <a:lstStyle/>
-          <a:p>
-            <a:pPr algn="ctr"/>
-            <a:endParaRPr lang="de-DE"/>
-          </a:p>
-        </p:txBody>
-      </p:sp>
-      <p:sp>
-        <p:nvSpPr>
-          <p:cNvPr id="3" name="Rechteck 2"/>
-          <p:cNvSpPr/>
-          <p:nvPr/>
-        </p:nvSpPr>
-        <p:spPr>
-          <a:xfrm>
-            <a:off x="423774" y="275962"/>
-            <a:ext cx="4435929" cy="5043691"/>
+            <a:off x="5458663" y="2580955"/>
+            <a:ext cx="491084" cy="286158"/>
           </a:xfrm>
           <a:prstGeom prst="rect">
             <a:avLst/>
@@ -5510,25 +5461,26 @@
       </p:sp>
       <p:sp>
         <p:nvSpPr>
-          <p:cNvPr id="4" name="Zylinder 3"/>
+          <p:cNvPr id="24" name="Rechteck 23"/>
           <p:cNvSpPr/>
           <p:nvPr/>
         </p:nvSpPr>
         <p:spPr>
           <a:xfrm>
-            <a:off x="2262810" y="5733340"/>
-            <a:ext cx="757855" cy="823756"/>
+            <a:off x="5458662" y="3118562"/>
+            <a:ext cx="491084" cy="290854"/>
           </a:xfrm>
-          <a:prstGeom prst="can">
+          <a:prstGeom prst="rect">
             <a:avLst/>
           </a:prstGeom>
-          <a:ln w="38100" cap="rnd">
+          <a:noFill/>
+          <a:ln w="19050">
             <a:solidFill>
-              <a:schemeClr val="accent1">
+              <a:schemeClr val="bg1">
                 <a:lumMod val="75000"/>
               </a:schemeClr>
             </a:solidFill>
-            <a:prstDash val="sysDash"/>
+            <a:prstDash val="dashDot"/>
           </a:ln>
         </p:spPr>
         <p:style>
@@ -5558,14 +5510,134 @@
       </p:sp>
       <p:sp>
         <p:nvSpPr>
-          <p:cNvPr id="5" name="Rechteck 4"/>
+          <p:cNvPr id="25" name="Rechteck 24"/>
           <p:cNvSpPr/>
           <p:nvPr/>
         </p:nvSpPr>
         <p:spPr>
           <a:xfrm>
-            <a:off x="889202" y="4493095"/>
-            <a:ext cx="3505080" cy="494254"/>
+            <a:off x="5458660" y="3660865"/>
+            <a:ext cx="491084" cy="290854"/>
+          </a:xfrm>
+          <a:prstGeom prst="rect">
+            <a:avLst/>
+          </a:prstGeom>
+        </p:spPr>
+        <p:style>
+          <a:lnRef idx="2">
+            <a:schemeClr val="accent5">
+              <a:shade val="50000"/>
+            </a:schemeClr>
+          </a:lnRef>
+          <a:fillRef idx="1">
+            <a:schemeClr val="accent5"/>
+          </a:fillRef>
+          <a:effectRef idx="0">
+            <a:schemeClr val="accent5"/>
+          </a:effectRef>
+          <a:fontRef idx="minor">
+            <a:schemeClr val="lt1"/>
+          </a:fontRef>
+        </p:style>
+        <p:txBody>
+          <a:bodyPr rtlCol="0" anchor="ctr"/>
+          <a:lstStyle/>
+          <a:p>
+            <a:pPr algn="ctr"/>
+            <a:endParaRPr lang="de-DE" sz="1400" dirty="0"/>
+          </a:p>
+        </p:txBody>
+      </p:sp>
+      <p:sp>
+        <p:nvSpPr>
+          <p:cNvPr id="26" name="Rechteck 25"/>
+          <p:cNvSpPr/>
+          <p:nvPr/>
+        </p:nvSpPr>
+        <p:spPr>
+          <a:xfrm>
+            <a:off x="5458659" y="4203168"/>
+            <a:ext cx="491084" cy="290854"/>
+          </a:xfrm>
+          <a:prstGeom prst="rect">
+            <a:avLst/>
+          </a:prstGeom>
+        </p:spPr>
+        <p:style>
+          <a:lnRef idx="2">
+            <a:schemeClr val="accent2">
+              <a:shade val="50000"/>
+            </a:schemeClr>
+          </a:lnRef>
+          <a:fillRef idx="1">
+            <a:schemeClr val="accent2"/>
+          </a:fillRef>
+          <a:effectRef idx="0">
+            <a:schemeClr val="accent2"/>
+          </a:effectRef>
+          <a:fontRef idx="minor">
+            <a:schemeClr val="lt1"/>
+          </a:fontRef>
+        </p:style>
+        <p:txBody>
+          <a:bodyPr rtlCol="0" anchor="ctr"/>
+          <a:lstStyle/>
+          <a:p>
+            <a:pPr algn="ctr"/>
+            <a:endParaRPr lang="de-DE" sz="1400" dirty="0"/>
+          </a:p>
+        </p:txBody>
+      </p:sp>
+      <p:sp>
+        <p:nvSpPr>
+          <p:cNvPr id="27" name="Rechteck 26"/>
+          <p:cNvSpPr/>
+          <p:nvPr/>
+        </p:nvSpPr>
+        <p:spPr>
+          <a:xfrm>
+            <a:off x="5458659" y="4742865"/>
+            <a:ext cx="491084" cy="290854"/>
+          </a:xfrm>
+          <a:prstGeom prst="rect">
+            <a:avLst/>
+          </a:prstGeom>
+        </p:spPr>
+        <p:style>
+          <a:lnRef idx="2">
+            <a:schemeClr val="accent3">
+              <a:shade val="50000"/>
+            </a:schemeClr>
+          </a:lnRef>
+          <a:fillRef idx="1">
+            <a:schemeClr val="accent3"/>
+          </a:fillRef>
+          <a:effectRef idx="0">
+            <a:schemeClr val="accent3"/>
+          </a:effectRef>
+          <a:fontRef idx="minor">
+            <a:schemeClr val="lt1"/>
+          </a:fontRef>
+        </p:style>
+        <p:txBody>
+          <a:bodyPr rtlCol="0" anchor="ctr"/>
+          <a:lstStyle/>
+          <a:p>
+            <a:pPr algn="ctr"/>
+            <a:endParaRPr lang="de-DE" sz="1400" dirty="0"/>
+          </a:p>
+        </p:txBody>
+      </p:sp>
+      <p:sp>
+        <p:nvSpPr>
+          <p:cNvPr id="28" name="Rechteck 27"/>
+          <p:cNvSpPr/>
+          <p:nvPr/>
+        </p:nvSpPr>
+        <p:spPr>
+          <a:xfrm>
+            <a:off x="5458658" y="5282561"/>
+            <a:ext cx="491084" cy="290853"/>
           </a:xfrm>
           <a:prstGeom prst="rect">
             <a:avLst/>
@@ -5592,287 +5664,20 @@
           <a:lstStyle/>
           <a:p>
             <a:pPr algn="ctr"/>
-            <a:r>
-              <a:rPr lang="de-DE" sz="1400" dirty="0" smtClean="0"/>
-              <a:t>Data Mappers/ORM</a:t>
-            </a:r>
-            <a:endParaRPr lang="de-DE" sz="1400" dirty="0"/>
-          </a:p>
-        </p:txBody>
-      </p:sp>
-      <p:sp>
-        <p:nvSpPr>
-          <p:cNvPr id="6" name="Rechteck 5"/>
-          <p:cNvSpPr/>
-          <p:nvPr/>
-        </p:nvSpPr>
-        <p:spPr>
-          <a:xfrm>
-            <a:off x="889200" y="3741415"/>
-            <a:ext cx="3505081" cy="498380"/>
-          </a:xfrm>
-          <a:prstGeom prst="rect">
-            <a:avLst/>
-          </a:prstGeom>
-        </p:spPr>
-        <p:style>
-          <a:lnRef idx="2">
-            <a:schemeClr val="accent2">
-              <a:shade val="50000"/>
-            </a:schemeClr>
-          </a:lnRef>
-          <a:fillRef idx="1">
-            <a:schemeClr val="accent2"/>
-          </a:fillRef>
-          <a:effectRef idx="0">
-            <a:schemeClr val="accent2"/>
-          </a:effectRef>
-          <a:fontRef idx="minor">
-            <a:schemeClr val="lt1"/>
-          </a:fontRef>
-        </p:style>
-        <p:txBody>
-          <a:bodyPr rtlCol="0" anchor="ctr"/>
-          <a:lstStyle/>
-          <a:p>
-            <a:pPr algn="ctr"/>
-            <a:r>
-              <a:rPr lang="de-DE" sz="1400" dirty="0" err="1" smtClean="0"/>
-              <a:t>Repositories</a:t>
-            </a:r>
-            <a:endParaRPr lang="de-DE" sz="1400" dirty="0"/>
-          </a:p>
-        </p:txBody>
-      </p:sp>
-      <p:sp>
-        <p:nvSpPr>
-          <p:cNvPr id="7" name="Rechteck 6"/>
-          <p:cNvSpPr/>
-          <p:nvPr/>
-        </p:nvSpPr>
-        <p:spPr>
-          <a:xfrm>
-            <a:off x="889198" y="756338"/>
-            <a:ext cx="3505083" cy="498380"/>
-          </a:xfrm>
-          <a:prstGeom prst="rect">
-            <a:avLst/>
-          </a:prstGeom>
-        </p:spPr>
-        <p:style>
-          <a:lnRef idx="2">
-            <a:schemeClr val="accent5">
-              <a:shade val="50000"/>
-            </a:schemeClr>
-          </a:lnRef>
-          <a:fillRef idx="1">
-            <a:schemeClr val="accent5"/>
-          </a:fillRef>
-          <a:effectRef idx="0">
-            <a:schemeClr val="accent5"/>
-          </a:effectRef>
-          <a:fontRef idx="minor">
-            <a:schemeClr val="lt1"/>
-          </a:fontRef>
-        </p:style>
-        <p:txBody>
-          <a:bodyPr rtlCol="0" anchor="ctr"/>
-          <a:lstStyle/>
-          <a:p>
-            <a:pPr algn="ctr"/>
-            <a:r>
-              <a:rPr lang="de-DE" sz="1400" dirty="0" smtClean="0"/>
-              <a:t>Resources</a:t>
-            </a:r>
-            <a:endParaRPr lang="de-DE" sz="1400" dirty="0"/>
-          </a:p>
-        </p:txBody>
-      </p:sp>
-      <p:sp>
-        <p:nvSpPr>
-          <p:cNvPr id="8" name="Rechteck 7"/>
-          <p:cNvSpPr/>
-          <p:nvPr/>
-        </p:nvSpPr>
-        <p:spPr>
-          <a:xfrm rot="16200000">
-            <a:off x="3155044" y="2248880"/>
-            <a:ext cx="1980096" cy="498380"/>
-          </a:xfrm>
-          <a:prstGeom prst="rect">
-            <a:avLst/>
-          </a:prstGeom>
-        </p:spPr>
-        <p:style>
-          <a:lnRef idx="2">
-            <a:schemeClr val="accent3">
-              <a:shade val="50000"/>
-            </a:schemeClr>
-          </a:lnRef>
-          <a:fillRef idx="1">
-            <a:schemeClr val="accent3"/>
-          </a:fillRef>
-          <a:effectRef idx="0">
-            <a:schemeClr val="accent3"/>
-          </a:effectRef>
-          <a:fontRef idx="minor">
-            <a:schemeClr val="lt1"/>
-          </a:fontRef>
-        </p:style>
-        <p:txBody>
-          <a:bodyPr rtlCol="0" anchor="ctr"/>
-          <a:lstStyle/>
-          <a:p>
-            <a:pPr algn="ctr"/>
-            <a:r>
-              <a:rPr lang="de-DE" sz="1400" dirty="0" smtClean="0"/>
-              <a:t>Security REST Client</a:t>
-            </a:r>
-            <a:endParaRPr lang="de-DE" sz="1400" dirty="0"/>
-          </a:p>
-        </p:txBody>
-      </p:sp>
-      <p:sp>
-        <p:nvSpPr>
-          <p:cNvPr id="10" name="Rechteck 9"/>
-          <p:cNvSpPr/>
-          <p:nvPr/>
-        </p:nvSpPr>
-        <p:spPr>
-          <a:xfrm>
-            <a:off x="5437191" y="1512024"/>
-            <a:ext cx="1791155" cy="815002"/>
-          </a:xfrm>
-          <a:prstGeom prst="rect">
-            <a:avLst/>
-          </a:prstGeom>
-          <a:ln w="38100" cap="rnd">
-            <a:prstDash val="sysDash"/>
-          </a:ln>
-        </p:spPr>
-        <p:style>
-          <a:lnRef idx="2">
-            <a:schemeClr val="accent3">
-              <a:shade val="50000"/>
-            </a:schemeClr>
-          </a:lnRef>
-          <a:fillRef idx="1">
-            <a:schemeClr val="accent3"/>
-          </a:fillRef>
-          <a:effectRef idx="0">
-            <a:schemeClr val="accent3"/>
-          </a:effectRef>
-          <a:fontRef idx="minor">
-            <a:schemeClr val="lt1"/>
-          </a:fontRef>
-        </p:style>
-        <p:txBody>
-          <a:bodyPr rtlCol="0" anchor="ctr"/>
-          <a:lstStyle/>
-          <a:p>
-            <a:pPr algn="ctr"/>
-            <a:r>
-              <a:rPr lang="de-DE" sz="1400" dirty="0" err="1" smtClean="0"/>
-              <a:t>External</a:t>
-            </a:r>
-            <a:r>
-              <a:rPr lang="de-DE" sz="1400" dirty="0" smtClean="0"/>
-              <a:t> Service</a:t>
-            </a:r>
             <a:endParaRPr lang="de-DE" sz="1400" dirty="0"/>
           </a:p>
         </p:txBody>
       </p:sp>
       <p:cxnSp>
         <p:nvCxnSpPr>
-          <p:cNvPr id="11" name="Gerader Verbinder 10"/>
+          <p:cNvPr id="29" name="Gerader Verbinder 28"/>
           <p:cNvCxnSpPr/>
           <p:nvPr/>
         </p:nvCxnSpPr>
         <p:spPr>
-          <a:xfrm>
-            <a:off x="975696" y="1254718"/>
-            <a:ext cx="0" cy="2486697"/>
-          </a:xfrm>
-          <a:prstGeom prst="line">
-            <a:avLst/>
-          </a:prstGeom>
-          <a:ln w="28575">
-            <a:solidFill>
-              <a:schemeClr val="bg1">
-                <a:lumMod val="50000"/>
-              </a:schemeClr>
-            </a:solidFill>
-          </a:ln>
-        </p:spPr>
-        <p:style>
-          <a:lnRef idx="1">
-            <a:schemeClr val="accent1"/>
-          </a:lnRef>
-          <a:fillRef idx="0">
-            <a:schemeClr val="accent1"/>
-          </a:fillRef>
-          <a:effectRef idx="0">
-            <a:schemeClr val="accent1"/>
-          </a:effectRef>
-          <a:fontRef idx="minor">
-            <a:schemeClr val="tx1"/>
-          </a:fontRef>
-        </p:style>
-      </p:cxnSp>
-      <p:cxnSp>
-        <p:nvCxnSpPr>
-          <p:cNvPr id="12" name="Gerader Verbinder 11"/>
-          <p:cNvCxnSpPr>
-            <a:stCxn id="6" idx="2"/>
-            <a:endCxn id="5" idx="0"/>
-          </p:cNvCxnSpPr>
-          <p:nvPr/>
-        </p:nvCxnSpPr>
-        <p:spPr>
-          <a:xfrm>
-            <a:off x="2641741" y="4239795"/>
-            <a:ext cx="1" cy="253300"/>
-          </a:xfrm>
-          <a:prstGeom prst="line">
-            <a:avLst/>
-          </a:prstGeom>
-          <a:ln w="28575">
-            <a:solidFill>
-              <a:schemeClr val="bg1">
-                <a:lumMod val="50000"/>
-              </a:schemeClr>
-            </a:solidFill>
-          </a:ln>
-        </p:spPr>
-        <p:style>
-          <a:lnRef idx="1">
-            <a:schemeClr val="accent1"/>
-          </a:lnRef>
-          <a:fillRef idx="0">
-            <a:schemeClr val="accent1"/>
-          </a:fillRef>
-          <a:effectRef idx="0">
-            <a:schemeClr val="accent1"/>
-          </a:effectRef>
-          <a:fontRef idx="minor">
-            <a:schemeClr val="tx1"/>
-          </a:fontRef>
-        </p:style>
-      </p:cxnSp>
-      <p:cxnSp>
-        <p:nvCxnSpPr>
-          <p:cNvPr id="13" name="Gerader Verbinder 12"/>
-          <p:cNvCxnSpPr>
-            <a:stCxn id="5" idx="2"/>
-            <a:endCxn id="4" idx="1"/>
-          </p:cNvCxnSpPr>
-          <p:nvPr/>
-        </p:nvCxnSpPr>
-        <p:spPr>
           <a:xfrm flipH="1">
-            <a:off x="2641738" y="4987350"/>
-            <a:ext cx="4" cy="745990"/>
+            <a:off x="5458658" y="5858834"/>
+            <a:ext cx="491084" cy="1650"/>
           </a:xfrm>
           <a:prstGeom prst="line">
             <a:avLst/>
@@ -5902,324 +5707,1187 @@
       </p:cxnSp>
       <p:sp>
         <p:nvSpPr>
-          <p:cNvPr id="14" name="Rechteck 13"/>
-          <p:cNvSpPr/>
+          <p:cNvPr id="30" name="Textfeld 29"/>
+          <p:cNvSpPr txBox="1"/>
           <p:nvPr/>
         </p:nvSpPr>
         <p:spPr>
           <a:xfrm>
-            <a:off x="1540993" y="1512645"/>
-            <a:ext cx="1298440" cy="670343"/>
+            <a:off x="6113864" y="2535332"/>
+            <a:ext cx="1705916" cy="369332"/>
           </a:xfrm>
           <a:prstGeom prst="rect">
             <a:avLst/>
           </a:prstGeom>
+          <a:noFill/>
         </p:spPr>
-        <p:style>
-          <a:lnRef idx="2">
-            <a:schemeClr val="accent2">
-              <a:shade val="50000"/>
-            </a:schemeClr>
-          </a:lnRef>
-          <a:fillRef idx="1">
-            <a:schemeClr val="accent2"/>
-          </a:fillRef>
-          <a:effectRef idx="0">
-            <a:schemeClr val="accent2"/>
-          </a:effectRef>
-          <a:fontRef idx="minor">
-            <a:schemeClr val="lt1"/>
-          </a:fontRef>
-        </p:style>
         <p:txBody>
-          <a:bodyPr rtlCol="0" anchor="ctr"/>
+          <a:bodyPr wrap="none" rtlCol="0">
+            <a:spAutoFit/>
+          </a:bodyPr>
           <a:lstStyle/>
           <a:p>
-            <a:pPr algn="ctr"/>
             <a:r>
-              <a:rPr lang="de-DE" sz="1400" dirty="0" smtClean="0"/>
-              <a:t>Service Layer</a:t>
+              <a:rPr lang="de-DE" dirty="0" smtClean="0"/>
+              <a:t>Netzwerkgrenze</a:t>
             </a:r>
-            <a:endParaRPr lang="de-DE" sz="1400" dirty="0"/>
+            <a:endParaRPr lang="de-DE" dirty="0"/>
           </a:p>
         </p:txBody>
       </p:sp>
-      <p:cxnSp>
-        <p:nvCxnSpPr>
-          <p:cNvPr id="15" name="Gerader Verbinder 14"/>
-          <p:cNvCxnSpPr>
-            <a:stCxn id="14" idx="3"/>
-          </p:cNvCxnSpPr>
-          <p:nvPr/>
-        </p:nvCxnSpPr>
-        <p:spPr>
-          <a:xfrm>
-            <a:off x="2839433" y="1847817"/>
-            <a:ext cx="1056469" cy="0"/>
-          </a:xfrm>
-          <a:prstGeom prst="line">
-            <a:avLst/>
-          </a:prstGeom>
-          <a:ln w="28575">
-            <a:solidFill>
-              <a:schemeClr val="bg1">
-                <a:lumMod val="50000"/>
-              </a:schemeClr>
-            </a:solidFill>
-          </a:ln>
-        </p:spPr>
-        <p:style>
-          <a:lnRef idx="1">
-            <a:schemeClr val="accent1"/>
-          </a:lnRef>
-          <a:fillRef idx="0">
-            <a:schemeClr val="accent1"/>
-          </a:fillRef>
-          <a:effectRef idx="0">
-            <a:schemeClr val="accent1"/>
-          </a:effectRef>
-          <a:fontRef idx="minor">
-            <a:schemeClr val="tx1"/>
-          </a:fontRef>
-        </p:style>
-      </p:cxnSp>
-      <p:cxnSp>
-        <p:nvCxnSpPr>
-          <p:cNvPr id="17" name="Gerader Verbinder 16"/>
-          <p:cNvCxnSpPr>
-            <a:endCxn id="10" idx="1"/>
-          </p:cNvCxnSpPr>
-          <p:nvPr/>
-        </p:nvCxnSpPr>
-        <p:spPr>
-          <a:xfrm>
-            <a:off x="4394277" y="1915374"/>
-            <a:ext cx="1042914" cy="4152"/>
-          </a:xfrm>
-          <a:prstGeom prst="line">
-            <a:avLst/>
-          </a:prstGeom>
-          <a:ln w="28575">
-            <a:solidFill>
-              <a:schemeClr val="bg1">
-                <a:lumMod val="50000"/>
-              </a:schemeClr>
-            </a:solidFill>
-          </a:ln>
-        </p:spPr>
-        <p:style>
-          <a:lnRef idx="1">
-            <a:schemeClr val="accent1"/>
-          </a:lnRef>
-          <a:fillRef idx="0">
-            <a:schemeClr val="accent1"/>
-          </a:fillRef>
-          <a:effectRef idx="0">
-            <a:schemeClr val="accent1"/>
-          </a:effectRef>
-          <a:fontRef idx="minor">
-            <a:schemeClr val="tx1"/>
-          </a:fontRef>
-        </p:style>
-      </p:cxnSp>
-      <p:cxnSp>
-        <p:nvCxnSpPr>
-          <p:cNvPr id="18" name="Gerader Verbinder 17"/>
-          <p:cNvCxnSpPr/>
-          <p:nvPr/>
-        </p:nvCxnSpPr>
-        <p:spPr>
-          <a:xfrm flipH="1">
-            <a:off x="1253708" y="1254718"/>
-            <a:ext cx="2065" cy="1586251"/>
-          </a:xfrm>
-          <a:prstGeom prst="line">
-            <a:avLst/>
-          </a:prstGeom>
-          <a:ln w="28575">
-            <a:solidFill>
-              <a:schemeClr val="bg1">
-                <a:lumMod val="50000"/>
-              </a:schemeClr>
-            </a:solidFill>
-          </a:ln>
-        </p:spPr>
-        <p:style>
-          <a:lnRef idx="1">
-            <a:schemeClr val="accent1"/>
-          </a:lnRef>
-          <a:fillRef idx="0">
-            <a:schemeClr val="accent1"/>
-          </a:fillRef>
-          <a:effectRef idx="0">
-            <a:schemeClr val="accent1"/>
-          </a:effectRef>
-          <a:fontRef idx="minor">
-            <a:schemeClr val="tx1"/>
-          </a:fontRef>
-        </p:style>
-      </p:cxnSp>
       <p:sp>
         <p:nvSpPr>
-          <p:cNvPr id="19" name="Rechteck 18"/>
-          <p:cNvSpPr/>
+          <p:cNvPr id="31" name="Textfeld 30"/>
+          <p:cNvSpPr txBox="1"/>
           <p:nvPr/>
         </p:nvSpPr>
         <p:spPr>
           <a:xfrm>
-            <a:off x="1161794" y="2813144"/>
-            <a:ext cx="1101017" cy="670343"/>
+            <a:off x="6142747" y="3076331"/>
+            <a:ext cx="1744388" cy="369332"/>
           </a:xfrm>
           <a:prstGeom prst="rect">
             <a:avLst/>
           </a:prstGeom>
+          <a:noFill/>
         </p:spPr>
-        <p:style>
-          <a:lnRef idx="2">
-            <a:schemeClr val="accent2">
-              <a:shade val="50000"/>
-            </a:schemeClr>
-          </a:lnRef>
-          <a:fillRef idx="1">
-            <a:schemeClr val="accent2"/>
-          </a:fillRef>
-          <a:effectRef idx="0">
-            <a:schemeClr val="accent2"/>
-          </a:effectRef>
-          <a:fontRef idx="minor">
-            <a:schemeClr val="lt1"/>
-          </a:fontRef>
-        </p:style>
         <p:txBody>
-          <a:bodyPr rtlCol="0" anchor="ctr"/>
+          <a:bodyPr wrap="none" rtlCol="0">
+            <a:spAutoFit/>
+          </a:bodyPr>
           <a:lstStyle/>
           <a:p>
-            <a:pPr algn="ctr"/>
             <a:r>
-              <a:rPr lang="de-DE" sz="1400" dirty="0" smtClean="0"/>
-              <a:t>Domain</a:t>
+              <a:rPr lang="de-DE" dirty="0" smtClean="0"/>
+              <a:t>Logische Grenze</a:t>
             </a:r>
-            <a:endParaRPr lang="de-DE" sz="1400" dirty="0"/>
+            <a:endParaRPr lang="de-DE" dirty="0"/>
           </a:p>
         </p:txBody>
       </p:sp>
-      <p:cxnSp>
-        <p:nvCxnSpPr>
-          <p:cNvPr id="20" name="Gerader Verbinder 19"/>
-          <p:cNvCxnSpPr>
-            <a:endCxn id="6" idx="0"/>
-          </p:cNvCxnSpPr>
+      <p:sp>
+        <p:nvSpPr>
+          <p:cNvPr id="32" name="Textfeld 31"/>
+          <p:cNvSpPr txBox="1"/>
           <p:nvPr/>
-        </p:nvCxnSpPr>
+        </p:nvSpPr>
         <p:spPr>
           <a:xfrm>
-            <a:off x="2641737" y="2182988"/>
-            <a:ext cx="4" cy="1558427"/>
+            <a:off x="6142220" y="3598412"/>
+            <a:ext cx="756938" cy="369332"/>
           </a:xfrm>
-          <a:prstGeom prst="line">
+          <a:prstGeom prst="rect">
             <a:avLst/>
           </a:prstGeom>
-          <a:ln w="28575">
+          <a:noFill/>
+        </p:spPr>
+        <p:txBody>
+          <a:bodyPr wrap="none" rtlCol="0">
+            <a:spAutoFit/>
+          </a:bodyPr>
+          <a:lstStyle/>
+          <a:p>
+            <a:r>
+              <a:rPr lang="de-DE" dirty="0" smtClean="0"/>
+              <a:t>REST</a:t>
+            </a:r>
+            <a:endParaRPr lang="de-DE" dirty="0"/>
+          </a:p>
+        </p:txBody>
+      </p:sp>
+      <p:sp>
+        <p:nvSpPr>
+          <p:cNvPr id="33" name="Textfeld 32"/>
+          <p:cNvSpPr txBox="1"/>
+          <p:nvPr/>
+        </p:nvSpPr>
+        <p:spPr>
+          <a:xfrm>
+            <a:off x="6142220" y="4094063"/>
+            <a:ext cx="981359" cy="369332"/>
+          </a:xfrm>
+          <a:prstGeom prst="rect">
+            <a:avLst/>
+          </a:prstGeom>
+          <a:noFill/>
+        </p:spPr>
+        <p:txBody>
+          <a:bodyPr wrap="none" rtlCol="0">
+            <a:spAutoFit/>
+          </a:bodyPr>
+          <a:lstStyle/>
+          <a:p>
+            <a:r>
+              <a:rPr lang="de-DE" dirty="0" smtClean="0"/>
+              <a:t>Domäne</a:t>
+            </a:r>
+            <a:endParaRPr lang="de-DE" dirty="0"/>
+          </a:p>
+        </p:txBody>
+      </p:sp>
+      <p:sp>
+        <p:nvSpPr>
+          <p:cNvPr id="35" name="Textfeld 34"/>
+          <p:cNvSpPr txBox="1"/>
+          <p:nvPr/>
+        </p:nvSpPr>
+        <p:spPr>
+          <a:xfrm>
+            <a:off x="6142219" y="5249129"/>
+            <a:ext cx="1152880" cy="369332"/>
+          </a:xfrm>
+          <a:prstGeom prst="rect">
+            <a:avLst/>
+          </a:prstGeom>
+          <a:noFill/>
+        </p:spPr>
+        <p:txBody>
+          <a:bodyPr wrap="none" rtlCol="0">
+            <a:spAutoFit/>
+          </a:bodyPr>
+          <a:lstStyle/>
+          <a:p>
+            <a:r>
+              <a:rPr lang="de-DE" dirty="0" smtClean="0"/>
+              <a:t>Persistenz</a:t>
+            </a:r>
+            <a:endParaRPr lang="de-DE" dirty="0"/>
+          </a:p>
+        </p:txBody>
+      </p:sp>
+      <p:sp>
+        <p:nvSpPr>
+          <p:cNvPr id="36" name="Textfeld 35"/>
+          <p:cNvSpPr txBox="1"/>
+          <p:nvPr/>
+        </p:nvSpPr>
+        <p:spPr>
+          <a:xfrm>
+            <a:off x="6142219" y="5673669"/>
+            <a:ext cx="1284326" cy="369332"/>
+          </a:xfrm>
+          <a:prstGeom prst="rect">
+            <a:avLst/>
+          </a:prstGeom>
+          <a:noFill/>
+        </p:spPr>
+        <p:txBody>
+          <a:bodyPr wrap="none" rtlCol="0">
+            <a:spAutoFit/>
+          </a:bodyPr>
+          <a:lstStyle/>
+          <a:p>
+            <a:r>
+              <a:rPr lang="de-DE" dirty="0" smtClean="0"/>
+              <a:t>Verbindung</a:t>
+            </a:r>
+            <a:endParaRPr lang="de-DE" dirty="0"/>
+          </a:p>
+        </p:txBody>
+      </p:sp>
+      <p:grpSp>
+        <p:nvGrpSpPr>
+          <p:cNvPr id="51" name="Gruppieren 50"/>
+          <p:cNvGrpSpPr/>
+          <p:nvPr/>
+        </p:nvGrpSpPr>
+        <p:grpSpPr>
+          <a:xfrm>
+            <a:off x="124292" y="-113512"/>
+            <a:ext cx="7104054" cy="6875418"/>
+            <a:chOff x="124292" y="-113512"/>
+            <a:chExt cx="7104054" cy="6875418"/>
+          </a:xfrm>
+        </p:grpSpPr>
+        <p:sp>
+          <p:nvSpPr>
+            <p:cNvPr id="2" name="Rechteck 1"/>
+            <p:cNvSpPr/>
+            <p:nvPr/>
+          </p:nvSpPr>
+          <p:spPr>
+            <a:xfrm>
+              <a:off x="124292" y="44390"/>
+              <a:ext cx="5034889" cy="6717516"/>
+            </a:xfrm>
+            <a:prstGeom prst="rect">
+              <a:avLst/>
+            </a:prstGeom>
+            <a:noFill/>
+            <a:ln w="19050">
+              <a:solidFill>
+                <a:schemeClr val="bg1">
+                  <a:lumMod val="75000"/>
+                </a:schemeClr>
+              </a:solidFill>
+              <a:prstDash val="dashDot"/>
+            </a:ln>
+          </p:spPr>
+          <p:style>
+            <a:lnRef idx="2">
+              <a:schemeClr val="accent1">
+                <a:shade val="50000"/>
+              </a:schemeClr>
+            </a:lnRef>
+            <a:fillRef idx="1">
+              <a:schemeClr val="accent1"/>
+            </a:fillRef>
+            <a:effectRef idx="0">
+              <a:schemeClr val="accent1"/>
+            </a:effectRef>
+            <a:fontRef idx="minor">
+              <a:schemeClr val="lt1"/>
+            </a:fontRef>
+          </p:style>
+          <p:txBody>
+            <a:bodyPr rtlCol="0" anchor="ctr"/>
+            <a:lstStyle/>
+            <a:p>
+              <a:pPr algn="ctr"/>
+              <a:endParaRPr lang="de-DE"/>
+            </a:p>
+          </p:txBody>
+        </p:sp>
+        <p:sp>
+          <p:nvSpPr>
+            <p:cNvPr id="3" name="Rechteck 2"/>
+            <p:cNvSpPr/>
+            <p:nvPr/>
+          </p:nvSpPr>
+          <p:spPr>
+            <a:xfrm>
+              <a:off x="509479" y="238870"/>
+              <a:ext cx="4435929" cy="5289660"/>
+            </a:xfrm>
+            <a:prstGeom prst="rect">
+              <a:avLst/>
+            </a:prstGeom>
             <a:solidFill>
               <a:schemeClr val="bg1">
-                <a:lumMod val="50000"/>
+                <a:lumMod val="85000"/>
               </a:schemeClr>
             </a:solidFill>
-          </a:ln>
-        </p:spPr>
-        <p:style>
-          <a:lnRef idx="1">
-            <a:schemeClr val="accent1"/>
-          </a:lnRef>
-          <a:fillRef idx="0">
-            <a:schemeClr val="accent1"/>
-          </a:fillRef>
-          <a:effectRef idx="0">
-            <a:schemeClr val="accent1"/>
-          </a:effectRef>
-          <a:fontRef idx="minor">
-            <a:schemeClr val="tx1"/>
-          </a:fontRef>
-        </p:style>
-      </p:cxnSp>
-      <p:cxnSp>
-        <p:nvCxnSpPr>
-          <p:cNvPr id="21" name="Gerader Verbinder 20"/>
-          <p:cNvCxnSpPr>
-            <a:endCxn id="14" idx="0"/>
-          </p:cNvCxnSpPr>
+            <a:ln w="38100" cap="rnd" cmpd="sng">
+              <a:solidFill>
+                <a:schemeClr val="bg1">
+                  <a:lumMod val="50000"/>
+                </a:schemeClr>
+              </a:solidFill>
+              <a:prstDash val="sysDash"/>
+              <a:miter lim="800000"/>
+            </a:ln>
+          </p:spPr>
+          <p:style>
+            <a:lnRef idx="2">
+              <a:schemeClr val="accent4">
+                <a:shade val="50000"/>
+              </a:schemeClr>
+            </a:lnRef>
+            <a:fillRef idx="1001">
+              <a:schemeClr val="dk2"/>
+            </a:fillRef>
+            <a:effectRef idx="0">
+              <a:schemeClr val="accent4"/>
+            </a:effectRef>
+            <a:fontRef idx="minor">
+              <a:schemeClr val="lt1"/>
+            </a:fontRef>
+          </p:style>
+          <p:txBody>
+            <a:bodyPr rtlCol="0" anchor="ctr"/>
+            <a:lstStyle/>
+            <a:p>
+              <a:pPr algn="ctr"/>
+              <a:endParaRPr lang="de-DE"/>
+            </a:p>
+          </p:txBody>
+        </p:sp>
+        <p:sp>
+          <p:nvSpPr>
+            <p:cNvPr id="4" name="Zylinder 3"/>
+            <p:cNvSpPr/>
+            <p:nvPr/>
+          </p:nvSpPr>
+          <p:spPr>
+            <a:xfrm>
+              <a:off x="2262810" y="5733340"/>
+              <a:ext cx="757855" cy="823756"/>
+            </a:xfrm>
+            <a:prstGeom prst="can">
+              <a:avLst/>
+            </a:prstGeom>
+            <a:ln w="38100" cap="rnd">
+              <a:solidFill>
+                <a:schemeClr val="accent1">
+                  <a:lumMod val="75000"/>
+                </a:schemeClr>
+              </a:solidFill>
+              <a:prstDash val="sysDash"/>
+            </a:ln>
+          </p:spPr>
+          <p:style>
+            <a:lnRef idx="2">
+              <a:schemeClr val="accent1">
+                <a:shade val="50000"/>
+              </a:schemeClr>
+            </a:lnRef>
+            <a:fillRef idx="1">
+              <a:schemeClr val="accent1"/>
+            </a:fillRef>
+            <a:effectRef idx="0">
+              <a:schemeClr val="accent1"/>
+            </a:effectRef>
+            <a:fontRef idx="minor">
+              <a:schemeClr val="lt1"/>
+            </a:fontRef>
+          </p:style>
+          <p:txBody>
+            <a:bodyPr rtlCol="0" anchor="ctr"/>
+            <a:lstStyle/>
+            <a:p>
+              <a:pPr algn="ctr"/>
+              <a:endParaRPr lang="de-DE"/>
+            </a:p>
+          </p:txBody>
+        </p:sp>
+        <p:sp>
+          <p:nvSpPr>
+            <p:cNvPr id="5" name="Rechteck 4"/>
+            <p:cNvSpPr/>
+            <p:nvPr/>
+          </p:nvSpPr>
+          <p:spPr>
+            <a:xfrm>
+              <a:off x="882328" y="4668328"/>
+              <a:ext cx="3505080" cy="494254"/>
+            </a:xfrm>
+            <a:prstGeom prst="rect">
+              <a:avLst/>
+            </a:prstGeom>
+          </p:spPr>
+          <p:style>
+            <a:lnRef idx="2">
+              <a:schemeClr val="accent1">
+                <a:shade val="50000"/>
+              </a:schemeClr>
+            </a:lnRef>
+            <a:fillRef idx="1">
+              <a:schemeClr val="accent1"/>
+            </a:fillRef>
+            <a:effectRef idx="0">
+              <a:schemeClr val="accent1"/>
+            </a:effectRef>
+            <a:fontRef idx="minor">
+              <a:schemeClr val="lt1"/>
+            </a:fontRef>
+          </p:style>
+          <p:txBody>
+            <a:bodyPr rtlCol="0" anchor="ctr"/>
+            <a:lstStyle/>
+            <a:p>
+              <a:pPr algn="ctr"/>
+              <a:r>
+                <a:rPr lang="de-DE" sz="1400" dirty="0" smtClean="0"/>
+                <a:t>Data Mappers/ORM</a:t>
+              </a:r>
+              <a:endParaRPr lang="de-DE" sz="1400" dirty="0"/>
+            </a:p>
+          </p:txBody>
+        </p:sp>
+        <p:sp>
+          <p:nvSpPr>
+            <p:cNvPr id="6" name="Rechteck 5"/>
+            <p:cNvSpPr/>
+            <p:nvPr/>
+          </p:nvSpPr>
+          <p:spPr>
+            <a:xfrm>
+              <a:off x="889198" y="2989738"/>
+              <a:ext cx="2844074" cy="498380"/>
+            </a:xfrm>
+            <a:prstGeom prst="rect">
+              <a:avLst/>
+            </a:prstGeom>
+          </p:spPr>
+          <p:style>
+            <a:lnRef idx="2">
+              <a:schemeClr val="accent2">
+                <a:shade val="50000"/>
+              </a:schemeClr>
+            </a:lnRef>
+            <a:fillRef idx="1">
+              <a:schemeClr val="accent2"/>
+            </a:fillRef>
+            <a:effectRef idx="0">
+              <a:schemeClr val="accent2"/>
+            </a:effectRef>
+            <a:fontRef idx="minor">
+              <a:schemeClr val="lt1"/>
+            </a:fontRef>
+          </p:style>
+          <p:txBody>
+            <a:bodyPr rtlCol="0" anchor="ctr"/>
+            <a:lstStyle/>
+            <a:p>
+              <a:pPr algn="ctr"/>
+              <a:r>
+                <a:rPr lang="de-DE" sz="1400" dirty="0" err="1" smtClean="0"/>
+                <a:t>Repositories</a:t>
+              </a:r>
+              <a:endParaRPr lang="de-DE" sz="1400" dirty="0"/>
+            </a:p>
+          </p:txBody>
+        </p:sp>
+        <p:sp>
+          <p:nvSpPr>
+            <p:cNvPr id="7" name="Rechteck 6"/>
+            <p:cNvSpPr/>
+            <p:nvPr/>
+          </p:nvSpPr>
+          <p:spPr>
+            <a:xfrm>
+              <a:off x="889198" y="756338"/>
+              <a:ext cx="3505083" cy="498380"/>
+            </a:xfrm>
+            <a:prstGeom prst="rect">
+              <a:avLst/>
+            </a:prstGeom>
+          </p:spPr>
+          <p:style>
+            <a:lnRef idx="2">
+              <a:schemeClr val="accent5">
+                <a:shade val="50000"/>
+              </a:schemeClr>
+            </a:lnRef>
+            <a:fillRef idx="1">
+              <a:schemeClr val="accent5"/>
+            </a:fillRef>
+            <a:effectRef idx="0">
+              <a:schemeClr val="accent5"/>
+            </a:effectRef>
+            <a:fontRef idx="minor">
+              <a:schemeClr val="lt1"/>
+            </a:fontRef>
+          </p:style>
+          <p:txBody>
+            <a:bodyPr rtlCol="0" anchor="ctr"/>
+            <a:lstStyle/>
+            <a:p>
+              <a:pPr algn="ctr"/>
+              <a:r>
+                <a:rPr lang="de-DE" sz="1400" dirty="0" smtClean="0"/>
+                <a:t>Ressourcen</a:t>
+              </a:r>
+              <a:endParaRPr lang="de-DE" sz="1400" dirty="0"/>
+            </a:p>
+          </p:txBody>
+        </p:sp>
+        <p:sp>
+          <p:nvSpPr>
+            <p:cNvPr id="8" name="Rechteck 7"/>
+            <p:cNvSpPr/>
+            <p:nvPr/>
+          </p:nvSpPr>
+          <p:spPr>
+            <a:xfrm rot="16200000">
+              <a:off x="3155044" y="2248880"/>
+              <a:ext cx="1980096" cy="498380"/>
+            </a:xfrm>
+            <a:prstGeom prst="rect">
+              <a:avLst/>
+            </a:prstGeom>
+          </p:spPr>
+          <p:style>
+            <a:lnRef idx="2">
+              <a:schemeClr val="accent3">
+                <a:shade val="50000"/>
+              </a:schemeClr>
+            </a:lnRef>
+            <a:fillRef idx="1">
+              <a:schemeClr val="accent3"/>
+            </a:fillRef>
+            <a:effectRef idx="0">
+              <a:schemeClr val="accent3"/>
+            </a:effectRef>
+            <a:fontRef idx="minor">
+              <a:schemeClr val="lt1"/>
+            </a:fontRef>
+          </p:style>
+          <p:txBody>
+            <a:bodyPr rtlCol="0" anchor="ctr"/>
+            <a:lstStyle/>
+            <a:p>
+              <a:pPr algn="ctr"/>
+              <a:r>
+                <a:rPr lang="de-DE" sz="1400" dirty="0" smtClean="0"/>
+                <a:t>Security REST Client</a:t>
+              </a:r>
+              <a:endParaRPr lang="de-DE" sz="1400" dirty="0"/>
+            </a:p>
+          </p:txBody>
+        </p:sp>
+        <p:sp>
+          <p:nvSpPr>
+            <p:cNvPr id="10" name="Rechteck 9"/>
+            <p:cNvSpPr/>
+            <p:nvPr/>
+          </p:nvSpPr>
+          <p:spPr>
+            <a:xfrm>
+              <a:off x="5437191" y="1366982"/>
+              <a:ext cx="1791155" cy="815002"/>
+            </a:xfrm>
+            <a:prstGeom prst="rect">
+              <a:avLst/>
+            </a:prstGeom>
+            <a:ln w="38100" cap="rnd">
+              <a:prstDash val="sysDash"/>
+            </a:ln>
+          </p:spPr>
+          <p:style>
+            <a:lnRef idx="2">
+              <a:schemeClr val="accent3">
+                <a:shade val="50000"/>
+              </a:schemeClr>
+            </a:lnRef>
+            <a:fillRef idx="1">
+              <a:schemeClr val="accent3"/>
+            </a:fillRef>
+            <a:effectRef idx="0">
+              <a:schemeClr val="accent3"/>
+            </a:effectRef>
+            <a:fontRef idx="minor">
+              <a:schemeClr val="lt1"/>
+            </a:fontRef>
+          </p:style>
+          <p:txBody>
+            <a:bodyPr rtlCol="0" anchor="ctr"/>
+            <a:lstStyle/>
+            <a:p>
+              <a:pPr algn="ctr"/>
+              <a:r>
+                <a:rPr lang="de-DE" sz="1400" dirty="0" smtClean="0"/>
+                <a:t>Externer Service</a:t>
+              </a:r>
+              <a:endParaRPr lang="de-DE" sz="1400" dirty="0"/>
+            </a:p>
+          </p:txBody>
+        </p:sp>
+        <p:cxnSp>
+          <p:nvCxnSpPr>
+            <p:cNvPr id="11" name="Gerader Verbinder 10"/>
+            <p:cNvCxnSpPr/>
+            <p:nvPr/>
+          </p:nvCxnSpPr>
+          <p:spPr>
+            <a:xfrm>
+              <a:off x="1480741" y="1239332"/>
+              <a:ext cx="0" cy="1750405"/>
+            </a:xfrm>
+            <a:prstGeom prst="line">
+              <a:avLst/>
+            </a:prstGeom>
+            <a:ln w="28575">
+              <a:solidFill>
+                <a:schemeClr val="bg1">
+                  <a:lumMod val="50000"/>
+                </a:schemeClr>
+              </a:solidFill>
+            </a:ln>
+          </p:spPr>
+          <p:style>
+            <a:lnRef idx="1">
+              <a:schemeClr val="accent1"/>
+            </a:lnRef>
+            <a:fillRef idx="0">
+              <a:schemeClr val="accent1"/>
+            </a:fillRef>
+            <a:effectRef idx="0">
+              <a:schemeClr val="accent1"/>
+            </a:effectRef>
+            <a:fontRef idx="minor">
+              <a:schemeClr val="tx1"/>
+            </a:fontRef>
+          </p:style>
+        </p:cxnSp>
+        <p:cxnSp>
+          <p:nvCxnSpPr>
+            <p:cNvPr id="12" name="Gerader Verbinder 11"/>
+            <p:cNvCxnSpPr>
+              <a:stCxn id="6" idx="2"/>
+              <a:endCxn id="19" idx="0"/>
+            </p:cNvCxnSpPr>
+            <p:nvPr/>
+          </p:nvCxnSpPr>
+          <p:spPr>
+            <a:xfrm>
+              <a:off x="2311235" y="3488118"/>
+              <a:ext cx="0" cy="383360"/>
+            </a:xfrm>
+            <a:prstGeom prst="line">
+              <a:avLst/>
+            </a:prstGeom>
+            <a:ln w="28575">
+              <a:solidFill>
+                <a:schemeClr val="bg1">
+                  <a:lumMod val="50000"/>
+                </a:schemeClr>
+              </a:solidFill>
+            </a:ln>
+          </p:spPr>
+          <p:style>
+            <a:lnRef idx="1">
+              <a:schemeClr val="accent1"/>
+            </a:lnRef>
+            <a:fillRef idx="0">
+              <a:schemeClr val="accent1"/>
+            </a:fillRef>
+            <a:effectRef idx="0">
+              <a:schemeClr val="accent1"/>
+            </a:effectRef>
+            <a:fontRef idx="minor">
+              <a:schemeClr val="tx1"/>
+            </a:fontRef>
+          </p:style>
+        </p:cxnSp>
+        <p:cxnSp>
+          <p:nvCxnSpPr>
+            <p:cNvPr id="13" name="Gerader Verbinder 12"/>
+            <p:cNvCxnSpPr>
+              <a:stCxn id="5" idx="2"/>
+              <a:endCxn id="4" idx="1"/>
+            </p:cNvCxnSpPr>
+            <p:nvPr/>
+          </p:nvCxnSpPr>
+          <p:spPr>
+            <a:xfrm>
+              <a:off x="2634868" y="5162582"/>
+              <a:ext cx="6870" cy="570758"/>
+            </a:xfrm>
+            <a:prstGeom prst="line">
+              <a:avLst/>
+            </a:prstGeom>
+            <a:ln w="28575">
+              <a:solidFill>
+                <a:schemeClr val="bg1">
+                  <a:lumMod val="50000"/>
+                </a:schemeClr>
+              </a:solidFill>
+            </a:ln>
+          </p:spPr>
+          <p:style>
+            <a:lnRef idx="1">
+              <a:schemeClr val="accent1"/>
+            </a:lnRef>
+            <a:fillRef idx="0">
+              <a:schemeClr val="accent1"/>
+            </a:fillRef>
+            <a:effectRef idx="0">
+              <a:schemeClr val="accent1"/>
+            </a:effectRef>
+            <a:fontRef idx="minor">
+              <a:schemeClr val="tx1"/>
+            </a:fontRef>
+          </p:style>
+        </p:cxnSp>
+        <p:cxnSp>
+          <p:nvCxnSpPr>
+            <p:cNvPr id="15" name="Gerader Verbinder 14"/>
+            <p:cNvCxnSpPr>
+              <a:stCxn id="41" idx="3"/>
+            </p:cNvCxnSpPr>
+            <p:nvPr/>
+          </p:nvCxnSpPr>
+          <p:spPr>
+            <a:xfrm>
+              <a:off x="3729035" y="1770452"/>
+              <a:ext cx="166867" cy="0"/>
+            </a:xfrm>
+            <a:prstGeom prst="line">
+              <a:avLst/>
+            </a:prstGeom>
+            <a:ln w="28575">
+              <a:solidFill>
+                <a:schemeClr val="bg1">
+                  <a:lumMod val="50000"/>
+                </a:schemeClr>
+              </a:solidFill>
+            </a:ln>
+          </p:spPr>
+          <p:style>
+            <a:lnRef idx="1">
+              <a:schemeClr val="accent1"/>
+            </a:lnRef>
+            <a:fillRef idx="0">
+              <a:schemeClr val="accent1"/>
+            </a:fillRef>
+            <a:effectRef idx="0">
+              <a:schemeClr val="accent1"/>
+            </a:effectRef>
+            <a:fontRef idx="minor">
+              <a:schemeClr val="tx1"/>
+            </a:fontRef>
+          </p:style>
+        </p:cxnSp>
+        <p:cxnSp>
+          <p:nvCxnSpPr>
+            <p:cNvPr id="17" name="Gerader Verbinder 16"/>
+            <p:cNvCxnSpPr>
+              <a:endCxn id="10" idx="1"/>
+            </p:cNvCxnSpPr>
+            <p:nvPr/>
+          </p:nvCxnSpPr>
+          <p:spPr>
+            <a:xfrm>
+              <a:off x="4394277" y="1770332"/>
+              <a:ext cx="1042914" cy="4152"/>
+            </a:xfrm>
+            <a:prstGeom prst="line">
+              <a:avLst/>
+            </a:prstGeom>
+            <a:ln w="28575">
+              <a:solidFill>
+                <a:schemeClr val="bg1">
+                  <a:lumMod val="50000"/>
+                </a:schemeClr>
+              </a:solidFill>
+            </a:ln>
+          </p:spPr>
+          <p:style>
+            <a:lnRef idx="1">
+              <a:schemeClr val="accent1"/>
+            </a:lnRef>
+            <a:fillRef idx="0">
+              <a:schemeClr val="accent1"/>
+            </a:fillRef>
+            <a:effectRef idx="0">
+              <a:schemeClr val="accent1"/>
+            </a:effectRef>
+            <a:fontRef idx="minor">
+              <a:schemeClr val="tx1"/>
+            </a:fontRef>
+          </p:style>
+        </p:cxnSp>
+        <p:sp>
+          <p:nvSpPr>
+            <p:cNvPr id="19" name="Rechteck 18"/>
+            <p:cNvSpPr/>
+            <p:nvPr/>
+          </p:nvSpPr>
+          <p:spPr>
+            <a:xfrm>
+              <a:off x="889198" y="3871478"/>
+              <a:ext cx="2844074" cy="495651"/>
+            </a:xfrm>
+            <a:prstGeom prst="rect">
+              <a:avLst/>
+            </a:prstGeom>
+          </p:spPr>
+          <p:style>
+            <a:lnRef idx="2">
+              <a:schemeClr val="accent2">
+                <a:shade val="50000"/>
+              </a:schemeClr>
+            </a:lnRef>
+            <a:fillRef idx="1">
+              <a:schemeClr val="accent2"/>
+            </a:fillRef>
+            <a:effectRef idx="0">
+              <a:schemeClr val="accent2"/>
+            </a:effectRef>
+            <a:fontRef idx="minor">
+              <a:schemeClr val="lt1"/>
+            </a:fontRef>
+          </p:style>
+          <p:txBody>
+            <a:bodyPr rtlCol="0" anchor="ctr"/>
+            <a:lstStyle/>
+            <a:p>
+              <a:pPr algn="ctr"/>
+              <a:r>
+                <a:rPr lang="de-DE" sz="1400" dirty="0" smtClean="0"/>
+                <a:t>Entitäten</a:t>
+              </a:r>
+              <a:endParaRPr lang="de-DE" sz="1400" dirty="0"/>
+            </a:p>
+          </p:txBody>
+        </p:sp>
+        <p:cxnSp>
+          <p:nvCxnSpPr>
+            <p:cNvPr id="20" name="Gerader Verbinder 19"/>
+            <p:cNvCxnSpPr>
+              <a:stCxn id="41" idx="2"/>
+            </p:cNvCxnSpPr>
+            <p:nvPr/>
+          </p:nvCxnSpPr>
+          <p:spPr>
+            <a:xfrm>
+              <a:off x="2686204" y="2021747"/>
+              <a:ext cx="240" cy="967990"/>
+            </a:xfrm>
+            <a:prstGeom prst="line">
+              <a:avLst/>
+            </a:prstGeom>
+            <a:ln w="28575">
+              <a:solidFill>
+                <a:schemeClr val="bg1">
+                  <a:lumMod val="50000"/>
+                </a:schemeClr>
+              </a:solidFill>
+            </a:ln>
+          </p:spPr>
+          <p:style>
+            <a:lnRef idx="1">
+              <a:schemeClr val="accent1"/>
+            </a:lnRef>
+            <a:fillRef idx="0">
+              <a:schemeClr val="accent1"/>
+            </a:fillRef>
+            <a:effectRef idx="0">
+              <a:schemeClr val="accent1"/>
+            </a:effectRef>
+            <a:fontRef idx="minor">
+              <a:schemeClr val="tx1"/>
+            </a:fontRef>
+          </p:style>
+        </p:cxnSp>
+        <p:cxnSp>
+          <p:nvCxnSpPr>
+            <p:cNvPr id="21" name="Gerader Verbinder 20"/>
+            <p:cNvCxnSpPr/>
+            <p:nvPr/>
+          </p:nvCxnSpPr>
+          <p:spPr>
+            <a:xfrm>
+              <a:off x="2634868" y="1254718"/>
+              <a:ext cx="0" cy="260243"/>
+            </a:xfrm>
+            <a:prstGeom prst="line">
+              <a:avLst/>
+            </a:prstGeom>
+            <a:ln w="28575">
+              <a:solidFill>
+                <a:schemeClr val="bg1">
+                  <a:lumMod val="50000"/>
+                </a:schemeClr>
+              </a:solidFill>
+            </a:ln>
+          </p:spPr>
+          <p:style>
+            <a:lnRef idx="1">
+              <a:schemeClr val="accent1"/>
+            </a:lnRef>
+            <a:fillRef idx="0">
+              <a:schemeClr val="accent1"/>
+            </a:fillRef>
+            <a:effectRef idx="0">
+              <a:schemeClr val="accent1"/>
+            </a:effectRef>
+            <a:fontRef idx="minor">
+              <a:schemeClr val="tx1"/>
+            </a:fontRef>
+          </p:style>
+        </p:cxnSp>
+        <p:sp>
+          <p:nvSpPr>
+            <p:cNvPr id="41" name="Rechteck 40"/>
+            <p:cNvSpPr/>
+            <p:nvPr/>
+          </p:nvSpPr>
+          <p:spPr>
+            <a:xfrm>
+              <a:off x="1643372" y="1519156"/>
+              <a:ext cx="2085663" cy="502591"/>
+            </a:xfrm>
+            <a:prstGeom prst="rect">
+              <a:avLst/>
+            </a:prstGeom>
+          </p:spPr>
+          <p:style>
+            <a:lnRef idx="2">
+              <a:schemeClr val="accent2">
+                <a:shade val="50000"/>
+              </a:schemeClr>
+            </a:lnRef>
+            <a:fillRef idx="1">
+              <a:schemeClr val="accent2"/>
+            </a:fillRef>
+            <a:effectRef idx="0">
+              <a:schemeClr val="accent2"/>
+            </a:effectRef>
+            <a:fontRef idx="minor">
+              <a:schemeClr val="lt1"/>
+            </a:fontRef>
+          </p:style>
+          <p:txBody>
+            <a:bodyPr rtlCol="0" anchor="ctr"/>
+            <a:lstStyle/>
+            <a:p>
+              <a:pPr algn="ctr"/>
+              <a:r>
+                <a:rPr lang="de-DE" sz="1400" dirty="0" smtClean="0"/>
+                <a:t>Geschäftslogik</a:t>
+              </a:r>
+              <a:endParaRPr lang="de-DE" sz="1400" dirty="0"/>
+            </a:p>
+          </p:txBody>
+        </p:sp>
+        <p:cxnSp>
+          <p:nvCxnSpPr>
+            <p:cNvPr id="46" name="Gerader Verbinder 45"/>
+            <p:cNvCxnSpPr/>
+            <p:nvPr/>
+          </p:nvCxnSpPr>
+          <p:spPr>
+            <a:xfrm>
+              <a:off x="2634868" y="-113512"/>
+              <a:ext cx="0" cy="869850"/>
+            </a:xfrm>
+            <a:prstGeom prst="line">
+              <a:avLst/>
+            </a:prstGeom>
+            <a:ln w="28575">
+              <a:solidFill>
+                <a:schemeClr val="bg1">
+                  <a:lumMod val="50000"/>
+                </a:schemeClr>
+              </a:solidFill>
+            </a:ln>
+          </p:spPr>
+          <p:style>
+            <a:lnRef idx="1">
+              <a:schemeClr val="accent1"/>
+            </a:lnRef>
+            <a:fillRef idx="0">
+              <a:schemeClr val="accent1"/>
+            </a:fillRef>
+            <a:effectRef idx="0">
+              <a:schemeClr val="accent1"/>
+            </a:effectRef>
+            <a:fontRef idx="minor">
+              <a:schemeClr val="tx1"/>
+            </a:fontRef>
+          </p:style>
+        </p:cxnSp>
+        <p:cxnSp>
+          <p:nvCxnSpPr>
+            <p:cNvPr id="62" name="Gerader Verbinder 61"/>
+            <p:cNvCxnSpPr>
+              <a:stCxn id="19" idx="2"/>
+            </p:cNvCxnSpPr>
+            <p:nvPr/>
+          </p:nvCxnSpPr>
+          <p:spPr>
+            <a:xfrm>
+              <a:off x="2311235" y="4367129"/>
+              <a:ext cx="0" cy="301199"/>
+            </a:xfrm>
+            <a:prstGeom prst="line">
+              <a:avLst/>
+            </a:prstGeom>
+            <a:ln w="28575">
+              <a:solidFill>
+                <a:schemeClr val="bg1">
+                  <a:lumMod val="50000"/>
+                </a:schemeClr>
+              </a:solidFill>
+            </a:ln>
+          </p:spPr>
+          <p:style>
+            <a:lnRef idx="1">
+              <a:schemeClr val="accent1"/>
+            </a:lnRef>
+            <a:fillRef idx="0">
+              <a:schemeClr val="accent1"/>
+            </a:fillRef>
+            <a:effectRef idx="0">
+              <a:schemeClr val="accent1"/>
+            </a:effectRef>
+            <a:fontRef idx="minor">
+              <a:schemeClr val="tx1"/>
+            </a:fontRef>
+          </p:style>
+        </p:cxnSp>
+        <p:sp>
+          <p:nvSpPr>
+            <p:cNvPr id="44" name="Rechteck 43"/>
+            <p:cNvSpPr/>
+            <p:nvPr/>
+          </p:nvSpPr>
+          <p:spPr>
+            <a:xfrm rot="16200000">
+              <a:off x="3753707" y="3723325"/>
+              <a:ext cx="786885" cy="494254"/>
+            </a:xfrm>
+            <a:prstGeom prst="rect">
+              <a:avLst/>
+            </a:prstGeom>
+          </p:spPr>
+          <p:style>
+            <a:lnRef idx="2">
+              <a:schemeClr val="accent1">
+                <a:shade val="50000"/>
+              </a:schemeClr>
+            </a:lnRef>
+            <a:fillRef idx="1">
+              <a:schemeClr val="accent1"/>
+            </a:fillRef>
+            <a:effectRef idx="0">
+              <a:schemeClr val="accent1"/>
+            </a:effectRef>
+            <a:fontRef idx="minor">
+              <a:schemeClr val="lt1"/>
+            </a:fontRef>
+          </p:style>
+          <p:txBody>
+            <a:bodyPr rtlCol="0" anchor="ctr"/>
+            <a:lstStyle/>
+            <a:p>
+              <a:pPr algn="ctr"/>
+              <a:r>
+                <a:rPr lang="de-DE" sz="1400" dirty="0" err="1" smtClean="0"/>
+                <a:t>Listener</a:t>
+              </a:r>
+              <a:endParaRPr lang="de-DE" sz="1400" dirty="0"/>
+            </a:p>
+          </p:txBody>
+        </p:sp>
+        <p:cxnSp>
+          <p:nvCxnSpPr>
+            <p:cNvPr id="49" name="Gerader Verbinder 48"/>
+            <p:cNvCxnSpPr>
+              <a:stCxn id="44" idx="1"/>
+            </p:cNvCxnSpPr>
+            <p:nvPr/>
+          </p:nvCxnSpPr>
+          <p:spPr>
+            <a:xfrm>
+              <a:off x="4147150" y="4363895"/>
+              <a:ext cx="4569" cy="307667"/>
+            </a:xfrm>
+            <a:prstGeom prst="line">
+              <a:avLst/>
+            </a:prstGeom>
+            <a:ln w="28575">
+              <a:solidFill>
+                <a:schemeClr val="bg1">
+                  <a:lumMod val="50000"/>
+                </a:schemeClr>
+              </a:solidFill>
+            </a:ln>
+          </p:spPr>
+          <p:style>
+            <a:lnRef idx="1">
+              <a:schemeClr val="accent1"/>
+            </a:lnRef>
+            <a:fillRef idx="0">
+              <a:schemeClr val="accent1"/>
+            </a:fillRef>
+            <a:effectRef idx="0">
+              <a:schemeClr val="accent1"/>
+            </a:effectRef>
+            <a:fontRef idx="minor">
+              <a:schemeClr val="tx1"/>
+            </a:fontRef>
+          </p:style>
+        </p:cxnSp>
+      </p:grpSp>
+      <p:sp>
+        <p:nvSpPr>
+          <p:cNvPr id="52" name="Textfeld 51"/>
+          <p:cNvSpPr txBox="1"/>
           <p:nvPr/>
-        </p:nvCxnSpPr>
+        </p:nvSpPr>
         <p:spPr>
           <a:xfrm>
-            <a:off x="2190214" y="1252402"/>
-            <a:ext cx="0" cy="260243"/>
+            <a:off x="6139948" y="4573002"/>
+            <a:ext cx="2850431" cy="646331"/>
           </a:xfrm>
-          <a:prstGeom prst="line">
+          <a:prstGeom prst="rect">
             <a:avLst/>
           </a:prstGeom>
-          <a:ln w="28575">
-            <a:solidFill>
-              <a:schemeClr val="bg1">
-                <a:lumMod val="50000"/>
-              </a:schemeClr>
-            </a:solidFill>
-          </a:ln>
+          <a:noFill/>
         </p:spPr>
-        <p:style>
-          <a:lnRef idx="1">
-            <a:schemeClr val="accent1"/>
-          </a:lnRef>
-          <a:fillRef idx="0">
-            <a:schemeClr val="accent1"/>
-          </a:fillRef>
-          <a:effectRef idx="0">
-            <a:schemeClr val="accent1"/>
-          </a:effectRef>
-          <a:fontRef idx="minor">
-            <a:schemeClr val="tx1"/>
-          </a:fontRef>
-        </p:style>
-      </p:cxnSp>
-      <p:cxnSp>
-        <p:nvCxnSpPr>
-          <p:cNvPr id="22" name="Gerader Verbinder 21"/>
-          <p:cNvCxnSpPr>
-            <a:endCxn id="19" idx="0"/>
-          </p:cNvCxnSpPr>
+        <p:txBody>
+          <a:bodyPr wrap="square" rtlCol="0">
+            <a:spAutoFit/>
+          </a:bodyPr>
+          <a:lstStyle/>
+          <a:p>
+            <a:r>
+              <a:rPr lang="de-DE" dirty="0" smtClean="0"/>
+              <a:t>Kommunikation mit Externen Services</a:t>
+            </a:r>
+            <a:endParaRPr lang="de-DE" dirty="0"/>
+          </a:p>
+        </p:txBody>
+      </p:sp>
+      <p:sp>
+        <p:nvSpPr>
+          <p:cNvPr id="53" name="Textfeld 52"/>
+          <p:cNvSpPr txBox="1"/>
           <p:nvPr/>
-        </p:nvCxnSpPr>
+        </p:nvSpPr>
         <p:spPr>
           <a:xfrm>
-            <a:off x="1712302" y="2182988"/>
-            <a:ext cx="0" cy="630155"/>
+            <a:off x="3020665" y="5829729"/>
+            <a:ext cx="1231427" cy="646331"/>
           </a:xfrm>
-          <a:prstGeom prst="line">
+          <a:prstGeom prst="rect">
             <a:avLst/>
           </a:prstGeom>
-          <a:ln w="28575">
-            <a:solidFill>
-              <a:schemeClr val="bg1">
-                <a:lumMod val="50000"/>
-              </a:schemeClr>
-            </a:solidFill>
-          </a:ln>
+          <a:noFill/>
         </p:spPr>
-        <p:style>
-          <a:lnRef idx="1">
-            <a:schemeClr val="accent1"/>
-          </a:lnRef>
-          <a:fillRef idx="0">
-            <a:schemeClr val="accent1"/>
-          </a:fillRef>
-          <a:effectRef idx="0">
-            <a:schemeClr val="accent1"/>
-          </a:effectRef>
-          <a:fontRef idx="minor">
-            <a:schemeClr val="tx1"/>
-          </a:fontRef>
-        </p:style>
-      </p:cxnSp>
+        <p:txBody>
+          <a:bodyPr wrap="none" rtlCol="0">
+            <a:spAutoFit/>
+          </a:bodyPr>
+          <a:lstStyle/>
+          <a:p>
+            <a:r>
+              <a:rPr lang="de-DE" dirty="0" smtClean="0"/>
+              <a:t>In-Memory</a:t>
+            </a:r>
+          </a:p>
+          <a:p>
+            <a:r>
+              <a:rPr lang="de-DE" dirty="0" smtClean="0"/>
+              <a:t>Datenbank</a:t>
+            </a:r>
+            <a:endParaRPr lang="de-DE" dirty="0"/>
+          </a:p>
+        </p:txBody>
+      </p:sp>
+    </p:spTree>
+    <p:extLst>
+      <p:ext uri="{BB962C8B-B14F-4D97-AF65-F5344CB8AC3E}">
+        <p14:creationId xmlns:p14="http://schemas.microsoft.com/office/powerpoint/2010/main" val="2596890502"/>
+      </p:ext>
+    </p:extLst>
+  </p:cSld>
+  <p:clrMapOvr>
+    <a:masterClrMapping/>
+  </p:clrMapOvr>
+</p:sld>
+</file>
+
+<file path=ppt/slides/slide11.xml><?xml version="1.0" encoding="utf-8"?>
+<p:sld xmlns:a="http://schemas.openxmlformats.org/drawingml/2006/main" xmlns:r="http://schemas.openxmlformats.org/officeDocument/2006/relationships" xmlns:p="http://schemas.openxmlformats.org/presentationml/2006/main">
+  <p:cSld>
+    <p:spTree>
+      <p:nvGrpSpPr>
+        <p:cNvPr id="1" name=""/>
+        <p:cNvGrpSpPr/>
+        <p:nvPr/>
+      </p:nvGrpSpPr>
+      <p:grpSpPr>
+        <a:xfrm>
+          <a:off x="0" y="0"/>
+          <a:ext cx="0" cy="0"/>
+          <a:chOff x="0" y="0"/>
+          <a:chExt cx="0" cy="0"/>
+        </a:xfrm>
+      </p:grpSpPr>
       <p:sp>
         <p:nvSpPr>
           <p:cNvPr id="23" name="Rechteck 22"/>
@@ -6528,8 +7196,8 @@
         </p:nvSpPr>
         <p:spPr>
           <a:xfrm>
-            <a:off x="6113864" y="2465966"/>
-            <a:ext cx="2914731" cy="509062"/>
+            <a:off x="6113864" y="2535332"/>
+            <a:ext cx="1705916" cy="369332"/>
           </a:xfrm>
           <a:prstGeom prst="rect">
             <a:avLst/>
@@ -6544,11 +7212,7 @@
           <a:p>
             <a:r>
               <a:rPr lang="de-DE" dirty="0" smtClean="0"/>
-              <a:t>Network </a:t>
-            </a:r>
-            <a:r>
-              <a:rPr lang="de-DE" dirty="0" err="1" smtClean="0"/>
-              <a:t>Boundary</a:t>
+              <a:t>Netzwerkgrenze</a:t>
             </a:r>
             <a:endParaRPr lang="de-DE" dirty="0"/>
           </a:p>
@@ -6562,8 +7226,8 @@
         </p:nvSpPr>
         <p:spPr>
           <a:xfrm>
-            <a:off x="6142747" y="3006965"/>
-            <a:ext cx="2722509" cy="509062"/>
+            <a:off x="6142747" y="3076331"/>
+            <a:ext cx="1744388" cy="369332"/>
           </a:xfrm>
           <a:prstGeom prst="rect">
             <a:avLst/>
@@ -6578,11 +7242,7 @@
           <a:p>
             <a:r>
               <a:rPr lang="de-DE" dirty="0" smtClean="0"/>
-              <a:t>Logical </a:t>
-            </a:r>
-            <a:r>
-              <a:rPr lang="de-DE" dirty="0" err="1" smtClean="0"/>
-              <a:t>Boundary</a:t>
+              <a:t>Logische Grenze</a:t>
             </a:r>
             <a:endParaRPr lang="de-DE" dirty="0"/>
           </a:p>
@@ -6596,8 +7256,8 @@
         </p:nvSpPr>
         <p:spPr>
           <a:xfrm>
-            <a:off x="6142220" y="3547964"/>
-            <a:ext cx="1427760" cy="509062"/>
+            <a:off x="6142220" y="3598412"/>
+            <a:ext cx="756938" cy="369332"/>
           </a:xfrm>
           <a:prstGeom prst="rect">
             <a:avLst/>
@@ -6612,7 +7272,7 @@
           <a:p>
             <a:r>
               <a:rPr lang="de-DE" dirty="0" smtClean="0"/>
-              <a:t>Protocol</a:t>
+              <a:t>REST</a:t>
             </a:r>
             <a:endParaRPr lang="de-DE" dirty="0"/>
           </a:p>
@@ -6627,7 +7287,7 @@
         <p:spPr>
           <a:xfrm>
             <a:off x="6142220" y="4094063"/>
-            <a:ext cx="1346008" cy="509062"/>
+            <a:ext cx="981359" cy="369332"/>
           </a:xfrm>
           <a:prstGeom prst="rect">
             <a:avLst/>
@@ -6642,7 +7302,7 @@
           <a:p>
             <a:r>
               <a:rPr lang="de-DE" dirty="0" smtClean="0"/>
-              <a:t>Domain</a:t>
+              <a:t>Domäne</a:t>
             </a:r>
             <a:endParaRPr lang="de-DE" dirty="0"/>
           </a:p>
@@ -6656,8 +7316,38 @@
         </p:nvSpPr>
         <p:spPr>
           <a:xfrm>
-            <a:off x="6142220" y="4633760"/>
-            <a:ext cx="1454273" cy="509062"/>
+            <a:off x="6139948" y="4573002"/>
+            <a:ext cx="2850431" cy="646331"/>
+          </a:xfrm>
+          <a:prstGeom prst="rect">
+            <a:avLst/>
+          </a:prstGeom>
+          <a:noFill/>
+        </p:spPr>
+        <p:txBody>
+          <a:bodyPr wrap="square" rtlCol="0">
+            <a:spAutoFit/>
+          </a:bodyPr>
+          <a:lstStyle/>
+          <a:p>
+            <a:r>
+              <a:rPr lang="de-DE" dirty="0" smtClean="0"/>
+              <a:t>Kommunikation mit Externen Services</a:t>
+            </a:r>
+            <a:endParaRPr lang="de-DE" dirty="0"/>
+          </a:p>
+        </p:txBody>
+      </p:sp>
+      <p:sp>
+        <p:nvSpPr>
+          <p:cNvPr id="35" name="Textfeld 34"/>
+          <p:cNvSpPr txBox="1"/>
+          <p:nvPr/>
+        </p:nvSpPr>
+        <p:spPr>
+          <a:xfrm>
+            <a:off x="6142219" y="5249129"/>
+            <a:ext cx="1152880" cy="369332"/>
           </a:xfrm>
           <a:prstGeom prst="rect">
             <a:avLst/>
@@ -6671,8 +7361,8 @@
           <a:lstStyle/>
           <a:p>
             <a:r>
-              <a:rPr lang="de-DE" dirty="0" err="1" smtClean="0"/>
-              <a:t>External</a:t>
+              <a:rPr lang="de-DE" dirty="0" smtClean="0"/>
+              <a:t>Persistenz</a:t>
             </a:r>
             <a:endParaRPr lang="de-DE" dirty="0"/>
           </a:p>
@@ -6680,14 +7370,14 @@
       </p:sp>
       <p:sp>
         <p:nvSpPr>
-          <p:cNvPr id="35" name="Textfeld 34"/>
+          <p:cNvPr id="36" name="Textfeld 35"/>
           <p:cNvSpPr txBox="1"/>
           <p:nvPr/>
         </p:nvSpPr>
         <p:spPr>
           <a:xfrm>
-            <a:off x="6142219" y="5173457"/>
-            <a:ext cx="1803369" cy="509062"/>
+            <a:off x="6142219" y="5673669"/>
+            <a:ext cx="1284326" cy="369332"/>
           </a:xfrm>
           <a:prstGeom prst="rect">
             <a:avLst/>
@@ -6701,8 +7391,8 @@
           <a:lstStyle/>
           <a:p>
             <a:r>
-              <a:rPr lang="de-DE" dirty="0" err="1" smtClean="0"/>
-              <a:t>Persistence</a:t>
+              <a:rPr lang="de-DE" dirty="0" smtClean="0"/>
+              <a:t>Verbindung</a:t>
             </a:r>
             <a:endParaRPr lang="de-DE" dirty="0"/>
           </a:p>
@@ -6710,86 +7400,23 @@
       </p:sp>
       <p:sp>
         <p:nvSpPr>
-          <p:cNvPr id="36" name="Textfeld 35"/>
-          <p:cNvSpPr txBox="1"/>
-          <p:nvPr/>
-        </p:nvSpPr>
-        <p:spPr>
-          <a:xfrm>
-            <a:off x="6142219" y="5604303"/>
-            <a:ext cx="1827673" cy="509062"/>
-          </a:xfrm>
-          <a:prstGeom prst="rect">
-            <a:avLst/>
-          </a:prstGeom>
-          <a:noFill/>
-        </p:spPr>
-        <p:txBody>
-          <a:bodyPr wrap="none" rtlCol="0">
-            <a:spAutoFit/>
-          </a:bodyPr>
-          <a:lstStyle/>
-          <a:p>
-            <a:r>
-              <a:rPr lang="de-DE" dirty="0" smtClean="0"/>
-              <a:t>Connection</a:t>
-            </a:r>
-            <a:endParaRPr lang="de-DE" dirty="0"/>
-          </a:p>
-        </p:txBody>
-      </p:sp>
-    </p:spTree>
-    <p:extLst>
-      <p:ext uri="{BB962C8B-B14F-4D97-AF65-F5344CB8AC3E}">
-        <p14:creationId xmlns:p14="http://schemas.microsoft.com/office/powerpoint/2010/main" val="2596890502"/>
-      </p:ext>
-    </p:extLst>
-  </p:cSld>
-  <p:clrMapOvr>
-    <a:masterClrMapping/>
-  </p:clrMapOvr>
-</p:sld>
-</file>
-
-<file path=ppt/slides/slide11.xml><?xml version="1.0" encoding="utf-8"?>
-<p:sld xmlns:a="http://schemas.openxmlformats.org/drawingml/2006/main" xmlns:r="http://schemas.openxmlformats.org/officeDocument/2006/relationships" xmlns:p="http://schemas.openxmlformats.org/presentationml/2006/main">
-  <p:cSld>
-    <p:spTree>
-      <p:nvGrpSpPr>
-        <p:cNvPr id="1" name=""/>
-        <p:cNvGrpSpPr/>
-        <p:nvPr/>
-      </p:nvGrpSpPr>
-      <p:grpSpPr>
-        <a:xfrm>
-          <a:off x="0" y="0"/>
-          <a:ext cx="0" cy="0"/>
-          <a:chOff x="0" y="0"/>
-          <a:chExt cx="0" cy="0"/>
-        </a:xfrm>
-      </p:grpSpPr>
-      <p:sp>
-        <p:nvSpPr>
-          <p:cNvPr id="2" name="Rechteck 1"/>
+          <p:cNvPr id="40" name="Abgerundetes Rechteck 39"/>
           <p:cNvSpPr/>
           <p:nvPr/>
         </p:nvSpPr>
         <p:spPr>
           <a:xfrm>
-            <a:off x="124292" y="44390"/>
-            <a:ext cx="5034889" cy="6717516"/>
+            <a:off x="5534027" y="6115982"/>
+            <a:ext cx="341630" cy="341630"/>
           </a:xfrm>
-          <a:prstGeom prst="rect">
+          <a:prstGeom prst="roundRect">
             <a:avLst/>
           </a:prstGeom>
-          <a:noFill/>
-          <a:ln w="19050">
-            <a:solidFill>
-              <a:schemeClr val="bg1">
-                <a:lumMod val="75000"/>
-              </a:schemeClr>
-            </a:solidFill>
-            <a:prstDash val="dashDot"/>
+          <a:solidFill>
+            <a:schemeClr val="accent6"/>
+          </a:solidFill>
+          <a:ln>
+            <a:noFill/>
           </a:ln>
         </p:spPr>
         <p:style>
@@ -6819,1165 +7446,14 @@
       </p:sp>
       <p:sp>
         <p:nvSpPr>
-          <p:cNvPr id="3" name="Rechteck 2"/>
-          <p:cNvSpPr/>
-          <p:nvPr/>
-        </p:nvSpPr>
-        <p:spPr>
-          <a:xfrm>
-            <a:off x="423774" y="275962"/>
-            <a:ext cx="4435929" cy="5043691"/>
-          </a:xfrm>
-          <a:prstGeom prst="rect">
-            <a:avLst/>
-          </a:prstGeom>
-          <a:solidFill>
-            <a:schemeClr val="bg1">
-              <a:lumMod val="85000"/>
-            </a:schemeClr>
-          </a:solidFill>
-          <a:ln w="38100" cap="rnd" cmpd="sng">
-            <a:solidFill>
-              <a:schemeClr val="bg1">
-                <a:lumMod val="50000"/>
-              </a:schemeClr>
-            </a:solidFill>
-            <a:prstDash val="sysDash"/>
-            <a:miter lim="800000"/>
-          </a:ln>
-        </p:spPr>
-        <p:style>
-          <a:lnRef idx="2">
-            <a:schemeClr val="accent4">
-              <a:shade val="50000"/>
-            </a:schemeClr>
-          </a:lnRef>
-          <a:fillRef idx="1001">
-            <a:schemeClr val="dk2"/>
-          </a:fillRef>
-          <a:effectRef idx="0">
-            <a:schemeClr val="accent4"/>
-          </a:effectRef>
-          <a:fontRef idx="minor">
-            <a:schemeClr val="lt1"/>
-          </a:fontRef>
-        </p:style>
-        <p:txBody>
-          <a:bodyPr rtlCol="0" anchor="ctr"/>
-          <a:lstStyle/>
-          <a:p>
-            <a:pPr algn="ctr"/>
-            <a:endParaRPr lang="de-DE"/>
-          </a:p>
-        </p:txBody>
-      </p:sp>
-      <p:sp>
-        <p:nvSpPr>
-          <p:cNvPr id="4" name="Zylinder 3"/>
-          <p:cNvSpPr/>
-          <p:nvPr/>
-        </p:nvSpPr>
-        <p:spPr>
-          <a:xfrm>
-            <a:off x="2262810" y="5733340"/>
-            <a:ext cx="757855" cy="823756"/>
-          </a:xfrm>
-          <a:prstGeom prst="can">
-            <a:avLst/>
-          </a:prstGeom>
-          <a:ln w="38100" cap="rnd">
-            <a:solidFill>
-              <a:schemeClr val="accent1">
-                <a:lumMod val="75000"/>
-              </a:schemeClr>
-            </a:solidFill>
-            <a:prstDash val="sysDash"/>
-          </a:ln>
-        </p:spPr>
-        <p:style>
-          <a:lnRef idx="2">
-            <a:schemeClr val="accent1">
-              <a:shade val="50000"/>
-            </a:schemeClr>
-          </a:lnRef>
-          <a:fillRef idx="1">
-            <a:schemeClr val="accent1"/>
-          </a:fillRef>
-          <a:effectRef idx="0">
-            <a:schemeClr val="accent1"/>
-          </a:effectRef>
-          <a:fontRef idx="minor">
-            <a:schemeClr val="lt1"/>
-          </a:fontRef>
-        </p:style>
-        <p:txBody>
-          <a:bodyPr rtlCol="0" anchor="ctr"/>
-          <a:lstStyle/>
-          <a:p>
-            <a:pPr algn="ctr"/>
-            <a:endParaRPr lang="de-DE"/>
-          </a:p>
-        </p:txBody>
-      </p:sp>
-      <p:sp>
-        <p:nvSpPr>
-          <p:cNvPr id="5" name="Rechteck 4"/>
-          <p:cNvSpPr/>
-          <p:nvPr/>
-        </p:nvSpPr>
-        <p:spPr>
-          <a:xfrm>
-            <a:off x="889202" y="4493095"/>
-            <a:ext cx="3505080" cy="494254"/>
-          </a:xfrm>
-          <a:prstGeom prst="rect">
-            <a:avLst/>
-          </a:prstGeom>
-        </p:spPr>
-        <p:style>
-          <a:lnRef idx="2">
-            <a:schemeClr val="accent1">
-              <a:shade val="50000"/>
-            </a:schemeClr>
-          </a:lnRef>
-          <a:fillRef idx="1">
-            <a:schemeClr val="accent1"/>
-          </a:fillRef>
-          <a:effectRef idx="0">
-            <a:schemeClr val="accent1"/>
-          </a:effectRef>
-          <a:fontRef idx="minor">
-            <a:schemeClr val="lt1"/>
-          </a:fontRef>
-        </p:style>
-        <p:txBody>
-          <a:bodyPr rtlCol="0" anchor="ctr"/>
-          <a:lstStyle/>
-          <a:p>
-            <a:pPr algn="ctr"/>
-            <a:r>
-              <a:rPr lang="de-DE" sz="1400" dirty="0" smtClean="0"/>
-              <a:t>Data Mappers/ORM</a:t>
-            </a:r>
-            <a:endParaRPr lang="de-DE" sz="1400" dirty="0"/>
-          </a:p>
-        </p:txBody>
-      </p:sp>
-      <p:sp>
-        <p:nvSpPr>
-          <p:cNvPr id="6" name="Rechteck 5"/>
-          <p:cNvSpPr/>
-          <p:nvPr/>
-        </p:nvSpPr>
-        <p:spPr>
-          <a:xfrm>
-            <a:off x="889200" y="3741415"/>
-            <a:ext cx="3505081" cy="498380"/>
-          </a:xfrm>
-          <a:prstGeom prst="rect">
-            <a:avLst/>
-          </a:prstGeom>
-        </p:spPr>
-        <p:style>
-          <a:lnRef idx="2">
-            <a:schemeClr val="accent2">
-              <a:shade val="50000"/>
-            </a:schemeClr>
-          </a:lnRef>
-          <a:fillRef idx="1">
-            <a:schemeClr val="accent2"/>
-          </a:fillRef>
-          <a:effectRef idx="0">
-            <a:schemeClr val="accent2"/>
-          </a:effectRef>
-          <a:fontRef idx="minor">
-            <a:schemeClr val="lt1"/>
-          </a:fontRef>
-        </p:style>
-        <p:txBody>
-          <a:bodyPr rtlCol="0" anchor="ctr"/>
-          <a:lstStyle/>
-          <a:p>
-            <a:pPr algn="ctr"/>
-            <a:r>
-              <a:rPr lang="de-DE" sz="1400" dirty="0" err="1" smtClean="0"/>
-              <a:t>Repositories</a:t>
-            </a:r>
-            <a:endParaRPr lang="de-DE" sz="1400" dirty="0"/>
-          </a:p>
-        </p:txBody>
-      </p:sp>
-      <p:sp>
-        <p:nvSpPr>
-          <p:cNvPr id="7" name="Rechteck 6"/>
-          <p:cNvSpPr/>
-          <p:nvPr/>
-        </p:nvSpPr>
-        <p:spPr>
-          <a:xfrm>
-            <a:off x="889198" y="756338"/>
-            <a:ext cx="3505083" cy="498380"/>
-          </a:xfrm>
-          <a:prstGeom prst="rect">
-            <a:avLst/>
-          </a:prstGeom>
-        </p:spPr>
-        <p:style>
-          <a:lnRef idx="2">
-            <a:schemeClr val="accent5">
-              <a:shade val="50000"/>
-            </a:schemeClr>
-          </a:lnRef>
-          <a:fillRef idx="1">
-            <a:schemeClr val="accent5"/>
-          </a:fillRef>
-          <a:effectRef idx="0">
-            <a:schemeClr val="accent5"/>
-          </a:effectRef>
-          <a:fontRef idx="minor">
-            <a:schemeClr val="lt1"/>
-          </a:fontRef>
-        </p:style>
-        <p:txBody>
-          <a:bodyPr rtlCol="0" anchor="ctr"/>
-          <a:lstStyle/>
-          <a:p>
-            <a:pPr algn="ctr"/>
-            <a:r>
-              <a:rPr lang="de-DE" sz="1400" dirty="0" smtClean="0"/>
-              <a:t>Resources</a:t>
-            </a:r>
-            <a:endParaRPr lang="de-DE" sz="1400" dirty="0"/>
-          </a:p>
-        </p:txBody>
-      </p:sp>
-      <p:sp>
-        <p:nvSpPr>
-          <p:cNvPr id="8" name="Rechteck 7"/>
-          <p:cNvSpPr/>
-          <p:nvPr/>
-        </p:nvSpPr>
-        <p:spPr>
-          <a:xfrm rot="16200000">
-            <a:off x="3155044" y="2248880"/>
-            <a:ext cx="1980096" cy="498380"/>
-          </a:xfrm>
-          <a:prstGeom prst="rect">
-            <a:avLst/>
-          </a:prstGeom>
-        </p:spPr>
-        <p:style>
-          <a:lnRef idx="2">
-            <a:schemeClr val="accent3">
-              <a:shade val="50000"/>
-            </a:schemeClr>
-          </a:lnRef>
-          <a:fillRef idx="1">
-            <a:schemeClr val="accent3"/>
-          </a:fillRef>
-          <a:effectRef idx="0">
-            <a:schemeClr val="accent3"/>
-          </a:effectRef>
-          <a:fontRef idx="minor">
-            <a:schemeClr val="lt1"/>
-          </a:fontRef>
-        </p:style>
-        <p:txBody>
-          <a:bodyPr rtlCol="0" anchor="ctr"/>
-          <a:lstStyle/>
-          <a:p>
-            <a:pPr algn="ctr"/>
-            <a:r>
-              <a:rPr lang="de-DE" sz="1400" dirty="0" smtClean="0"/>
-              <a:t>HTTP Client</a:t>
-            </a:r>
-            <a:endParaRPr lang="de-DE" sz="1400" dirty="0"/>
-          </a:p>
-        </p:txBody>
-      </p:sp>
-      <p:sp>
-        <p:nvSpPr>
-          <p:cNvPr id="9" name="Rechteck 8"/>
-          <p:cNvSpPr/>
-          <p:nvPr/>
-        </p:nvSpPr>
-        <p:spPr>
-          <a:xfrm rot="16200000">
-            <a:off x="2378652" y="2248874"/>
-            <a:ext cx="1980096" cy="498380"/>
-          </a:xfrm>
-          <a:prstGeom prst="rect">
-            <a:avLst/>
-          </a:prstGeom>
-        </p:spPr>
-        <p:style>
-          <a:lnRef idx="2">
-            <a:schemeClr val="accent3">
-              <a:shade val="50000"/>
-            </a:schemeClr>
-          </a:lnRef>
-          <a:fillRef idx="1">
-            <a:schemeClr val="accent3"/>
-          </a:fillRef>
-          <a:effectRef idx="0">
-            <a:schemeClr val="accent3"/>
-          </a:effectRef>
-          <a:fontRef idx="minor">
-            <a:schemeClr val="lt1"/>
-          </a:fontRef>
-        </p:style>
-        <p:txBody>
-          <a:bodyPr rtlCol="0" anchor="ctr"/>
-          <a:lstStyle/>
-          <a:p>
-            <a:pPr algn="ctr"/>
-            <a:r>
-              <a:rPr lang="de-DE" sz="1400" dirty="0" smtClean="0"/>
-              <a:t>Gateways</a:t>
-            </a:r>
-            <a:endParaRPr lang="de-DE" sz="1400" dirty="0"/>
-          </a:p>
-        </p:txBody>
-      </p:sp>
-      <p:sp>
-        <p:nvSpPr>
-          <p:cNvPr id="10" name="Rechteck 9"/>
-          <p:cNvSpPr/>
-          <p:nvPr/>
-        </p:nvSpPr>
-        <p:spPr>
-          <a:xfrm>
-            <a:off x="5437191" y="1512024"/>
-            <a:ext cx="1791155" cy="815002"/>
-          </a:xfrm>
-          <a:prstGeom prst="rect">
-            <a:avLst/>
-          </a:prstGeom>
-          <a:ln w="38100" cap="rnd">
-            <a:prstDash val="sysDash"/>
-          </a:ln>
-        </p:spPr>
-        <p:style>
-          <a:lnRef idx="2">
-            <a:schemeClr val="accent3">
-              <a:shade val="50000"/>
-            </a:schemeClr>
-          </a:lnRef>
-          <a:fillRef idx="1">
-            <a:schemeClr val="accent3"/>
-          </a:fillRef>
-          <a:effectRef idx="0">
-            <a:schemeClr val="accent3"/>
-          </a:effectRef>
-          <a:fontRef idx="minor">
-            <a:schemeClr val="lt1"/>
-          </a:fontRef>
-        </p:style>
-        <p:txBody>
-          <a:bodyPr rtlCol="0" anchor="ctr"/>
-          <a:lstStyle/>
-          <a:p>
-            <a:pPr algn="ctr"/>
-            <a:r>
-              <a:rPr lang="de-DE" sz="1400" dirty="0" err="1" smtClean="0"/>
-              <a:t>External</a:t>
-            </a:r>
-            <a:r>
-              <a:rPr lang="de-DE" sz="1400" dirty="0" smtClean="0"/>
-              <a:t> Service</a:t>
-            </a:r>
-            <a:endParaRPr lang="de-DE" sz="1400" dirty="0"/>
-          </a:p>
-        </p:txBody>
-      </p:sp>
-      <p:cxnSp>
-        <p:nvCxnSpPr>
-          <p:cNvPr id="11" name="Gerader Verbinder 10"/>
-          <p:cNvCxnSpPr/>
-          <p:nvPr/>
-        </p:nvCxnSpPr>
-        <p:spPr>
-          <a:xfrm>
-            <a:off x="975696" y="1254718"/>
-            <a:ext cx="0" cy="2486697"/>
-          </a:xfrm>
-          <a:prstGeom prst="line">
-            <a:avLst/>
-          </a:prstGeom>
-          <a:ln w="28575">
-            <a:solidFill>
-              <a:schemeClr val="bg1">
-                <a:lumMod val="50000"/>
-              </a:schemeClr>
-            </a:solidFill>
-          </a:ln>
-        </p:spPr>
-        <p:style>
-          <a:lnRef idx="1">
-            <a:schemeClr val="accent1"/>
-          </a:lnRef>
-          <a:fillRef idx="0">
-            <a:schemeClr val="accent1"/>
-          </a:fillRef>
-          <a:effectRef idx="0">
-            <a:schemeClr val="accent1"/>
-          </a:effectRef>
-          <a:fontRef idx="minor">
-            <a:schemeClr val="tx1"/>
-          </a:fontRef>
-        </p:style>
-      </p:cxnSp>
-      <p:cxnSp>
-        <p:nvCxnSpPr>
-          <p:cNvPr id="12" name="Gerader Verbinder 11"/>
-          <p:cNvCxnSpPr>
-            <a:stCxn id="6" idx="2"/>
-            <a:endCxn id="5" idx="0"/>
-          </p:cNvCxnSpPr>
-          <p:nvPr/>
-        </p:nvCxnSpPr>
-        <p:spPr>
-          <a:xfrm>
-            <a:off x="2641741" y="4239795"/>
-            <a:ext cx="1" cy="253300"/>
-          </a:xfrm>
-          <a:prstGeom prst="line">
-            <a:avLst/>
-          </a:prstGeom>
-          <a:ln w="28575">
-            <a:solidFill>
-              <a:schemeClr val="bg1">
-                <a:lumMod val="50000"/>
-              </a:schemeClr>
-            </a:solidFill>
-          </a:ln>
-        </p:spPr>
-        <p:style>
-          <a:lnRef idx="1">
-            <a:schemeClr val="accent1"/>
-          </a:lnRef>
-          <a:fillRef idx="0">
-            <a:schemeClr val="accent1"/>
-          </a:fillRef>
-          <a:effectRef idx="0">
-            <a:schemeClr val="accent1"/>
-          </a:effectRef>
-          <a:fontRef idx="minor">
-            <a:schemeClr val="tx1"/>
-          </a:fontRef>
-        </p:style>
-      </p:cxnSp>
-      <p:cxnSp>
-        <p:nvCxnSpPr>
-          <p:cNvPr id="13" name="Gerader Verbinder 12"/>
-          <p:cNvCxnSpPr>
-            <a:stCxn id="5" idx="2"/>
-            <a:endCxn id="4" idx="1"/>
-          </p:cNvCxnSpPr>
-          <p:nvPr/>
-        </p:nvCxnSpPr>
-        <p:spPr>
-          <a:xfrm flipH="1">
-            <a:off x="2641738" y="4987350"/>
-            <a:ext cx="4" cy="745990"/>
-          </a:xfrm>
-          <a:prstGeom prst="line">
-            <a:avLst/>
-          </a:prstGeom>
-          <a:ln w="28575">
-            <a:solidFill>
-              <a:schemeClr val="bg1">
-                <a:lumMod val="50000"/>
-              </a:schemeClr>
-            </a:solidFill>
-          </a:ln>
-        </p:spPr>
-        <p:style>
-          <a:lnRef idx="1">
-            <a:schemeClr val="accent1"/>
-          </a:lnRef>
-          <a:fillRef idx="0">
-            <a:schemeClr val="accent1"/>
-          </a:fillRef>
-          <a:effectRef idx="0">
-            <a:schemeClr val="accent1"/>
-          </a:effectRef>
-          <a:fontRef idx="minor">
-            <a:schemeClr val="tx1"/>
-          </a:fontRef>
-        </p:style>
-      </p:cxnSp>
-      <p:sp>
-        <p:nvSpPr>
-          <p:cNvPr id="14" name="Rechteck 13"/>
-          <p:cNvSpPr/>
-          <p:nvPr/>
-        </p:nvSpPr>
-        <p:spPr>
-          <a:xfrm>
-            <a:off x="1540993" y="1512645"/>
-            <a:ext cx="1298440" cy="670343"/>
-          </a:xfrm>
-          <a:prstGeom prst="rect">
-            <a:avLst/>
-          </a:prstGeom>
-        </p:spPr>
-        <p:style>
-          <a:lnRef idx="2">
-            <a:schemeClr val="accent2">
-              <a:shade val="50000"/>
-            </a:schemeClr>
-          </a:lnRef>
-          <a:fillRef idx="1">
-            <a:schemeClr val="accent2"/>
-          </a:fillRef>
-          <a:effectRef idx="0">
-            <a:schemeClr val="accent2"/>
-          </a:effectRef>
-          <a:fontRef idx="minor">
-            <a:schemeClr val="lt1"/>
-          </a:fontRef>
-        </p:style>
-        <p:txBody>
-          <a:bodyPr rtlCol="0" anchor="ctr"/>
-          <a:lstStyle/>
-          <a:p>
-            <a:r>
-              <a:rPr lang="de-DE" sz="1400" dirty="0" smtClean="0"/>
-              <a:t>Service </a:t>
-            </a:r>
-          </a:p>
-          <a:p>
-            <a:r>
-              <a:rPr lang="de-DE" sz="1400" dirty="0" smtClean="0"/>
-              <a:t>Layer</a:t>
-            </a:r>
-            <a:endParaRPr lang="de-DE" sz="1400" dirty="0"/>
-          </a:p>
-        </p:txBody>
-      </p:sp>
-      <p:cxnSp>
-        <p:nvCxnSpPr>
-          <p:cNvPr id="15" name="Gerader Verbinder 14"/>
-          <p:cNvCxnSpPr>
-            <a:stCxn id="14" idx="3"/>
-          </p:cNvCxnSpPr>
-          <p:nvPr/>
-        </p:nvCxnSpPr>
-        <p:spPr>
-          <a:xfrm>
-            <a:off x="2839434" y="1847817"/>
-            <a:ext cx="280076" cy="1024"/>
-          </a:xfrm>
-          <a:prstGeom prst="line">
-            <a:avLst/>
-          </a:prstGeom>
-          <a:ln w="28575">
-            <a:solidFill>
-              <a:schemeClr val="bg1">
-                <a:lumMod val="50000"/>
-              </a:schemeClr>
-            </a:solidFill>
-          </a:ln>
-        </p:spPr>
-        <p:style>
-          <a:lnRef idx="1">
-            <a:schemeClr val="accent1"/>
-          </a:lnRef>
-          <a:fillRef idx="0">
-            <a:schemeClr val="accent1"/>
-          </a:fillRef>
-          <a:effectRef idx="0">
-            <a:schemeClr val="accent1"/>
-          </a:effectRef>
-          <a:fontRef idx="minor">
-            <a:schemeClr val="tx1"/>
-          </a:fontRef>
-        </p:style>
-      </p:cxnSp>
-      <p:cxnSp>
-        <p:nvCxnSpPr>
-          <p:cNvPr id="16" name="Gerader Verbinder 15"/>
-          <p:cNvCxnSpPr>
-            <a:stCxn id="9" idx="2"/>
-          </p:cNvCxnSpPr>
-          <p:nvPr/>
-        </p:nvCxnSpPr>
-        <p:spPr>
-          <a:xfrm>
-            <a:off x="3617891" y="2498064"/>
-            <a:ext cx="278011" cy="0"/>
-          </a:xfrm>
-          <a:prstGeom prst="line">
-            <a:avLst/>
-          </a:prstGeom>
-          <a:ln w="28575">
-            <a:solidFill>
-              <a:schemeClr val="bg1">
-                <a:lumMod val="50000"/>
-              </a:schemeClr>
-            </a:solidFill>
-          </a:ln>
-        </p:spPr>
-        <p:style>
-          <a:lnRef idx="1">
-            <a:schemeClr val="accent1"/>
-          </a:lnRef>
-          <a:fillRef idx="0">
-            <a:schemeClr val="accent1"/>
-          </a:fillRef>
-          <a:effectRef idx="0">
-            <a:schemeClr val="accent1"/>
-          </a:effectRef>
-          <a:fontRef idx="minor">
-            <a:schemeClr val="tx1"/>
-          </a:fontRef>
-        </p:style>
-      </p:cxnSp>
-      <p:cxnSp>
-        <p:nvCxnSpPr>
-          <p:cNvPr id="17" name="Gerader Verbinder 16"/>
-          <p:cNvCxnSpPr>
-            <a:endCxn id="10" idx="1"/>
-          </p:cNvCxnSpPr>
-          <p:nvPr/>
-        </p:nvCxnSpPr>
-        <p:spPr>
-          <a:xfrm>
-            <a:off x="4394277" y="1915374"/>
-            <a:ext cx="1042914" cy="4152"/>
-          </a:xfrm>
-          <a:prstGeom prst="line">
-            <a:avLst/>
-          </a:prstGeom>
-          <a:ln w="28575">
-            <a:solidFill>
-              <a:schemeClr val="bg1">
-                <a:lumMod val="50000"/>
-              </a:schemeClr>
-            </a:solidFill>
-          </a:ln>
-        </p:spPr>
-        <p:style>
-          <a:lnRef idx="1">
-            <a:schemeClr val="accent1"/>
-          </a:lnRef>
-          <a:fillRef idx="0">
-            <a:schemeClr val="accent1"/>
-          </a:fillRef>
-          <a:effectRef idx="0">
-            <a:schemeClr val="accent1"/>
-          </a:effectRef>
-          <a:fontRef idx="minor">
-            <a:schemeClr val="tx1"/>
-          </a:fontRef>
-        </p:style>
-      </p:cxnSp>
-      <p:cxnSp>
-        <p:nvCxnSpPr>
-          <p:cNvPr id="18" name="Gerader Verbinder 17"/>
-          <p:cNvCxnSpPr/>
-          <p:nvPr/>
-        </p:nvCxnSpPr>
-        <p:spPr>
-          <a:xfrm flipH="1">
-            <a:off x="1253708" y="1254718"/>
-            <a:ext cx="2065" cy="1586251"/>
-          </a:xfrm>
-          <a:prstGeom prst="line">
-            <a:avLst/>
-          </a:prstGeom>
-          <a:ln w="28575">
-            <a:solidFill>
-              <a:schemeClr val="bg1">
-                <a:lumMod val="50000"/>
-              </a:schemeClr>
-            </a:solidFill>
-          </a:ln>
-        </p:spPr>
-        <p:style>
-          <a:lnRef idx="1">
-            <a:schemeClr val="accent1"/>
-          </a:lnRef>
-          <a:fillRef idx="0">
-            <a:schemeClr val="accent1"/>
-          </a:fillRef>
-          <a:effectRef idx="0">
-            <a:schemeClr val="accent1"/>
-          </a:effectRef>
-          <a:fontRef idx="minor">
-            <a:schemeClr val="tx1"/>
-          </a:fontRef>
-        </p:style>
-      </p:cxnSp>
-      <p:sp>
-        <p:nvSpPr>
-          <p:cNvPr id="19" name="Rechteck 18"/>
-          <p:cNvSpPr/>
-          <p:nvPr/>
-        </p:nvSpPr>
-        <p:spPr>
-          <a:xfrm>
-            <a:off x="1161794" y="2813144"/>
-            <a:ext cx="1199867" cy="670343"/>
-          </a:xfrm>
-          <a:prstGeom prst="rect">
-            <a:avLst/>
-          </a:prstGeom>
-        </p:spPr>
-        <p:style>
-          <a:lnRef idx="2">
-            <a:schemeClr val="accent2">
-              <a:shade val="50000"/>
-            </a:schemeClr>
-          </a:lnRef>
-          <a:fillRef idx="1">
-            <a:schemeClr val="accent2"/>
-          </a:fillRef>
-          <a:effectRef idx="0">
-            <a:schemeClr val="accent2"/>
-          </a:effectRef>
-          <a:fontRef idx="minor">
-            <a:schemeClr val="lt1"/>
-          </a:fontRef>
-        </p:style>
-        <p:txBody>
-          <a:bodyPr rtlCol="0" anchor="ctr"/>
-          <a:lstStyle/>
-          <a:p>
-            <a:r>
-              <a:rPr lang="de-DE" sz="1400" dirty="0" smtClean="0"/>
-              <a:t>Domain</a:t>
-            </a:r>
-            <a:endParaRPr lang="de-DE" sz="1400" dirty="0"/>
-          </a:p>
-        </p:txBody>
-      </p:sp>
-      <p:cxnSp>
-        <p:nvCxnSpPr>
-          <p:cNvPr id="20" name="Gerader Verbinder 19"/>
-          <p:cNvCxnSpPr>
-            <a:endCxn id="6" idx="0"/>
-          </p:cNvCxnSpPr>
-          <p:nvPr/>
-        </p:nvCxnSpPr>
-        <p:spPr>
-          <a:xfrm>
-            <a:off x="2641737" y="2182988"/>
-            <a:ext cx="4" cy="1558427"/>
-          </a:xfrm>
-          <a:prstGeom prst="line">
-            <a:avLst/>
-          </a:prstGeom>
-          <a:ln w="28575">
-            <a:solidFill>
-              <a:schemeClr val="bg1">
-                <a:lumMod val="50000"/>
-              </a:schemeClr>
-            </a:solidFill>
-          </a:ln>
-        </p:spPr>
-        <p:style>
-          <a:lnRef idx="1">
-            <a:schemeClr val="accent1"/>
-          </a:lnRef>
-          <a:fillRef idx="0">
-            <a:schemeClr val="accent1"/>
-          </a:fillRef>
-          <a:effectRef idx="0">
-            <a:schemeClr val="accent1"/>
-          </a:effectRef>
-          <a:fontRef idx="minor">
-            <a:schemeClr val="tx1"/>
-          </a:fontRef>
-        </p:style>
-      </p:cxnSp>
-      <p:cxnSp>
-        <p:nvCxnSpPr>
-          <p:cNvPr id="21" name="Gerader Verbinder 20"/>
-          <p:cNvCxnSpPr>
-            <a:endCxn id="14" idx="0"/>
-          </p:cNvCxnSpPr>
-          <p:nvPr/>
-        </p:nvCxnSpPr>
-        <p:spPr>
-          <a:xfrm>
-            <a:off x="2190214" y="1252402"/>
-            <a:ext cx="0" cy="260243"/>
-          </a:xfrm>
-          <a:prstGeom prst="line">
-            <a:avLst/>
-          </a:prstGeom>
-          <a:ln w="28575">
-            <a:solidFill>
-              <a:schemeClr val="bg1">
-                <a:lumMod val="50000"/>
-              </a:schemeClr>
-            </a:solidFill>
-          </a:ln>
-        </p:spPr>
-        <p:style>
-          <a:lnRef idx="1">
-            <a:schemeClr val="accent1"/>
-          </a:lnRef>
-          <a:fillRef idx="0">
-            <a:schemeClr val="accent1"/>
-          </a:fillRef>
-          <a:effectRef idx="0">
-            <a:schemeClr val="accent1"/>
-          </a:effectRef>
-          <a:fontRef idx="minor">
-            <a:schemeClr val="tx1"/>
-          </a:fontRef>
-        </p:style>
-      </p:cxnSp>
-      <p:cxnSp>
-        <p:nvCxnSpPr>
-          <p:cNvPr id="22" name="Gerader Verbinder 21"/>
-          <p:cNvCxnSpPr/>
-          <p:nvPr/>
-        </p:nvCxnSpPr>
-        <p:spPr>
-          <a:xfrm flipH="1">
-            <a:off x="1709766" y="2182988"/>
-            <a:ext cx="2536" cy="635961"/>
-          </a:xfrm>
-          <a:prstGeom prst="line">
-            <a:avLst/>
-          </a:prstGeom>
-          <a:ln w="28575">
-            <a:solidFill>
-              <a:schemeClr val="bg1">
-                <a:lumMod val="50000"/>
-              </a:schemeClr>
-            </a:solidFill>
-          </a:ln>
-        </p:spPr>
-        <p:style>
-          <a:lnRef idx="1">
-            <a:schemeClr val="accent1"/>
-          </a:lnRef>
-          <a:fillRef idx="0">
-            <a:schemeClr val="accent1"/>
-          </a:fillRef>
-          <a:effectRef idx="0">
-            <a:schemeClr val="accent1"/>
-          </a:effectRef>
-          <a:fontRef idx="minor">
-            <a:schemeClr val="tx1"/>
-          </a:fontRef>
-        </p:style>
-      </p:cxnSp>
-      <p:sp>
-        <p:nvSpPr>
-          <p:cNvPr id="23" name="Rechteck 22"/>
-          <p:cNvSpPr/>
-          <p:nvPr/>
-        </p:nvSpPr>
-        <p:spPr>
-          <a:xfrm>
-            <a:off x="5458663" y="2580955"/>
-            <a:ext cx="491084" cy="286158"/>
-          </a:xfrm>
-          <a:prstGeom prst="rect">
-            <a:avLst/>
-          </a:prstGeom>
-          <a:solidFill>
-            <a:schemeClr val="bg1">
-              <a:lumMod val="85000"/>
-            </a:schemeClr>
-          </a:solidFill>
-          <a:ln w="38100" cap="rnd" cmpd="sng">
-            <a:solidFill>
-              <a:schemeClr val="bg1">
-                <a:lumMod val="50000"/>
-              </a:schemeClr>
-            </a:solidFill>
-            <a:prstDash val="sysDash"/>
-            <a:miter lim="800000"/>
-          </a:ln>
-        </p:spPr>
-        <p:style>
-          <a:lnRef idx="2">
-            <a:schemeClr val="accent4">
-              <a:shade val="50000"/>
-            </a:schemeClr>
-          </a:lnRef>
-          <a:fillRef idx="1001">
-            <a:schemeClr val="dk2"/>
-          </a:fillRef>
-          <a:effectRef idx="0">
-            <a:schemeClr val="accent4"/>
-          </a:effectRef>
-          <a:fontRef idx="minor">
-            <a:schemeClr val="lt1"/>
-          </a:fontRef>
-        </p:style>
-        <p:txBody>
-          <a:bodyPr rtlCol="0" anchor="ctr"/>
-          <a:lstStyle/>
-          <a:p>
-            <a:pPr algn="ctr"/>
-            <a:endParaRPr lang="de-DE"/>
-          </a:p>
-        </p:txBody>
-      </p:sp>
-      <p:sp>
-        <p:nvSpPr>
-          <p:cNvPr id="24" name="Rechteck 23"/>
-          <p:cNvSpPr/>
-          <p:nvPr/>
-        </p:nvSpPr>
-        <p:spPr>
-          <a:xfrm>
-            <a:off x="5458662" y="3118562"/>
-            <a:ext cx="491084" cy="290854"/>
-          </a:xfrm>
-          <a:prstGeom prst="rect">
-            <a:avLst/>
-          </a:prstGeom>
-          <a:noFill/>
-          <a:ln w="19050">
-            <a:solidFill>
-              <a:schemeClr val="bg1">
-                <a:lumMod val="75000"/>
-              </a:schemeClr>
-            </a:solidFill>
-            <a:prstDash val="dashDot"/>
-          </a:ln>
-        </p:spPr>
-        <p:style>
-          <a:lnRef idx="2">
-            <a:schemeClr val="accent1">
-              <a:shade val="50000"/>
-            </a:schemeClr>
-          </a:lnRef>
-          <a:fillRef idx="1">
-            <a:schemeClr val="accent1"/>
-          </a:fillRef>
-          <a:effectRef idx="0">
-            <a:schemeClr val="accent1"/>
-          </a:effectRef>
-          <a:fontRef idx="minor">
-            <a:schemeClr val="lt1"/>
-          </a:fontRef>
-        </p:style>
-        <p:txBody>
-          <a:bodyPr rtlCol="0" anchor="ctr"/>
-          <a:lstStyle/>
-          <a:p>
-            <a:pPr algn="ctr"/>
-            <a:endParaRPr lang="de-DE"/>
-          </a:p>
-        </p:txBody>
-      </p:sp>
-      <p:sp>
-        <p:nvSpPr>
-          <p:cNvPr id="25" name="Rechteck 24"/>
-          <p:cNvSpPr/>
-          <p:nvPr/>
-        </p:nvSpPr>
-        <p:spPr>
-          <a:xfrm>
-            <a:off x="5458660" y="3660865"/>
-            <a:ext cx="491084" cy="290854"/>
-          </a:xfrm>
-          <a:prstGeom prst="rect">
-            <a:avLst/>
-          </a:prstGeom>
-        </p:spPr>
-        <p:style>
-          <a:lnRef idx="2">
-            <a:schemeClr val="accent5">
-              <a:shade val="50000"/>
-            </a:schemeClr>
-          </a:lnRef>
-          <a:fillRef idx="1">
-            <a:schemeClr val="accent5"/>
-          </a:fillRef>
-          <a:effectRef idx="0">
-            <a:schemeClr val="accent5"/>
-          </a:effectRef>
-          <a:fontRef idx="minor">
-            <a:schemeClr val="lt1"/>
-          </a:fontRef>
-        </p:style>
-        <p:txBody>
-          <a:bodyPr rtlCol="0" anchor="ctr"/>
-          <a:lstStyle/>
-          <a:p>
-            <a:pPr algn="ctr"/>
-            <a:endParaRPr lang="de-DE" sz="1400" dirty="0"/>
-          </a:p>
-        </p:txBody>
-      </p:sp>
-      <p:sp>
-        <p:nvSpPr>
-          <p:cNvPr id="26" name="Rechteck 25"/>
-          <p:cNvSpPr/>
-          <p:nvPr/>
-        </p:nvSpPr>
-        <p:spPr>
-          <a:xfrm>
-            <a:off x="5458659" y="4203168"/>
-            <a:ext cx="491084" cy="290854"/>
-          </a:xfrm>
-          <a:prstGeom prst="rect">
-            <a:avLst/>
-          </a:prstGeom>
-        </p:spPr>
-        <p:style>
-          <a:lnRef idx="2">
-            <a:schemeClr val="accent2">
-              <a:shade val="50000"/>
-            </a:schemeClr>
-          </a:lnRef>
-          <a:fillRef idx="1">
-            <a:schemeClr val="accent2"/>
-          </a:fillRef>
-          <a:effectRef idx="0">
-            <a:schemeClr val="accent2"/>
-          </a:effectRef>
-          <a:fontRef idx="minor">
-            <a:schemeClr val="lt1"/>
-          </a:fontRef>
-        </p:style>
-        <p:txBody>
-          <a:bodyPr rtlCol="0" anchor="ctr"/>
-          <a:lstStyle/>
-          <a:p>
-            <a:pPr algn="ctr"/>
-            <a:endParaRPr lang="de-DE" sz="1400" dirty="0"/>
-          </a:p>
-        </p:txBody>
-      </p:sp>
-      <p:sp>
-        <p:nvSpPr>
-          <p:cNvPr id="27" name="Rechteck 26"/>
-          <p:cNvSpPr/>
-          <p:nvPr/>
-        </p:nvSpPr>
-        <p:spPr>
-          <a:xfrm>
-            <a:off x="5458659" y="4742865"/>
-            <a:ext cx="491084" cy="290854"/>
-          </a:xfrm>
-          <a:prstGeom prst="rect">
-            <a:avLst/>
-          </a:prstGeom>
-        </p:spPr>
-        <p:style>
-          <a:lnRef idx="2">
-            <a:schemeClr val="accent3">
-              <a:shade val="50000"/>
-            </a:schemeClr>
-          </a:lnRef>
-          <a:fillRef idx="1">
-            <a:schemeClr val="accent3"/>
-          </a:fillRef>
-          <a:effectRef idx="0">
-            <a:schemeClr val="accent3"/>
-          </a:effectRef>
-          <a:fontRef idx="minor">
-            <a:schemeClr val="lt1"/>
-          </a:fontRef>
-        </p:style>
-        <p:txBody>
-          <a:bodyPr rtlCol="0" anchor="ctr"/>
-          <a:lstStyle/>
-          <a:p>
-            <a:pPr algn="ctr"/>
-            <a:endParaRPr lang="de-DE" sz="1400" dirty="0"/>
-          </a:p>
-        </p:txBody>
-      </p:sp>
-      <p:sp>
-        <p:nvSpPr>
-          <p:cNvPr id="28" name="Rechteck 27"/>
-          <p:cNvSpPr/>
-          <p:nvPr/>
-        </p:nvSpPr>
-        <p:spPr>
-          <a:xfrm>
-            <a:off x="5458658" y="5282561"/>
-            <a:ext cx="491084" cy="290853"/>
-          </a:xfrm>
-          <a:prstGeom prst="rect">
-            <a:avLst/>
-          </a:prstGeom>
-        </p:spPr>
-        <p:style>
-          <a:lnRef idx="2">
-            <a:schemeClr val="accent1">
-              <a:shade val="50000"/>
-            </a:schemeClr>
-          </a:lnRef>
-          <a:fillRef idx="1">
-            <a:schemeClr val="accent1"/>
-          </a:fillRef>
-          <a:effectRef idx="0">
-            <a:schemeClr val="accent1"/>
-          </a:effectRef>
-          <a:fontRef idx="minor">
-            <a:schemeClr val="lt1"/>
-          </a:fontRef>
-        </p:style>
-        <p:txBody>
-          <a:bodyPr rtlCol="0" anchor="ctr"/>
-          <a:lstStyle/>
-          <a:p>
-            <a:pPr algn="ctr"/>
-            <a:endParaRPr lang="de-DE" sz="1400" dirty="0"/>
-          </a:p>
-        </p:txBody>
-      </p:sp>
-      <p:cxnSp>
-        <p:nvCxnSpPr>
-          <p:cNvPr id="29" name="Gerader Verbinder 28"/>
-          <p:cNvCxnSpPr/>
-          <p:nvPr/>
-        </p:nvCxnSpPr>
-        <p:spPr>
-          <a:xfrm flipH="1">
-            <a:off x="5458658" y="5858834"/>
-            <a:ext cx="491084" cy="1650"/>
-          </a:xfrm>
-          <a:prstGeom prst="line">
-            <a:avLst/>
-          </a:prstGeom>
-          <a:ln w="28575">
-            <a:solidFill>
-              <a:schemeClr val="bg1">
-                <a:lumMod val="50000"/>
-              </a:schemeClr>
-            </a:solidFill>
-          </a:ln>
-        </p:spPr>
-        <p:style>
-          <a:lnRef idx="1">
-            <a:schemeClr val="accent1"/>
-          </a:lnRef>
-          <a:fillRef idx="0">
-            <a:schemeClr val="accent1"/>
-          </a:fillRef>
-          <a:effectRef idx="0">
-            <a:schemeClr val="accent1"/>
-          </a:effectRef>
-          <a:fontRef idx="minor">
-            <a:schemeClr val="tx1"/>
-          </a:fontRef>
-        </p:style>
-      </p:cxnSp>
-      <p:sp>
-        <p:nvSpPr>
-          <p:cNvPr id="30" name="Textfeld 29"/>
+          <p:cNvPr id="42" name="Textfeld 41"/>
           <p:cNvSpPr txBox="1"/>
           <p:nvPr/>
         </p:nvSpPr>
         <p:spPr>
           <a:xfrm>
-            <a:off x="6113864" y="2465966"/>
-            <a:ext cx="2914731" cy="509062"/>
+            <a:off x="6113864" y="6107382"/>
+            <a:ext cx="1398140" cy="369332"/>
           </a:xfrm>
           <a:prstGeom prst="rect">
             <a:avLst/>
@@ -7992,195 +7468,11 @@
           <a:p>
             <a:r>
               <a:rPr lang="de-DE" dirty="0" smtClean="0"/>
-              <a:t>Network </a:t>
+              <a:t>Unit </a:t>
             </a:r>
             <a:r>
               <a:rPr lang="de-DE" dirty="0" err="1" smtClean="0"/>
-              <a:t>Boundary</a:t>
-            </a:r>
-            <a:endParaRPr lang="de-DE" dirty="0"/>
-          </a:p>
-        </p:txBody>
-      </p:sp>
-      <p:sp>
-        <p:nvSpPr>
-          <p:cNvPr id="31" name="Textfeld 30"/>
-          <p:cNvSpPr txBox="1"/>
-          <p:nvPr/>
-        </p:nvSpPr>
-        <p:spPr>
-          <a:xfrm>
-            <a:off x="6142747" y="3006965"/>
-            <a:ext cx="2722509" cy="509062"/>
-          </a:xfrm>
-          <a:prstGeom prst="rect">
-            <a:avLst/>
-          </a:prstGeom>
-          <a:noFill/>
-        </p:spPr>
-        <p:txBody>
-          <a:bodyPr wrap="none" rtlCol="0">
-            <a:spAutoFit/>
-          </a:bodyPr>
-          <a:lstStyle/>
-          <a:p>
-            <a:r>
-              <a:rPr lang="de-DE" dirty="0" smtClean="0"/>
-              <a:t>Logical </a:t>
-            </a:r>
-            <a:r>
-              <a:rPr lang="de-DE" dirty="0" err="1" smtClean="0"/>
-              <a:t>Boundary</a:t>
-            </a:r>
-            <a:endParaRPr lang="de-DE" dirty="0"/>
-          </a:p>
-        </p:txBody>
-      </p:sp>
-      <p:sp>
-        <p:nvSpPr>
-          <p:cNvPr id="32" name="Textfeld 31"/>
-          <p:cNvSpPr txBox="1"/>
-          <p:nvPr/>
-        </p:nvSpPr>
-        <p:spPr>
-          <a:xfrm>
-            <a:off x="6142220" y="3547964"/>
-            <a:ext cx="1427760" cy="509062"/>
-          </a:xfrm>
-          <a:prstGeom prst="rect">
-            <a:avLst/>
-          </a:prstGeom>
-          <a:noFill/>
-        </p:spPr>
-        <p:txBody>
-          <a:bodyPr wrap="none" rtlCol="0">
-            <a:spAutoFit/>
-          </a:bodyPr>
-          <a:lstStyle/>
-          <a:p>
-            <a:r>
-              <a:rPr lang="de-DE" dirty="0" smtClean="0"/>
-              <a:t>Protocol</a:t>
-            </a:r>
-            <a:endParaRPr lang="de-DE" dirty="0"/>
-          </a:p>
-        </p:txBody>
-      </p:sp>
-      <p:sp>
-        <p:nvSpPr>
-          <p:cNvPr id="33" name="Textfeld 32"/>
-          <p:cNvSpPr txBox="1"/>
-          <p:nvPr/>
-        </p:nvSpPr>
-        <p:spPr>
-          <a:xfrm>
-            <a:off x="6142220" y="4094063"/>
-            <a:ext cx="1346008" cy="509062"/>
-          </a:xfrm>
-          <a:prstGeom prst="rect">
-            <a:avLst/>
-          </a:prstGeom>
-          <a:noFill/>
-        </p:spPr>
-        <p:txBody>
-          <a:bodyPr wrap="none" rtlCol="0">
-            <a:spAutoFit/>
-          </a:bodyPr>
-          <a:lstStyle/>
-          <a:p>
-            <a:r>
-              <a:rPr lang="de-DE" dirty="0" smtClean="0"/>
-              <a:t>Domain</a:t>
-            </a:r>
-            <a:endParaRPr lang="de-DE" dirty="0"/>
-          </a:p>
-        </p:txBody>
-      </p:sp>
-      <p:sp>
-        <p:nvSpPr>
-          <p:cNvPr id="34" name="Textfeld 33"/>
-          <p:cNvSpPr txBox="1"/>
-          <p:nvPr/>
-        </p:nvSpPr>
-        <p:spPr>
-          <a:xfrm>
-            <a:off x="6142220" y="4633760"/>
-            <a:ext cx="1454273" cy="509062"/>
-          </a:xfrm>
-          <a:prstGeom prst="rect">
-            <a:avLst/>
-          </a:prstGeom>
-          <a:noFill/>
-        </p:spPr>
-        <p:txBody>
-          <a:bodyPr wrap="none" rtlCol="0">
-            <a:spAutoFit/>
-          </a:bodyPr>
-          <a:lstStyle/>
-          <a:p>
-            <a:r>
-              <a:rPr lang="de-DE" dirty="0" err="1" smtClean="0"/>
-              <a:t>External</a:t>
-            </a:r>
-            <a:endParaRPr lang="de-DE" dirty="0"/>
-          </a:p>
-        </p:txBody>
-      </p:sp>
-      <p:sp>
-        <p:nvSpPr>
-          <p:cNvPr id="35" name="Textfeld 34"/>
-          <p:cNvSpPr txBox="1"/>
-          <p:nvPr/>
-        </p:nvSpPr>
-        <p:spPr>
-          <a:xfrm>
-            <a:off x="6142219" y="5173457"/>
-            <a:ext cx="1803369" cy="509062"/>
-          </a:xfrm>
-          <a:prstGeom prst="rect">
-            <a:avLst/>
-          </a:prstGeom>
-          <a:noFill/>
-        </p:spPr>
-        <p:txBody>
-          <a:bodyPr wrap="none" rtlCol="0">
-            <a:spAutoFit/>
-          </a:bodyPr>
-          <a:lstStyle/>
-          <a:p>
-            <a:r>
-              <a:rPr lang="de-DE" dirty="0" err="1" smtClean="0"/>
-              <a:t>Persistence</a:t>
-            </a:r>
-            <a:endParaRPr lang="de-DE" dirty="0"/>
-          </a:p>
-        </p:txBody>
-      </p:sp>
-      <p:sp>
-        <p:nvSpPr>
-          <p:cNvPr id="36" name="Textfeld 35"/>
-          <p:cNvSpPr txBox="1"/>
-          <p:nvPr/>
-        </p:nvSpPr>
-        <p:spPr>
-          <a:xfrm>
-            <a:off x="6142219" y="5604303"/>
-            <a:ext cx="1827673" cy="509062"/>
-          </a:xfrm>
-          <a:prstGeom prst="rect">
-            <a:avLst/>
-          </a:prstGeom>
-          <a:noFill/>
-        </p:spPr>
-        <p:txBody>
-          <a:bodyPr wrap="none" rtlCol="0">
-            <a:spAutoFit/>
-          </a:bodyPr>
-          <a:lstStyle/>
-          <a:p>
-            <a:r>
-              <a:rPr lang="de-DE" dirty="0" smtClean="0"/>
-              <a:t>Connection</a:t>
+              <a:t>Tested</a:t>
             </a:r>
             <a:endParaRPr lang="de-DE" dirty="0"/>
           </a:p>
@@ -8188,21 +7480,956 @@
       </p:sp>
       <p:grpSp>
         <p:nvGrpSpPr>
-          <p:cNvPr id="37" name="Gruppieren 36"/>
+          <p:cNvPr id="9" name="Gruppieren 8"/>
           <p:cNvGrpSpPr/>
           <p:nvPr/>
         </p:nvGrpSpPr>
         <p:grpSpPr>
           <a:xfrm>
-            <a:off x="1915521" y="834087"/>
-            <a:ext cx="3960136" cy="5623525"/>
-            <a:chOff x="1915521" y="834087"/>
-            <a:chExt cx="3960136" cy="5623525"/>
+            <a:off x="124292" y="-113512"/>
+            <a:ext cx="7104054" cy="6875418"/>
+            <a:chOff x="124292" y="-113512"/>
+            <a:chExt cx="7104054" cy="6875418"/>
           </a:xfrm>
-          <a:solidFill>
-            <a:schemeClr val="accent6"/>
-          </a:solidFill>
         </p:grpSpPr>
+        <p:sp>
+          <p:nvSpPr>
+            <p:cNvPr id="2" name="Rechteck 1"/>
+            <p:cNvSpPr/>
+            <p:nvPr/>
+          </p:nvSpPr>
+          <p:spPr>
+            <a:xfrm>
+              <a:off x="124292" y="44390"/>
+              <a:ext cx="5034889" cy="6717516"/>
+            </a:xfrm>
+            <a:prstGeom prst="rect">
+              <a:avLst/>
+            </a:prstGeom>
+            <a:noFill/>
+            <a:ln w="19050">
+              <a:solidFill>
+                <a:schemeClr val="bg1">
+                  <a:lumMod val="75000"/>
+                </a:schemeClr>
+              </a:solidFill>
+              <a:prstDash val="dashDot"/>
+            </a:ln>
+          </p:spPr>
+          <p:style>
+            <a:lnRef idx="2">
+              <a:schemeClr val="accent1">
+                <a:shade val="50000"/>
+              </a:schemeClr>
+            </a:lnRef>
+            <a:fillRef idx="1">
+              <a:schemeClr val="accent1"/>
+            </a:fillRef>
+            <a:effectRef idx="0">
+              <a:schemeClr val="accent1"/>
+            </a:effectRef>
+            <a:fontRef idx="minor">
+              <a:schemeClr val="lt1"/>
+            </a:fontRef>
+          </p:style>
+          <p:txBody>
+            <a:bodyPr rtlCol="0" anchor="ctr"/>
+            <a:lstStyle/>
+            <a:p>
+              <a:pPr algn="ctr"/>
+              <a:endParaRPr lang="de-DE"/>
+            </a:p>
+          </p:txBody>
+        </p:sp>
+        <p:sp>
+          <p:nvSpPr>
+            <p:cNvPr id="3" name="Rechteck 2"/>
+            <p:cNvSpPr/>
+            <p:nvPr/>
+          </p:nvSpPr>
+          <p:spPr>
+            <a:xfrm>
+              <a:off x="509479" y="238870"/>
+              <a:ext cx="4435929" cy="5289660"/>
+            </a:xfrm>
+            <a:prstGeom prst="rect">
+              <a:avLst/>
+            </a:prstGeom>
+            <a:solidFill>
+              <a:schemeClr val="bg1">
+                <a:lumMod val="85000"/>
+              </a:schemeClr>
+            </a:solidFill>
+            <a:ln w="38100" cap="rnd" cmpd="sng">
+              <a:solidFill>
+                <a:schemeClr val="bg1">
+                  <a:lumMod val="50000"/>
+                </a:schemeClr>
+              </a:solidFill>
+              <a:prstDash val="sysDash"/>
+              <a:miter lim="800000"/>
+            </a:ln>
+          </p:spPr>
+          <p:style>
+            <a:lnRef idx="2">
+              <a:schemeClr val="accent4">
+                <a:shade val="50000"/>
+              </a:schemeClr>
+            </a:lnRef>
+            <a:fillRef idx="1001">
+              <a:schemeClr val="dk2"/>
+            </a:fillRef>
+            <a:effectRef idx="0">
+              <a:schemeClr val="accent4"/>
+            </a:effectRef>
+            <a:fontRef idx="minor">
+              <a:schemeClr val="lt1"/>
+            </a:fontRef>
+          </p:style>
+          <p:txBody>
+            <a:bodyPr rtlCol="0" anchor="ctr"/>
+            <a:lstStyle/>
+            <a:p>
+              <a:pPr algn="ctr"/>
+              <a:endParaRPr lang="de-DE"/>
+            </a:p>
+          </p:txBody>
+        </p:sp>
+        <p:sp>
+          <p:nvSpPr>
+            <p:cNvPr id="4" name="Zylinder 3"/>
+            <p:cNvSpPr/>
+            <p:nvPr/>
+          </p:nvSpPr>
+          <p:spPr>
+            <a:xfrm>
+              <a:off x="2262810" y="5733340"/>
+              <a:ext cx="757855" cy="823756"/>
+            </a:xfrm>
+            <a:prstGeom prst="can">
+              <a:avLst/>
+            </a:prstGeom>
+            <a:ln w="38100" cap="rnd">
+              <a:solidFill>
+                <a:schemeClr val="accent1">
+                  <a:lumMod val="75000"/>
+                </a:schemeClr>
+              </a:solidFill>
+              <a:prstDash val="sysDash"/>
+            </a:ln>
+          </p:spPr>
+          <p:style>
+            <a:lnRef idx="2">
+              <a:schemeClr val="accent1">
+                <a:shade val="50000"/>
+              </a:schemeClr>
+            </a:lnRef>
+            <a:fillRef idx="1">
+              <a:schemeClr val="accent1"/>
+            </a:fillRef>
+            <a:effectRef idx="0">
+              <a:schemeClr val="accent1"/>
+            </a:effectRef>
+            <a:fontRef idx="minor">
+              <a:schemeClr val="lt1"/>
+            </a:fontRef>
+          </p:style>
+          <p:txBody>
+            <a:bodyPr rtlCol="0" anchor="ctr"/>
+            <a:lstStyle/>
+            <a:p>
+              <a:pPr algn="ctr"/>
+              <a:endParaRPr lang="de-DE"/>
+            </a:p>
+          </p:txBody>
+        </p:sp>
+        <p:sp>
+          <p:nvSpPr>
+            <p:cNvPr id="5" name="Rechteck 4"/>
+            <p:cNvSpPr/>
+            <p:nvPr/>
+          </p:nvSpPr>
+          <p:spPr>
+            <a:xfrm>
+              <a:off x="882328" y="4668328"/>
+              <a:ext cx="3505080" cy="494254"/>
+            </a:xfrm>
+            <a:prstGeom prst="rect">
+              <a:avLst/>
+            </a:prstGeom>
+          </p:spPr>
+          <p:style>
+            <a:lnRef idx="2">
+              <a:schemeClr val="accent1">
+                <a:shade val="50000"/>
+              </a:schemeClr>
+            </a:lnRef>
+            <a:fillRef idx="1">
+              <a:schemeClr val="accent1"/>
+            </a:fillRef>
+            <a:effectRef idx="0">
+              <a:schemeClr val="accent1"/>
+            </a:effectRef>
+            <a:fontRef idx="minor">
+              <a:schemeClr val="lt1"/>
+            </a:fontRef>
+          </p:style>
+          <p:txBody>
+            <a:bodyPr rtlCol="0" anchor="ctr"/>
+            <a:lstStyle/>
+            <a:p>
+              <a:pPr algn="ctr"/>
+              <a:r>
+                <a:rPr lang="de-DE" sz="1400" dirty="0" smtClean="0"/>
+                <a:t>Data Mappers/ORM</a:t>
+              </a:r>
+              <a:endParaRPr lang="de-DE" sz="1400" dirty="0"/>
+            </a:p>
+          </p:txBody>
+        </p:sp>
+        <p:sp>
+          <p:nvSpPr>
+            <p:cNvPr id="6" name="Rechteck 5"/>
+            <p:cNvSpPr/>
+            <p:nvPr/>
+          </p:nvSpPr>
+          <p:spPr>
+            <a:xfrm>
+              <a:off x="889198" y="2989738"/>
+              <a:ext cx="2844074" cy="498380"/>
+            </a:xfrm>
+            <a:prstGeom prst="rect">
+              <a:avLst/>
+            </a:prstGeom>
+          </p:spPr>
+          <p:style>
+            <a:lnRef idx="2">
+              <a:schemeClr val="accent2">
+                <a:shade val="50000"/>
+              </a:schemeClr>
+            </a:lnRef>
+            <a:fillRef idx="1">
+              <a:schemeClr val="accent2"/>
+            </a:fillRef>
+            <a:effectRef idx="0">
+              <a:schemeClr val="accent2"/>
+            </a:effectRef>
+            <a:fontRef idx="minor">
+              <a:schemeClr val="lt1"/>
+            </a:fontRef>
+          </p:style>
+          <p:txBody>
+            <a:bodyPr rtlCol="0" anchor="ctr"/>
+            <a:lstStyle/>
+            <a:p>
+              <a:pPr algn="ctr"/>
+              <a:r>
+                <a:rPr lang="de-DE" sz="1400" dirty="0" err="1" smtClean="0"/>
+                <a:t>Repositories</a:t>
+              </a:r>
+              <a:endParaRPr lang="de-DE" sz="1400" dirty="0"/>
+            </a:p>
+          </p:txBody>
+        </p:sp>
+        <p:sp>
+          <p:nvSpPr>
+            <p:cNvPr id="7" name="Rechteck 6"/>
+            <p:cNvSpPr/>
+            <p:nvPr/>
+          </p:nvSpPr>
+          <p:spPr>
+            <a:xfrm>
+              <a:off x="889198" y="756338"/>
+              <a:ext cx="3505083" cy="498380"/>
+            </a:xfrm>
+            <a:prstGeom prst="rect">
+              <a:avLst/>
+            </a:prstGeom>
+          </p:spPr>
+          <p:style>
+            <a:lnRef idx="2">
+              <a:schemeClr val="accent5">
+                <a:shade val="50000"/>
+              </a:schemeClr>
+            </a:lnRef>
+            <a:fillRef idx="1">
+              <a:schemeClr val="accent5"/>
+            </a:fillRef>
+            <a:effectRef idx="0">
+              <a:schemeClr val="accent5"/>
+            </a:effectRef>
+            <a:fontRef idx="minor">
+              <a:schemeClr val="lt1"/>
+            </a:fontRef>
+          </p:style>
+          <p:txBody>
+            <a:bodyPr rtlCol="0" anchor="ctr"/>
+            <a:lstStyle/>
+            <a:p>
+              <a:pPr algn="ctr"/>
+              <a:r>
+                <a:rPr lang="de-DE" sz="1400" dirty="0" smtClean="0"/>
+                <a:t>Ressourcen</a:t>
+              </a:r>
+              <a:endParaRPr lang="de-DE" sz="1400" dirty="0"/>
+            </a:p>
+          </p:txBody>
+        </p:sp>
+        <p:sp>
+          <p:nvSpPr>
+            <p:cNvPr id="8" name="Rechteck 7"/>
+            <p:cNvSpPr/>
+            <p:nvPr/>
+          </p:nvSpPr>
+          <p:spPr>
+            <a:xfrm rot="16200000">
+              <a:off x="3155044" y="2248880"/>
+              <a:ext cx="1980096" cy="498380"/>
+            </a:xfrm>
+            <a:prstGeom prst="rect">
+              <a:avLst/>
+            </a:prstGeom>
+          </p:spPr>
+          <p:style>
+            <a:lnRef idx="2">
+              <a:schemeClr val="accent3">
+                <a:shade val="50000"/>
+              </a:schemeClr>
+            </a:lnRef>
+            <a:fillRef idx="1">
+              <a:schemeClr val="accent3"/>
+            </a:fillRef>
+            <a:effectRef idx="0">
+              <a:schemeClr val="accent3"/>
+            </a:effectRef>
+            <a:fontRef idx="minor">
+              <a:schemeClr val="lt1"/>
+            </a:fontRef>
+          </p:style>
+          <p:txBody>
+            <a:bodyPr rtlCol="0" anchor="ctr"/>
+            <a:lstStyle/>
+            <a:p>
+              <a:pPr algn="ctr"/>
+              <a:r>
+                <a:rPr lang="de-DE" sz="1400" dirty="0" smtClean="0"/>
+                <a:t>Security REST Client</a:t>
+              </a:r>
+              <a:endParaRPr lang="de-DE" sz="1400" dirty="0"/>
+            </a:p>
+          </p:txBody>
+        </p:sp>
+        <p:sp>
+          <p:nvSpPr>
+            <p:cNvPr id="10" name="Rechteck 9"/>
+            <p:cNvSpPr/>
+            <p:nvPr/>
+          </p:nvSpPr>
+          <p:spPr>
+            <a:xfrm>
+              <a:off x="5437191" y="1366982"/>
+              <a:ext cx="1791155" cy="815002"/>
+            </a:xfrm>
+            <a:prstGeom prst="rect">
+              <a:avLst/>
+            </a:prstGeom>
+            <a:ln w="38100" cap="rnd">
+              <a:prstDash val="sysDash"/>
+            </a:ln>
+          </p:spPr>
+          <p:style>
+            <a:lnRef idx="2">
+              <a:schemeClr val="accent3">
+                <a:shade val="50000"/>
+              </a:schemeClr>
+            </a:lnRef>
+            <a:fillRef idx="1">
+              <a:schemeClr val="accent3"/>
+            </a:fillRef>
+            <a:effectRef idx="0">
+              <a:schemeClr val="accent3"/>
+            </a:effectRef>
+            <a:fontRef idx="minor">
+              <a:schemeClr val="lt1"/>
+            </a:fontRef>
+          </p:style>
+          <p:txBody>
+            <a:bodyPr rtlCol="0" anchor="ctr"/>
+            <a:lstStyle/>
+            <a:p>
+              <a:pPr algn="ctr"/>
+              <a:r>
+                <a:rPr lang="de-DE" sz="1400" dirty="0" smtClean="0"/>
+                <a:t>Externer Service</a:t>
+              </a:r>
+              <a:endParaRPr lang="de-DE" sz="1400" dirty="0"/>
+            </a:p>
+          </p:txBody>
+        </p:sp>
+        <p:cxnSp>
+          <p:nvCxnSpPr>
+            <p:cNvPr id="11" name="Gerader Verbinder 10"/>
+            <p:cNvCxnSpPr/>
+            <p:nvPr/>
+          </p:nvCxnSpPr>
+          <p:spPr>
+            <a:xfrm>
+              <a:off x="1480741" y="1239332"/>
+              <a:ext cx="0" cy="1750405"/>
+            </a:xfrm>
+            <a:prstGeom prst="line">
+              <a:avLst/>
+            </a:prstGeom>
+            <a:ln w="28575">
+              <a:solidFill>
+                <a:schemeClr val="bg1">
+                  <a:lumMod val="50000"/>
+                </a:schemeClr>
+              </a:solidFill>
+            </a:ln>
+          </p:spPr>
+          <p:style>
+            <a:lnRef idx="1">
+              <a:schemeClr val="accent1"/>
+            </a:lnRef>
+            <a:fillRef idx="0">
+              <a:schemeClr val="accent1"/>
+            </a:fillRef>
+            <a:effectRef idx="0">
+              <a:schemeClr val="accent1"/>
+            </a:effectRef>
+            <a:fontRef idx="minor">
+              <a:schemeClr val="tx1"/>
+            </a:fontRef>
+          </p:style>
+        </p:cxnSp>
+        <p:cxnSp>
+          <p:nvCxnSpPr>
+            <p:cNvPr id="12" name="Gerader Verbinder 11"/>
+            <p:cNvCxnSpPr>
+              <a:stCxn id="6" idx="2"/>
+              <a:endCxn id="19" idx="0"/>
+            </p:cNvCxnSpPr>
+            <p:nvPr/>
+          </p:nvCxnSpPr>
+          <p:spPr>
+            <a:xfrm>
+              <a:off x="2311235" y="3488118"/>
+              <a:ext cx="0" cy="383360"/>
+            </a:xfrm>
+            <a:prstGeom prst="line">
+              <a:avLst/>
+            </a:prstGeom>
+            <a:ln w="28575">
+              <a:solidFill>
+                <a:schemeClr val="bg1">
+                  <a:lumMod val="50000"/>
+                </a:schemeClr>
+              </a:solidFill>
+            </a:ln>
+          </p:spPr>
+          <p:style>
+            <a:lnRef idx="1">
+              <a:schemeClr val="accent1"/>
+            </a:lnRef>
+            <a:fillRef idx="0">
+              <a:schemeClr val="accent1"/>
+            </a:fillRef>
+            <a:effectRef idx="0">
+              <a:schemeClr val="accent1"/>
+            </a:effectRef>
+            <a:fontRef idx="minor">
+              <a:schemeClr val="tx1"/>
+            </a:fontRef>
+          </p:style>
+        </p:cxnSp>
+        <p:cxnSp>
+          <p:nvCxnSpPr>
+            <p:cNvPr id="13" name="Gerader Verbinder 12"/>
+            <p:cNvCxnSpPr>
+              <a:stCxn id="5" idx="2"/>
+              <a:endCxn id="4" idx="1"/>
+            </p:cNvCxnSpPr>
+            <p:nvPr/>
+          </p:nvCxnSpPr>
+          <p:spPr>
+            <a:xfrm>
+              <a:off x="2634868" y="5162582"/>
+              <a:ext cx="6870" cy="570758"/>
+            </a:xfrm>
+            <a:prstGeom prst="line">
+              <a:avLst/>
+            </a:prstGeom>
+            <a:ln w="28575">
+              <a:solidFill>
+                <a:schemeClr val="bg1">
+                  <a:lumMod val="50000"/>
+                </a:schemeClr>
+              </a:solidFill>
+            </a:ln>
+          </p:spPr>
+          <p:style>
+            <a:lnRef idx="1">
+              <a:schemeClr val="accent1"/>
+            </a:lnRef>
+            <a:fillRef idx="0">
+              <a:schemeClr val="accent1"/>
+            </a:fillRef>
+            <a:effectRef idx="0">
+              <a:schemeClr val="accent1"/>
+            </a:effectRef>
+            <a:fontRef idx="minor">
+              <a:schemeClr val="tx1"/>
+            </a:fontRef>
+          </p:style>
+        </p:cxnSp>
+        <p:cxnSp>
+          <p:nvCxnSpPr>
+            <p:cNvPr id="15" name="Gerader Verbinder 14"/>
+            <p:cNvCxnSpPr>
+              <a:stCxn id="41" idx="3"/>
+            </p:cNvCxnSpPr>
+            <p:nvPr/>
+          </p:nvCxnSpPr>
+          <p:spPr>
+            <a:xfrm>
+              <a:off x="3729035" y="1770452"/>
+              <a:ext cx="166867" cy="0"/>
+            </a:xfrm>
+            <a:prstGeom prst="line">
+              <a:avLst/>
+            </a:prstGeom>
+            <a:ln w="28575">
+              <a:solidFill>
+                <a:schemeClr val="bg1">
+                  <a:lumMod val="50000"/>
+                </a:schemeClr>
+              </a:solidFill>
+            </a:ln>
+          </p:spPr>
+          <p:style>
+            <a:lnRef idx="1">
+              <a:schemeClr val="accent1"/>
+            </a:lnRef>
+            <a:fillRef idx="0">
+              <a:schemeClr val="accent1"/>
+            </a:fillRef>
+            <a:effectRef idx="0">
+              <a:schemeClr val="accent1"/>
+            </a:effectRef>
+            <a:fontRef idx="minor">
+              <a:schemeClr val="tx1"/>
+            </a:fontRef>
+          </p:style>
+        </p:cxnSp>
+        <p:cxnSp>
+          <p:nvCxnSpPr>
+            <p:cNvPr id="17" name="Gerader Verbinder 16"/>
+            <p:cNvCxnSpPr>
+              <a:endCxn id="10" idx="1"/>
+            </p:cNvCxnSpPr>
+            <p:nvPr/>
+          </p:nvCxnSpPr>
+          <p:spPr>
+            <a:xfrm>
+              <a:off x="4394277" y="1770332"/>
+              <a:ext cx="1042914" cy="4152"/>
+            </a:xfrm>
+            <a:prstGeom prst="line">
+              <a:avLst/>
+            </a:prstGeom>
+            <a:ln w="28575">
+              <a:solidFill>
+                <a:schemeClr val="bg1">
+                  <a:lumMod val="50000"/>
+                </a:schemeClr>
+              </a:solidFill>
+            </a:ln>
+          </p:spPr>
+          <p:style>
+            <a:lnRef idx="1">
+              <a:schemeClr val="accent1"/>
+            </a:lnRef>
+            <a:fillRef idx="0">
+              <a:schemeClr val="accent1"/>
+            </a:fillRef>
+            <a:effectRef idx="0">
+              <a:schemeClr val="accent1"/>
+            </a:effectRef>
+            <a:fontRef idx="minor">
+              <a:schemeClr val="tx1"/>
+            </a:fontRef>
+          </p:style>
+        </p:cxnSp>
+        <p:sp>
+          <p:nvSpPr>
+            <p:cNvPr id="19" name="Rechteck 18"/>
+            <p:cNvSpPr/>
+            <p:nvPr/>
+          </p:nvSpPr>
+          <p:spPr>
+            <a:xfrm>
+              <a:off x="889198" y="3871478"/>
+              <a:ext cx="2844074" cy="495651"/>
+            </a:xfrm>
+            <a:prstGeom prst="rect">
+              <a:avLst/>
+            </a:prstGeom>
+          </p:spPr>
+          <p:style>
+            <a:lnRef idx="2">
+              <a:schemeClr val="accent2">
+                <a:shade val="50000"/>
+              </a:schemeClr>
+            </a:lnRef>
+            <a:fillRef idx="1">
+              <a:schemeClr val="accent2"/>
+            </a:fillRef>
+            <a:effectRef idx="0">
+              <a:schemeClr val="accent2"/>
+            </a:effectRef>
+            <a:fontRef idx="minor">
+              <a:schemeClr val="lt1"/>
+            </a:fontRef>
+          </p:style>
+          <p:txBody>
+            <a:bodyPr rtlCol="0" anchor="ctr"/>
+            <a:lstStyle/>
+            <a:p>
+              <a:pPr algn="ctr"/>
+              <a:r>
+                <a:rPr lang="de-DE" sz="1400" dirty="0" smtClean="0"/>
+                <a:t>Entitäten</a:t>
+              </a:r>
+              <a:endParaRPr lang="de-DE" sz="1400" dirty="0"/>
+            </a:p>
+          </p:txBody>
+        </p:sp>
+        <p:cxnSp>
+          <p:nvCxnSpPr>
+            <p:cNvPr id="20" name="Gerader Verbinder 19"/>
+            <p:cNvCxnSpPr>
+              <a:stCxn id="41" idx="2"/>
+            </p:cNvCxnSpPr>
+            <p:nvPr/>
+          </p:nvCxnSpPr>
+          <p:spPr>
+            <a:xfrm>
+              <a:off x="2686204" y="2021747"/>
+              <a:ext cx="240" cy="967990"/>
+            </a:xfrm>
+            <a:prstGeom prst="line">
+              <a:avLst/>
+            </a:prstGeom>
+            <a:ln w="28575">
+              <a:solidFill>
+                <a:schemeClr val="bg1">
+                  <a:lumMod val="50000"/>
+                </a:schemeClr>
+              </a:solidFill>
+            </a:ln>
+          </p:spPr>
+          <p:style>
+            <a:lnRef idx="1">
+              <a:schemeClr val="accent1"/>
+            </a:lnRef>
+            <a:fillRef idx="0">
+              <a:schemeClr val="accent1"/>
+            </a:fillRef>
+            <a:effectRef idx="0">
+              <a:schemeClr val="accent1"/>
+            </a:effectRef>
+            <a:fontRef idx="minor">
+              <a:schemeClr val="tx1"/>
+            </a:fontRef>
+          </p:style>
+        </p:cxnSp>
+        <p:cxnSp>
+          <p:nvCxnSpPr>
+            <p:cNvPr id="21" name="Gerader Verbinder 20"/>
+            <p:cNvCxnSpPr/>
+            <p:nvPr/>
+          </p:nvCxnSpPr>
+          <p:spPr>
+            <a:xfrm>
+              <a:off x="2634868" y="1254718"/>
+              <a:ext cx="0" cy="260243"/>
+            </a:xfrm>
+            <a:prstGeom prst="line">
+              <a:avLst/>
+            </a:prstGeom>
+            <a:ln w="28575">
+              <a:solidFill>
+                <a:schemeClr val="bg1">
+                  <a:lumMod val="50000"/>
+                </a:schemeClr>
+              </a:solidFill>
+            </a:ln>
+          </p:spPr>
+          <p:style>
+            <a:lnRef idx="1">
+              <a:schemeClr val="accent1"/>
+            </a:lnRef>
+            <a:fillRef idx="0">
+              <a:schemeClr val="accent1"/>
+            </a:fillRef>
+            <a:effectRef idx="0">
+              <a:schemeClr val="accent1"/>
+            </a:effectRef>
+            <a:fontRef idx="minor">
+              <a:schemeClr val="tx1"/>
+            </a:fontRef>
+          </p:style>
+        </p:cxnSp>
+        <p:sp>
+          <p:nvSpPr>
+            <p:cNvPr id="41" name="Rechteck 40"/>
+            <p:cNvSpPr/>
+            <p:nvPr/>
+          </p:nvSpPr>
+          <p:spPr>
+            <a:xfrm>
+              <a:off x="1643372" y="1519156"/>
+              <a:ext cx="2085663" cy="502591"/>
+            </a:xfrm>
+            <a:prstGeom prst="rect">
+              <a:avLst/>
+            </a:prstGeom>
+          </p:spPr>
+          <p:style>
+            <a:lnRef idx="2">
+              <a:schemeClr val="accent2">
+                <a:shade val="50000"/>
+              </a:schemeClr>
+            </a:lnRef>
+            <a:fillRef idx="1">
+              <a:schemeClr val="accent2"/>
+            </a:fillRef>
+            <a:effectRef idx="0">
+              <a:schemeClr val="accent2"/>
+            </a:effectRef>
+            <a:fontRef idx="minor">
+              <a:schemeClr val="lt1"/>
+            </a:fontRef>
+          </p:style>
+          <p:txBody>
+            <a:bodyPr rtlCol="0" anchor="ctr"/>
+            <a:lstStyle/>
+            <a:p>
+              <a:pPr algn="ctr"/>
+              <a:r>
+                <a:rPr lang="de-DE" sz="1400" dirty="0" smtClean="0"/>
+                <a:t>Geschäftslogik</a:t>
+              </a:r>
+              <a:endParaRPr lang="de-DE" sz="1400" dirty="0"/>
+            </a:p>
+          </p:txBody>
+        </p:sp>
+        <p:cxnSp>
+          <p:nvCxnSpPr>
+            <p:cNvPr id="46" name="Gerader Verbinder 45"/>
+            <p:cNvCxnSpPr/>
+            <p:nvPr/>
+          </p:nvCxnSpPr>
+          <p:spPr>
+            <a:xfrm>
+              <a:off x="2634868" y="-113512"/>
+              <a:ext cx="0" cy="869850"/>
+            </a:xfrm>
+            <a:prstGeom prst="line">
+              <a:avLst/>
+            </a:prstGeom>
+            <a:ln w="28575">
+              <a:solidFill>
+                <a:schemeClr val="bg1">
+                  <a:lumMod val="50000"/>
+                </a:schemeClr>
+              </a:solidFill>
+            </a:ln>
+          </p:spPr>
+          <p:style>
+            <a:lnRef idx="1">
+              <a:schemeClr val="accent1"/>
+            </a:lnRef>
+            <a:fillRef idx="0">
+              <a:schemeClr val="accent1"/>
+            </a:fillRef>
+            <a:effectRef idx="0">
+              <a:schemeClr val="accent1"/>
+            </a:effectRef>
+            <a:fontRef idx="minor">
+              <a:schemeClr val="tx1"/>
+            </a:fontRef>
+          </p:style>
+        </p:cxnSp>
+        <p:cxnSp>
+          <p:nvCxnSpPr>
+            <p:cNvPr id="62" name="Gerader Verbinder 61"/>
+            <p:cNvCxnSpPr>
+              <a:stCxn id="19" idx="2"/>
+            </p:cNvCxnSpPr>
+            <p:nvPr/>
+          </p:nvCxnSpPr>
+          <p:spPr>
+            <a:xfrm>
+              <a:off x="2311235" y="4367129"/>
+              <a:ext cx="0" cy="301199"/>
+            </a:xfrm>
+            <a:prstGeom prst="line">
+              <a:avLst/>
+            </a:prstGeom>
+            <a:ln w="28575">
+              <a:solidFill>
+                <a:schemeClr val="bg1">
+                  <a:lumMod val="50000"/>
+                </a:schemeClr>
+              </a:solidFill>
+            </a:ln>
+          </p:spPr>
+          <p:style>
+            <a:lnRef idx="1">
+              <a:schemeClr val="accent1"/>
+            </a:lnRef>
+            <a:fillRef idx="0">
+              <a:schemeClr val="accent1"/>
+            </a:fillRef>
+            <a:effectRef idx="0">
+              <a:schemeClr val="accent1"/>
+            </a:effectRef>
+            <a:fontRef idx="minor">
+              <a:schemeClr val="tx1"/>
+            </a:fontRef>
+          </p:style>
+        </p:cxnSp>
+        <p:sp>
+          <p:nvSpPr>
+            <p:cNvPr id="44" name="Rechteck 43"/>
+            <p:cNvSpPr/>
+            <p:nvPr/>
+          </p:nvSpPr>
+          <p:spPr>
+            <a:xfrm rot="16200000">
+              <a:off x="3753707" y="3723325"/>
+              <a:ext cx="786885" cy="494254"/>
+            </a:xfrm>
+            <a:prstGeom prst="rect">
+              <a:avLst/>
+            </a:prstGeom>
+          </p:spPr>
+          <p:style>
+            <a:lnRef idx="2">
+              <a:schemeClr val="accent1">
+                <a:shade val="50000"/>
+              </a:schemeClr>
+            </a:lnRef>
+            <a:fillRef idx="1">
+              <a:schemeClr val="accent1"/>
+            </a:fillRef>
+            <a:effectRef idx="0">
+              <a:schemeClr val="accent1"/>
+            </a:effectRef>
+            <a:fontRef idx="minor">
+              <a:schemeClr val="lt1"/>
+            </a:fontRef>
+          </p:style>
+          <p:txBody>
+            <a:bodyPr rtlCol="0" anchor="ctr"/>
+            <a:lstStyle/>
+            <a:p>
+              <a:pPr algn="ctr"/>
+              <a:r>
+                <a:rPr lang="de-DE" sz="1400" dirty="0" err="1" smtClean="0"/>
+                <a:t>Listener</a:t>
+              </a:r>
+              <a:endParaRPr lang="de-DE" sz="1400" dirty="0"/>
+            </a:p>
+          </p:txBody>
+        </p:sp>
+        <p:cxnSp>
+          <p:nvCxnSpPr>
+            <p:cNvPr id="49" name="Gerader Verbinder 48"/>
+            <p:cNvCxnSpPr>
+              <a:stCxn id="44" idx="1"/>
+            </p:cNvCxnSpPr>
+            <p:nvPr/>
+          </p:nvCxnSpPr>
+          <p:spPr>
+            <a:xfrm>
+              <a:off x="4147150" y="4363895"/>
+              <a:ext cx="4569" cy="307667"/>
+            </a:xfrm>
+            <a:prstGeom prst="line">
+              <a:avLst/>
+            </a:prstGeom>
+            <a:ln w="28575">
+              <a:solidFill>
+                <a:schemeClr val="bg1">
+                  <a:lumMod val="50000"/>
+                </a:schemeClr>
+              </a:solidFill>
+            </a:ln>
+          </p:spPr>
+          <p:style>
+            <a:lnRef idx="1">
+              <a:schemeClr val="accent1"/>
+            </a:lnRef>
+            <a:fillRef idx="0">
+              <a:schemeClr val="accent1"/>
+            </a:fillRef>
+            <a:effectRef idx="0">
+              <a:schemeClr val="accent1"/>
+            </a:effectRef>
+            <a:fontRef idx="minor">
+              <a:schemeClr val="tx1"/>
+            </a:fontRef>
+          </p:style>
+        </p:cxnSp>
+        <p:sp>
+          <p:nvSpPr>
+            <p:cNvPr id="37" name="Abgerundetes Rechteck 36"/>
+            <p:cNvSpPr/>
+            <p:nvPr/>
+          </p:nvSpPr>
+          <p:spPr>
+            <a:xfrm>
+              <a:off x="3280210" y="1609782"/>
+              <a:ext cx="341630" cy="341630"/>
+            </a:xfrm>
+            <a:prstGeom prst="roundRect">
+              <a:avLst/>
+            </a:prstGeom>
+            <a:solidFill>
+              <a:schemeClr val="accent6"/>
+            </a:solidFill>
+            <a:ln>
+              <a:noFill/>
+            </a:ln>
+          </p:spPr>
+          <p:style>
+            <a:lnRef idx="2">
+              <a:schemeClr val="accent1">
+                <a:shade val="50000"/>
+              </a:schemeClr>
+            </a:lnRef>
+            <a:fillRef idx="1">
+              <a:schemeClr val="accent1"/>
+            </a:fillRef>
+            <a:effectRef idx="0">
+              <a:schemeClr val="accent1"/>
+            </a:effectRef>
+            <a:fontRef idx="minor">
+              <a:schemeClr val="lt1"/>
+            </a:fontRef>
+          </p:style>
+          <p:txBody>
+            <a:bodyPr rtlCol="0" anchor="ctr"/>
+            <a:lstStyle/>
+            <a:p>
+              <a:pPr algn="ctr"/>
+              <a:endParaRPr lang="de-DE"/>
+            </a:p>
+          </p:txBody>
+        </p:sp>
         <p:sp>
           <p:nvSpPr>
             <p:cNvPr id="38" name="Abgerundetes Rechteck 37"/>
@@ -8211,13 +8438,15 @@
           </p:nvSpPr>
           <p:spPr>
             <a:xfrm>
-              <a:off x="3974277" y="834087"/>
+              <a:off x="3257034" y="3061518"/>
               <a:ext cx="341630" cy="341630"/>
             </a:xfrm>
             <a:prstGeom prst="roundRect">
               <a:avLst/>
             </a:prstGeom>
-            <a:grpFill/>
+            <a:solidFill>
+              <a:schemeClr val="accent6"/>
+            </a:solidFill>
             <a:ln>
               <a:noFill/>
             </a:ln>
@@ -8255,145 +8484,15 @@
           </p:nvSpPr>
           <p:spPr>
             <a:xfrm>
-              <a:off x="2390607" y="1677002"/>
+              <a:off x="3257040" y="3945628"/>
               <a:ext cx="341630" cy="341630"/>
             </a:xfrm>
             <a:prstGeom prst="roundRect">
               <a:avLst/>
             </a:prstGeom>
-            <a:grpFill/>
-            <a:ln>
-              <a:noFill/>
-            </a:ln>
-          </p:spPr>
-          <p:style>
-            <a:lnRef idx="2">
-              <a:schemeClr val="accent1">
-                <a:shade val="50000"/>
-              </a:schemeClr>
-            </a:lnRef>
-            <a:fillRef idx="1">
-              <a:schemeClr val="accent1"/>
-            </a:fillRef>
-            <a:effectRef idx="0">
-              <a:schemeClr val="accent1"/>
-            </a:effectRef>
-            <a:fontRef idx="minor">
-              <a:schemeClr val="lt1"/>
-            </a:fontRef>
-          </p:style>
-          <p:txBody>
-            <a:bodyPr rtlCol="0" anchor="ctr"/>
-            <a:lstStyle/>
-            <a:p>
-              <a:pPr algn="ctr"/>
-              <a:endParaRPr lang="de-DE"/>
-            </a:p>
-          </p:txBody>
-        </p:sp>
-        <p:sp>
-          <p:nvSpPr>
-            <p:cNvPr id="40" name="Abgerundetes Rechteck 39"/>
-            <p:cNvSpPr/>
-            <p:nvPr/>
-          </p:nvSpPr>
-          <p:spPr>
-            <a:xfrm>
-              <a:off x="1915521" y="2986098"/>
-              <a:ext cx="341630" cy="341630"/>
-            </a:xfrm>
-            <a:prstGeom prst="roundRect">
-              <a:avLst/>
-            </a:prstGeom>
-            <a:grpFill/>
-            <a:ln>
-              <a:noFill/>
-            </a:ln>
-          </p:spPr>
-          <p:style>
-            <a:lnRef idx="2">
-              <a:schemeClr val="accent1">
-                <a:shade val="50000"/>
-              </a:schemeClr>
-            </a:lnRef>
-            <a:fillRef idx="1">
-              <a:schemeClr val="accent1"/>
-            </a:fillRef>
-            <a:effectRef idx="0">
-              <a:schemeClr val="accent1"/>
-            </a:effectRef>
-            <a:fontRef idx="minor">
-              <a:schemeClr val="lt1"/>
-            </a:fontRef>
-          </p:style>
-          <p:txBody>
-            <a:bodyPr rtlCol="0" anchor="ctr"/>
-            <a:lstStyle/>
-            <a:p>
-              <a:pPr algn="ctr"/>
-              <a:endParaRPr lang="de-DE"/>
-            </a:p>
-          </p:txBody>
-        </p:sp>
-        <p:sp>
-          <p:nvSpPr>
-            <p:cNvPr id="41" name="Abgerundetes Rechteck 40"/>
-            <p:cNvSpPr/>
-            <p:nvPr/>
-          </p:nvSpPr>
-          <p:spPr>
-            <a:xfrm>
-              <a:off x="3974277" y="3819791"/>
-              <a:ext cx="341630" cy="341630"/>
-            </a:xfrm>
-            <a:prstGeom prst="roundRect">
-              <a:avLst/>
-            </a:prstGeom>
-            <a:grpFill/>
-            <a:ln>
-              <a:noFill/>
-            </a:ln>
-          </p:spPr>
-          <p:style>
-            <a:lnRef idx="2">
-              <a:schemeClr val="accent1">
-                <a:shade val="50000"/>
-              </a:schemeClr>
-            </a:lnRef>
-            <a:fillRef idx="1">
-              <a:schemeClr val="accent1"/>
-            </a:fillRef>
-            <a:effectRef idx="0">
-              <a:schemeClr val="accent1"/>
-            </a:effectRef>
-            <a:fontRef idx="minor">
-              <a:schemeClr val="lt1"/>
-            </a:fontRef>
-          </p:style>
-          <p:txBody>
-            <a:bodyPr rtlCol="0" anchor="ctr"/>
-            <a:lstStyle/>
-            <a:p>
-              <a:pPr algn="ctr"/>
-              <a:endParaRPr lang="de-DE"/>
-            </a:p>
-          </p:txBody>
-        </p:sp>
-        <p:sp>
-          <p:nvSpPr>
-            <p:cNvPr id="42" name="Abgerundetes Rechteck 41"/>
-            <p:cNvSpPr/>
-            <p:nvPr/>
-          </p:nvSpPr>
-          <p:spPr>
-            <a:xfrm>
-              <a:off x="3191981" y="1677002"/>
-              <a:ext cx="341630" cy="341630"/>
-            </a:xfrm>
-            <a:prstGeom prst="roundRect">
-              <a:avLst/>
-            </a:prstGeom>
-            <a:grpFill/>
+            <a:solidFill>
+              <a:schemeClr val="accent6"/>
+            </a:solidFill>
             <a:ln>
               <a:noFill/>
             </a:ln>
@@ -8431,13 +8530,15 @@
           </p:nvSpPr>
           <p:spPr>
             <a:xfrm>
-              <a:off x="5534027" y="6115982"/>
+              <a:off x="4283907" y="3798811"/>
               <a:ext cx="341630" cy="341630"/>
             </a:xfrm>
             <a:prstGeom prst="roundRect">
               <a:avLst/>
             </a:prstGeom>
-            <a:grpFill/>
+            <a:solidFill>
+              <a:schemeClr val="accent6"/>
+            </a:solidFill>
             <a:ln>
               <a:noFill/>
             </a:ln>
@@ -8470,14 +8571,14 @@
       </p:grpSp>
       <p:sp>
         <p:nvSpPr>
-          <p:cNvPr id="44" name="Textfeld 43"/>
+          <p:cNvPr id="45" name="Textfeld 44"/>
           <p:cNvSpPr txBox="1"/>
           <p:nvPr/>
         </p:nvSpPr>
         <p:spPr>
           <a:xfrm>
-            <a:off x="6113864" y="6145218"/>
-            <a:ext cx="1398140" cy="369332"/>
+            <a:off x="3020665" y="5829729"/>
+            <a:ext cx="1231427" cy="646331"/>
           </a:xfrm>
           <a:prstGeom prst="rect">
             <a:avLst/>
@@ -8492,11 +8593,13 @@
           <a:p>
             <a:r>
               <a:rPr lang="de-DE" dirty="0" smtClean="0"/>
-              <a:t>Unit </a:t>
+              <a:t>In-Memory</a:t>
             </a:r>
+          </a:p>
+          <a:p>
             <a:r>
-              <a:rPr lang="de-DE" dirty="0" err="1" smtClean="0"/>
-              <a:t>Tested</a:t>
+              <a:rPr lang="de-DE" dirty="0" smtClean="0"/>
+              <a:t>Datenbank</a:t>
             </a:r>
             <a:endParaRPr lang="de-DE" dirty="0"/>
           </a:p>
@@ -8505,7 +8608,7 @@
     </p:spTree>
     <p:extLst>
       <p:ext uri="{BB962C8B-B14F-4D97-AF65-F5344CB8AC3E}">
-        <p14:creationId xmlns:p14="http://schemas.microsoft.com/office/powerpoint/2010/main" val="2609261213"/>
+        <p14:creationId xmlns:p14="http://schemas.microsoft.com/office/powerpoint/2010/main" val="377083913"/>
       </p:ext>
     </p:extLst>
   </p:cSld>
@@ -8532,906 +8635,6 @@
           <a:chExt cx="0" cy="0"/>
         </a:xfrm>
       </p:grpSpPr>
-      <p:sp>
-        <p:nvSpPr>
-          <p:cNvPr id="2" name="Rechteck 1"/>
-          <p:cNvSpPr/>
-          <p:nvPr/>
-        </p:nvSpPr>
-        <p:spPr>
-          <a:xfrm>
-            <a:off x="64657" y="680495"/>
-            <a:ext cx="4093775" cy="5461888"/>
-          </a:xfrm>
-          <a:prstGeom prst="rect">
-            <a:avLst/>
-          </a:prstGeom>
-          <a:noFill/>
-          <a:ln w="19050">
-            <a:solidFill>
-              <a:schemeClr val="bg1">
-                <a:lumMod val="75000"/>
-              </a:schemeClr>
-            </a:solidFill>
-            <a:prstDash val="dashDot"/>
-          </a:ln>
-        </p:spPr>
-        <p:style>
-          <a:lnRef idx="2">
-            <a:schemeClr val="accent1">
-              <a:shade val="50000"/>
-            </a:schemeClr>
-          </a:lnRef>
-          <a:fillRef idx="1">
-            <a:schemeClr val="accent1"/>
-          </a:fillRef>
-          <a:effectRef idx="0">
-            <a:schemeClr val="accent1"/>
-          </a:effectRef>
-          <a:fontRef idx="minor">
-            <a:schemeClr val="lt1"/>
-          </a:fontRef>
-        </p:style>
-        <p:txBody>
-          <a:bodyPr rtlCol="0" anchor="ctr"/>
-          <a:lstStyle/>
-          <a:p>
-            <a:pPr algn="ctr"/>
-            <a:endParaRPr lang="de-DE"/>
-          </a:p>
-        </p:txBody>
-      </p:sp>
-      <p:sp>
-        <p:nvSpPr>
-          <p:cNvPr id="3" name="Rechteck 2"/>
-          <p:cNvSpPr/>
-          <p:nvPr/>
-        </p:nvSpPr>
-        <p:spPr>
-          <a:xfrm>
-            <a:off x="308160" y="868782"/>
-            <a:ext cx="3606772" cy="4100932"/>
-          </a:xfrm>
-          <a:prstGeom prst="rect">
-            <a:avLst/>
-          </a:prstGeom>
-          <a:solidFill>
-            <a:schemeClr val="bg1">
-              <a:lumMod val="85000"/>
-            </a:schemeClr>
-          </a:solidFill>
-          <a:ln w="38100" cap="rnd" cmpd="sng">
-            <a:solidFill>
-              <a:schemeClr val="bg1">
-                <a:lumMod val="50000"/>
-              </a:schemeClr>
-            </a:solidFill>
-            <a:prstDash val="sysDash"/>
-            <a:miter lim="800000"/>
-          </a:ln>
-        </p:spPr>
-        <p:style>
-          <a:lnRef idx="2">
-            <a:schemeClr val="accent4">
-              <a:shade val="50000"/>
-            </a:schemeClr>
-          </a:lnRef>
-          <a:fillRef idx="1001">
-            <a:schemeClr val="dk2"/>
-          </a:fillRef>
-          <a:effectRef idx="0">
-            <a:schemeClr val="accent4"/>
-          </a:effectRef>
-          <a:fontRef idx="minor">
-            <a:schemeClr val="lt1"/>
-          </a:fontRef>
-        </p:style>
-        <p:txBody>
-          <a:bodyPr rtlCol="0" anchor="ctr"/>
-          <a:lstStyle/>
-          <a:p>
-            <a:pPr algn="ctr"/>
-            <a:endParaRPr lang="de-DE"/>
-          </a:p>
-        </p:txBody>
-      </p:sp>
-      <p:sp>
-        <p:nvSpPr>
-          <p:cNvPr id="4" name="Zylinder 3"/>
-          <p:cNvSpPr/>
-          <p:nvPr/>
-        </p:nvSpPr>
-        <p:spPr>
-          <a:xfrm>
-            <a:off x="1803445" y="5159463"/>
-            <a:ext cx="616198" cy="669780"/>
-          </a:xfrm>
-          <a:prstGeom prst="can">
-            <a:avLst/>
-          </a:prstGeom>
-          <a:ln w="38100" cap="rnd">
-            <a:solidFill>
-              <a:schemeClr val="accent1">
-                <a:lumMod val="75000"/>
-              </a:schemeClr>
-            </a:solidFill>
-            <a:prstDash val="sysDash"/>
-          </a:ln>
-        </p:spPr>
-        <p:style>
-          <a:lnRef idx="2">
-            <a:schemeClr val="accent1">
-              <a:shade val="50000"/>
-            </a:schemeClr>
-          </a:lnRef>
-          <a:fillRef idx="1">
-            <a:schemeClr val="accent1"/>
-          </a:fillRef>
-          <a:effectRef idx="0">
-            <a:schemeClr val="accent1"/>
-          </a:effectRef>
-          <a:fontRef idx="minor">
-            <a:schemeClr val="lt1"/>
-          </a:fontRef>
-        </p:style>
-        <p:txBody>
-          <a:bodyPr rtlCol="0" anchor="ctr"/>
-          <a:lstStyle/>
-          <a:p>
-            <a:pPr algn="ctr"/>
-            <a:endParaRPr lang="de-DE"/>
-          </a:p>
-        </p:txBody>
-      </p:sp>
-      <p:sp>
-        <p:nvSpPr>
-          <p:cNvPr id="5" name="Rechteck 4"/>
-          <p:cNvSpPr/>
-          <p:nvPr/>
-        </p:nvSpPr>
-        <p:spPr>
-          <a:xfrm>
-            <a:off x="686591" y="4297655"/>
-            <a:ext cx="2849916" cy="401868"/>
-          </a:xfrm>
-          <a:prstGeom prst="rect">
-            <a:avLst/>
-          </a:prstGeom>
-        </p:spPr>
-        <p:style>
-          <a:lnRef idx="2">
-            <a:schemeClr val="accent1">
-              <a:shade val="50000"/>
-            </a:schemeClr>
-          </a:lnRef>
-          <a:fillRef idx="1">
-            <a:schemeClr val="accent1"/>
-          </a:fillRef>
-          <a:effectRef idx="0">
-            <a:schemeClr val="accent1"/>
-          </a:effectRef>
-          <a:fontRef idx="minor">
-            <a:schemeClr val="lt1"/>
-          </a:fontRef>
-        </p:style>
-        <p:txBody>
-          <a:bodyPr rtlCol="0" anchor="ctr"/>
-          <a:lstStyle/>
-          <a:p>
-            <a:pPr algn="ctr"/>
-            <a:r>
-              <a:rPr lang="de-DE" sz="1400" dirty="0" smtClean="0"/>
-              <a:t>Data Mappers/ORM</a:t>
-            </a:r>
-            <a:endParaRPr lang="de-DE" sz="1400" dirty="0"/>
-          </a:p>
-        </p:txBody>
-      </p:sp>
-      <p:sp>
-        <p:nvSpPr>
-          <p:cNvPr id="6" name="Rechteck 5"/>
-          <p:cNvSpPr/>
-          <p:nvPr/>
-        </p:nvSpPr>
-        <p:spPr>
-          <a:xfrm>
-            <a:off x="686589" y="3686478"/>
-            <a:ext cx="2849917" cy="405223"/>
-          </a:xfrm>
-          <a:prstGeom prst="rect">
-            <a:avLst/>
-          </a:prstGeom>
-        </p:spPr>
-        <p:style>
-          <a:lnRef idx="2">
-            <a:schemeClr val="accent2">
-              <a:shade val="50000"/>
-            </a:schemeClr>
-          </a:lnRef>
-          <a:fillRef idx="1">
-            <a:schemeClr val="accent2"/>
-          </a:fillRef>
-          <a:effectRef idx="0">
-            <a:schemeClr val="accent2"/>
-          </a:effectRef>
-          <a:fontRef idx="minor">
-            <a:schemeClr val="lt1"/>
-          </a:fontRef>
-        </p:style>
-        <p:txBody>
-          <a:bodyPr rtlCol="0" anchor="ctr"/>
-          <a:lstStyle/>
-          <a:p>
-            <a:pPr algn="ctr"/>
-            <a:r>
-              <a:rPr lang="de-DE" sz="1400" dirty="0" err="1" smtClean="0"/>
-              <a:t>Repositories</a:t>
-            </a:r>
-            <a:endParaRPr lang="de-DE" sz="1400" dirty="0"/>
-          </a:p>
-        </p:txBody>
-      </p:sp>
-      <p:sp>
-        <p:nvSpPr>
-          <p:cNvPr id="7" name="Rechteck 6"/>
-          <p:cNvSpPr/>
-          <p:nvPr/>
-        </p:nvSpPr>
-        <p:spPr>
-          <a:xfrm>
-            <a:off x="686588" y="1259367"/>
-            <a:ext cx="2849919" cy="405223"/>
-          </a:xfrm>
-          <a:prstGeom prst="rect">
-            <a:avLst/>
-          </a:prstGeom>
-        </p:spPr>
-        <p:style>
-          <a:lnRef idx="2">
-            <a:schemeClr val="accent5">
-              <a:shade val="50000"/>
-            </a:schemeClr>
-          </a:lnRef>
-          <a:fillRef idx="1">
-            <a:schemeClr val="accent5"/>
-          </a:fillRef>
-          <a:effectRef idx="0">
-            <a:schemeClr val="accent5"/>
-          </a:effectRef>
-          <a:fontRef idx="minor">
-            <a:schemeClr val="lt1"/>
-          </a:fontRef>
-        </p:style>
-        <p:txBody>
-          <a:bodyPr rtlCol="0" anchor="ctr"/>
-          <a:lstStyle/>
-          <a:p>
-            <a:pPr algn="ctr"/>
-            <a:r>
-              <a:rPr lang="de-DE" sz="1400" dirty="0" smtClean="0"/>
-              <a:t>Resources</a:t>
-            </a:r>
-            <a:endParaRPr lang="de-DE" sz="1400" dirty="0"/>
-          </a:p>
-        </p:txBody>
-      </p:sp>
-      <p:sp>
-        <p:nvSpPr>
-          <p:cNvPr id="8" name="Rechteck 7"/>
-          <p:cNvSpPr/>
-          <p:nvPr/>
-        </p:nvSpPr>
-        <p:spPr>
-          <a:xfrm rot="16200000">
-            <a:off x="2528906" y="2472925"/>
-            <a:ext cx="1609979" cy="405223"/>
-          </a:xfrm>
-          <a:prstGeom prst="rect">
-            <a:avLst/>
-          </a:prstGeom>
-        </p:spPr>
-        <p:style>
-          <a:lnRef idx="2">
-            <a:schemeClr val="accent3">
-              <a:shade val="50000"/>
-            </a:schemeClr>
-          </a:lnRef>
-          <a:fillRef idx="1">
-            <a:schemeClr val="accent3"/>
-          </a:fillRef>
-          <a:effectRef idx="0">
-            <a:schemeClr val="accent3"/>
-          </a:effectRef>
-          <a:fontRef idx="minor">
-            <a:schemeClr val="lt1"/>
-          </a:fontRef>
-        </p:style>
-        <p:txBody>
-          <a:bodyPr rtlCol="0" anchor="ctr"/>
-          <a:lstStyle/>
-          <a:p>
-            <a:pPr algn="ctr"/>
-            <a:r>
-              <a:rPr lang="de-DE" sz="1400" dirty="0" smtClean="0"/>
-              <a:t>HTTP Client</a:t>
-            </a:r>
-            <a:endParaRPr lang="de-DE" sz="1400" dirty="0"/>
-          </a:p>
-        </p:txBody>
-      </p:sp>
-      <p:sp>
-        <p:nvSpPr>
-          <p:cNvPr id="9" name="Rechteck 8"/>
-          <p:cNvSpPr/>
-          <p:nvPr/>
-        </p:nvSpPr>
-        <p:spPr>
-          <a:xfrm rot="16200000">
-            <a:off x="1897636" y="2472920"/>
-            <a:ext cx="1609979" cy="405223"/>
-          </a:xfrm>
-          <a:prstGeom prst="rect">
-            <a:avLst/>
-          </a:prstGeom>
-        </p:spPr>
-        <p:style>
-          <a:lnRef idx="2">
-            <a:schemeClr val="accent3">
-              <a:shade val="50000"/>
-            </a:schemeClr>
-          </a:lnRef>
-          <a:fillRef idx="1">
-            <a:schemeClr val="accent3"/>
-          </a:fillRef>
-          <a:effectRef idx="0">
-            <a:schemeClr val="accent3"/>
-          </a:effectRef>
-          <a:fontRef idx="minor">
-            <a:schemeClr val="lt1"/>
-          </a:fontRef>
-        </p:style>
-        <p:txBody>
-          <a:bodyPr rtlCol="0" anchor="ctr"/>
-          <a:lstStyle/>
-          <a:p>
-            <a:pPr algn="ctr"/>
-            <a:r>
-              <a:rPr lang="de-DE" sz="1400" dirty="0" smtClean="0"/>
-              <a:t>Gateways</a:t>
-            </a:r>
-            <a:endParaRPr lang="de-DE" sz="1400" dirty="0"/>
-          </a:p>
-        </p:txBody>
-      </p:sp>
-      <p:sp>
-        <p:nvSpPr>
-          <p:cNvPr id="10" name="Rechteck 9"/>
-          <p:cNvSpPr/>
-          <p:nvPr/>
-        </p:nvSpPr>
-        <p:spPr>
-          <a:xfrm>
-            <a:off x="4384477" y="1873801"/>
-            <a:ext cx="1456355" cy="662663"/>
-          </a:xfrm>
-          <a:prstGeom prst="rect">
-            <a:avLst/>
-          </a:prstGeom>
-          <a:ln w="38100" cap="rnd">
-            <a:prstDash val="sysDash"/>
-          </a:ln>
-        </p:spPr>
-        <p:style>
-          <a:lnRef idx="2">
-            <a:schemeClr val="accent3">
-              <a:shade val="50000"/>
-            </a:schemeClr>
-          </a:lnRef>
-          <a:fillRef idx="1">
-            <a:schemeClr val="accent3"/>
-          </a:fillRef>
-          <a:effectRef idx="0">
-            <a:schemeClr val="accent3"/>
-          </a:effectRef>
-          <a:fontRef idx="minor">
-            <a:schemeClr val="lt1"/>
-          </a:fontRef>
-        </p:style>
-        <p:txBody>
-          <a:bodyPr rtlCol="0" anchor="ctr"/>
-          <a:lstStyle/>
-          <a:p>
-            <a:pPr algn="ctr"/>
-            <a:r>
-              <a:rPr lang="de-DE" sz="1400" dirty="0" err="1" smtClean="0"/>
-              <a:t>External</a:t>
-            </a:r>
-            <a:r>
-              <a:rPr lang="de-DE" sz="1400" dirty="0" smtClean="0"/>
-              <a:t> Service</a:t>
-            </a:r>
-            <a:endParaRPr lang="de-DE" sz="1400" dirty="0"/>
-          </a:p>
-        </p:txBody>
-      </p:sp>
-      <p:cxnSp>
-        <p:nvCxnSpPr>
-          <p:cNvPr id="11" name="Gerader Verbinder 10"/>
-          <p:cNvCxnSpPr/>
-          <p:nvPr/>
-        </p:nvCxnSpPr>
-        <p:spPr>
-          <a:xfrm>
-            <a:off x="756918" y="1664590"/>
-            <a:ext cx="0" cy="2021887"/>
-          </a:xfrm>
-          <a:prstGeom prst="line">
-            <a:avLst/>
-          </a:prstGeom>
-          <a:ln w="28575">
-            <a:solidFill>
-              <a:schemeClr val="bg1">
-                <a:lumMod val="50000"/>
-              </a:schemeClr>
-            </a:solidFill>
-          </a:ln>
-        </p:spPr>
-        <p:style>
-          <a:lnRef idx="1">
-            <a:schemeClr val="accent1"/>
-          </a:lnRef>
-          <a:fillRef idx="0">
-            <a:schemeClr val="accent1"/>
-          </a:fillRef>
-          <a:effectRef idx="0">
-            <a:schemeClr val="accent1"/>
-          </a:effectRef>
-          <a:fontRef idx="minor">
-            <a:schemeClr val="tx1"/>
-          </a:fontRef>
-        </p:style>
-      </p:cxnSp>
-      <p:cxnSp>
-        <p:nvCxnSpPr>
-          <p:cNvPr id="12" name="Gerader Verbinder 11"/>
-          <p:cNvCxnSpPr>
-            <a:stCxn id="6" idx="2"/>
-            <a:endCxn id="5" idx="0"/>
-          </p:cNvCxnSpPr>
-          <p:nvPr/>
-        </p:nvCxnSpPr>
-        <p:spPr>
-          <a:xfrm>
-            <a:off x="2111549" y="4091701"/>
-            <a:ext cx="1" cy="205953"/>
-          </a:xfrm>
-          <a:prstGeom prst="line">
-            <a:avLst/>
-          </a:prstGeom>
-          <a:ln w="28575">
-            <a:solidFill>
-              <a:schemeClr val="bg1">
-                <a:lumMod val="50000"/>
-              </a:schemeClr>
-            </a:solidFill>
-          </a:ln>
-        </p:spPr>
-        <p:style>
-          <a:lnRef idx="1">
-            <a:schemeClr val="accent1"/>
-          </a:lnRef>
-          <a:fillRef idx="0">
-            <a:schemeClr val="accent1"/>
-          </a:fillRef>
-          <a:effectRef idx="0">
-            <a:schemeClr val="accent1"/>
-          </a:effectRef>
-          <a:fontRef idx="minor">
-            <a:schemeClr val="tx1"/>
-          </a:fontRef>
-        </p:style>
-      </p:cxnSp>
-      <p:cxnSp>
-        <p:nvCxnSpPr>
-          <p:cNvPr id="13" name="Gerader Verbinder 12"/>
-          <p:cNvCxnSpPr>
-            <a:stCxn id="5" idx="2"/>
-            <a:endCxn id="4" idx="1"/>
-          </p:cNvCxnSpPr>
-          <p:nvPr/>
-        </p:nvCxnSpPr>
-        <p:spPr>
-          <a:xfrm flipH="1">
-            <a:off x="2111544" y="4699523"/>
-            <a:ext cx="5" cy="459939"/>
-          </a:xfrm>
-          <a:prstGeom prst="line">
-            <a:avLst/>
-          </a:prstGeom>
-          <a:ln w="28575">
-            <a:solidFill>
-              <a:schemeClr val="bg1">
-                <a:lumMod val="50000"/>
-              </a:schemeClr>
-            </a:solidFill>
-          </a:ln>
-        </p:spPr>
-        <p:style>
-          <a:lnRef idx="1">
-            <a:schemeClr val="accent1"/>
-          </a:lnRef>
-          <a:fillRef idx="0">
-            <a:schemeClr val="accent1"/>
-          </a:fillRef>
-          <a:effectRef idx="0">
-            <a:schemeClr val="accent1"/>
-          </a:effectRef>
-          <a:fontRef idx="minor">
-            <a:schemeClr val="tx1"/>
-          </a:fontRef>
-        </p:style>
-      </p:cxnSp>
-      <p:sp>
-        <p:nvSpPr>
-          <p:cNvPr id="14" name="Rechteck 13"/>
-          <p:cNvSpPr/>
-          <p:nvPr/>
-        </p:nvSpPr>
-        <p:spPr>
-          <a:xfrm>
-            <a:off x="1216551" y="1874305"/>
-            <a:ext cx="1055738" cy="545043"/>
-          </a:xfrm>
-          <a:prstGeom prst="rect">
-            <a:avLst/>
-          </a:prstGeom>
-        </p:spPr>
-        <p:style>
-          <a:lnRef idx="2">
-            <a:schemeClr val="accent2">
-              <a:shade val="50000"/>
-            </a:schemeClr>
-          </a:lnRef>
-          <a:fillRef idx="1">
-            <a:schemeClr val="accent2"/>
-          </a:fillRef>
-          <a:effectRef idx="0">
-            <a:schemeClr val="accent2"/>
-          </a:effectRef>
-          <a:fontRef idx="minor">
-            <a:schemeClr val="lt1"/>
-          </a:fontRef>
-        </p:style>
-        <p:txBody>
-          <a:bodyPr rtlCol="0" anchor="ctr"/>
-          <a:lstStyle/>
-          <a:p>
-            <a:r>
-              <a:rPr lang="de-DE" sz="1400" dirty="0" smtClean="0"/>
-              <a:t>Service </a:t>
-            </a:r>
-          </a:p>
-          <a:p>
-            <a:r>
-              <a:rPr lang="de-DE" sz="1400" dirty="0" smtClean="0"/>
-              <a:t>Layer</a:t>
-            </a:r>
-            <a:endParaRPr lang="de-DE" sz="1400" dirty="0"/>
-          </a:p>
-        </p:txBody>
-      </p:sp>
-      <p:cxnSp>
-        <p:nvCxnSpPr>
-          <p:cNvPr id="15" name="Gerader Verbinder 14"/>
-          <p:cNvCxnSpPr>
-            <a:stCxn id="14" idx="3"/>
-          </p:cNvCxnSpPr>
-          <p:nvPr/>
-        </p:nvCxnSpPr>
-        <p:spPr>
-          <a:xfrm>
-            <a:off x="2272288" y="2146829"/>
-            <a:ext cx="227724" cy="832"/>
-          </a:xfrm>
-          <a:prstGeom prst="line">
-            <a:avLst/>
-          </a:prstGeom>
-          <a:ln w="28575">
-            <a:solidFill>
-              <a:schemeClr val="bg1">
-                <a:lumMod val="50000"/>
-              </a:schemeClr>
-            </a:solidFill>
-          </a:ln>
-        </p:spPr>
-        <p:style>
-          <a:lnRef idx="1">
-            <a:schemeClr val="accent1"/>
-          </a:lnRef>
-          <a:fillRef idx="0">
-            <a:schemeClr val="accent1"/>
-          </a:fillRef>
-          <a:effectRef idx="0">
-            <a:schemeClr val="accent1"/>
-          </a:effectRef>
-          <a:fontRef idx="minor">
-            <a:schemeClr val="tx1"/>
-          </a:fontRef>
-        </p:style>
-      </p:cxnSp>
-      <p:cxnSp>
-        <p:nvCxnSpPr>
-          <p:cNvPr id="16" name="Gerader Verbinder 15"/>
-          <p:cNvCxnSpPr>
-            <a:stCxn id="9" idx="2"/>
-          </p:cNvCxnSpPr>
-          <p:nvPr/>
-        </p:nvCxnSpPr>
-        <p:spPr>
-          <a:xfrm>
-            <a:off x="2905238" y="2675532"/>
-            <a:ext cx="226046" cy="0"/>
-          </a:xfrm>
-          <a:prstGeom prst="line">
-            <a:avLst/>
-          </a:prstGeom>
-          <a:ln w="28575">
-            <a:solidFill>
-              <a:schemeClr val="bg1">
-                <a:lumMod val="50000"/>
-              </a:schemeClr>
-            </a:solidFill>
-          </a:ln>
-        </p:spPr>
-        <p:style>
-          <a:lnRef idx="1">
-            <a:schemeClr val="accent1"/>
-          </a:lnRef>
-          <a:fillRef idx="0">
-            <a:schemeClr val="accent1"/>
-          </a:fillRef>
-          <a:effectRef idx="0">
-            <a:schemeClr val="accent1"/>
-          </a:effectRef>
-          <a:fontRef idx="minor">
-            <a:schemeClr val="tx1"/>
-          </a:fontRef>
-        </p:style>
-      </p:cxnSp>
-      <p:cxnSp>
-        <p:nvCxnSpPr>
-          <p:cNvPr id="17" name="Gerader Verbinder 16"/>
-          <p:cNvCxnSpPr>
-            <a:endCxn id="10" idx="1"/>
-          </p:cNvCxnSpPr>
-          <p:nvPr/>
-        </p:nvCxnSpPr>
-        <p:spPr>
-          <a:xfrm>
-            <a:off x="3536503" y="2201757"/>
-            <a:ext cx="847974" cy="3376"/>
-          </a:xfrm>
-          <a:prstGeom prst="line">
-            <a:avLst/>
-          </a:prstGeom>
-          <a:ln w="28575">
-            <a:solidFill>
-              <a:schemeClr val="bg1">
-                <a:lumMod val="50000"/>
-              </a:schemeClr>
-            </a:solidFill>
-          </a:ln>
-        </p:spPr>
-        <p:style>
-          <a:lnRef idx="1">
-            <a:schemeClr val="accent1"/>
-          </a:lnRef>
-          <a:fillRef idx="0">
-            <a:schemeClr val="accent1"/>
-          </a:fillRef>
-          <a:effectRef idx="0">
-            <a:schemeClr val="accent1"/>
-          </a:effectRef>
-          <a:fontRef idx="minor">
-            <a:schemeClr val="tx1"/>
-          </a:fontRef>
-        </p:style>
-      </p:cxnSp>
-      <p:cxnSp>
-        <p:nvCxnSpPr>
-          <p:cNvPr id="18" name="Gerader Verbinder 17"/>
-          <p:cNvCxnSpPr/>
-          <p:nvPr/>
-        </p:nvCxnSpPr>
-        <p:spPr>
-          <a:xfrm flipH="1">
-            <a:off x="982964" y="1664590"/>
-            <a:ext cx="1680" cy="1289752"/>
-          </a:xfrm>
-          <a:prstGeom prst="line">
-            <a:avLst/>
-          </a:prstGeom>
-          <a:ln w="28575">
-            <a:solidFill>
-              <a:schemeClr val="bg1">
-                <a:lumMod val="50000"/>
-              </a:schemeClr>
-            </a:solidFill>
-          </a:ln>
-        </p:spPr>
-        <p:style>
-          <a:lnRef idx="1">
-            <a:schemeClr val="accent1"/>
-          </a:lnRef>
-          <a:fillRef idx="0">
-            <a:schemeClr val="accent1"/>
-          </a:fillRef>
-          <a:effectRef idx="0">
-            <a:schemeClr val="accent1"/>
-          </a:effectRef>
-          <a:fontRef idx="minor">
-            <a:schemeClr val="tx1"/>
-          </a:fontRef>
-        </p:style>
-      </p:cxnSp>
-      <p:sp>
-        <p:nvSpPr>
-          <p:cNvPr id="19" name="Rechteck 18"/>
-          <p:cNvSpPr/>
-          <p:nvPr/>
-        </p:nvSpPr>
-        <p:spPr>
-          <a:xfrm>
-            <a:off x="908230" y="2931717"/>
-            <a:ext cx="1128689" cy="545043"/>
-          </a:xfrm>
-          <a:prstGeom prst="rect">
-            <a:avLst/>
-          </a:prstGeom>
-        </p:spPr>
-        <p:style>
-          <a:lnRef idx="2">
-            <a:schemeClr val="accent2">
-              <a:shade val="50000"/>
-            </a:schemeClr>
-          </a:lnRef>
-          <a:fillRef idx="1">
-            <a:schemeClr val="accent2"/>
-          </a:fillRef>
-          <a:effectRef idx="0">
-            <a:schemeClr val="accent2"/>
-          </a:effectRef>
-          <a:fontRef idx="minor">
-            <a:schemeClr val="lt1"/>
-          </a:fontRef>
-        </p:style>
-        <p:txBody>
-          <a:bodyPr rtlCol="0" anchor="ctr"/>
-          <a:lstStyle/>
-          <a:p>
-            <a:r>
-              <a:rPr lang="de-DE" sz="1400" dirty="0" smtClean="0"/>
-              <a:t>Domain</a:t>
-            </a:r>
-            <a:endParaRPr lang="de-DE" sz="1400" dirty="0"/>
-          </a:p>
-        </p:txBody>
-      </p:sp>
-      <p:cxnSp>
-        <p:nvCxnSpPr>
-          <p:cNvPr id="20" name="Gerader Verbinder 19"/>
-          <p:cNvCxnSpPr>
-            <a:endCxn id="6" idx="0"/>
-          </p:cNvCxnSpPr>
-          <p:nvPr/>
-        </p:nvCxnSpPr>
-        <p:spPr>
-          <a:xfrm>
-            <a:off x="2111546" y="2419350"/>
-            <a:ext cx="3" cy="1267128"/>
-          </a:xfrm>
-          <a:prstGeom prst="line">
-            <a:avLst/>
-          </a:prstGeom>
-          <a:ln w="28575">
-            <a:solidFill>
-              <a:schemeClr val="bg1">
-                <a:lumMod val="50000"/>
-              </a:schemeClr>
-            </a:solidFill>
-          </a:ln>
-        </p:spPr>
-        <p:style>
-          <a:lnRef idx="1">
-            <a:schemeClr val="accent1"/>
-          </a:lnRef>
-          <a:fillRef idx="0">
-            <a:schemeClr val="accent1"/>
-          </a:fillRef>
-          <a:effectRef idx="0">
-            <a:schemeClr val="accent1"/>
-          </a:effectRef>
-          <a:fontRef idx="minor">
-            <a:schemeClr val="tx1"/>
-          </a:fontRef>
-        </p:style>
-      </p:cxnSp>
-      <p:cxnSp>
-        <p:nvCxnSpPr>
-          <p:cNvPr id="21" name="Gerader Verbinder 20"/>
-          <p:cNvCxnSpPr>
-            <a:endCxn id="14" idx="0"/>
-          </p:cNvCxnSpPr>
-          <p:nvPr/>
-        </p:nvCxnSpPr>
-        <p:spPr>
-          <a:xfrm>
-            <a:off x="1744420" y="1662707"/>
-            <a:ext cx="0" cy="211599"/>
-          </a:xfrm>
-          <a:prstGeom prst="line">
-            <a:avLst/>
-          </a:prstGeom>
-          <a:ln w="28575">
-            <a:solidFill>
-              <a:schemeClr val="bg1">
-                <a:lumMod val="50000"/>
-              </a:schemeClr>
-            </a:solidFill>
-          </a:ln>
-        </p:spPr>
-        <p:style>
-          <a:lnRef idx="1">
-            <a:schemeClr val="accent1"/>
-          </a:lnRef>
-          <a:fillRef idx="0">
-            <a:schemeClr val="accent1"/>
-          </a:fillRef>
-          <a:effectRef idx="0">
-            <a:schemeClr val="accent1"/>
-          </a:effectRef>
-          <a:fontRef idx="minor">
-            <a:schemeClr val="tx1"/>
-          </a:fontRef>
-        </p:style>
-      </p:cxnSp>
-      <p:cxnSp>
-        <p:nvCxnSpPr>
-          <p:cNvPr id="22" name="Gerader Verbinder 21"/>
-          <p:cNvCxnSpPr/>
-          <p:nvPr/>
-        </p:nvCxnSpPr>
-        <p:spPr>
-          <a:xfrm flipH="1">
-            <a:off x="1353776" y="2419350"/>
-            <a:ext cx="2062" cy="517088"/>
-          </a:xfrm>
-          <a:prstGeom prst="line">
-            <a:avLst/>
-          </a:prstGeom>
-          <a:ln w="28575">
-            <a:solidFill>
-              <a:schemeClr val="bg1">
-                <a:lumMod val="50000"/>
-              </a:schemeClr>
-            </a:solidFill>
-          </a:ln>
-        </p:spPr>
-        <p:style>
-          <a:lnRef idx="1">
-            <a:schemeClr val="accent1"/>
-          </a:lnRef>
-          <a:fillRef idx="0">
-            <a:schemeClr val="accent1"/>
-          </a:fillRef>
-          <a:effectRef idx="0">
-            <a:schemeClr val="accent1"/>
-          </a:effectRef>
-          <a:fontRef idx="minor">
-            <a:schemeClr val="tx1"/>
-          </a:fontRef>
-        </p:style>
-      </p:cxnSp>
       <p:sp>
         <p:nvSpPr>
           <p:cNvPr id="23" name="Rechteck 22"/>
@@ -9952,236 +9155,6 @@
       </p:sp>
       <p:sp>
         <p:nvSpPr>
-          <p:cNvPr id="37" name="Abgerundetes Rechteck 36"/>
-          <p:cNvSpPr/>
-          <p:nvPr/>
-        </p:nvSpPr>
-        <p:spPr>
-          <a:xfrm>
-            <a:off x="3195009" y="1322583"/>
-            <a:ext cx="277773" cy="277773"/>
-          </a:xfrm>
-          <a:prstGeom prst="roundRect">
-            <a:avLst/>
-          </a:prstGeom>
-          <a:solidFill>
-            <a:schemeClr val="accent6"/>
-          </a:solidFill>
-          <a:ln>
-            <a:noFill/>
-          </a:ln>
-        </p:spPr>
-        <p:style>
-          <a:lnRef idx="2">
-            <a:schemeClr val="accent1">
-              <a:shade val="50000"/>
-            </a:schemeClr>
-          </a:lnRef>
-          <a:fillRef idx="1">
-            <a:schemeClr val="accent1"/>
-          </a:fillRef>
-          <a:effectRef idx="0">
-            <a:schemeClr val="accent1"/>
-          </a:effectRef>
-          <a:fontRef idx="minor">
-            <a:schemeClr val="lt1"/>
-          </a:fontRef>
-        </p:style>
-        <p:txBody>
-          <a:bodyPr rtlCol="0" anchor="ctr"/>
-          <a:lstStyle/>
-          <a:p>
-            <a:pPr algn="ctr"/>
-            <a:endParaRPr lang="de-DE"/>
-          </a:p>
-        </p:txBody>
-      </p:sp>
-      <p:sp>
-        <p:nvSpPr>
-          <p:cNvPr id="38" name="Abgerundetes Rechteck 37"/>
-          <p:cNvSpPr/>
-          <p:nvPr/>
-        </p:nvSpPr>
-        <p:spPr>
-          <a:xfrm>
-            <a:off x="1927158" y="2016032"/>
-            <a:ext cx="277773" cy="277773"/>
-          </a:xfrm>
-          <a:prstGeom prst="roundRect">
-            <a:avLst/>
-          </a:prstGeom>
-          <a:solidFill>
-            <a:schemeClr val="accent6"/>
-          </a:solidFill>
-          <a:ln>
-            <a:noFill/>
-          </a:ln>
-        </p:spPr>
-        <p:style>
-          <a:lnRef idx="2">
-            <a:schemeClr val="accent1">
-              <a:shade val="50000"/>
-            </a:schemeClr>
-          </a:lnRef>
-          <a:fillRef idx="1">
-            <a:schemeClr val="accent1"/>
-          </a:fillRef>
-          <a:effectRef idx="0">
-            <a:schemeClr val="accent1"/>
-          </a:effectRef>
-          <a:fontRef idx="minor">
-            <a:schemeClr val="lt1"/>
-          </a:fontRef>
-        </p:style>
-        <p:txBody>
-          <a:bodyPr rtlCol="0" anchor="ctr"/>
-          <a:lstStyle/>
-          <a:p>
-            <a:pPr algn="ctr"/>
-            <a:endParaRPr lang="de-DE"/>
-          </a:p>
-        </p:txBody>
-      </p:sp>
-      <p:sp>
-        <p:nvSpPr>
-          <p:cNvPr id="39" name="Abgerundetes Rechteck 38"/>
-          <p:cNvSpPr/>
-          <p:nvPr/>
-        </p:nvSpPr>
-        <p:spPr>
-          <a:xfrm>
-            <a:off x="1681164" y="3064520"/>
-            <a:ext cx="277773" cy="277773"/>
-          </a:xfrm>
-          <a:prstGeom prst="roundRect">
-            <a:avLst/>
-          </a:prstGeom>
-          <a:solidFill>
-            <a:schemeClr val="accent6"/>
-          </a:solidFill>
-          <a:ln>
-            <a:noFill/>
-          </a:ln>
-        </p:spPr>
-        <p:style>
-          <a:lnRef idx="2">
-            <a:schemeClr val="accent1">
-              <a:shade val="50000"/>
-            </a:schemeClr>
-          </a:lnRef>
-          <a:fillRef idx="1">
-            <a:schemeClr val="accent1"/>
-          </a:fillRef>
-          <a:effectRef idx="0">
-            <a:schemeClr val="accent1"/>
-          </a:effectRef>
-          <a:fontRef idx="minor">
-            <a:schemeClr val="lt1"/>
-          </a:fontRef>
-        </p:style>
-        <p:txBody>
-          <a:bodyPr rtlCol="0" anchor="ctr"/>
-          <a:lstStyle/>
-          <a:p>
-            <a:pPr algn="ctr"/>
-            <a:endParaRPr lang="de-DE"/>
-          </a:p>
-        </p:txBody>
-      </p:sp>
-      <p:sp>
-        <p:nvSpPr>
-          <p:cNvPr id="40" name="Abgerundetes Rechteck 39"/>
-          <p:cNvSpPr/>
-          <p:nvPr/>
-        </p:nvSpPr>
-        <p:spPr>
-          <a:xfrm>
-            <a:off x="3195009" y="3750205"/>
-            <a:ext cx="277773" cy="277773"/>
-          </a:xfrm>
-          <a:prstGeom prst="roundRect">
-            <a:avLst/>
-          </a:prstGeom>
-          <a:solidFill>
-            <a:schemeClr val="accent6"/>
-          </a:solidFill>
-          <a:ln>
-            <a:noFill/>
-          </a:ln>
-        </p:spPr>
-        <p:style>
-          <a:lnRef idx="2">
-            <a:schemeClr val="accent1">
-              <a:shade val="50000"/>
-            </a:schemeClr>
-          </a:lnRef>
-          <a:fillRef idx="1">
-            <a:schemeClr val="accent1"/>
-          </a:fillRef>
-          <a:effectRef idx="0">
-            <a:schemeClr val="accent1"/>
-          </a:effectRef>
-          <a:fontRef idx="minor">
-            <a:schemeClr val="lt1"/>
-          </a:fontRef>
-        </p:style>
-        <p:txBody>
-          <a:bodyPr rtlCol="0" anchor="ctr"/>
-          <a:lstStyle/>
-          <a:p>
-            <a:pPr algn="ctr"/>
-            <a:endParaRPr lang="de-DE"/>
-          </a:p>
-        </p:txBody>
-      </p:sp>
-      <p:sp>
-        <p:nvSpPr>
-          <p:cNvPr id="41" name="Abgerundetes Rechteck 40"/>
-          <p:cNvSpPr/>
-          <p:nvPr/>
-        </p:nvSpPr>
-        <p:spPr>
-          <a:xfrm>
-            <a:off x="2566828" y="1929096"/>
-            <a:ext cx="277773" cy="277773"/>
-          </a:xfrm>
-          <a:prstGeom prst="roundRect">
-            <a:avLst/>
-          </a:prstGeom>
-          <a:solidFill>
-            <a:schemeClr val="accent6"/>
-          </a:solidFill>
-          <a:ln>
-            <a:noFill/>
-          </a:ln>
-        </p:spPr>
-        <p:style>
-          <a:lnRef idx="2">
-            <a:schemeClr val="accent1">
-              <a:shade val="50000"/>
-            </a:schemeClr>
-          </a:lnRef>
-          <a:fillRef idx="1">
-            <a:schemeClr val="accent1"/>
-          </a:fillRef>
-          <a:effectRef idx="0">
-            <a:schemeClr val="accent1"/>
-          </a:effectRef>
-          <a:fontRef idx="minor">
-            <a:schemeClr val="lt1"/>
-          </a:fontRef>
-        </p:style>
-        <p:txBody>
-          <a:bodyPr rtlCol="0" anchor="ctr"/>
-          <a:lstStyle/>
-          <a:p>
-            <a:pPr algn="ctr"/>
-            <a:endParaRPr lang="de-DE"/>
-          </a:p>
-        </p:txBody>
-      </p:sp>
-      <p:sp>
-        <p:nvSpPr>
           <p:cNvPr id="42" name="Abgerundetes Rechteck 41"/>
           <p:cNvSpPr/>
           <p:nvPr/>
@@ -10257,100 +9230,6 @@
               <a:t>Tested</a:t>
             </a:r>
             <a:endParaRPr lang="de-DE" dirty="0"/>
-          </a:p>
-        </p:txBody>
-      </p:sp>
-      <p:sp>
-        <p:nvSpPr>
-          <p:cNvPr id="44" name="Rechteck 43"/>
-          <p:cNvSpPr/>
-          <p:nvPr/>
-        </p:nvSpPr>
-        <p:spPr>
-          <a:xfrm>
-            <a:off x="2415345" y="1788515"/>
-            <a:ext cx="3564861" cy="1795161"/>
-          </a:xfrm>
-          <a:prstGeom prst="rect">
-            <a:avLst/>
-          </a:prstGeom>
-          <a:noFill/>
-          <a:ln w="38100" cap="rnd">
-            <a:solidFill>
-              <a:srgbClr val="7030A0"/>
-            </a:solidFill>
-            <a:prstDash val="sysDot"/>
-          </a:ln>
-        </p:spPr>
-        <p:style>
-          <a:lnRef idx="2">
-            <a:schemeClr val="accent1">
-              <a:shade val="50000"/>
-            </a:schemeClr>
-          </a:lnRef>
-          <a:fillRef idx="1">
-            <a:schemeClr val="accent1"/>
-          </a:fillRef>
-          <a:effectRef idx="0">
-            <a:schemeClr val="accent1"/>
-          </a:effectRef>
-          <a:fontRef idx="minor">
-            <a:schemeClr val="lt1"/>
-          </a:fontRef>
-        </p:style>
-        <p:txBody>
-          <a:bodyPr rtlCol="0" anchor="ctr"/>
-          <a:lstStyle/>
-          <a:p>
-            <a:pPr algn="ctr"/>
-            <a:endParaRPr lang="de-DE"/>
-          </a:p>
-        </p:txBody>
-      </p:sp>
-      <p:sp>
-        <p:nvSpPr>
-          <p:cNvPr id="45" name="Rechteck 44"/>
-          <p:cNvSpPr/>
-          <p:nvPr/>
-        </p:nvSpPr>
-        <p:spPr>
-          <a:xfrm>
-            <a:off x="603720" y="4209447"/>
-            <a:ext cx="3103241" cy="1795161"/>
-          </a:xfrm>
-          <a:prstGeom prst="rect">
-            <a:avLst/>
-          </a:prstGeom>
-          <a:noFill/>
-          <a:ln w="38100" cap="rnd">
-            <a:solidFill>
-              <a:srgbClr val="7030A0"/>
-            </a:solidFill>
-            <a:prstDash val="sysDot"/>
-          </a:ln>
-        </p:spPr>
-        <p:style>
-          <a:lnRef idx="2">
-            <a:schemeClr val="accent1">
-              <a:shade val="50000"/>
-            </a:schemeClr>
-          </a:lnRef>
-          <a:fillRef idx="1">
-            <a:schemeClr val="accent1"/>
-          </a:fillRef>
-          <a:effectRef idx="0">
-            <a:schemeClr val="accent1"/>
-          </a:effectRef>
-          <a:fontRef idx="minor">
-            <a:schemeClr val="lt1"/>
-          </a:fontRef>
-        </p:style>
-        <p:txBody>
-          <a:bodyPr rtlCol="0" anchor="ctr"/>
-          <a:lstStyle/>
-          <a:p>
-            <a:pPr algn="ctr"/>
-            <a:endParaRPr lang="de-DE"/>
           </a:p>
         </p:txBody>
       </p:sp>
@@ -10434,6 +9313,1179 @@
               <a:t>Boundary</a:t>
             </a:r>
             <a:endParaRPr lang="de-DE" dirty="0"/>
+          </a:p>
+        </p:txBody>
+      </p:sp>
+      <p:grpSp>
+        <p:nvGrpSpPr>
+          <p:cNvPr id="48" name="Gruppieren 47"/>
+          <p:cNvGrpSpPr/>
+          <p:nvPr/>
+        </p:nvGrpSpPr>
+        <p:grpSpPr>
+          <a:xfrm>
+            <a:off x="266891" y="395665"/>
+            <a:ext cx="5625778" cy="5444719"/>
+            <a:chOff x="124292" y="-113512"/>
+            <a:chExt cx="7104054" cy="6875418"/>
+          </a:xfrm>
+        </p:grpSpPr>
+        <p:sp>
+          <p:nvSpPr>
+            <p:cNvPr id="49" name="Rechteck 48"/>
+            <p:cNvSpPr/>
+            <p:nvPr/>
+          </p:nvSpPr>
+          <p:spPr>
+            <a:xfrm>
+              <a:off x="124292" y="44390"/>
+              <a:ext cx="5034889" cy="6717516"/>
+            </a:xfrm>
+            <a:prstGeom prst="rect">
+              <a:avLst/>
+            </a:prstGeom>
+            <a:noFill/>
+            <a:ln w="19050">
+              <a:solidFill>
+                <a:schemeClr val="bg1">
+                  <a:lumMod val="75000"/>
+                </a:schemeClr>
+              </a:solidFill>
+              <a:prstDash val="dashDot"/>
+            </a:ln>
+          </p:spPr>
+          <p:style>
+            <a:lnRef idx="2">
+              <a:schemeClr val="accent1">
+                <a:shade val="50000"/>
+              </a:schemeClr>
+            </a:lnRef>
+            <a:fillRef idx="1">
+              <a:schemeClr val="accent1"/>
+            </a:fillRef>
+            <a:effectRef idx="0">
+              <a:schemeClr val="accent1"/>
+            </a:effectRef>
+            <a:fontRef idx="minor">
+              <a:schemeClr val="lt1"/>
+            </a:fontRef>
+          </p:style>
+          <p:txBody>
+            <a:bodyPr rtlCol="0" anchor="ctr"/>
+            <a:lstStyle/>
+            <a:p>
+              <a:pPr algn="ctr"/>
+              <a:endParaRPr lang="de-DE"/>
+            </a:p>
+          </p:txBody>
+        </p:sp>
+        <p:sp>
+          <p:nvSpPr>
+            <p:cNvPr id="50" name="Rechteck 49"/>
+            <p:cNvSpPr/>
+            <p:nvPr/>
+          </p:nvSpPr>
+          <p:spPr>
+            <a:xfrm>
+              <a:off x="509479" y="238870"/>
+              <a:ext cx="4435929" cy="5289660"/>
+            </a:xfrm>
+            <a:prstGeom prst="rect">
+              <a:avLst/>
+            </a:prstGeom>
+            <a:solidFill>
+              <a:schemeClr val="bg1">
+                <a:lumMod val="85000"/>
+              </a:schemeClr>
+            </a:solidFill>
+            <a:ln w="38100" cap="rnd" cmpd="sng">
+              <a:solidFill>
+                <a:schemeClr val="bg1">
+                  <a:lumMod val="50000"/>
+                </a:schemeClr>
+              </a:solidFill>
+              <a:prstDash val="sysDash"/>
+              <a:miter lim="800000"/>
+            </a:ln>
+          </p:spPr>
+          <p:style>
+            <a:lnRef idx="2">
+              <a:schemeClr val="accent4">
+                <a:shade val="50000"/>
+              </a:schemeClr>
+            </a:lnRef>
+            <a:fillRef idx="1001">
+              <a:schemeClr val="dk2"/>
+            </a:fillRef>
+            <a:effectRef idx="0">
+              <a:schemeClr val="accent4"/>
+            </a:effectRef>
+            <a:fontRef idx="minor">
+              <a:schemeClr val="lt1"/>
+            </a:fontRef>
+          </p:style>
+          <p:txBody>
+            <a:bodyPr rtlCol="0" anchor="ctr"/>
+            <a:lstStyle/>
+            <a:p>
+              <a:pPr algn="ctr"/>
+              <a:endParaRPr lang="de-DE"/>
+            </a:p>
+          </p:txBody>
+        </p:sp>
+        <p:sp>
+          <p:nvSpPr>
+            <p:cNvPr id="51" name="Zylinder 50"/>
+            <p:cNvSpPr/>
+            <p:nvPr/>
+          </p:nvSpPr>
+          <p:spPr>
+            <a:xfrm>
+              <a:off x="2262810" y="5733340"/>
+              <a:ext cx="757855" cy="823756"/>
+            </a:xfrm>
+            <a:prstGeom prst="can">
+              <a:avLst/>
+            </a:prstGeom>
+            <a:ln w="38100" cap="rnd">
+              <a:solidFill>
+                <a:schemeClr val="accent1">
+                  <a:lumMod val="75000"/>
+                </a:schemeClr>
+              </a:solidFill>
+              <a:prstDash val="sysDash"/>
+            </a:ln>
+          </p:spPr>
+          <p:style>
+            <a:lnRef idx="2">
+              <a:schemeClr val="accent1">
+                <a:shade val="50000"/>
+              </a:schemeClr>
+            </a:lnRef>
+            <a:fillRef idx="1">
+              <a:schemeClr val="accent1"/>
+            </a:fillRef>
+            <a:effectRef idx="0">
+              <a:schemeClr val="accent1"/>
+            </a:effectRef>
+            <a:fontRef idx="minor">
+              <a:schemeClr val="lt1"/>
+            </a:fontRef>
+          </p:style>
+          <p:txBody>
+            <a:bodyPr rtlCol="0" anchor="ctr"/>
+            <a:lstStyle/>
+            <a:p>
+              <a:pPr algn="ctr"/>
+              <a:endParaRPr lang="de-DE" dirty="0"/>
+            </a:p>
+          </p:txBody>
+        </p:sp>
+        <p:sp>
+          <p:nvSpPr>
+            <p:cNvPr id="52" name="Rechteck 51"/>
+            <p:cNvSpPr/>
+            <p:nvPr/>
+          </p:nvSpPr>
+          <p:spPr>
+            <a:xfrm>
+              <a:off x="882328" y="4668328"/>
+              <a:ext cx="3505080" cy="494254"/>
+            </a:xfrm>
+            <a:prstGeom prst="rect">
+              <a:avLst/>
+            </a:prstGeom>
+          </p:spPr>
+          <p:style>
+            <a:lnRef idx="2">
+              <a:schemeClr val="accent1">
+                <a:shade val="50000"/>
+              </a:schemeClr>
+            </a:lnRef>
+            <a:fillRef idx="1">
+              <a:schemeClr val="accent1"/>
+            </a:fillRef>
+            <a:effectRef idx="0">
+              <a:schemeClr val="accent1"/>
+            </a:effectRef>
+            <a:fontRef idx="minor">
+              <a:schemeClr val="lt1"/>
+            </a:fontRef>
+          </p:style>
+          <p:txBody>
+            <a:bodyPr rtlCol="0" anchor="ctr"/>
+            <a:lstStyle/>
+            <a:p>
+              <a:pPr algn="ctr"/>
+              <a:r>
+                <a:rPr lang="de-DE" sz="1400" dirty="0" smtClean="0"/>
+                <a:t>Data Mappers/ORM</a:t>
+              </a:r>
+              <a:endParaRPr lang="de-DE" sz="1400" dirty="0"/>
+            </a:p>
+          </p:txBody>
+        </p:sp>
+        <p:sp>
+          <p:nvSpPr>
+            <p:cNvPr id="53" name="Rechteck 52"/>
+            <p:cNvSpPr/>
+            <p:nvPr/>
+          </p:nvSpPr>
+          <p:spPr>
+            <a:xfrm>
+              <a:off x="889198" y="2989738"/>
+              <a:ext cx="2844074" cy="498380"/>
+            </a:xfrm>
+            <a:prstGeom prst="rect">
+              <a:avLst/>
+            </a:prstGeom>
+          </p:spPr>
+          <p:style>
+            <a:lnRef idx="2">
+              <a:schemeClr val="accent2">
+                <a:shade val="50000"/>
+              </a:schemeClr>
+            </a:lnRef>
+            <a:fillRef idx="1">
+              <a:schemeClr val="accent2"/>
+            </a:fillRef>
+            <a:effectRef idx="0">
+              <a:schemeClr val="accent2"/>
+            </a:effectRef>
+            <a:fontRef idx="minor">
+              <a:schemeClr val="lt1"/>
+            </a:fontRef>
+          </p:style>
+          <p:txBody>
+            <a:bodyPr rtlCol="0" anchor="ctr"/>
+            <a:lstStyle/>
+            <a:p>
+              <a:pPr algn="ctr"/>
+              <a:r>
+                <a:rPr lang="de-DE" sz="1400" dirty="0" err="1" smtClean="0"/>
+                <a:t>Repositories</a:t>
+              </a:r>
+              <a:endParaRPr lang="de-DE" sz="1400" dirty="0"/>
+            </a:p>
+          </p:txBody>
+        </p:sp>
+        <p:sp>
+          <p:nvSpPr>
+            <p:cNvPr id="54" name="Rechteck 53"/>
+            <p:cNvSpPr/>
+            <p:nvPr/>
+          </p:nvSpPr>
+          <p:spPr>
+            <a:xfrm>
+              <a:off x="889198" y="756338"/>
+              <a:ext cx="3505083" cy="498380"/>
+            </a:xfrm>
+            <a:prstGeom prst="rect">
+              <a:avLst/>
+            </a:prstGeom>
+          </p:spPr>
+          <p:style>
+            <a:lnRef idx="2">
+              <a:schemeClr val="accent5">
+                <a:shade val="50000"/>
+              </a:schemeClr>
+            </a:lnRef>
+            <a:fillRef idx="1">
+              <a:schemeClr val="accent5"/>
+            </a:fillRef>
+            <a:effectRef idx="0">
+              <a:schemeClr val="accent5"/>
+            </a:effectRef>
+            <a:fontRef idx="minor">
+              <a:schemeClr val="lt1"/>
+            </a:fontRef>
+          </p:style>
+          <p:txBody>
+            <a:bodyPr rtlCol="0" anchor="ctr"/>
+            <a:lstStyle/>
+            <a:p>
+              <a:pPr algn="ctr"/>
+              <a:r>
+                <a:rPr lang="de-DE" sz="1400" dirty="0" smtClean="0"/>
+                <a:t>Ressourcen</a:t>
+              </a:r>
+              <a:endParaRPr lang="de-DE" sz="1400" dirty="0"/>
+            </a:p>
+          </p:txBody>
+        </p:sp>
+        <p:sp>
+          <p:nvSpPr>
+            <p:cNvPr id="55" name="Rechteck 54"/>
+            <p:cNvSpPr/>
+            <p:nvPr/>
+          </p:nvSpPr>
+          <p:spPr>
+            <a:xfrm rot="16200000">
+              <a:off x="3155044" y="2248880"/>
+              <a:ext cx="1980096" cy="498380"/>
+            </a:xfrm>
+            <a:prstGeom prst="rect">
+              <a:avLst/>
+            </a:prstGeom>
+          </p:spPr>
+          <p:style>
+            <a:lnRef idx="2">
+              <a:schemeClr val="accent3">
+                <a:shade val="50000"/>
+              </a:schemeClr>
+            </a:lnRef>
+            <a:fillRef idx="1">
+              <a:schemeClr val="accent3"/>
+            </a:fillRef>
+            <a:effectRef idx="0">
+              <a:schemeClr val="accent3"/>
+            </a:effectRef>
+            <a:fontRef idx="minor">
+              <a:schemeClr val="lt1"/>
+            </a:fontRef>
+          </p:style>
+          <p:txBody>
+            <a:bodyPr rtlCol="0" anchor="ctr"/>
+            <a:lstStyle/>
+            <a:p>
+              <a:pPr algn="ctr"/>
+              <a:r>
+                <a:rPr lang="de-DE" sz="1400" dirty="0" smtClean="0"/>
+                <a:t>Security REST Client</a:t>
+              </a:r>
+              <a:endParaRPr lang="de-DE" sz="1400" dirty="0"/>
+            </a:p>
+          </p:txBody>
+        </p:sp>
+        <p:sp>
+          <p:nvSpPr>
+            <p:cNvPr id="56" name="Rechteck 55"/>
+            <p:cNvSpPr/>
+            <p:nvPr/>
+          </p:nvSpPr>
+          <p:spPr>
+            <a:xfrm>
+              <a:off x="5437191" y="1366982"/>
+              <a:ext cx="1791155" cy="815002"/>
+            </a:xfrm>
+            <a:prstGeom prst="rect">
+              <a:avLst/>
+            </a:prstGeom>
+            <a:ln w="38100" cap="rnd">
+              <a:prstDash val="sysDash"/>
+            </a:ln>
+          </p:spPr>
+          <p:style>
+            <a:lnRef idx="2">
+              <a:schemeClr val="accent3">
+                <a:shade val="50000"/>
+              </a:schemeClr>
+            </a:lnRef>
+            <a:fillRef idx="1">
+              <a:schemeClr val="accent3"/>
+            </a:fillRef>
+            <a:effectRef idx="0">
+              <a:schemeClr val="accent3"/>
+            </a:effectRef>
+            <a:fontRef idx="minor">
+              <a:schemeClr val="lt1"/>
+            </a:fontRef>
+          </p:style>
+          <p:txBody>
+            <a:bodyPr rtlCol="0" anchor="ctr"/>
+            <a:lstStyle/>
+            <a:p>
+              <a:pPr algn="ctr"/>
+              <a:r>
+                <a:rPr lang="de-DE" sz="1400" dirty="0" smtClean="0"/>
+                <a:t>Externer Service</a:t>
+              </a:r>
+              <a:endParaRPr lang="de-DE" sz="1400" dirty="0"/>
+            </a:p>
+          </p:txBody>
+        </p:sp>
+        <p:cxnSp>
+          <p:nvCxnSpPr>
+            <p:cNvPr id="57" name="Gerader Verbinder 56"/>
+            <p:cNvCxnSpPr/>
+            <p:nvPr/>
+          </p:nvCxnSpPr>
+          <p:spPr>
+            <a:xfrm>
+              <a:off x="1480741" y="1239332"/>
+              <a:ext cx="0" cy="1750405"/>
+            </a:xfrm>
+            <a:prstGeom prst="line">
+              <a:avLst/>
+            </a:prstGeom>
+            <a:ln w="28575">
+              <a:solidFill>
+                <a:schemeClr val="bg1">
+                  <a:lumMod val="50000"/>
+                </a:schemeClr>
+              </a:solidFill>
+            </a:ln>
+          </p:spPr>
+          <p:style>
+            <a:lnRef idx="1">
+              <a:schemeClr val="accent1"/>
+            </a:lnRef>
+            <a:fillRef idx="0">
+              <a:schemeClr val="accent1"/>
+            </a:fillRef>
+            <a:effectRef idx="0">
+              <a:schemeClr val="accent1"/>
+            </a:effectRef>
+            <a:fontRef idx="minor">
+              <a:schemeClr val="tx1"/>
+            </a:fontRef>
+          </p:style>
+        </p:cxnSp>
+        <p:cxnSp>
+          <p:nvCxnSpPr>
+            <p:cNvPr id="58" name="Gerader Verbinder 57"/>
+            <p:cNvCxnSpPr>
+              <a:stCxn id="53" idx="2"/>
+              <a:endCxn id="62" idx="0"/>
+            </p:cNvCxnSpPr>
+            <p:nvPr/>
+          </p:nvCxnSpPr>
+          <p:spPr>
+            <a:xfrm>
+              <a:off x="2311235" y="3488118"/>
+              <a:ext cx="0" cy="383360"/>
+            </a:xfrm>
+            <a:prstGeom prst="line">
+              <a:avLst/>
+            </a:prstGeom>
+            <a:ln w="28575">
+              <a:solidFill>
+                <a:schemeClr val="bg1">
+                  <a:lumMod val="50000"/>
+                </a:schemeClr>
+              </a:solidFill>
+            </a:ln>
+          </p:spPr>
+          <p:style>
+            <a:lnRef idx="1">
+              <a:schemeClr val="accent1"/>
+            </a:lnRef>
+            <a:fillRef idx="0">
+              <a:schemeClr val="accent1"/>
+            </a:fillRef>
+            <a:effectRef idx="0">
+              <a:schemeClr val="accent1"/>
+            </a:effectRef>
+            <a:fontRef idx="minor">
+              <a:schemeClr val="tx1"/>
+            </a:fontRef>
+          </p:style>
+        </p:cxnSp>
+        <p:cxnSp>
+          <p:nvCxnSpPr>
+            <p:cNvPr id="59" name="Gerader Verbinder 58"/>
+            <p:cNvCxnSpPr>
+              <a:stCxn id="52" idx="2"/>
+              <a:endCxn id="51" idx="1"/>
+            </p:cNvCxnSpPr>
+            <p:nvPr/>
+          </p:nvCxnSpPr>
+          <p:spPr>
+            <a:xfrm>
+              <a:off x="2634868" y="5162582"/>
+              <a:ext cx="6870" cy="570758"/>
+            </a:xfrm>
+            <a:prstGeom prst="line">
+              <a:avLst/>
+            </a:prstGeom>
+            <a:ln w="28575">
+              <a:solidFill>
+                <a:schemeClr val="bg1">
+                  <a:lumMod val="50000"/>
+                </a:schemeClr>
+              </a:solidFill>
+            </a:ln>
+          </p:spPr>
+          <p:style>
+            <a:lnRef idx="1">
+              <a:schemeClr val="accent1"/>
+            </a:lnRef>
+            <a:fillRef idx="0">
+              <a:schemeClr val="accent1"/>
+            </a:fillRef>
+            <a:effectRef idx="0">
+              <a:schemeClr val="accent1"/>
+            </a:effectRef>
+            <a:fontRef idx="minor">
+              <a:schemeClr val="tx1"/>
+            </a:fontRef>
+          </p:style>
+        </p:cxnSp>
+        <p:cxnSp>
+          <p:nvCxnSpPr>
+            <p:cNvPr id="60" name="Gerader Verbinder 59"/>
+            <p:cNvCxnSpPr>
+              <a:stCxn id="65" idx="3"/>
+            </p:cNvCxnSpPr>
+            <p:nvPr/>
+          </p:nvCxnSpPr>
+          <p:spPr>
+            <a:xfrm>
+              <a:off x="3729035" y="1770452"/>
+              <a:ext cx="166867" cy="0"/>
+            </a:xfrm>
+            <a:prstGeom prst="line">
+              <a:avLst/>
+            </a:prstGeom>
+            <a:ln w="28575">
+              <a:solidFill>
+                <a:schemeClr val="bg1">
+                  <a:lumMod val="50000"/>
+                </a:schemeClr>
+              </a:solidFill>
+            </a:ln>
+          </p:spPr>
+          <p:style>
+            <a:lnRef idx="1">
+              <a:schemeClr val="accent1"/>
+            </a:lnRef>
+            <a:fillRef idx="0">
+              <a:schemeClr val="accent1"/>
+            </a:fillRef>
+            <a:effectRef idx="0">
+              <a:schemeClr val="accent1"/>
+            </a:effectRef>
+            <a:fontRef idx="minor">
+              <a:schemeClr val="tx1"/>
+            </a:fontRef>
+          </p:style>
+        </p:cxnSp>
+        <p:cxnSp>
+          <p:nvCxnSpPr>
+            <p:cNvPr id="61" name="Gerader Verbinder 60"/>
+            <p:cNvCxnSpPr>
+              <a:endCxn id="56" idx="1"/>
+            </p:cNvCxnSpPr>
+            <p:nvPr/>
+          </p:nvCxnSpPr>
+          <p:spPr>
+            <a:xfrm>
+              <a:off x="4394277" y="1770332"/>
+              <a:ext cx="1042914" cy="4152"/>
+            </a:xfrm>
+            <a:prstGeom prst="line">
+              <a:avLst/>
+            </a:prstGeom>
+            <a:ln w="28575">
+              <a:solidFill>
+                <a:schemeClr val="bg1">
+                  <a:lumMod val="50000"/>
+                </a:schemeClr>
+              </a:solidFill>
+            </a:ln>
+          </p:spPr>
+          <p:style>
+            <a:lnRef idx="1">
+              <a:schemeClr val="accent1"/>
+            </a:lnRef>
+            <a:fillRef idx="0">
+              <a:schemeClr val="accent1"/>
+            </a:fillRef>
+            <a:effectRef idx="0">
+              <a:schemeClr val="accent1"/>
+            </a:effectRef>
+            <a:fontRef idx="minor">
+              <a:schemeClr val="tx1"/>
+            </a:fontRef>
+          </p:style>
+        </p:cxnSp>
+        <p:sp>
+          <p:nvSpPr>
+            <p:cNvPr id="62" name="Rechteck 61"/>
+            <p:cNvSpPr/>
+            <p:nvPr/>
+          </p:nvSpPr>
+          <p:spPr>
+            <a:xfrm>
+              <a:off x="889198" y="3871478"/>
+              <a:ext cx="2844074" cy="495651"/>
+            </a:xfrm>
+            <a:prstGeom prst="rect">
+              <a:avLst/>
+            </a:prstGeom>
+          </p:spPr>
+          <p:style>
+            <a:lnRef idx="2">
+              <a:schemeClr val="accent2">
+                <a:shade val="50000"/>
+              </a:schemeClr>
+            </a:lnRef>
+            <a:fillRef idx="1">
+              <a:schemeClr val="accent2"/>
+            </a:fillRef>
+            <a:effectRef idx="0">
+              <a:schemeClr val="accent2"/>
+            </a:effectRef>
+            <a:fontRef idx="minor">
+              <a:schemeClr val="lt1"/>
+            </a:fontRef>
+          </p:style>
+          <p:txBody>
+            <a:bodyPr rtlCol="0" anchor="ctr"/>
+            <a:lstStyle/>
+            <a:p>
+              <a:pPr algn="ctr"/>
+              <a:r>
+                <a:rPr lang="de-DE" sz="1400" dirty="0" smtClean="0"/>
+                <a:t>Entitäten</a:t>
+              </a:r>
+              <a:endParaRPr lang="de-DE" sz="1400" dirty="0"/>
+            </a:p>
+          </p:txBody>
+        </p:sp>
+        <p:cxnSp>
+          <p:nvCxnSpPr>
+            <p:cNvPr id="63" name="Gerader Verbinder 62"/>
+            <p:cNvCxnSpPr>
+              <a:stCxn id="65" idx="2"/>
+            </p:cNvCxnSpPr>
+            <p:nvPr/>
+          </p:nvCxnSpPr>
+          <p:spPr>
+            <a:xfrm>
+              <a:off x="2686204" y="2021747"/>
+              <a:ext cx="240" cy="967990"/>
+            </a:xfrm>
+            <a:prstGeom prst="line">
+              <a:avLst/>
+            </a:prstGeom>
+            <a:ln w="28575">
+              <a:solidFill>
+                <a:schemeClr val="bg1">
+                  <a:lumMod val="50000"/>
+                </a:schemeClr>
+              </a:solidFill>
+            </a:ln>
+          </p:spPr>
+          <p:style>
+            <a:lnRef idx="1">
+              <a:schemeClr val="accent1"/>
+            </a:lnRef>
+            <a:fillRef idx="0">
+              <a:schemeClr val="accent1"/>
+            </a:fillRef>
+            <a:effectRef idx="0">
+              <a:schemeClr val="accent1"/>
+            </a:effectRef>
+            <a:fontRef idx="minor">
+              <a:schemeClr val="tx1"/>
+            </a:fontRef>
+          </p:style>
+        </p:cxnSp>
+        <p:cxnSp>
+          <p:nvCxnSpPr>
+            <p:cNvPr id="64" name="Gerader Verbinder 63"/>
+            <p:cNvCxnSpPr/>
+            <p:nvPr/>
+          </p:nvCxnSpPr>
+          <p:spPr>
+            <a:xfrm>
+              <a:off x="2634868" y="1254718"/>
+              <a:ext cx="0" cy="260243"/>
+            </a:xfrm>
+            <a:prstGeom prst="line">
+              <a:avLst/>
+            </a:prstGeom>
+            <a:ln w="28575">
+              <a:solidFill>
+                <a:schemeClr val="bg1">
+                  <a:lumMod val="50000"/>
+                </a:schemeClr>
+              </a:solidFill>
+            </a:ln>
+          </p:spPr>
+          <p:style>
+            <a:lnRef idx="1">
+              <a:schemeClr val="accent1"/>
+            </a:lnRef>
+            <a:fillRef idx="0">
+              <a:schemeClr val="accent1"/>
+            </a:fillRef>
+            <a:effectRef idx="0">
+              <a:schemeClr val="accent1"/>
+            </a:effectRef>
+            <a:fontRef idx="minor">
+              <a:schemeClr val="tx1"/>
+            </a:fontRef>
+          </p:style>
+        </p:cxnSp>
+        <p:sp>
+          <p:nvSpPr>
+            <p:cNvPr id="65" name="Rechteck 64"/>
+            <p:cNvSpPr/>
+            <p:nvPr/>
+          </p:nvSpPr>
+          <p:spPr>
+            <a:xfrm>
+              <a:off x="1643372" y="1519156"/>
+              <a:ext cx="2085663" cy="502591"/>
+            </a:xfrm>
+            <a:prstGeom prst="rect">
+              <a:avLst/>
+            </a:prstGeom>
+          </p:spPr>
+          <p:style>
+            <a:lnRef idx="2">
+              <a:schemeClr val="accent2">
+                <a:shade val="50000"/>
+              </a:schemeClr>
+            </a:lnRef>
+            <a:fillRef idx="1">
+              <a:schemeClr val="accent2"/>
+            </a:fillRef>
+            <a:effectRef idx="0">
+              <a:schemeClr val="accent2"/>
+            </a:effectRef>
+            <a:fontRef idx="minor">
+              <a:schemeClr val="lt1"/>
+            </a:fontRef>
+          </p:style>
+          <p:txBody>
+            <a:bodyPr rtlCol="0" anchor="ctr"/>
+            <a:lstStyle/>
+            <a:p>
+              <a:r>
+                <a:rPr lang="de-DE" sz="1400" dirty="0" smtClean="0"/>
+                <a:t>Geschäftslogik</a:t>
+              </a:r>
+              <a:endParaRPr lang="de-DE" sz="1400" dirty="0"/>
+            </a:p>
+          </p:txBody>
+        </p:sp>
+        <p:cxnSp>
+          <p:nvCxnSpPr>
+            <p:cNvPr id="66" name="Gerader Verbinder 65"/>
+            <p:cNvCxnSpPr/>
+            <p:nvPr/>
+          </p:nvCxnSpPr>
+          <p:spPr>
+            <a:xfrm>
+              <a:off x="2634868" y="-113512"/>
+              <a:ext cx="0" cy="869850"/>
+            </a:xfrm>
+            <a:prstGeom prst="line">
+              <a:avLst/>
+            </a:prstGeom>
+            <a:ln w="28575">
+              <a:solidFill>
+                <a:schemeClr val="bg1">
+                  <a:lumMod val="50000"/>
+                </a:schemeClr>
+              </a:solidFill>
+            </a:ln>
+          </p:spPr>
+          <p:style>
+            <a:lnRef idx="1">
+              <a:schemeClr val="accent1"/>
+            </a:lnRef>
+            <a:fillRef idx="0">
+              <a:schemeClr val="accent1"/>
+            </a:fillRef>
+            <a:effectRef idx="0">
+              <a:schemeClr val="accent1"/>
+            </a:effectRef>
+            <a:fontRef idx="minor">
+              <a:schemeClr val="tx1"/>
+            </a:fontRef>
+          </p:style>
+        </p:cxnSp>
+        <p:cxnSp>
+          <p:nvCxnSpPr>
+            <p:cNvPr id="67" name="Gerader Verbinder 66"/>
+            <p:cNvCxnSpPr>
+              <a:stCxn id="62" idx="2"/>
+            </p:cNvCxnSpPr>
+            <p:nvPr/>
+          </p:nvCxnSpPr>
+          <p:spPr>
+            <a:xfrm>
+              <a:off x="2311235" y="4367129"/>
+              <a:ext cx="0" cy="301199"/>
+            </a:xfrm>
+            <a:prstGeom prst="line">
+              <a:avLst/>
+            </a:prstGeom>
+            <a:ln w="28575">
+              <a:solidFill>
+                <a:schemeClr val="bg1">
+                  <a:lumMod val="50000"/>
+                </a:schemeClr>
+              </a:solidFill>
+            </a:ln>
+          </p:spPr>
+          <p:style>
+            <a:lnRef idx="1">
+              <a:schemeClr val="accent1"/>
+            </a:lnRef>
+            <a:fillRef idx="0">
+              <a:schemeClr val="accent1"/>
+            </a:fillRef>
+            <a:effectRef idx="0">
+              <a:schemeClr val="accent1"/>
+            </a:effectRef>
+            <a:fontRef idx="minor">
+              <a:schemeClr val="tx1"/>
+            </a:fontRef>
+          </p:style>
+        </p:cxnSp>
+        <p:sp>
+          <p:nvSpPr>
+            <p:cNvPr id="68" name="Rechteck 67"/>
+            <p:cNvSpPr/>
+            <p:nvPr/>
+          </p:nvSpPr>
+          <p:spPr>
+            <a:xfrm rot="16200000">
+              <a:off x="3753707" y="3723325"/>
+              <a:ext cx="786885" cy="494254"/>
+            </a:xfrm>
+            <a:prstGeom prst="rect">
+              <a:avLst/>
+            </a:prstGeom>
+          </p:spPr>
+          <p:style>
+            <a:lnRef idx="2">
+              <a:schemeClr val="accent1">
+                <a:shade val="50000"/>
+              </a:schemeClr>
+            </a:lnRef>
+            <a:fillRef idx="1">
+              <a:schemeClr val="accent1"/>
+            </a:fillRef>
+            <a:effectRef idx="0">
+              <a:schemeClr val="accent1"/>
+            </a:effectRef>
+            <a:fontRef idx="minor">
+              <a:schemeClr val="lt1"/>
+            </a:fontRef>
+          </p:style>
+          <p:txBody>
+            <a:bodyPr rtlCol="0" anchor="ctr"/>
+            <a:lstStyle/>
+            <a:p>
+              <a:pPr algn="ctr"/>
+              <a:r>
+                <a:rPr lang="de-DE" sz="1050" dirty="0" err="1" smtClean="0"/>
+                <a:t>Listener</a:t>
+              </a:r>
+              <a:endParaRPr lang="de-DE" sz="1050" dirty="0"/>
+            </a:p>
+          </p:txBody>
+        </p:sp>
+        <p:cxnSp>
+          <p:nvCxnSpPr>
+            <p:cNvPr id="69" name="Gerader Verbinder 68"/>
+            <p:cNvCxnSpPr>
+              <a:stCxn id="68" idx="1"/>
+            </p:cNvCxnSpPr>
+            <p:nvPr/>
+          </p:nvCxnSpPr>
+          <p:spPr>
+            <a:xfrm>
+              <a:off x="4147150" y="4363895"/>
+              <a:ext cx="4569" cy="307667"/>
+            </a:xfrm>
+            <a:prstGeom prst="line">
+              <a:avLst/>
+            </a:prstGeom>
+            <a:ln w="28575">
+              <a:solidFill>
+                <a:schemeClr val="bg1">
+                  <a:lumMod val="50000"/>
+                </a:schemeClr>
+              </a:solidFill>
+            </a:ln>
+          </p:spPr>
+          <p:style>
+            <a:lnRef idx="1">
+              <a:schemeClr val="accent1"/>
+            </a:lnRef>
+            <a:fillRef idx="0">
+              <a:schemeClr val="accent1"/>
+            </a:fillRef>
+            <a:effectRef idx="0">
+              <a:schemeClr val="accent1"/>
+            </a:effectRef>
+            <a:fontRef idx="minor">
+              <a:schemeClr val="tx1"/>
+            </a:fontRef>
+          </p:style>
+        </p:cxnSp>
+        <p:sp>
+          <p:nvSpPr>
+            <p:cNvPr id="70" name="Abgerundetes Rechteck 69"/>
+            <p:cNvSpPr/>
+            <p:nvPr/>
+          </p:nvSpPr>
+          <p:spPr>
+            <a:xfrm>
+              <a:off x="3280210" y="1609782"/>
+              <a:ext cx="341630" cy="341630"/>
+            </a:xfrm>
+            <a:prstGeom prst="roundRect">
+              <a:avLst/>
+            </a:prstGeom>
+            <a:solidFill>
+              <a:schemeClr val="accent6"/>
+            </a:solidFill>
+            <a:ln>
+              <a:noFill/>
+            </a:ln>
+          </p:spPr>
+          <p:style>
+            <a:lnRef idx="2">
+              <a:schemeClr val="accent1">
+                <a:shade val="50000"/>
+              </a:schemeClr>
+            </a:lnRef>
+            <a:fillRef idx="1">
+              <a:schemeClr val="accent1"/>
+            </a:fillRef>
+            <a:effectRef idx="0">
+              <a:schemeClr val="accent1"/>
+            </a:effectRef>
+            <a:fontRef idx="minor">
+              <a:schemeClr val="lt1"/>
+            </a:fontRef>
+          </p:style>
+          <p:txBody>
+            <a:bodyPr rtlCol="0" anchor="ctr"/>
+            <a:lstStyle/>
+            <a:p>
+              <a:pPr algn="ctr"/>
+              <a:endParaRPr lang="de-DE"/>
+            </a:p>
+          </p:txBody>
+        </p:sp>
+        <p:sp>
+          <p:nvSpPr>
+            <p:cNvPr id="71" name="Abgerundetes Rechteck 70"/>
+            <p:cNvSpPr/>
+            <p:nvPr/>
+          </p:nvSpPr>
+          <p:spPr>
+            <a:xfrm>
+              <a:off x="3257034" y="3061518"/>
+              <a:ext cx="341630" cy="341630"/>
+            </a:xfrm>
+            <a:prstGeom prst="roundRect">
+              <a:avLst/>
+            </a:prstGeom>
+            <a:solidFill>
+              <a:schemeClr val="accent6"/>
+            </a:solidFill>
+            <a:ln>
+              <a:noFill/>
+            </a:ln>
+          </p:spPr>
+          <p:style>
+            <a:lnRef idx="2">
+              <a:schemeClr val="accent1">
+                <a:shade val="50000"/>
+              </a:schemeClr>
+            </a:lnRef>
+            <a:fillRef idx="1">
+              <a:schemeClr val="accent1"/>
+            </a:fillRef>
+            <a:effectRef idx="0">
+              <a:schemeClr val="accent1"/>
+            </a:effectRef>
+            <a:fontRef idx="minor">
+              <a:schemeClr val="lt1"/>
+            </a:fontRef>
+          </p:style>
+          <p:txBody>
+            <a:bodyPr rtlCol="0" anchor="ctr"/>
+            <a:lstStyle/>
+            <a:p>
+              <a:pPr algn="ctr"/>
+              <a:endParaRPr lang="de-DE"/>
+            </a:p>
+          </p:txBody>
+        </p:sp>
+        <p:sp>
+          <p:nvSpPr>
+            <p:cNvPr id="72" name="Abgerundetes Rechteck 71"/>
+            <p:cNvSpPr/>
+            <p:nvPr/>
+          </p:nvSpPr>
+          <p:spPr>
+            <a:xfrm>
+              <a:off x="3257040" y="3945628"/>
+              <a:ext cx="341630" cy="341630"/>
+            </a:xfrm>
+            <a:prstGeom prst="roundRect">
+              <a:avLst/>
+            </a:prstGeom>
+            <a:solidFill>
+              <a:schemeClr val="accent6"/>
+            </a:solidFill>
+            <a:ln>
+              <a:noFill/>
+            </a:ln>
+          </p:spPr>
+          <p:style>
+            <a:lnRef idx="2">
+              <a:schemeClr val="accent1">
+                <a:shade val="50000"/>
+              </a:schemeClr>
+            </a:lnRef>
+            <a:fillRef idx="1">
+              <a:schemeClr val="accent1"/>
+            </a:fillRef>
+            <a:effectRef idx="0">
+              <a:schemeClr val="accent1"/>
+            </a:effectRef>
+            <a:fontRef idx="minor">
+              <a:schemeClr val="lt1"/>
+            </a:fontRef>
+          </p:style>
+          <p:txBody>
+            <a:bodyPr rtlCol="0" anchor="ctr"/>
+            <a:lstStyle/>
+            <a:p>
+              <a:pPr algn="ctr"/>
+              <a:endParaRPr lang="de-DE"/>
+            </a:p>
+          </p:txBody>
+        </p:sp>
+        <p:sp>
+          <p:nvSpPr>
+            <p:cNvPr id="73" name="Abgerundetes Rechteck 72"/>
+            <p:cNvSpPr/>
+            <p:nvPr/>
+          </p:nvSpPr>
+          <p:spPr>
+            <a:xfrm>
+              <a:off x="4283907" y="3798811"/>
+              <a:ext cx="341630" cy="341630"/>
+            </a:xfrm>
+            <a:prstGeom prst="roundRect">
+              <a:avLst/>
+            </a:prstGeom>
+            <a:solidFill>
+              <a:schemeClr val="accent6"/>
+            </a:solidFill>
+            <a:ln>
+              <a:noFill/>
+            </a:ln>
+          </p:spPr>
+          <p:style>
+            <a:lnRef idx="2">
+              <a:schemeClr val="accent1">
+                <a:shade val="50000"/>
+              </a:schemeClr>
+            </a:lnRef>
+            <a:fillRef idx="1">
+              <a:schemeClr val="accent1"/>
+            </a:fillRef>
+            <a:effectRef idx="0">
+              <a:schemeClr val="accent1"/>
+            </a:effectRef>
+            <a:fontRef idx="minor">
+              <a:schemeClr val="lt1"/>
+            </a:fontRef>
+          </p:style>
+          <p:txBody>
+            <a:bodyPr rtlCol="0" anchor="ctr"/>
+            <a:lstStyle/>
+            <a:p>
+              <a:pPr algn="ctr"/>
+              <a:endParaRPr lang="de-DE"/>
+            </a:p>
+          </p:txBody>
+        </p:sp>
+      </p:grpSp>
+      <p:sp>
+        <p:nvSpPr>
+          <p:cNvPr id="45" name="Rechteck 44"/>
+          <p:cNvSpPr/>
+          <p:nvPr/>
+        </p:nvSpPr>
+        <p:spPr>
+          <a:xfrm>
+            <a:off x="776735" y="4106188"/>
+            <a:ext cx="2974252" cy="1648695"/>
+          </a:xfrm>
+          <a:prstGeom prst="rect">
+            <a:avLst/>
+          </a:prstGeom>
+          <a:noFill/>
+          <a:ln w="38100" cap="rnd">
+            <a:solidFill>
+              <a:srgbClr val="7030A0"/>
+            </a:solidFill>
+            <a:prstDash val="sysDot"/>
+          </a:ln>
+        </p:spPr>
+        <p:style>
+          <a:lnRef idx="2">
+            <a:schemeClr val="accent1">
+              <a:shade val="50000"/>
+            </a:schemeClr>
+          </a:lnRef>
+          <a:fillRef idx="1">
+            <a:schemeClr val="accent1"/>
+          </a:fillRef>
+          <a:effectRef idx="0">
+            <a:schemeClr val="accent1"/>
+          </a:effectRef>
+          <a:fontRef idx="minor">
+            <a:schemeClr val="lt1"/>
+          </a:fontRef>
+        </p:style>
+        <p:txBody>
+          <a:bodyPr rtlCol="0" anchor="ctr"/>
+          <a:lstStyle/>
+          <a:p>
+            <a:pPr algn="ctr"/>
+            <a:endParaRPr lang="de-DE"/>
+          </a:p>
+        </p:txBody>
+      </p:sp>
+      <p:sp>
+        <p:nvSpPr>
+          <p:cNvPr id="74" name="Textfeld 73"/>
+          <p:cNvSpPr txBox="1"/>
+          <p:nvPr/>
+        </p:nvSpPr>
+        <p:spPr>
+          <a:xfrm>
+            <a:off x="2543133" y="5114952"/>
+            <a:ext cx="1000595" cy="523220"/>
+          </a:xfrm>
+          <a:prstGeom prst="rect">
+            <a:avLst/>
+          </a:prstGeom>
+          <a:noFill/>
+        </p:spPr>
+        <p:txBody>
+          <a:bodyPr wrap="none" rtlCol="0">
+            <a:spAutoFit/>
+          </a:bodyPr>
+          <a:lstStyle/>
+          <a:p>
+            <a:r>
+              <a:rPr lang="de-DE" sz="1400" dirty="0" smtClean="0"/>
+              <a:t>In-Memory</a:t>
+            </a:r>
+          </a:p>
+          <a:p>
+            <a:r>
+              <a:rPr lang="de-DE" sz="1400" dirty="0" smtClean="0"/>
+              <a:t>Datenbank</a:t>
+            </a:r>
+            <a:endParaRPr lang="de-DE" sz="1400" dirty="0"/>
           </a:p>
         </p:txBody>
       </p:sp>
@@ -12525,120 +12577,6 @@
           </a:fontRef>
         </p:style>
       </p:cxnSp>
-      <p:sp>
-        <p:nvSpPr>
-          <p:cNvPr id="50" name="Freihandform 49"/>
-          <p:cNvSpPr/>
-          <p:nvPr/>
-        </p:nvSpPr>
-        <p:spPr>
-          <a:xfrm>
-            <a:off x="2377440" y="1772254"/>
-            <a:ext cx="3596640" cy="1859184"/>
-          </a:xfrm>
-          <a:custGeom>
-            <a:avLst/>
-            <a:gdLst>
-              <a:gd name="connsiteX0" fmla="*/ 0 w 3596640"/>
-              <a:gd name="connsiteY0" fmla="*/ 0 h 1815253"/>
-              <a:gd name="connsiteX1" fmla="*/ 0 w 3596640"/>
-              <a:gd name="connsiteY1" fmla="*/ 1815253 h 1815253"/>
-              <a:gd name="connsiteX2" fmla="*/ 3596640 w 3596640"/>
-              <a:gd name="connsiteY2" fmla="*/ 1815253 h 1815253"/>
-              <a:gd name="connsiteX3" fmla="*/ 3596640 w 3596640"/>
-              <a:gd name="connsiteY3" fmla="*/ 894080 h 1815253"/>
-              <a:gd name="connsiteX4" fmla="*/ 657013 w 3596640"/>
-              <a:gd name="connsiteY4" fmla="*/ 894080 h 1815253"/>
-              <a:gd name="connsiteX5" fmla="*/ 657013 w 3596640"/>
-              <a:gd name="connsiteY5" fmla="*/ 13546 h 1815253"/>
-              <a:gd name="connsiteX6" fmla="*/ 0 w 3596640"/>
-              <a:gd name="connsiteY6" fmla="*/ 0 h 1815253"/>
-            </a:gdLst>
-            <a:ahLst/>
-            <a:cxnLst>
-              <a:cxn ang="0">
-                <a:pos x="connsiteX0" y="connsiteY0"/>
-              </a:cxn>
-              <a:cxn ang="0">
-                <a:pos x="connsiteX1" y="connsiteY1"/>
-              </a:cxn>
-              <a:cxn ang="0">
-                <a:pos x="connsiteX2" y="connsiteY2"/>
-              </a:cxn>
-              <a:cxn ang="0">
-                <a:pos x="connsiteX3" y="connsiteY3"/>
-              </a:cxn>
-              <a:cxn ang="0">
-                <a:pos x="connsiteX4" y="connsiteY4"/>
-              </a:cxn>
-              <a:cxn ang="0">
-                <a:pos x="connsiteX5" y="connsiteY5"/>
-              </a:cxn>
-              <a:cxn ang="0">
-                <a:pos x="connsiteX6" y="connsiteY6"/>
-              </a:cxn>
-            </a:cxnLst>
-            <a:rect l="l" t="t" r="r" b="b"/>
-            <a:pathLst>
-              <a:path w="3596640" h="1815253">
-                <a:moveTo>
-                  <a:pt x="0" y="0"/>
-                </a:moveTo>
-                <a:lnTo>
-                  <a:pt x="0" y="1815253"/>
-                </a:lnTo>
-                <a:lnTo>
-                  <a:pt x="3596640" y="1815253"/>
-                </a:lnTo>
-                <a:lnTo>
-                  <a:pt x="3596640" y="894080"/>
-                </a:lnTo>
-                <a:lnTo>
-                  <a:pt x="657013" y="894080"/>
-                </a:lnTo>
-                <a:lnTo>
-                  <a:pt x="657013" y="13546"/>
-                </a:lnTo>
-                <a:lnTo>
-                  <a:pt x="0" y="0"/>
-                </a:lnTo>
-                <a:close/>
-              </a:path>
-            </a:pathLst>
-          </a:custGeom>
-          <a:noFill/>
-          <a:ln w="38100" cap="rnd">
-            <a:solidFill>
-              <a:srgbClr val="7030A0"/>
-            </a:solidFill>
-            <a:prstDash val="sysDot"/>
-          </a:ln>
-        </p:spPr>
-        <p:style>
-          <a:lnRef idx="2">
-            <a:schemeClr val="accent1">
-              <a:shade val="50000"/>
-            </a:schemeClr>
-          </a:lnRef>
-          <a:fillRef idx="1">
-            <a:schemeClr val="accent1"/>
-          </a:fillRef>
-          <a:effectRef idx="0">
-            <a:schemeClr val="accent1"/>
-          </a:effectRef>
-          <a:fontRef idx="minor">
-            <a:schemeClr val="lt1"/>
-          </a:fontRef>
-        </p:style>
-        <p:txBody>
-          <a:bodyPr rtlCol="0" anchor="ctr"/>
-          <a:lstStyle/>
-          <a:p>
-            <a:pPr algn="ctr"/>
-            <a:endParaRPr lang="de-DE"/>
-          </a:p>
-        </p:txBody>
-      </p:sp>
       <p:sp>
         <p:nvSpPr>
           <p:cNvPr id="51" name="Rechteck 50"/>

--- a/images/ppt/graphics.pptx
+++ b/images/ppt/graphics.pptx
@@ -8432,98 +8432,6 @@
         </p:sp>
         <p:sp>
           <p:nvSpPr>
-            <p:cNvPr id="38" name="Abgerundetes Rechteck 37"/>
-            <p:cNvSpPr/>
-            <p:nvPr/>
-          </p:nvSpPr>
-          <p:spPr>
-            <a:xfrm>
-              <a:off x="3257034" y="3061518"/>
-              <a:ext cx="341630" cy="341630"/>
-            </a:xfrm>
-            <a:prstGeom prst="roundRect">
-              <a:avLst/>
-            </a:prstGeom>
-            <a:solidFill>
-              <a:schemeClr val="accent6"/>
-            </a:solidFill>
-            <a:ln>
-              <a:noFill/>
-            </a:ln>
-          </p:spPr>
-          <p:style>
-            <a:lnRef idx="2">
-              <a:schemeClr val="accent1">
-                <a:shade val="50000"/>
-              </a:schemeClr>
-            </a:lnRef>
-            <a:fillRef idx="1">
-              <a:schemeClr val="accent1"/>
-            </a:fillRef>
-            <a:effectRef idx="0">
-              <a:schemeClr val="accent1"/>
-            </a:effectRef>
-            <a:fontRef idx="minor">
-              <a:schemeClr val="lt1"/>
-            </a:fontRef>
-          </p:style>
-          <p:txBody>
-            <a:bodyPr rtlCol="0" anchor="ctr"/>
-            <a:lstStyle/>
-            <a:p>
-              <a:pPr algn="ctr"/>
-              <a:endParaRPr lang="de-DE"/>
-            </a:p>
-          </p:txBody>
-        </p:sp>
-        <p:sp>
-          <p:nvSpPr>
-            <p:cNvPr id="39" name="Abgerundetes Rechteck 38"/>
-            <p:cNvSpPr/>
-            <p:nvPr/>
-          </p:nvSpPr>
-          <p:spPr>
-            <a:xfrm>
-              <a:off x="3257040" y="3945628"/>
-              <a:ext cx="341630" cy="341630"/>
-            </a:xfrm>
-            <a:prstGeom prst="roundRect">
-              <a:avLst/>
-            </a:prstGeom>
-            <a:solidFill>
-              <a:schemeClr val="accent6"/>
-            </a:solidFill>
-            <a:ln>
-              <a:noFill/>
-            </a:ln>
-          </p:spPr>
-          <p:style>
-            <a:lnRef idx="2">
-              <a:schemeClr val="accent1">
-                <a:shade val="50000"/>
-              </a:schemeClr>
-            </a:lnRef>
-            <a:fillRef idx="1">
-              <a:schemeClr val="accent1"/>
-            </a:fillRef>
-            <a:effectRef idx="0">
-              <a:schemeClr val="accent1"/>
-            </a:effectRef>
-            <a:fontRef idx="minor">
-              <a:schemeClr val="lt1"/>
-            </a:fontRef>
-          </p:style>
-          <p:txBody>
-            <a:bodyPr rtlCol="0" anchor="ctr"/>
-            <a:lstStyle/>
-            <a:p>
-              <a:pPr algn="ctr"/>
-              <a:endParaRPr lang="de-DE"/>
-            </a:p>
-          </p:txBody>
-        </p:sp>
-        <p:sp>
-          <p:nvSpPr>
             <p:cNvPr id="43" name="Abgerundetes Rechteck 42"/>
             <p:cNvSpPr/>
             <p:nvPr/>
@@ -10269,98 +10177,6 @@
         </p:sp>
         <p:sp>
           <p:nvSpPr>
-            <p:cNvPr id="71" name="Abgerundetes Rechteck 70"/>
-            <p:cNvSpPr/>
-            <p:nvPr/>
-          </p:nvSpPr>
-          <p:spPr>
-            <a:xfrm>
-              <a:off x="3257034" y="3061518"/>
-              <a:ext cx="341630" cy="341630"/>
-            </a:xfrm>
-            <a:prstGeom prst="roundRect">
-              <a:avLst/>
-            </a:prstGeom>
-            <a:solidFill>
-              <a:schemeClr val="accent6"/>
-            </a:solidFill>
-            <a:ln>
-              <a:noFill/>
-            </a:ln>
-          </p:spPr>
-          <p:style>
-            <a:lnRef idx="2">
-              <a:schemeClr val="accent1">
-                <a:shade val="50000"/>
-              </a:schemeClr>
-            </a:lnRef>
-            <a:fillRef idx="1">
-              <a:schemeClr val="accent1"/>
-            </a:fillRef>
-            <a:effectRef idx="0">
-              <a:schemeClr val="accent1"/>
-            </a:effectRef>
-            <a:fontRef idx="minor">
-              <a:schemeClr val="lt1"/>
-            </a:fontRef>
-          </p:style>
-          <p:txBody>
-            <a:bodyPr rtlCol="0" anchor="ctr"/>
-            <a:lstStyle/>
-            <a:p>
-              <a:pPr algn="ctr"/>
-              <a:endParaRPr lang="de-DE"/>
-            </a:p>
-          </p:txBody>
-        </p:sp>
-        <p:sp>
-          <p:nvSpPr>
-            <p:cNvPr id="72" name="Abgerundetes Rechteck 71"/>
-            <p:cNvSpPr/>
-            <p:nvPr/>
-          </p:nvSpPr>
-          <p:spPr>
-            <a:xfrm>
-              <a:off x="3257040" y="3945628"/>
-              <a:ext cx="341630" cy="341630"/>
-            </a:xfrm>
-            <a:prstGeom prst="roundRect">
-              <a:avLst/>
-            </a:prstGeom>
-            <a:solidFill>
-              <a:schemeClr val="accent6"/>
-            </a:solidFill>
-            <a:ln>
-              <a:noFill/>
-            </a:ln>
-          </p:spPr>
-          <p:style>
-            <a:lnRef idx="2">
-              <a:schemeClr val="accent1">
-                <a:shade val="50000"/>
-              </a:schemeClr>
-            </a:lnRef>
-            <a:fillRef idx="1">
-              <a:schemeClr val="accent1"/>
-            </a:fillRef>
-            <a:effectRef idx="0">
-              <a:schemeClr val="accent1"/>
-            </a:effectRef>
-            <a:fontRef idx="minor">
-              <a:schemeClr val="lt1"/>
-            </a:fontRef>
-          </p:style>
-          <p:txBody>
-            <a:bodyPr rtlCol="0" anchor="ctr"/>
-            <a:lstStyle/>
-            <a:p>
-              <a:pPr algn="ctr"/>
-              <a:endParaRPr lang="de-DE"/>
-            </a:p>
-          </p:txBody>
-        </p:sp>
-        <p:sp>
-          <p:nvSpPr>
             <p:cNvPr id="73" name="Abgerundetes Rechteck 72"/>
             <p:cNvSpPr/>
             <p:nvPr/>
@@ -10408,18 +10224,87 @@
       </p:grpSp>
       <p:sp>
         <p:nvSpPr>
-          <p:cNvPr id="45" name="Rechteck 44"/>
+          <p:cNvPr id="4" name="Freihandform 3"/>
           <p:cNvSpPr/>
           <p:nvPr/>
         </p:nvSpPr>
         <p:spPr>
           <a:xfrm>
-            <a:off x="776735" y="4106188"/>
-            <a:ext cx="2974252" cy="1648695"/>
+            <a:off x="706295" y="2711669"/>
+            <a:ext cx="3071123" cy="3039592"/>
           </a:xfrm>
-          <a:prstGeom prst="rect">
+          <a:custGeom>
             <a:avLst/>
-          </a:prstGeom>
+            <a:gdLst>
+              <a:gd name="connsiteX0" fmla="*/ 0 w 3071123"/>
+              <a:gd name="connsiteY0" fmla="*/ 0 h 3039592"/>
+              <a:gd name="connsiteX1" fmla="*/ 2472033 w 3071123"/>
+              <a:gd name="connsiteY1" fmla="*/ 0 h 3039592"/>
+              <a:gd name="connsiteX2" fmla="*/ 2472033 w 3071123"/>
+              <a:gd name="connsiteY2" fmla="*/ 1381059 h 3039592"/>
+              <a:gd name="connsiteX3" fmla="*/ 3071123 w 3071123"/>
+              <a:gd name="connsiteY3" fmla="*/ 1381059 h 3039592"/>
+              <a:gd name="connsiteX4" fmla="*/ 3071123 w 3071123"/>
+              <a:gd name="connsiteY4" fmla="*/ 3039592 h 3039592"/>
+              <a:gd name="connsiteX5" fmla="*/ 12613 w 3071123"/>
+              <a:gd name="connsiteY5" fmla="*/ 3039592 h 3039592"/>
+              <a:gd name="connsiteX6" fmla="*/ 0 w 3071123"/>
+              <a:gd name="connsiteY6" fmla="*/ 0 h 3039592"/>
+            </a:gdLst>
+            <a:ahLst/>
+            <a:cxnLst>
+              <a:cxn ang="0">
+                <a:pos x="connsiteX0" y="connsiteY0"/>
+              </a:cxn>
+              <a:cxn ang="0">
+                <a:pos x="connsiteX1" y="connsiteY1"/>
+              </a:cxn>
+              <a:cxn ang="0">
+                <a:pos x="connsiteX2" y="connsiteY2"/>
+              </a:cxn>
+              <a:cxn ang="0">
+                <a:pos x="connsiteX3" y="connsiteY3"/>
+              </a:cxn>
+              <a:cxn ang="0">
+                <a:pos x="connsiteX4" y="connsiteY4"/>
+              </a:cxn>
+              <a:cxn ang="0">
+                <a:pos x="connsiteX5" y="connsiteY5"/>
+              </a:cxn>
+              <a:cxn ang="0">
+                <a:pos x="connsiteX6" y="connsiteY6"/>
+              </a:cxn>
+            </a:cxnLst>
+            <a:rect l="l" t="t" r="r" b="b"/>
+            <a:pathLst>
+              <a:path w="3071123" h="3039592">
+                <a:moveTo>
+                  <a:pt x="0" y="0"/>
+                </a:moveTo>
+                <a:lnTo>
+                  <a:pt x="2472033" y="0"/>
+                </a:lnTo>
+                <a:lnTo>
+                  <a:pt x="2472033" y="1381059"/>
+                </a:lnTo>
+                <a:lnTo>
+                  <a:pt x="3071123" y="1381059"/>
+                </a:lnTo>
+                <a:lnTo>
+                  <a:pt x="3071123" y="3039592"/>
+                </a:lnTo>
+                <a:lnTo>
+                  <a:pt x="12613" y="3039592"/>
+                </a:lnTo>
+                <a:cubicBezTo>
+                  <a:pt x="8409" y="2026395"/>
+                  <a:pt x="4204" y="1013197"/>
+                  <a:pt x="0" y="0"/>
+                </a:cubicBezTo>
+                <a:close/>
+              </a:path>
+            </a:pathLst>
+          </a:custGeom>
           <a:noFill/>
           <a:ln w="38100" cap="rnd">
             <a:solidFill>
@@ -19996,7 +19881,7 @@
         </p:nvSpPr>
         <p:spPr>
           <a:xfrm>
-            <a:off x="539270" y="3832642"/>
+            <a:off x="547194" y="3794940"/>
             <a:ext cx="631065" cy="1299590"/>
           </a:xfrm>
           <a:prstGeom prst="rect">
@@ -20131,7 +20016,7 @@
         </p:nvSpPr>
         <p:spPr>
           <a:xfrm>
-            <a:off x="1934865" y="3832641"/>
+            <a:off x="1934863" y="3821563"/>
             <a:ext cx="631065" cy="1467015"/>
           </a:xfrm>
           <a:prstGeom prst="rect">

--- a/images/ppt/graphics.pptx
+++ b/images/ppt/graphics.pptx
@@ -13662,8 +13662,8 @@
         </p:nvSpPr>
         <p:spPr>
           <a:xfrm>
-            <a:off x="1293395" y="3827226"/>
-            <a:ext cx="1175084" cy="830997"/>
+            <a:off x="1293395" y="3919559"/>
+            <a:ext cx="1175084" cy="461665"/>
           </a:xfrm>
           <a:prstGeom prst="rect">
             <a:avLst/>
@@ -13671,7 +13671,7 @@
           <a:noFill/>
         </p:spPr>
         <p:txBody>
-          <a:bodyPr wrap="square" rtlCol="0">
+          <a:bodyPr wrap="square" rtlCol="0" anchor="ctr">
             <a:spAutoFit/>
           </a:bodyPr>
           <a:lstStyle/>
@@ -13684,17 +13684,12 @@
           <a:p>
             <a:r>
               <a:rPr lang="en-US" sz="1200" dirty="0"/>
-              <a:t>"name": “Joe",</a:t>
+              <a:t>"name": “</a:t>
             </a:r>
-          </a:p>
-          <a:p>
             <a:r>
-              <a:rPr lang="en-US" sz="1200" dirty="0"/>
-              <a:t>"age": 24 }</a:t>
+              <a:rPr lang="en-US" sz="1200" dirty="0" smtClean="0"/>
+              <a:t>Joe“}</a:t>
             </a:r>
-            <a:endParaRPr lang="de-DE" sz="1200" dirty="0"/>
-          </a:p>
-          <a:p>
             <a:endParaRPr lang="de-DE" sz="1200" dirty="0"/>
           </a:p>
         </p:txBody>
@@ -13707,8 +13702,8 @@
         </p:nvSpPr>
         <p:spPr>
           <a:xfrm>
-            <a:off x="3982453" y="3827225"/>
-            <a:ext cx="1175084" cy="830997"/>
+            <a:off x="3982453" y="3919558"/>
+            <a:ext cx="1175084" cy="461665"/>
           </a:xfrm>
           <a:prstGeom prst="rect">
             <a:avLst/>
@@ -13716,30 +13711,27 @@
           <a:noFill/>
         </p:spPr>
         <p:txBody>
-          <a:bodyPr wrap="square" rtlCol="0">
+          <a:bodyPr wrap="square" rtlCol="0" anchor="ctr">
             <a:spAutoFit/>
           </a:bodyPr>
           <a:lstStyle/>
           <a:p>
             <a:r>
               <a:rPr lang="en-US" sz="1200" dirty="0"/>
-              <a:t>{ "id":5,</a:t>
+              <a:t>{ "id":5</a:t>
             </a:r>
-          </a:p>
-          <a:p>
+            <a:r>
+              <a:rPr lang="en-US" sz="1200" dirty="0" smtClean="0"/>
+              <a:t>, "</a:t>
+            </a:r>
             <a:r>
               <a:rPr lang="en-US" sz="1200" dirty="0"/>
-              <a:t>"name": “Joe",</a:t>
+              <a:t>age": 24 </a:t>
             </a:r>
-          </a:p>
-          <a:p>
             <a:r>
-              <a:rPr lang="en-US" sz="1200" dirty="0"/>
-              <a:t>"age": 24 }</a:t>
+              <a:rPr lang="en-US" sz="1200" dirty="0" smtClean="0"/>
+              <a:t>}</a:t>
             </a:r>
-            <a:endParaRPr lang="de-DE" sz="1200" dirty="0"/>
-          </a:p>
-          <a:p>
             <a:endParaRPr lang="de-DE" sz="1200" dirty="0"/>
           </a:p>
         </p:txBody>
@@ -13801,7 +13793,7 @@
         <p:spPr>
           <a:xfrm flipV="1">
             <a:off x="1880937" y="2204203"/>
-            <a:ext cx="2101516" cy="1623023"/>
+            <a:ext cx="2101516" cy="1715356"/>
           </a:xfrm>
           <a:prstGeom prst="line">
             <a:avLst/>
@@ -13835,7 +13827,7 @@
         <p:spPr>
           <a:xfrm flipV="1">
             <a:off x="4569995" y="2619701"/>
-            <a:ext cx="0" cy="1207524"/>
+            <a:ext cx="0" cy="1299857"/>
           </a:xfrm>
           <a:prstGeom prst="line">
             <a:avLst/>

--- a/images/ppt/graphics.pptx
+++ b/images/ppt/graphics.pptx
@@ -216,7 +216,7 @@
           <a:p>
             <a:fld id="{188F6163-F954-4171-86F8-919C3805A43A}" type="datetimeFigureOut">
               <a:rPr lang="de-DE" smtClean="0"/>
-              <a:t>26.01.2017</a:t>
+              <a:t>31.01.2017</a:t>
             </a:fld>
             <a:endParaRPr lang="de-DE"/>
           </a:p>
@@ -2423,7 +2423,7 @@
           <a:p>
             <a:fld id="{6E727812-5F0F-454E-BB06-65ACDB23CEDF}" type="datetimeFigureOut">
               <a:rPr lang="de-DE" smtClean="0"/>
-              <a:t>26.01.2017</a:t>
+              <a:t>31.01.2017</a:t>
             </a:fld>
             <a:endParaRPr lang="de-DE"/>
           </a:p>
@@ -2600,7 +2600,7 @@
           <a:p>
             <a:fld id="{6E727812-5F0F-454E-BB06-65ACDB23CEDF}" type="datetimeFigureOut">
               <a:rPr lang="de-DE" smtClean="0"/>
-              <a:t>26.01.2017</a:t>
+              <a:t>31.01.2017</a:t>
             </a:fld>
             <a:endParaRPr lang="de-DE"/>
           </a:p>
@@ -2780,7 +2780,7 @@
           <a:p>
             <a:fld id="{6E727812-5F0F-454E-BB06-65ACDB23CEDF}" type="datetimeFigureOut">
               <a:rPr lang="de-DE" smtClean="0"/>
-              <a:t>26.01.2017</a:t>
+              <a:t>31.01.2017</a:t>
             </a:fld>
             <a:endParaRPr lang="de-DE"/>
           </a:p>
@@ -2950,7 +2950,7 @@
           <a:p>
             <a:fld id="{6E727812-5F0F-454E-BB06-65ACDB23CEDF}" type="datetimeFigureOut">
               <a:rPr lang="de-DE" smtClean="0"/>
-              <a:t>26.01.2017</a:t>
+              <a:t>31.01.2017</a:t>
             </a:fld>
             <a:endParaRPr lang="de-DE"/>
           </a:p>
@@ -3194,7 +3194,7 @@
           <a:p>
             <a:fld id="{6E727812-5F0F-454E-BB06-65ACDB23CEDF}" type="datetimeFigureOut">
               <a:rPr lang="de-DE" smtClean="0"/>
-              <a:t>26.01.2017</a:t>
+              <a:t>31.01.2017</a:t>
             </a:fld>
             <a:endParaRPr lang="de-DE"/>
           </a:p>
@@ -3426,7 +3426,7 @@
           <a:p>
             <a:fld id="{6E727812-5F0F-454E-BB06-65ACDB23CEDF}" type="datetimeFigureOut">
               <a:rPr lang="de-DE" smtClean="0"/>
-              <a:t>26.01.2017</a:t>
+              <a:t>31.01.2017</a:t>
             </a:fld>
             <a:endParaRPr lang="de-DE"/>
           </a:p>
@@ -3793,7 +3793,7 @@
           <a:p>
             <a:fld id="{6E727812-5F0F-454E-BB06-65ACDB23CEDF}" type="datetimeFigureOut">
               <a:rPr lang="de-DE" smtClean="0"/>
-              <a:t>26.01.2017</a:t>
+              <a:t>31.01.2017</a:t>
             </a:fld>
             <a:endParaRPr lang="de-DE"/>
           </a:p>
@@ -3911,7 +3911,7 @@
           <a:p>
             <a:fld id="{6E727812-5F0F-454E-BB06-65ACDB23CEDF}" type="datetimeFigureOut">
               <a:rPr lang="de-DE" smtClean="0"/>
-              <a:t>26.01.2017</a:t>
+              <a:t>31.01.2017</a:t>
             </a:fld>
             <a:endParaRPr lang="de-DE"/>
           </a:p>
@@ -4006,7 +4006,7 @@
           <a:p>
             <a:fld id="{6E727812-5F0F-454E-BB06-65ACDB23CEDF}" type="datetimeFigureOut">
               <a:rPr lang="de-DE" smtClean="0"/>
-              <a:t>26.01.2017</a:t>
+              <a:t>31.01.2017</a:t>
             </a:fld>
             <a:endParaRPr lang="de-DE"/>
           </a:p>
@@ -4283,7 +4283,7 @@
           <a:p>
             <a:fld id="{6E727812-5F0F-454E-BB06-65ACDB23CEDF}" type="datetimeFigureOut">
               <a:rPr lang="de-DE" smtClean="0"/>
-              <a:t>26.01.2017</a:t>
+              <a:t>31.01.2017</a:t>
             </a:fld>
             <a:endParaRPr lang="de-DE"/>
           </a:p>
@@ -4540,7 +4540,7 @@
           <a:p>
             <a:fld id="{6E727812-5F0F-454E-BB06-65ACDB23CEDF}" type="datetimeFigureOut">
               <a:rPr lang="de-DE" smtClean="0"/>
-              <a:t>26.01.2017</a:t>
+              <a:t>31.01.2017</a:t>
             </a:fld>
             <a:endParaRPr lang="de-DE"/>
           </a:p>
@@ -4753,7 +4753,7 @@
           <a:p>
             <a:fld id="{6E727812-5F0F-454E-BB06-65ACDB23CEDF}" type="datetimeFigureOut">
               <a:rPr lang="de-DE" smtClean="0"/>
-              <a:t>26.01.2017</a:t>
+              <a:t>31.01.2017</a:t>
             </a:fld>
             <a:endParaRPr lang="de-DE"/>
           </a:p>
@@ -17827,13 +17827,6 @@
                 <a:solidFill>
                   <a:schemeClr val="accent1"/>
                 </a:solidFill>
-                <a:effectLst>
-                  <a:outerShdw blurRad="38100" dist="25400" dir="5400000" algn="ctr" rotWithShape="0">
-                    <a:srgbClr val="6E747A">
-                      <a:alpha val="43000"/>
-                    </a:srgbClr>
-                  </a:outerShdw>
-                </a:effectLst>
               </a:rPr>
               <a:t>GET  /</a:t>
             </a:r>
@@ -17843,13 +17836,6 @@
                 <a:solidFill>
                   <a:schemeClr val="accent1"/>
                 </a:solidFill>
-                <a:effectLst>
-                  <a:outerShdw blurRad="38100" dist="25400" dir="5400000" algn="ctr" rotWithShape="0">
-                    <a:srgbClr val="6E747A">
-                      <a:alpha val="43000"/>
-                    </a:srgbClr>
-                  </a:outerShdw>
-                </a:effectLst>
               </a:rPr>
               <a:t>movieservice</a:t>
             </a:r>
@@ -17859,13 +17845,6 @@
                 <a:solidFill>
                   <a:schemeClr val="accent1"/>
                 </a:solidFill>
-                <a:effectLst>
-                  <a:outerShdw blurRad="38100" dist="25400" dir="5400000" algn="ctr" rotWithShape="0">
-                    <a:srgbClr val="6E747A">
-                      <a:alpha val="43000"/>
-                    </a:srgbClr>
-                  </a:outerShdw>
-                </a:effectLst>
               </a:rPr>
               <a:t>/</a:t>
             </a:r>
@@ -17875,13 +17854,6 @@
                 <a:solidFill>
                   <a:schemeClr val="accent1"/>
                 </a:solidFill>
-                <a:effectLst>
-                  <a:outerShdw blurRad="38100" dist="25400" dir="5400000" algn="ctr" rotWithShape="0">
-                    <a:srgbClr val="6E747A">
-                      <a:alpha val="43000"/>
-                    </a:srgbClr>
-                  </a:outerShdw>
-                </a:effectLst>
               </a:rPr>
               <a:t>movies</a:t>
             </a:r>
@@ -17891,13 +17863,6 @@
                 <a:solidFill>
                   <a:schemeClr val="accent1"/>
                 </a:solidFill>
-                <a:effectLst>
-                  <a:outerShdw blurRad="38100" dist="25400" dir="5400000" algn="ctr" rotWithShape="0">
-                    <a:srgbClr val="6E747A">
-                      <a:alpha val="43000"/>
-                    </a:srgbClr>
-                  </a:outerShdw>
-                </a:effectLst>
               </a:rPr>
               <a:t>/MV004</a:t>
             </a:r>
@@ -17906,13 +17871,6 @@
               <a:solidFill>
                 <a:schemeClr val="accent1"/>
               </a:solidFill>
-              <a:effectLst>
-                <a:outerShdw blurRad="38100" dist="25400" dir="5400000" algn="ctr" rotWithShape="0">
-                  <a:srgbClr val="6E747A">
-                    <a:alpha val="43000"/>
-                  </a:srgbClr>
-                </a:outerShdw>
-              </a:effectLst>
             </a:endParaRPr>
           </a:p>
         </p:txBody>
@@ -18213,13 +18171,6 @@
                 <a:solidFill>
                   <a:schemeClr val="accent2"/>
                 </a:solidFill>
-                <a:effectLst>
-                  <a:outerShdw blurRad="38100" dist="25400" dir="5400000" algn="ctr" rotWithShape="0">
-                    <a:srgbClr val="6E747A">
-                      <a:alpha val="43000"/>
-                    </a:srgbClr>
-                  </a:outerShdw>
-                </a:effectLst>
               </a:rPr>
               <a:t>HTTP/1.1 200 OK</a:t>
             </a:r>
@@ -18230,13 +18181,6 @@
               <a:solidFill>
                 <a:schemeClr val="accent2"/>
               </a:solidFill>
-              <a:effectLst>
-                <a:outerShdw blurRad="38100" dist="25400" dir="5400000" algn="ctr" rotWithShape="0">
-                  <a:srgbClr val="6E747A">
-                    <a:alpha val="43000"/>
-                  </a:srgbClr>
-                </a:outerShdw>
-              </a:effectLst>
             </a:endParaRPr>
           </a:p>
           <a:p>
@@ -18246,13 +18190,6 @@
                 <a:solidFill>
                   <a:schemeClr val="accent2"/>
                 </a:solidFill>
-                <a:effectLst>
-                  <a:outerShdw blurRad="38100" dist="25400" dir="5400000" algn="ctr" rotWithShape="0">
-                    <a:srgbClr val="6E747A">
-                      <a:alpha val="43000"/>
-                    </a:srgbClr>
-                  </a:outerShdw>
-                </a:effectLst>
               </a:rPr>
               <a:t>&lt;?</a:t>
             </a:r>
@@ -18262,13 +18199,6 @@
                 <a:solidFill>
                   <a:schemeClr val="accent2"/>
                 </a:solidFill>
-                <a:effectLst>
-                  <a:outerShdw blurRad="38100" dist="25400" dir="5400000" algn="ctr" rotWithShape="0">
-                    <a:srgbClr val="6E747A">
-                      <a:alpha val="43000"/>
-                    </a:srgbClr>
-                  </a:outerShdw>
-                </a:effectLst>
               </a:rPr>
               <a:t>xml</a:t>
             </a:r>
@@ -18278,13 +18208,6 @@
                 <a:solidFill>
                   <a:schemeClr val="accent2"/>
                 </a:solidFill>
-                <a:effectLst>
-                  <a:outerShdw blurRad="38100" dist="25400" dir="5400000" algn="ctr" rotWithShape="0">
-                    <a:srgbClr val="6E747A">
-                      <a:alpha val="43000"/>
-                    </a:srgbClr>
-                  </a:outerShdw>
-                </a:effectLst>
               </a:rPr>
               <a:t> </a:t>
             </a:r>
@@ -18294,13 +18217,6 @@
                 <a:solidFill>
                   <a:schemeClr val="accent2"/>
                 </a:solidFill>
-                <a:effectLst>
-                  <a:outerShdw blurRad="38100" dist="25400" dir="5400000" algn="ctr" rotWithShape="0">
-                    <a:srgbClr val="6E747A">
-                      <a:alpha val="43000"/>
-                    </a:srgbClr>
-                  </a:outerShdw>
-                </a:effectLst>
               </a:rPr>
               <a:t>version</a:t>
             </a:r>
@@ -18310,13 +18226,6 @@
                 <a:solidFill>
                   <a:schemeClr val="accent2"/>
                 </a:solidFill>
-                <a:effectLst>
-                  <a:outerShdw blurRad="38100" dist="25400" dir="5400000" algn="ctr" rotWithShape="0">
-                    <a:srgbClr val="6E747A">
-                      <a:alpha val="43000"/>
-                    </a:srgbClr>
-                  </a:outerShdw>
-                </a:effectLst>
               </a:rPr>
               <a:t>=„1.0“ </a:t>
             </a:r>
@@ -18326,13 +18235,6 @@
                 <a:solidFill>
                   <a:schemeClr val="accent2"/>
                 </a:solidFill>
-                <a:effectLst>
-                  <a:outerShdw blurRad="38100" dist="25400" dir="5400000" algn="ctr" rotWithShape="0">
-                    <a:srgbClr val="6E747A">
-                      <a:alpha val="43000"/>
-                    </a:srgbClr>
-                  </a:outerShdw>
-                </a:effectLst>
               </a:rPr>
               <a:t>encoding</a:t>
             </a:r>
@@ -18342,13 +18244,6 @@
                 <a:solidFill>
                   <a:schemeClr val="accent2"/>
                 </a:solidFill>
-                <a:effectLst>
-                  <a:outerShdw blurRad="38100" dist="25400" dir="5400000" algn="ctr" rotWithShape="0">
-                    <a:srgbClr val="6E747A">
-                      <a:alpha val="43000"/>
-                    </a:srgbClr>
-                  </a:outerShdw>
-                </a:effectLst>
               </a:rPr>
               <a:t>=„UTF-8“&gt;</a:t>
             </a:r>
@@ -18360,13 +18255,6 @@
                 <a:solidFill>
                   <a:schemeClr val="accent2"/>
                 </a:solidFill>
-                <a:effectLst>
-                  <a:outerShdw blurRad="38100" dist="25400" dir="5400000" algn="ctr" rotWithShape="0">
-                    <a:srgbClr val="6E747A">
-                      <a:alpha val="43000"/>
-                    </a:srgbClr>
-                  </a:outerShdw>
-                </a:effectLst>
               </a:rPr>
               <a:t>&lt;Movie&gt;</a:t>
             </a:r>
@@ -18378,13 +18266,6 @@
                 <a:solidFill>
                   <a:schemeClr val="accent2"/>
                 </a:solidFill>
-                <a:effectLst>
-                  <a:outerShdw blurRad="38100" dist="25400" dir="5400000" algn="ctr" rotWithShape="0">
-                    <a:srgbClr val="6E747A">
-                      <a:alpha val="43000"/>
-                    </a:srgbClr>
-                  </a:outerShdw>
-                </a:effectLst>
               </a:rPr>
               <a:t>	&lt;</a:t>
             </a:r>
@@ -18394,13 +18275,6 @@
                 <a:solidFill>
                   <a:schemeClr val="accent2"/>
                 </a:solidFill>
-                <a:effectLst>
-                  <a:outerShdw blurRad="38100" dist="25400" dir="5400000" algn="ctr" rotWithShape="0">
-                    <a:srgbClr val="6E747A">
-                      <a:alpha val="43000"/>
-                    </a:srgbClr>
-                  </a:outerShdw>
-                </a:effectLst>
               </a:rPr>
               <a:t>director</a:t>
             </a:r>
@@ -18410,13 +18284,6 @@
                 <a:solidFill>
                   <a:schemeClr val="accent2"/>
                 </a:solidFill>
-                <a:effectLst>
-                  <a:outerShdw blurRad="38100" dist="25400" dir="5400000" algn="ctr" rotWithShape="0">
-                    <a:srgbClr val="6E747A">
-                      <a:alpha val="43000"/>
-                    </a:srgbClr>
-                  </a:outerShdw>
-                </a:effectLst>
               </a:rPr>
               <a:t>&gt;Roberto&lt;/</a:t>
             </a:r>
@@ -18426,13 +18293,6 @@
                 <a:solidFill>
                   <a:schemeClr val="accent2"/>
                 </a:solidFill>
-                <a:effectLst>
-                  <a:outerShdw blurRad="38100" dist="25400" dir="5400000" algn="ctr" rotWithShape="0">
-                    <a:srgbClr val="6E747A">
-                      <a:alpha val="43000"/>
-                    </a:srgbClr>
-                  </a:outerShdw>
-                </a:effectLst>
               </a:rPr>
               <a:t>director</a:t>
             </a:r>
@@ -18442,13 +18302,6 @@
                 <a:solidFill>
                   <a:schemeClr val="accent2"/>
                 </a:solidFill>
-                <a:effectLst>
-                  <a:outerShdw blurRad="38100" dist="25400" dir="5400000" algn="ctr" rotWithShape="0">
-                    <a:srgbClr val="6E747A">
-                      <a:alpha val="43000"/>
-                    </a:srgbClr>
-                  </a:outerShdw>
-                </a:effectLst>
               </a:rPr>
               <a:t>&gt;</a:t>
             </a:r>
@@ -18460,13 +18313,6 @@
                 <a:solidFill>
                   <a:schemeClr val="accent2"/>
                 </a:solidFill>
-                <a:effectLst>
-                  <a:outerShdw blurRad="38100" dist="25400" dir="5400000" algn="ctr" rotWithShape="0">
-                    <a:srgbClr val="6E747A">
-                      <a:alpha val="43000"/>
-                    </a:srgbClr>
-                  </a:outerShdw>
-                </a:effectLst>
               </a:rPr>
               <a:t>	&lt;</a:t>
             </a:r>
@@ -18476,13 +18322,6 @@
                 <a:solidFill>
                   <a:schemeClr val="accent2"/>
                 </a:solidFill>
-                <a:effectLst>
-                  <a:outerShdw blurRad="38100" dist="25400" dir="5400000" algn="ctr" rotWithShape="0">
-                    <a:srgbClr val="6E747A">
-                      <a:alpha val="43000"/>
-                    </a:srgbClr>
-                  </a:outerShdw>
-                </a:effectLst>
               </a:rPr>
               <a:t>movieId</a:t>
             </a:r>
@@ -18492,13 +18331,6 @@
                 <a:solidFill>
                   <a:schemeClr val="accent2"/>
                 </a:solidFill>
-                <a:effectLst>
-                  <a:outerShdw blurRad="38100" dist="25400" dir="5400000" algn="ctr" rotWithShape="0">
-                    <a:srgbClr val="6E747A">
-                      <a:alpha val="43000"/>
-                    </a:srgbClr>
-                  </a:outerShdw>
-                </a:effectLst>
               </a:rPr>
               <a:t>&gt;MV004&lt;/</a:t>
             </a:r>
@@ -18508,13 +18340,6 @@
                 <a:solidFill>
                   <a:schemeClr val="accent2"/>
                 </a:solidFill>
-                <a:effectLst>
-                  <a:outerShdw blurRad="38100" dist="25400" dir="5400000" algn="ctr" rotWithShape="0">
-                    <a:srgbClr val="6E747A">
-                      <a:alpha val="43000"/>
-                    </a:srgbClr>
-                  </a:outerShdw>
-                </a:effectLst>
               </a:rPr>
               <a:t>movieId</a:t>
             </a:r>
@@ -18524,13 +18349,6 @@
                 <a:solidFill>
                   <a:schemeClr val="accent2"/>
                 </a:solidFill>
-                <a:effectLst>
-                  <a:outerShdw blurRad="38100" dist="25400" dir="5400000" algn="ctr" rotWithShape="0">
-                    <a:srgbClr val="6E747A">
-                      <a:alpha val="43000"/>
-                    </a:srgbClr>
-                  </a:outerShdw>
-                </a:effectLst>
               </a:rPr>
               <a:t>&gt;</a:t>
             </a:r>
@@ -18542,13 +18360,6 @@
                 <a:solidFill>
                   <a:schemeClr val="accent2"/>
                 </a:solidFill>
-                <a:effectLst>
-                  <a:outerShdw blurRad="38100" dist="25400" dir="5400000" algn="ctr" rotWithShape="0">
-                    <a:srgbClr val="6E747A">
-                      <a:alpha val="43000"/>
-                    </a:srgbClr>
-                  </a:outerShdw>
-                </a:effectLst>
               </a:rPr>
               <a:t>	&lt;title&gt;Life </a:t>
             </a:r>
@@ -18558,13 +18369,6 @@
                 <a:solidFill>
                   <a:schemeClr val="accent2"/>
                 </a:solidFill>
-                <a:effectLst>
-                  <a:outerShdw blurRad="38100" dist="25400" dir="5400000" algn="ctr" rotWithShape="0">
-                    <a:srgbClr val="6E747A">
-                      <a:alpha val="43000"/>
-                    </a:srgbClr>
-                  </a:outerShdw>
-                </a:effectLst>
               </a:rPr>
               <a:t>Is</a:t>
             </a:r>
@@ -18574,13 +18378,6 @@
                 <a:solidFill>
                   <a:schemeClr val="accent2"/>
                 </a:solidFill>
-                <a:effectLst>
-                  <a:outerShdw blurRad="38100" dist="25400" dir="5400000" algn="ctr" rotWithShape="0">
-                    <a:srgbClr val="6E747A">
-                      <a:alpha val="43000"/>
-                    </a:srgbClr>
-                  </a:outerShdw>
-                </a:effectLst>
               </a:rPr>
               <a:t> </a:t>
             </a:r>
@@ -18590,13 +18387,6 @@
                 <a:solidFill>
                   <a:schemeClr val="accent2"/>
                 </a:solidFill>
-                <a:effectLst>
-                  <a:outerShdw blurRad="38100" dist="25400" dir="5400000" algn="ctr" rotWithShape="0">
-                    <a:srgbClr val="6E747A">
-                      <a:alpha val="43000"/>
-                    </a:srgbClr>
-                  </a:outerShdw>
-                </a:effectLst>
               </a:rPr>
               <a:t>Wonderful</a:t>
             </a:r>
@@ -18606,13 +18396,6 @@
                 <a:solidFill>
                   <a:schemeClr val="accent2"/>
                 </a:solidFill>
-                <a:effectLst>
-                  <a:outerShdw blurRad="38100" dist="25400" dir="5400000" algn="ctr" rotWithShape="0">
-                    <a:srgbClr val="6E747A">
-                      <a:alpha val="43000"/>
-                    </a:srgbClr>
-                  </a:outerShdw>
-                </a:effectLst>
               </a:rPr>
               <a:t>&lt;/title&gt;</a:t>
             </a:r>
@@ -18624,13 +18407,6 @@
                 <a:solidFill>
                   <a:schemeClr val="accent2"/>
                 </a:solidFill>
-                <a:effectLst>
-                  <a:outerShdw blurRad="38100" dist="25400" dir="5400000" algn="ctr" rotWithShape="0">
-                    <a:srgbClr val="6E747A">
-                      <a:alpha val="43000"/>
-                    </a:srgbClr>
-                  </a:outerShdw>
-                </a:effectLst>
               </a:rPr>
               <a:t>&lt;/Movie&gt;</a:t>
             </a:r>

--- a/images/ppt/graphics.pptx
+++ b/images/ppt/graphics.pptx
@@ -5,29 +5,30 @@
     <p:sldMasterId id="2147483684" r:id="rId1"/>
   </p:sldMasterIdLst>
   <p:notesMasterIdLst>
-    <p:notesMasterId r:id="rId22"/>
+    <p:notesMasterId r:id="rId23"/>
   </p:notesMasterIdLst>
   <p:sldIdLst>
     <p:sldId id="256" r:id="rId2"/>
     <p:sldId id="273" r:id="rId3"/>
     <p:sldId id="274" r:id="rId4"/>
     <p:sldId id="275" r:id="rId5"/>
-    <p:sldId id="276" r:id="rId6"/>
-    <p:sldId id="264" r:id="rId7"/>
-    <p:sldId id="272" r:id="rId8"/>
-    <p:sldId id="257" r:id="rId9"/>
-    <p:sldId id="258" r:id="rId10"/>
-    <p:sldId id="271" r:id="rId11"/>
-    <p:sldId id="278" r:id="rId12"/>
-    <p:sldId id="260" r:id="rId13"/>
-    <p:sldId id="261" r:id="rId14"/>
-    <p:sldId id="262" r:id="rId15"/>
-    <p:sldId id="263" r:id="rId16"/>
-    <p:sldId id="267" r:id="rId17"/>
-    <p:sldId id="265" r:id="rId18"/>
-    <p:sldId id="266" r:id="rId19"/>
-    <p:sldId id="268" r:id="rId20"/>
-    <p:sldId id="269" r:id="rId21"/>
+    <p:sldId id="279" r:id="rId6"/>
+    <p:sldId id="276" r:id="rId7"/>
+    <p:sldId id="264" r:id="rId8"/>
+    <p:sldId id="272" r:id="rId9"/>
+    <p:sldId id="257" r:id="rId10"/>
+    <p:sldId id="258" r:id="rId11"/>
+    <p:sldId id="271" r:id="rId12"/>
+    <p:sldId id="278" r:id="rId13"/>
+    <p:sldId id="260" r:id="rId14"/>
+    <p:sldId id="261" r:id="rId15"/>
+    <p:sldId id="262" r:id="rId16"/>
+    <p:sldId id="263" r:id="rId17"/>
+    <p:sldId id="267" r:id="rId18"/>
+    <p:sldId id="265" r:id="rId19"/>
+    <p:sldId id="266" r:id="rId20"/>
+    <p:sldId id="268" r:id="rId21"/>
+    <p:sldId id="269" r:id="rId22"/>
   </p:sldIdLst>
   <p:sldSz cx="9144000" cy="6858000" type="screen4x3"/>
   <p:notesSz cx="6858000" cy="9144000"/>
@@ -618,7 +619,7 @@
           <a:p>
             <a:r>
               <a:rPr lang="de-DE" dirty="0" smtClean="0"/>
-              <a:t>img_architecture_testing.pptx</a:t>
+              <a:t>img_testmethods_functional.pptx</a:t>
             </a:r>
             <a:endParaRPr lang="de-DE" dirty="0"/>
           </a:p>
@@ -650,7 +651,7 @@
     </p:spTree>
     <p:extLst>
       <p:ext uri="{BB962C8B-B14F-4D97-AF65-F5344CB8AC3E}">
-        <p14:creationId xmlns:p14="http://schemas.microsoft.com/office/powerpoint/2010/main" val="3930415328"/>
+        <p14:creationId xmlns:p14="http://schemas.microsoft.com/office/powerpoint/2010/main" val="3609378850"/>
       </p:ext>
     </p:extLst>
   </p:cSld>
@@ -706,7 +707,7 @@
           <a:p>
             <a:r>
               <a:rPr lang="de-DE" dirty="0" smtClean="0"/>
-              <a:t>Img_unit_testing.pptx</a:t>
+              <a:t>img_architecture_testing.pptx</a:t>
             </a:r>
             <a:endParaRPr lang="de-DE" dirty="0"/>
           </a:p>
@@ -738,7 +739,7 @@
     </p:spTree>
     <p:extLst>
       <p:ext uri="{BB962C8B-B14F-4D97-AF65-F5344CB8AC3E}">
-        <p14:creationId xmlns:p14="http://schemas.microsoft.com/office/powerpoint/2010/main" val="1643096522"/>
+        <p14:creationId xmlns:p14="http://schemas.microsoft.com/office/powerpoint/2010/main" val="3930415328"/>
       </p:ext>
     </p:extLst>
   </p:cSld>
@@ -794,7 +795,7 @@
           <a:p>
             <a:r>
               <a:rPr lang="de-DE" dirty="0" smtClean="0"/>
-              <a:t>img_integration-testing.pptx</a:t>
+              <a:t>Img_unit_testing.pptx</a:t>
             </a:r>
             <a:endParaRPr lang="de-DE" dirty="0"/>
           </a:p>
@@ -826,7 +827,7 @@
     </p:spTree>
     <p:extLst>
       <p:ext uri="{BB962C8B-B14F-4D97-AF65-F5344CB8AC3E}">
-        <p14:creationId xmlns:p14="http://schemas.microsoft.com/office/powerpoint/2010/main" val="2563783586"/>
+        <p14:creationId xmlns:p14="http://schemas.microsoft.com/office/powerpoint/2010/main" val="1643096522"/>
       </p:ext>
     </p:extLst>
   </p:cSld>
@@ -882,7 +883,7 @@
           <a:p>
             <a:r>
               <a:rPr lang="de-DE" dirty="0" smtClean="0"/>
-              <a:t>img_component-testing.pptx</a:t>
+              <a:t>img_integration-testing.pptx</a:t>
             </a:r>
             <a:endParaRPr lang="de-DE" dirty="0"/>
           </a:p>
@@ -914,7 +915,7 @@
     </p:spTree>
     <p:extLst>
       <p:ext uri="{BB962C8B-B14F-4D97-AF65-F5344CB8AC3E}">
-        <p14:creationId xmlns:p14="http://schemas.microsoft.com/office/powerpoint/2010/main" val="1524818863"/>
+        <p14:creationId xmlns:p14="http://schemas.microsoft.com/office/powerpoint/2010/main" val="2563783586"/>
       </p:ext>
     </p:extLst>
   </p:cSld>
@@ -970,7 +971,7 @@
           <a:p>
             <a:r>
               <a:rPr lang="de-DE" dirty="0" smtClean="0"/>
-              <a:t>img_contract-testing.pptx</a:t>
+              <a:t>img_component-testing.pptx</a:t>
             </a:r>
             <a:endParaRPr lang="de-DE" dirty="0"/>
           </a:p>
@@ -1002,7 +1003,7 @@
     </p:spTree>
     <p:extLst>
       <p:ext uri="{BB962C8B-B14F-4D97-AF65-F5344CB8AC3E}">
-        <p14:creationId xmlns:p14="http://schemas.microsoft.com/office/powerpoint/2010/main" val="2476867372"/>
+        <p14:creationId xmlns:p14="http://schemas.microsoft.com/office/powerpoint/2010/main" val="1524818863"/>
       </p:ext>
     </p:extLst>
   </p:cSld>
@@ -1058,7 +1059,7 @@
           <a:p>
             <a:r>
               <a:rPr lang="de-DE" dirty="0" smtClean="0"/>
-              <a:t>img_end-to-end-testing.pptx</a:t>
+              <a:t>img_contract-testing.pptx</a:t>
             </a:r>
             <a:endParaRPr lang="de-DE" dirty="0"/>
           </a:p>
@@ -1090,7 +1091,7 @@
     </p:spTree>
     <p:extLst>
       <p:ext uri="{BB962C8B-B14F-4D97-AF65-F5344CB8AC3E}">
-        <p14:creationId xmlns:p14="http://schemas.microsoft.com/office/powerpoint/2010/main" val="837664226"/>
+        <p14:creationId xmlns:p14="http://schemas.microsoft.com/office/powerpoint/2010/main" val="2476867372"/>
       </p:ext>
     </p:extLst>
   </p:cSld>
@@ -1146,7 +1147,7 @@
           <a:p>
             <a:r>
               <a:rPr lang="de-DE" dirty="0" smtClean="0"/>
-              <a:t>img_arch-stadt-auth.pptx</a:t>
+              <a:t>img_end-to-end-testing.pptx</a:t>
             </a:r>
             <a:endParaRPr lang="de-DE" dirty="0"/>
           </a:p>
@@ -1178,7 +1179,7 @@
     </p:spTree>
     <p:extLst>
       <p:ext uri="{BB962C8B-B14F-4D97-AF65-F5344CB8AC3E}">
-        <p14:creationId xmlns:p14="http://schemas.microsoft.com/office/powerpoint/2010/main" val="2724407377"/>
+        <p14:creationId xmlns:p14="http://schemas.microsoft.com/office/powerpoint/2010/main" val="837664226"/>
       </p:ext>
     </p:extLst>
   </p:cSld>
@@ -1234,7 +1235,7 @@
           <a:p>
             <a:r>
               <a:rPr lang="de-DE" dirty="0" smtClean="0"/>
-              <a:t>img_arch-stadt-discovery.pptx</a:t>
+              <a:t>img_arch-stadt-auth.pptx</a:t>
             </a:r>
             <a:endParaRPr lang="de-DE" dirty="0"/>
           </a:p>
@@ -1266,7 +1267,7 @@
     </p:spTree>
     <p:extLst>
       <p:ext uri="{BB962C8B-B14F-4D97-AF65-F5344CB8AC3E}">
-        <p14:creationId xmlns:p14="http://schemas.microsoft.com/office/powerpoint/2010/main" val="3405555196"/>
+        <p14:creationId xmlns:p14="http://schemas.microsoft.com/office/powerpoint/2010/main" val="2724407377"/>
       </p:ext>
     </p:extLst>
   </p:cSld>
@@ -1322,7 +1323,7 @@
           <a:p>
             <a:r>
               <a:rPr lang="de-DE" dirty="0" smtClean="0"/>
-              <a:t>img_arch-stadt-configuration.pptx</a:t>
+              <a:t>img_arch-stadt-discovery.pptx</a:t>
             </a:r>
             <a:endParaRPr lang="de-DE" dirty="0"/>
           </a:p>
@@ -1354,7 +1355,7 @@
     </p:spTree>
     <p:extLst>
       <p:ext uri="{BB962C8B-B14F-4D97-AF65-F5344CB8AC3E}">
-        <p14:creationId xmlns:p14="http://schemas.microsoft.com/office/powerpoint/2010/main" val="2462863217"/>
+        <p14:creationId xmlns:p14="http://schemas.microsoft.com/office/powerpoint/2010/main" val="3405555196"/>
       </p:ext>
     </p:extLst>
   </p:cSld>
@@ -1410,7 +1411,7 @@
           <a:p>
             <a:r>
               <a:rPr lang="de-DE" dirty="0" smtClean="0"/>
-              <a:t>img_arch-stadt-service.pptx</a:t>
+              <a:t>img_arch-stadt-configuration.pptx</a:t>
             </a:r>
             <a:endParaRPr lang="de-DE" dirty="0"/>
           </a:p>
@@ -1442,7 +1443,7 @@
     </p:spTree>
     <p:extLst>
       <p:ext uri="{BB962C8B-B14F-4D97-AF65-F5344CB8AC3E}">
-        <p14:creationId xmlns:p14="http://schemas.microsoft.com/office/powerpoint/2010/main" val="1931045629"/>
+        <p14:creationId xmlns:p14="http://schemas.microsoft.com/office/powerpoint/2010/main" val="2462863217"/>
       </p:ext>
     </p:extLst>
   </p:cSld>
@@ -1586,7 +1587,7 @@
           <a:p>
             <a:r>
               <a:rPr lang="de-DE" dirty="0" smtClean="0"/>
-              <a:t>img_arch-stadt-webservice.pptx</a:t>
+              <a:t>img_arch-stadt-service.pptx</a:t>
             </a:r>
             <a:endParaRPr lang="de-DE" dirty="0"/>
           </a:p>
@@ -1610,6 +1611,94 @@
             <a:fld id="{5A1BF985-F9C4-4BAD-BCD7-91A54AF468B0}" type="slidenum">
               <a:rPr lang="de-DE" smtClean="0"/>
               <a:t>20</a:t>
+            </a:fld>
+            <a:endParaRPr lang="de-DE"/>
+          </a:p>
+        </p:txBody>
+      </p:sp>
+    </p:spTree>
+    <p:extLst>
+      <p:ext uri="{BB962C8B-B14F-4D97-AF65-F5344CB8AC3E}">
+        <p14:creationId xmlns:p14="http://schemas.microsoft.com/office/powerpoint/2010/main" val="1931045629"/>
+      </p:ext>
+    </p:extLst>
+  </p:cSld>
+  <p:clrMapOvr>
+    <a:masterClrMapping/>
+  </p:clrMapOvr>
+</p:notes>
+</file>
+
+<file path=ppt/notesSlides/notesSlide21.xml><?xml version="1.0" encoding="utf-8"?>
+<p:notes xmlns:a="http://schemas.openxmlformats.org/drawingml/2006/main" xmlns:r="http://schemas.openxmlformats.org/officeDocument/2006/relationships" xmlns:p="http://schemas.openxmlformats.org/presentationml/2006/main">
+  <p:cSld>
+    <p:spTree>
+      <p:nvGrpSpPr>
+        <p:cNvPr id="1" name=""/>
+        <p:cNvGrpSpPr/>
+        <p:nvPr/>
+      </p:nvGrpSpPr>
+      <p:grpSpPr>
+        <a:xfrm>
+          <a:off x="0" y="0"/>
+          <a:ext cx="0" cy="0"/>
+          <a:chOff x="0" y="0"/>
+          <a:chExt cx="0" cy="0"/>
+        </a:xfrm>
+      </p:grpSpPr>
+      <p:sp>
+        <p:nvSpPr>
+          <p:cNvPr id="2" name="Folienbildplatzhalter 1"/>
+          <p:cNvSpPr>
+            <a:spLocks noGrp="1" noRot="1" noChangeAspect="1"/>
+          </p:cNvSpPr>
+          <p:nvPr>
+            <p:ph type="sldImg"/>
+          </p:nvPr>
+        </p:nvSpPr>
+        <p:spPr/>
+      </p:sp>
+      <p:sp>
+        <p:nvSpPr>
+          <p:cNvPr id="3" name="Notizenplatzhalter 2"/>
+          <p:cNvSpPr>
+            <a:spLocks noGrp="1"/>
+          </p:cNvSpPr>
+          <p:nvPr>
+            <p:ph type="body" idx="1"/>
+          </p:nvPr>
+        </p:nvSpPr>
+        <p:spPr/>
+        <p:txBody>
+          <a:bodyPr/>
+          <a:lstStyle/>
+          <a:p>
+            <a:r>
+              <a:rPr lang="de-DE" dirty="0" smtClean="0"/>
+              <a:t>img_arch-stadt-webservice.pptx</a:t>
+            </a:r>
+            <a:endParaRPr lang="de-DE" dirty="0"/>
+          </a:p>
+        </p:txBody>
+      </p:sp>
+      <p:sp>
+        <p:nvSpPr>
+          <p:cNvPr id="4" name="Foliennummernplatzhalter 3"/>
+          <p:cNvSpPr>
+            <a:spLocks noGrp="1"/>
+          </p:cNvSpPr>
+          <p:nvPr>
+            <p:ph type="sldNum" sz="quarter" idx="10"/>
+          </p:nvPr>
+        </p:nvSpPr>
+        <p:spPr/>
+        <p:txBody>
+          <a:bodyPr/>
+          <a:lstStyle/>
+          <a:p>
+            <a:fld id="{5A1BF985-F9C4-4BAD-BCD7-91A54AF468B0}" type="slidenum">
+              <a:rPr lang="de-DE" smtClean="0"/>
+              <a:t>21</a:t>
             </a:fld>
             <a:endParaRPr lang="de-DE"/>
           </a:p>
@@ -1880,27 +1969,11 @@
           <a:bodyPr/>
           <a:lstStyle/>
           <a:p>
-            <a:pPr marL="0" marR="0" lvl="0" indent="0" algn="l" defTabSz="914400" rtl="0" eaLnBrk="1" fontAlgn="auto" latinLnBrk="0" hangingPunct="1">
-              <a:lnSpc>
-                <a:spcPct val="100000"/>
-              </a:lnSpc>
-              <a:spcBef>
-                <a:spcPts val="0"/>
-              </a:spcBef>
-              <a:spcAft>
-                <a:spcPts val="0"/>
-              </a:spcAft>
-              <a:buClrTx/>
-              <a:buSzTx/>
-              <a:buFontTx/>
-              <a:buNone/>
-              <a:tabLst/>
-              <a:defRPr/>
-            </a:pPr>
             <a:r>
-              <a:rPr lang="de-DE" dirty="0" smtClean="0"/>
-              <a:t>img_mon-scaling-problem.pdf</a:t>
+              <a:rPr lang="de-DE" dirty="0" err="1" smtClean="0"/>
+              <a:t>img_hateoas-state-machine.eps</a:t>
             </a:r>
+            <a:endParaRPr lang="de-DE" dirty="0"/>
           </a:p>
         </p:txBody>
       </p:sp>
@@ -1930,7 +2003,7 @@
     </p:spTree>
     <p:extLst>
       <p:ext uri="{BB962C8B-B14F-4D97-AF65-F5344CB8AC3E}">
-        <p14:creationId xmlns:p14="http://schemas.microsoft.com/office/powerpoint/2010/main" val="1651844612"/>
+        <p14:creationId xmlns:p14="http://schemas.microsoft.com/office/powerpoint/2010/main" val="2579396961"/>
       </p:ext>
     </p:extLst>
   </p:cSld>
@@ -1984,11 +2057,27 @@
           <a:bodyPr/>
           <a:lstStyle/>
           <a:p>
+            <a:pPr marL="0" marR="0" lvl="0" indent="0" algn="l" defTabSz="914400" rtl="0" eaLnBrk="1" fontAlgn="auto" latinLnBrk="0" hangingPunct="1">
+              <a:lnSpc>
+                <a:spcPct val="100000"/>
+              </a:lnSpc>
+              <a:spcBef>
+                <a:spcPts val="0"/>
+              </a:spcBef>
+              <a:spcAft>
+                <a:spcPts val="0"/>
+              </a:spcAft>
+              <a:buClrTx/>
+              <a:buSzTx/>
+              <a:buFontTx/>
+              <a:buNone/>
+              <a:tabLst/>
+              <a:defRPr/>
+            </a:pPr>
             <a:r>
               <a:rPr lang="de-DE" dirty="0" smtClean="0"/>
-              <a:t>img_arch-stadt-gesamt.pptx</a:t>
+              <a:t>img_mon-scaling-problem.pdf</a:t>
             </a:r>
-            <a:endParaRPr lang="de-DE" dirty="0"/>
           </a:p>
         </p:txBody>
       </p:sp>
@@ -2018,7 +2107,7 @@
     </p:spTree>
     <p:extLst>
       <p:ext uri="{BB962C8B-B14F-4D97-AF65-F5344CB8AC3E}">
-        <p14:creationId xmlns:p14="http://schemas.microsoft.com/office/powerpoint/2010/main" val="3150611944"/>
+        <p14:creationId xmlns:p14="http://schemas.microsoft.com/office/powerpoint/2010/main" val="1651844612"/>
       </p:ext>
     </p:extLst>
   </p:cSld>
@@ -2074,7 +2163,7 @@
           <a:p>
             <a:r>
               <a:rPr lang="de-DE" dirty="0" smtClean="0"/>
-              <a:t>img_arch-stadt-gesamt-full.pptx</a:t>
+              <a:t>img_arch-stadt-gesamt.pptx</a:t>
             </a:r>
             <a:endParaRPr lang="de-DE" dirty="0"/>
           </a:p>
@@ -2106,7 +2195,7 @@
     </p:spTree>
     <p:extLst>
       <p:ext uri="{BB962C8B-B14F-4D97-AF65-F5344CB8AC3E}">
-        <p14:creationId xmlns:p14="http://schemas.microsoft.com/office/powerpoint/2010/main" val="3557937593"/>
+        <p14:creationId xmlns:p14="http://schemas.microsoft.com/office/powerpoint/2010/main" val="3150611944"/>
       </p:ext>
     </p:extLst>
   </p:cSld>
@@ -2162,7 +2251,7 @@
           <a:p>
             <a:r>
               <a:rPr lang="de-DE" dirty="0" smtClean="0"/>
-              <a:t>img_testmethods.pptx</a:t>
+              <a:t>img_arch-stadt-gesamt-full.pptx</a:t>
             </a:r>
             <a:endParaRPr lang="de-DE" dirty="0"/>
           </a:p>
@@ -2194,7 +2283,7 @@
     </p:spTree>
     <p:extLst>
       <p:ext uri="{BB962C8B-B14F-4D97-AF65-F5344CB8AC3E}">
-        <p14:creationId xmlns:p14="http://schemas.microsoft.com/office/powerpoint/2010/main" val="1639956232"/>
+        <p14:creationId xmlns:p14="http://schemas.microsoft.com/office/powerpoint/2010/main" val="3557937593"/>
       </p:ext>
     </p:extLst>
   </p:cSld>
@@ -2250,7 +2339,7 @@
           <a:p>
             <a:r>
               <a:rPr lang="de-DE" dirty="0" smtClean="0"/>
-              <a:t>img_testmethods_functional.pptx</a:t>
+              <a:t>img_testmethods.pptx</a:t>
             </a:r>
             <a:endParaRPr lang="de-DE" dirty="0"/>
           </a:p>
@@ -2282,7 +2371,7 @@
     </p:spTree>
     <p:extLst>
       <p:ext uri="{BB962C8B-B14F-4D97-AF65-F5344CB8AC3E}">
-        <p14:creationId xmlns:p14="http://schemas.microsoft.com/office/powerpoint/2010/main" val="3609378850"/>
+        <p14:creationId xmlns:p14="http://schemas.microsoft.com/office/powerpoint/2010/main" val="1639956232"/>
       </p:ext>
     </p:extLst>
   </p:cSld>
@@ -5389,6 +5478,1405 @@
 </file>
 
 <file path=ppt/slides/slide10.xml><?xml version="1.0" encoding="utf-8"?>
+<p:sld xmlns:a="http://schemas.openxmlformats.org/drawingml/2006/main" xmlns:r="http://schemas.openxmlformats.org/officeDocument/2006/relationships" xmlns:p="http://schemas.openxmlformats.org/presentationml/2006/main">
+  <p:cSld>
+    <p:spTree>
+      <p:nvGrpSpPr>
+        <p:cNvPr id="1" name=""/>
+        <p:cNvGrpSpPr/>
+        <p:nvPr/>
+      </p:nvGrpSpPr>
+      <p:grpSpPr>
+        <a:xfrm>
+          <a:off x="0" y="0"/>
+          <a:ext cx="0" cy="0"/>
+          <a:chOff x="0" y="0"/>
+          <a:chExt cx="0" cy="0"/>
+        </a:xfrm>
+      </p:grpSpPr>
+      <p:sp>
+        <p:nvSpPr>
+          <p:cNvPr id="2" name="Abgerundetes Rechteck 1"/>
+          <p:cNvSpPr/>
+          <p:nvPr/>
+        </p:nvSpPr>
+        <p:spPr>
+          <a:xfrm>
+            <a:off x="275903" y="764704"/>
+            <a:ext cx="5544616" cy="5328592"/>
+          </a:xfrm>
+          <a:prstGeom prst="roundRect">
+            <a:avLst/>
+          </a:prstGeom>
+          <a:solidFill>
+            <a:schemeClr val="bg1">
+              <a:lumMod val="85000"/>
+            </a:schemeClr>
+          </a:solidFill>
+          <a:ln>
+            <a:solidFill>
+              <a:schemeClr val="tx2"/>
+            </a:solidFill>
+          </a:ln>
+        </p:spPr>
+        <p:style>
+          <a:lnRef idx="2">
+            <a:schemeClr val="accent1">
+              <a:shade val="50000"/>
+            </a:schemeClr>
+          </a:lnRef>
+          <a:fillRef idx="1">
+            <a:schemeClr val="accent1"/>
+          </a:fillRef>
+          <a:effectRef idx="0">
+            <a:schemeClr val="accent1"/>
+          </a:effectRef>
+          <a:fontRef idx="minor">
+            <a:schemeClr val="lt1"/>
+          </a:fontRef>
+        </p:style>
+        <p:txBody>
+          <a:bodyPr rtlCol="0" anchor="ctr"/>
+          <a:lstStyle/>
+          <a:p>
+            <a:pPr algn="ctr"/>
+            <a:endParaRPr lang="de-DE"/>
+          </a:p>
+        </p:txBody>
+      </p:sp>
+      <p:grpSp>
+        <p:nvGrpSpPr>
+          <p:cNvPr id="3" name="Gruppieren 2"/>
+          <p:cNvGrpSpPr/>
+          <p:nvPr/>
+        </p:nvGrpSpPr>
+        <p:grpSpPr>
+          <a:xfrm>
+            <a:off x="539552" y="980728"/>
+            <a:ext cx="4125990" cy="2376264"/>
+            <a:chOff x="1947064" y="332656"/>
+            <a:chExt cx="5001200" cy="2880320"/>
+          </a:xfrm>
+        </p:grpSpPr>
+        <p:sp>
+          <p:nvSpPr>
+            <p:cNvPr id="4" name="Ellipse 3"/>
+            <p:cNvSpPr/>
+            <p:nvPr/>
+          </p:nvSpPr>
+          <p:spPr>
+            <a:xfrm>
+              <a:off x="1947064" y="332656"/>
+              <a:ext cx="2880320" cy="2880320"/>
+            </a:xfrm>
+            <a:prstGeom prst="ellipse">
+              <a:avLst/>
+            </a:prstGeom>
+            <a:solidFill>
+              <a:schemeClr val="accent1">
+                <a:alpha val="50196"/>
+              </a:schemeClr>
+            </a:solidFill>
+            <a:ln>
+              <a:noFill/>
+            </a:ln>
+          </p:spPr>
+          <p:style>
+            <a:lnRef idx="2">
+              <a:schemeClr val="accent1">
+                <a:shade val="50000"/>
+              </a:schemeClr>
+            </a:lnRef>
+            <a:fillRef idx="1">
+              <a:schemeClr val="accent1"/>
+            </a:fillRef>
+            <a:effectRef idx="0">
+              <a:schemeClr val="accent1"/>
+            </a:effectRef>
+            <a:fontRef idx="minor">
+              <a:schemeClr val="lt1"/>
+            </a:fontRef>
+          </p:style>
+          <p:txBody>
+            <a:bodyPr rtlCol="0" anchor="ctr"/>
+            <a:lstStyle/>
+            <a:p>
+              <a:pPr algn="ctr"/>
+              <a:endParaRPr lang="de-DE" dirty="0"/>
+            </a:p>
+          </p:txBody>
+        </p:sp>
+        <p:sp>
+          <p:nvSpPr>
+            <p:cNvPr id="5" name="Ellipse 4"/>
+            <p:cNvSpPr/>
+            <p:nvPr/>
+          </p:nvSpPr>
+          <p:spPr>
+            <a:xfrm>
+              <a:off x="4067944" y="332656"/>
+              <a:ext cx="2880320" cy="2880320"/>
+            </a:xfrm>
+            <a:prstGeom prst="ellipse">
+              <a:avLst/>
+            </a:prstGeom>
+            <a:solidFill>
+              <a:srgbClr val="A6B727">
+                <a:alpha val="50196"/>
+              </a:srgbClr>
+            </a:solidFill>
+            <a:ln>
+              <a:noFill/>
+            </a:ln>
+          </p:spPr>
+          <p:style>
+            <a:lnRef idx="2">
+              <a:schemeClr val="accent1">
+                <a:shade val="50000"/>
+              </a:schemeClr>
+            </a:lnRef>
+            <a:fillRef idx="1">
+              <a:schemeClr val="accent1"/>
+            </a:fillRef>
+            <a:effectRef idx="0">
+              <a:schemeClr val="accent1"/>
+            </a:effectRef>
+            <a:fontRef idx="minor">
+              <a:schemeClr val="lt1"/>
+            </a:fontRef>
+          </p:style>
+          <p:txBody>
+            <a:bodyPr rtlCol="0" anchor="ctr"/>
+            <a:lstStyle/>
+            <a:p>
+              <a:pPr algn="ctr"/>
+              <a:endParaRPr lang="de-DE" dirty="0"/>
+            </a:p>
+          </p:txBody>
+        </p:sp>
+        <p:grpSp>
+          <p:nvGrpSpPr>
+            <p:cNvPr id="6" name="Gruppieren 5"/>
+            <p:cNvGrpSpPr/>
+            <p:nvPr/>
+          </p:nvGrpSpPr>
+          <p:grpSpPr>
+            <a:xfrm>
+              <a:off x="2915854" y="2348880"/>
+              <a:ext cx="942740" cy="792088"/>
+              <a:chOff x="1397012" y="3933056"/>
+              <a:chExt cx="942740" cy="792088"/>
+            </a:xfrm>
+          </p:grpSpPr>
+          <p:sp>
+            <p:nvSpPr>
+              <p:cNvPr id="14" name="Ellipse 13"/>
+              <p:cNvSpPr/>
+              <p:nvPr/>
+            </p:nvSpPr>
+            <p:spPr>
+              <a:xfrm>
+                <a:off x="1691680" y="3933056"/>
+                <a:ext cx="648072" cy="648072"/>
+              </a:xfrm>
+              <a:prstGeom prst="ellipse">
+                <a:avLst/>
+              </a:prstGeom>
+            </p:spPr>
+            <p:style>
+              <a:lnRef idx="2">
+                <a:schemeClr val="accent1">
+                  <a:shade val="50000"/>
+                </a:schemeClr>
+              </a:lnRef>
+              <a:fillRef idx="1">
+                <a:schemeClr val="accent1"/>
+              </a:fillRef>
+              <a:effectRef idx="0">
+                <a:schemeClr val="accent1"/>
+              </a:effectRef>
+              <a:fontRef idx="minor">
+                <a:schemeClr val="lt1"/>
+              </a:fontRef>
+            </p:style>
+            <p:txBody>
+              <a:bodyPr rtlCol="0" anchor="ctr"/>
+              <a:lstStyle/>
+              <a:p>
+                <a:pPr algn="ctr"/>
+                <a:endParaRPr lang="de-DE"/>
+              </a:p>
+            </p:txBody>
+          </p:sp>
+          <p:sp>
+            <p:nvSpPr>
+              <p:cNvPr id="15" name="Ellipse 14"/>
+              <p:cNvSpPr/>
+              <p:nvPr/>
+            </p:nvSpPr>
+            <p:spPr>
+              <a:xfrm>
+                <a:off x="1397012" y="3939520"/>
+                <a:ext cx="648072" cy="648072"/>
+              </a:xfrm>
+              <a:prstGeom prst="ellipse">
+                <a:avLst/>
+              </a:prstGeom>
+            </p:spPr>
+            <p:style>
+              <a:lnRef idx="2">
+                <a:schemeClr val="accent1">
+                  <a:shade val="50000"/>
+                </a:schemeClr>
+              </a:lnRef>
+              <a:fillRef idx="1">
+                <a:schemeClr val="accent1"/>
+              </a:fillRef>
+              <a:effectRef idx="0">
+                <a:schemeClr val="accent1"/>
+              </a:effectRef>
+              <a:fontRef idx="minor">
+                <a:schemeClr val="lt1"/>
+              </a:fontRef>
+            </p:style>
+            <p:txBody>
+              <a:bodyPr rtlCol="0" anchor="ctr"/>
+              <a:lstStyle/>
+              <a:p>
+                <a:pPr algn="ctr"/>
+                <a:endParaRPr lang="de-DE"/>
+              </a:p>
+            </p:txBody>
+          </p:sp>
+          <p:sp>
+            <p:nvSpPr>
+              <p:cNvPr id="16" name="Ellipse 15"/>
+              <p:cNvSpPr/>
+              <p:nvPr/>
+            </p:nvSpPr>
+            <p:spPr>
+              <a:xfrm>
+                <a:off x="1544346" y="4077072"/>
+                <a:ext cx="648072" cy="648072"/>
+              </a:xfrm>
+              <a:prstGeom prst="ellipse">
+                <a:avLst/>
+              </a:prstGeom>
+            </p:spPr>
+            <p:style>
+              <a:lnRef idx="2">
+                <a:schemeClr val="accent1">
+                  <a:shade val="50000"/>
+                </a:schemeClr>
+              </a:lnRef>
+              <a:fillRef idx="1">
+                <a:schemeClr val="accent1"/>
+              </a:fillRef>
+              <a:effectRef idx="0">
+                <a:schemeClr val="accent1"/>
+              </a:effectRef>
+              <a:fontRef idx="minor">
+                <a:schemeClr val="lt1"/>
+              </a:fontRef>
+            </p:style>
+            <p:txBody>
+              <a:bodyPr rtlCol="0" anchor="ctr"/>
+              <a:lstStyle/>
+              <a:p>
+                <a:pPr algn="ctr"/>
+                <a:r>
+                  <a:rPr lang="de-DE" sz="700" dirty="0" smtClean="0"/>
+                  <a:t>Unit Test</a:t>
+                </a:r>
+                <a:endParaRPr lang="de-DE" sz="700" dirty="0"/>
+              </a:p>
+            </p:txBody>
+          </p:sp>
+        </p:grpSp>
+        <p:grpSp>
+          <p:nvGrpSpPr>
+            <p:cNvPr id="7" name="Gruppieren 6"/>
+            <p:cNvGrpSpPr/>
+            <p:nvPr/>
+          </p:nvGrpSpPr>
+          <p:grpSpPr>
+            <a:xfrm>
+              <a:off x="5036734" y="2336692"/>
+              <a:ext cx="942740" cy="792088"/>
+              <a:chOff x="1397012" y="3933056"/>
+              <a:chExt cx="942740" cy="792088"/>
+            </a:xfrm>
+            <a:solidFill>
+              <a:schemeClr val="accent2"/>
+            </a:solidFill>
+          </p:grpSpPr>
+          <p:sp>
+            <p:nvSpPr>
+              <p:cNvPr id="11" name="Ellipse 10"/>
+              <p:cNvSpPr/>
+              <p:nvPr/>
+            </p:nvSpPr>
+            <p:spPr>
+              <a:xfrm>
+                <a:off x="1691680" y="3933056"/>
+                <a:ext cx="648072" cy="648072"/>
+              </a:xfrm>
+              <a:prstGeom prst="ellipse">
+                <a:avLst/>
+              </a:prstGeom>
+              <a:grpFill/>
+              <a:ln>
+                <a:solidFill>
+                  <a:schemeClr val="accent2">
+                    <a:lumMod val="75000"/>
+                  </a:schemeClr>
+                </a:solidFill>
+              </a:ln>
+            </p:spPr>
+            <p:style>
+              <a:lnRef idx="2">
+                <a:schemeClr val="accent1">
+                  <a:shade val="50000"/>
+                </a:schemeClr>
+              </a:lnRef>
+              <a:fillRef idx="1">
+                <a:schemeClr val="accent1"/>
+              </a:fillRef>
+              <a:effectRef idx="0">
+                <a:schemeClr val="accent1"/>
+              </a:effectRef>
+              <a:fontRef idx="minor">
+                <a:schemeClr val="lt1"/>
+              </a:fontRef>
+            </p:style>
+            <p:txBody>
+              <a:bodyPr rtlCol="0" anchor="ctr"/>
+              <a:lstStyle/>
+              <a:p>
+                <a:pPr algn="ctr"/>
+                <a:endParaRPr lang="de-DE"/>
+              </a:p>
+            </p:txBody>
+          </p:sp>
+          <p:sp>
+            <p:nvSpPr>
+              <p:cNvPr id="12" name="Ellipse 11"/>
+              <p:cNvSpPr/>
+              <p:nvPr/>
+            </p:nvSpPr>
+            <p:spPr>
+              <a:xfrm>
+                <a:off x="1397012" y="3939520"/>
+                <a:ext cx="648072" cy="648072"/>
+              </a:xfrm>
+              <a:prstGeom prst="ellipse">
+                <a:avLst/>
+              </a:prstGeom>
+              <a:grpFill/>
+              <a:ln>
+                <a:solidFill>
+                  <a:schemeClr val="accent2">
+                    <a:lumMod val="75000"/>
+                  </a:schemeClr>
+                </a:solidFill>
+              </a:ln>
+            </p:spPr>
+            <p:style>
+              <a:lnRef idx="2">
+                <a:schemeClr val="accent1">
+                  <a:shade val="50000"/>
+                </a:schemeClr>
+              </a:lnRef>
+              <a:fillRef idx="1">
+                <a:schemeClr val="accent1"/>
+              </a:fillRef>
+              <a:effectRef idx="0">
+                <a:schemeClr val="accent1"/>
+              </a:effectRef>
+              <a:fontRef idx="minor">
+                <a:schemeClr val="lt1"/>
+              </a:fontRef>
+            </p:style>
+            <p:txBody>
+              <a:bodyPr rtlCol="0" anchor="ctr"/>
+              <a:lstStyle/>
+              <a:p>
+                <a:pPr algn="ctr"/>
+                <a:endParaRPr lang="de-DE"/>
+              </a:p>
+            </p:txBody>
+          </p:sp>
+          <p:sp>
+            <p:nvSpPr>
+              <p:cNvPr id="13" name="Ellipse 12"/>
+              <p:cNvSpPr/>
+              <p:nvPr/>
+            </p:nvSpPr>
+            <p:spPr>
+              <a:xfrm>
+                <a:off x="1544346" y="4077072"/>
+                <a:ext cx="648072" cy="648072"/>
+              </a:xfrm>
+              <a:prstGeom prst="ellipse">
+                <a:avLst/>
+              </a:prstGeom>
+              <a:grpFill/>
+              <a:ln>
+                <a:solidFill>
+                  <a:schemeClr val="accent2">
+                    <a:lumMod val="75000"/>
+                  </a:schemeClr>
+                </a:solidFill>
+              </a:ln>
+            </p:spPr>
+            <p:style>
+              <a:lnRef idx="2">
+                <a:schemeClr val="accent1">
+                  <a:shade val="50000"/>
+                </a:schemeClr>
+              </a:lnRef>
+              <a:fillRef idx="1">
+                <a:schemeClr val="accent1"/>
+              </a:fillRef>
+              <a:effectRef idx="0">
+                <a:schemeClr val="accent1"/>
+              </a:effectRef>
+              <a:fontRef idx="minor">
+                <a:schemeClr val="lt1"/>
+              </a:fontRef>
+            </p:style>
+            <p:txBody>
+              <a:bodyPr rtlCol="0" anchor="ctr"/>
+              <a:lstStyle/>
+              <a:p>
+                <a:pPr algn="ctr"/>
+                <a:r>
+                  <a:rPr lang="de-DE" sz="700" dirty="0" smtClean="0"/>
+                  <a:t>Unit Test</a:t>
+                </a:r>
+                <a:endParaRPr lang="de-DE" sz="700" dirty="0"/>
+              </a:p>
+            </p:txBody>
+          </p:sp>
+        </p:grpSp>
+        <p:sp>
+          <p:nvSpPr>
+            <p:cNvPr id="8" name="Textfeld 7"/>
+            <p:cNvSpPr txBox="1"/>
+            <p:nvPr/>
+          </p:nvSpPr>
+          <p:spPr>
+            <a:xfrm>
+              <a:off x="1947064" y="1588151"/>
+              <a:ext cx="1758836" cy="373063"/>
+            </a:xfrm>
+            <a:prstGeom prst="rect">
+              <a:avLst/>
+            </a:prstGeom>
+            <a:noFill/>
+          </p:spPr>
+          <p:txBody>
+            <a:bodyPr wrap="square" rtlCol="0">
+              <a:spAutoFit/>
+            </a:bodyPr>
+            <a:lstStyle/>
+            <a:p>
+              <a:r>
+                <a:rPr lang="de-DE" sz="1400" dirty="0" smtClean="0"/>
+                <a:t>Komponente A</a:t>
+              </a:r>
+              <a:endParaRPr lang="de-DE" sz="1400" dirty="0"/>
+            </a:p>
+          </p:txBody>
+        </p:sp>
+        <p:sp>
+          <p:nvSpPr>
+            <p:cNvPr id="9" name="Textfeld 8"/>
+            <p:cNvSpPr txBox="1"/>
+            <p:nvPr/>
+          </p:nvSpPr>
+          <p:spPr>
+            <a:xfrm>
+              <a:off x="5175820" y="1588151"/>
+              <a:ext cx="1758836" cy="373063"/>
+            </a:xfrm>
+            <a:prstGeom prst="rect">
+              <a:avLst/>
+            </a:prstGeom>
+            <a:noFill/>
+          </p:spPr>
+          <p:txBody>
+            <a:bodyPr wrap="square" rtlCol="0">
+              <a:spAutoFit/>
+            </a:bodyPr>
+            <a:lstStyle/>
+            <a:p>
+              <a:r>
+                <a:rPr lang="de-DE" sz="1400" dirty="0" smtClean="0"/>
+                <a:t>Komponente B</a:t>
+              </a:r>
+              <a:endParaRPr lang="de-DE" sz="1400" dirty="0"/>
+            </a:p>
+          </p:txBody>
+        </p:sp>
+        <p:sp>
+          <p:nvSpPr>
+            <p:cNvPr id="10" name="Textfeld 9"/>
+            <p:cNvSpPr txBox="1"/>
+            <p:nvPr/>
+          </p:nvSpPr>
+          <p:spPr>
+            <a:xfrm rot="16200000">
+              <a:off x="3392247" y="1401618"/>
+              <a:ext cx="2094905" cy="373063"/>
+            </a:xfrm>
+            <a:prstGeom prst="rect">
+              <a:avLst/>
+            </a:prstGeom>
+            <a:noFill/>
+          </p:spPr>
+          <p:txBody>
+            <a:bodyPr wrap="square" rtlCol="0">
+              <a:spAutoFit/>
+            </a:bodyPr>
+            <a:lstStyle/>
+            <a:p>
+              <a:r>
+                <a:rPr lang="de-DE" sz="1400" dirty="0" smtClean="0"/>
+                <a:t>Integrationstest</a:t>
+              </a:r>
+              <a:endParaRPr lang="de-DE" sz="1400" dirty="0"/>
+            </a:p>
+          </p:txBody>
+        </p:sp>
+      </p:grpSp>
+      <p:sp>
+        <p:nvSpPr>
+          <p:cNvPr id="17" name="Ellipse 16"/>
+          <p:cNvSpPr/>
+          <p:nvPr/>
+        </p:nvSpPr>
+        <p:spPr>
+          <a:xfrm>
+            <a:off x="539552" y="3531384"/>
+            <a:ext cx="2376264" cy="2376264"/>
+          </a:xfrm>
+          <a:prstGeom prst="ellipse">
+            <a:avLst/>
+          </a:prstGeom>
+          <a:solidFill>
+            <a:schemeClr val="accent3">
+              <a:alpha val="50196"/>
+            </a:schemeClr>
+          </a:solidFill>
+          <a:ln>
+            <a:noFill/>
+          </a:ln>
+        </p:spPr>
+        <p:style>
+          <a:lnRef idx="2">
+            <a:schemeClr val="accent1">
+              <a:shade val="50000"/>
+            </a:schemeClr>
+          </a:lnRef>
+          <a:fillRef idx="1">
+            <a:schemeClr val="accent1"/>
+          </a:fillRef>
+          <a:effectRef idx="0">
+            <a:schemeClr val="accent1"/>
+          </a:effectRef>
+          <a:fontRef idx="minor">
+            <a:schemeClr val="lt1"/>
+          </a:fontRef>
+        </p:style>
+        <p:txBody>
+          <a:bodyPr rtlCol="0" anchor="ctr"/>
+          <a:lstStyle/>
+          <a:p>
+            <a:pPr algn="ctr"/>
+            <a:endParaRPr lang="de-DE" dirty="0"/>
+          </a:p>
+        </p:txBody>
+      </p:sp>
+      <p:sp>
+        <p:nvSpPr>
+          <p:cNvPr id="18" name="Ellipse 17"/>
+          <p:cNvSpPr/>
+          <p:nvPr/>
+        </p:nvSpPr>
+        <p:spPr>
+          <a:xfrm>
+            <a:off x="2289278" y="3531384"/>
+            <a:ext cx="2376264" cy="2376264"/>
+          </a:xfrm>
+          <a:prstGeom prst="ellipse">
+            <a:avLst/>
+          </a:prstGeom>
+          <a:solidFill>
+            <a:schemeClr val="accent4">
+              <a:alpha val="50196"/>
+            </a:schemeClr>
+          </a:solidFill>
+          <a:ln>
+            <a:noFill/>
+          </a:ln>
+        </p:spPr>
+        <p:style>
+          <a:lnRef idx="2">
+            <a:schemeClr val="accent1">
+              <a:shade val="50000"/>
+            </a:schemeClr>
+          </a:lnRef>
+          <a:fillRef idx="1">
+            <a:schemeClr val="accent1"/>
+          </a:fillRef>
+          <a:effectRef idx="0">
+            <a:schemeClr val="accent1"/>
+          </a:effectRef>
+          <a:fontRef idx="minor">
+            <a:schemeClr val="lt1"/>
+          </a:fontRef>
+        </p:style>
+        <p:txBody>
+          <a:bodyPr rtlCol="0" anchor="ctr"/>
+          <a:lstStyle/>
+          <a:p>
+            <a:pPr algn="ctr"/>
+            <a:endParaRPr lang="de-DE" dirty="0"/>
+          </a:p>
+        </p:txBody>
+      </p:sp>
+      <p:grpSp>
+        <p:nvGrpSpPr>
+          <p:cNvPr id="19" name="Gruppieren 18"/>
+          <p:cNvGrpSpPr/>
+          <p:nvPr/>
+        </p:nvGrpSpPr>
+        <p:grpSpPr>
+          <a:xfrm>
+            <a:off x="1338804" y="5194769"/>
+            <a:ext cx="777761" cy="653473"/>
+            <a:chOff x="1397012" y="3933056"/>
+            <a:chExt cx="942740" cy="792088"/>
+          </a:xfrm>
+          <a:solidFill>
+            <a:schemeClr val="accent3"/>
+          </a:solidFill>
+        </p:grpSpPr>
+        <p:sp>
+          <p:nvSpPr>
+            <p:cNvPr id="20" name="Ellipse 19"/>
+            <p:cNvSpPr/>
+            <p:nvPr/>
+          </p:nvSpPr>
+          <p:spPr>
+            <a:xfrm>
+              <a:off x="1691680" y="3933056"/>
+              <a:ext cx="648072" cy="648072"/>
+            </a:xfrm>
+            <a:prstGeom prst="ellipse">
+              <a:avLst/>
+            </a:prstGeom>
+            <a:grpFill/>
+            <a:ln>
+              <a:solidFill>
+                <a:schemeClr val="accent3">
+                  <a:lumMod val="75000"/>
+                </a:schemeClr>
+              </a:solidFill>
+            </a:ln>
+          </p:spPr>
+          <p:style>
+            <a:lnRef idx="2">
+              <a:schemeClr val="accent1">
+                <a:shade val="50000"/>
+              </a:schemeClr>
+            </a:lnRef>
+            <a:fillRef idx="1">
+              <a:schemeClr val="accent1"/>
+            </a:fillRef>
+            <a:effectRef idx="0">
+              <a:schemeClr val="accent1"/>
+            </a:effectRef>
+            <a:fontRef idx="minor">
+              <a:schemeClr val="lt1"/>
+            </a:fontRef>
+          </p:style>
+          <p:txBody>
+            <a:bodyPr rtlCol="0" anchor="ctr"/>
+            <a:lstStyle/>
+            <a:p>
+              <a:pPr algn="ctr"/>
+              <a:endParaRPr lang="de-DE"/>
+            </a:p>
+          </p:txBody>
+        </p:sp>
+        <p:sp>
+          <p:nvSpPr>
+            <p:cNvPr id="21" name="Ellipse 20"/>
+            <p:cNvSpPr/>
+            <p:nvPr/>
+          </p:nvSpPr>
+          <p:spPr>
+            <a:xfrm>
+              <a:off x="1397012" y="3939520"/>
+              <a:ext cx="648072" cy="648072"/>
+            </a:xfrm>
+            <a:prstGeom prst="ellipse">
+              <a:avLst/>
+            </a:prstGeom>
+            <a:grpFill/>
+            <a:ln>
+              <a:solidFill>
+                <a:schemeClr val="accent3">
+                  <a:lumMod val="75000"/>
+                </a:schemeClr>
+              </a:solidFill>
+            </a:ln>
+          </p:spPr>
+          <p:style>
+            <a:lnRef idx="2">
+              <a:schemeClr val="accent1">
+                <a:shade val="50000"/>
+              </a:schemeClr>
+            </a:lnRef>
+            <a:fillRef idx="1">
+              <a:schemeClr val="accent1"/>
+            </a:fillRef>
+            <a:effectRef idx="0">
+              <a:schemeClr val="accent1"/>
+            </a:effectRef>
+            <a:fontRef idx="minor">
+              <a:schemeClr val="lt1"/>
+            </a:fontRef>
+          </p:style>
+          <p:txBody>
+            <a:bodyPr rtlCol="0" anchor="ctr"/>
+            <a:lstStyle/>
+            <a:p>
+              <a:pPr algn="ctr"/>
+              <a:endParaRPr lang="de-DE"/>
+            </a:p>
+          </p:txBody>
+        </p:sp>
+        <p:sp>
+          <p:nvSpPr>
+            <p:cNvPr id="22" name="Ellipse 21"/>
+            <p:cNvSpPr/>
+            <p:nvPr/>
+          </p:nvSpPr>
+          <p:spPr>
+            <a:xfrm>
+              <a:off x="1544346" y="4077072"/>
+              <a:ext cx="648072" cy="648072"/>
+            </a:xfrm>
+            <a:prstGeom prst="ellipse">
+              <a:avLst/>
+            </a:prstGeom>
+            <a:grpFill/>
+            <a:ln>
+              <a:solidFill>
+                <a:schemeClr val="accent3">
+                  <a:lumMod val="75000"/>
+                </a:schemeClr>
+              </a:solidFill>
+            </a:ln>
+          </p:spPr>
+          <p:style>
+            <a:lnRef idx="2">
+              <a:schemeClr val="accent1">
+                <a:shade val="50000"/>
+              </a:schemeClr>
+            </a:lnRef>
+            <a:fillRef idx="1">
+              <a:schemeClr val="accent1"/>
+            </a:fillRef>
+            <a:effectRef idx="0">
+              <a:schemeClr val="accent1"/>
+            </a:effectRef>
+            <a:fontRef idx="minor">
+              <a:schemeClr val="lt1"/>
+            </a:fontRef>
+          </p:style>
+          <p:txBody>
+            <a:bodyPr rtlCol="0" anchor="ctr"/>
+            <a:lstStyle/>
+            <a:p>
+              <a:pPr algn="ctr"/>
+              <a:r>
+                <a:rPr lang="de-DE" sz="700" dirty="0" smtClean="0"/>
+                <a:t>Unit Test</a:t>
+              </a:r>
+              <a:endParaRPr lang="de-DE" sz="700" dirty="0"/>
+            </a:p>
+          </p:txBody>
+        </p:sp>
+      </p:grpSp>
+      <p:grpSp>
+        <p:nvGrpSpPr>
+          <p:cNvPr id="23" name="Gruppieren 22"/>
+          <p:cNvGrpSpPr/>
+          <p:nvPr/>
+        </p:nvGrpSpPr>
+        <p:grpSpPr>
+          <a:xfrm>
+            <a:off x="3088530" y="5184714"/>
+            <a:ext cx="777761" cy="653473"/>
+            <a:chOff x="1397012" y="3933056"/>
+            <a:chExt cx="942740" cy="792088"/>
+          </a:xfrm>
+          <a:solidFill>
+            <a:schemeClr val="accent4"/>
+          </a:solidFill>
+        </p:grpSpPr>
+        <p:sp>
+          <p:nvSpPr>
+            <p:cNvPr id="24" name="Ellipse 23"/>
+            <p:cNvSpPr/>
+            <p:nvPr/>
+          </p:nvSpPr>
+          <p:spPr>
+            <a:xfrm>
+              <a:off x="1691680" y="3933056"/>
+              <a:ext cx="648072" cy="648072"/>
+            </a:xfrm>
+            <a:prstGeom prst="ellipse">
+              <a:avLst/>
+            </a:prstGeom>
+            <a:grpFill/>
+            <a:ln>
+              <a:solidFill>
+                <a:schemeClr val="accent4">
+                  <a:lumMod val="75000"/>
+                </a:schemeClr>
+              </a:solidFill>
+            </a:ln>
+          </p:spPr>
+          <p:style>
+            <a:lnRef idx="2">
+              <a:schemeClr val="accent1">
+                <a:shade val="50000"/>
+              </a:schemeClr>
+            </a:lnRef>
+            <a:fillRef idx="1">
+              <a:schemeClr val="accent1"/>
+            </a:fillRef>
+            <a:effectRef idx="0">
+              <a:schemeClr val="accent1"/>
+            </a:effectRef>
+            <a:fontRef idx="minor">
+              <a:schemeClr val="lt1"/>
+            </a:fontRef>
+          </p:style>
+          <p:txBody>
+            <a:bodyPr rtlCol="0" anchor="ctr"/>
+            <a:lstStyle/>
+            <a:p>
+              <a:pPr algn="ctr"/>
+              <a:endParaRPr lang="de-DE"/>
+            </a:p>
+          </p:txBody>
+        </p:sp>
+        <p:sp>
+          <p:nvSpPr>
+            <p:cNvPr id="25" name="Ellipse 24"/>
+            <p:cNvSpPr/>
+            <p:nvPr/>
+          </p:nvSpPr>
+          <p:spPr>
+            <a:xfrm>
+              <a:off x="1397012" y="3939520"/>
+              <a:ext cx="648072" cy="648072"/>
+            </a:xfrm>
+            <a:prstGeom prst="ellipse">
+              <a:avLst/>
+            </a:prstGeom>
+            <a:grpFill/>
+            <a:ln>
+              <a:solidFill>
+                <a:schemeClr val="accent4">
+                  <a:lumMod val="75000"/>
+                </a:schemeClr>
+              </a:solidFill>
+            </a:ln>
+          </p:spPr>
+          <p:style>
+            <a:lnRef idx="2">
+              <a:schemeClr val="accent1">
+                <a:shade val="50000"/>
+              </a:schemeClr>
+            </a:lnRef>
+            <a:fillRef idx="1">
+              <a:schemeClr val="accent1"/>
+            </a:fillRef>
+            <a:effectRef idx="0">
+              <a:schemeClr val="accent1"/>
+            </a:effectRef>
+            <a:fontRef idx="minor">
+              <a:schemeClr val="lt1"/>
+            </a:fontRef>
+          </p:style>
+          <p:txBody>
+            <a:bodyPr rtlCol="0" anchor="ctr"/>
+            <a:lstStyle/>
+            <a:p>
+              <a:pPr algn="ctr"/>
+              <a:endParaRPr lang="de-DE"/>
+            </a:p>
+          </p:txBody>
+        </p:sp>
+        <p:sp>
+          <p:nvSpPr>
+            <p:cNvPr id="26" name="Ellipse 25"/>
+            <p:cNvSpPr/>
+            <p:nvPr/>
+          </p:nvSpPr>
+          <p:spPr>
+            <a:xfrm>
+              <a:off x="1544346" y="4077072"/>
+              <a:ext cx="648072" cy="648072"/>
+            </a:xfrm>
+            <a:prstGeom prst="ellipse">
+              <a:avLst/>
+            </a:prstGeom>
+            <a:grpFill/>
+            <a:ln>
+              <a:solidFill>
+                <a:schemeClr val="accent4">
+                  <a:lumMod val="75000"/>
+                </a:schemeClr>
+              </a:solidFill>
+            </a:ln>
+          </p:spPr>
+          <p:style>
+            <a:lnRef idx="2">
+              <a:schemeClr val="accent1">
+                <a:shade val="50000"/>
+              </a:schemeClr>
+            </a:lnRef>
+            <a:fillRef idx="1">
+              <a:schemeClr val="accent1"/>
+            </a:fillRef>
+            <a:effectRef idx="0">
+              <a:schemeClr val="accent1"/>
+            </a:effectRef>
+            <a:fontRef idx="minor">
+              <a:schemeClr val="lt1"/>
+            </a:fontRef>
+          </p:style>
+          <p:txBody>
+            <a:bodyPr rtlCol="0" anchor="ctr"/>
+            <a:lstStyle/>
+            <a:p>
+              <a:pPr algn="ctr"/>
+              <a:r>
+                <a:rPr lang="de-DE" sz="700" dirty="0" smtClean="0"/>
+                <a:t>Unit Test</a:t>
+              </a:r>
+              <a:endParaRPr lang="de-DE" sz="700" dirty="0"/>
+            </a:p>
+          </p:txBody>
+        </p:sp>
+      </p:grpSp>
+      <p:sp>
+        <p:nvSpPr>
+          <p:cNvPr id="27" name="Textfeld 26"/>
+          <p:cNvSpPr txBox="1"/>
+          <p:nvPr/>
+        </p:nvSpPr>
+        <p:spPr>
+          <a:xfrm>
+            <a:off x="539552" y="4567167"/>
+            <a:ext cx="1451040" cy="307777"/>
+          </a:xfrm>
+          <a:prstGeom prst="rect">
+            <a:avLst/>
+          </a:prstGeom>
+          <a:noFill/>
+        </p:spPr>
+        <p:txBody>
+          <a:bodyPr wrap="square" rtlCol="0">
+            <a:spAutoFit/>
+          </a:bodyPr>
+          <a:lstStyle/>
+          <a:p>
+            <a:r>
+              <a:rPr lang="de-DE" sz="1400" dirty="0" smtClean="0"/>
+              <a:t>Komponente C</a:t>
+            </a:r>
+            <a:endParaRPr lang="de-DE" sz="1400" dirty="0"/>
+          </a:p>
+        </p:txBody>
+      </p:sp>
+      <p:sp>
+        <p:nvSpPr>
+          <p:cNvPr id="28" name="Textfeld 27"/>
+          <p:cNvSpPr txBox="1"/>
+          <p:nvPr/>
+        </p:nvSpPr>
+        <p:spPr>
+          <a:xfrm>
+            <a:off x="3203276" y="4567167"/>
+            <a:ext cx="1451040" cy="307777"/>
+          </a:xfrm>
+          <a:prstGeom prst="rect">
+            <a:avLst/>
+          </a:prstGeom>
+          <a:noFill/>
+        </p:spPr>
+        <p:txBody>
+          <a:bodyPr wrap="square" rtlCol="0">
+            <a:spAutoFit/>
+          </a:bodyPr>
+          <a:lstStyle/>
+          <a:p>
+            <a:r>
+              <a:rPr lang="de-DE" sz="1400" dirty="0" smtClean="0"/>
+              <a:t>Komponente D</a:t>
+            </a:r>
+            <a:endParaRPr lang="de-DE" sz="1400" dirty="0"/>
+          </a:p>
+        </p:txBody>
+      </p:sp>
+      <p:sp>
+        <p:nvSpPr>
+          <p:cNvPr id="29" name="Textfeld 28"/>
+          <p:cNvSpPr txBox="1"/>
+          <p:nvPr/>
+        </p:nvSpPr>
+        <p:spPr>
+          <a:xfrm rot="16200000">
+            <a:off x="1731828" y="4413278"/>
+            <a:ext cx="1728297" cy="307777"/>
+          </a:xfrm>
+          <a:prstGeom prst="rect">
+            <a:avLst/>
+          </a:prstGeom>
+          <a:noFill/>
+        </p:spPr>
+        <p:txBody>
+          <a:bodyPr wrap="square" rtlCol="0">
+            <a:spAutoFit/>
+          </a:bodyPr>
+          <a:lstStyle/>
+          <a:p>
+            <a:r>
+              <a:rPr lang="de-DE" sz="1400" dirty="0" smtClean="0"/>
+              <a:t>Integrationstest</a:t>
+            </a:r>
+            <a:endParaRPr lang="de-DE" sz="1400" dirty="0"/>
+          </a:p>
+        </p:txBody>
+      </p:sp>
+      <p:sp>
+        <p:nvSpPr>
+          <p:cNvPr id="30" name="Freihandform 29"/>
+          <p:cNvSpPr/>
+          <p:nvPr/>
+        </p:nvSpPr>
+        <p:spPr>
+          <a:xfrm>
+            <a:off x="7963602" y="2977843"/>
+            <a:ext cx="941724" cy="902314"/>
+          </a:xfrm>
+          <a:custGeom>
+            <a:avLst/>
+            <a:gdLst>
+              <a:gd name="connsiteX0" fmla="*/ 598233 w 1196466"/>
+              <a:gd name="connsiteY0" fmla="*/ 0 h 1146395"/>
+              <a:gd name="connsiteX1" fmla="*/ 922269 w 1196466"/>
+              <a:gd name="connsiteY1" fmla="*/ 324036 h 1146395"/>
+              <a:gd name="connsiteX2" fmla="*/ 827361 w 1196466"/>
+              <a:gd name="connsiteY2" fmla="*/ 553164 h 1146395"/>
+              <a:gd name="connsiteX3" fmla="*/ 787092 w 1196466"/>
+              <a:gd name="connsiteY3" fmla="*/ 586389 h 1146395"/>
+              <a:gd name="connsiteX4" fmla="*/ 831093 w 1196466"/>
+              <a:gd name="connsiteY4" fmla="*/ 592966 h 1146395"/>
+              <a:gd name="connsiteX5" fmla="*/ 1196466 w 1196466"/>
+              <a:gd name="connsiteY5" fmla="*/ 858363 h 1146395"/>
+              <a:gd name="connsiteX6" fmla="*/ 1196466 w 1196466"/>
+              <a:gd name="connsiteY6" fmla="*/ 1146395 h 1146395"/>
+              <a:gd name="connsiteX7" fmla="*/ 0 w 1196466"/>
+              <a:gd name="connsiteY7" fmla="*/ 1146395 h 1146395"/>
+              <a:gd name="connsiteX8" fmla="*/ 0 w 1196466"/>
+              <a:gd name="connsiteY8" fmla="*/ 858363 h 1146395"/>
+              <a:gd name="connsiteX9" fmla="*/ 365374 w 1196466"/>
+              <a:gd name="connsiteY9" fmla="*/ 592966 h 1146395"/>
+              <a:gd name="connsiteX10" fmla="*/ 409375 w 1196466"/>
+              <a:gd name="connsiteY10" fmla="*/ 586389 h 1146395"/>
+              <a:gd name="connsiteX11" fmla="*/ 369105 w 1196466"/>
+              <a:gd name="connsiteY11" fmla="*/ 553164 h 1146395"/>
+              <a:gd name="connsiteX12" fmla="*/ 274197 w 1196466"/>
+              <a:gd name="connsiteY12" fmla="*/ 324036 h 1146395"/>
+              <a:gd name="connsiteX13" fmla="*/ 598233 w 1196466"/>
+              <a:gd name="connsiteY13" fmla="*/ 0 h 1146395"/>
+            </a:gdLst>
+            <a:ahLst/>
+            <a:cxnLst>
+              <a:cxn ang="0">
+                <a:pos x="connsiteX0" y="connsiteY0"/>
+              </a:cxn>
+              <a:cxn ang="0">
+                <a:pos x="connsiteX1" y="connsiteY1"/>
+              </a:cxn>
+              <a:cxn ang="0">
+                <a:pos x="connsiteX2" y="connsiteY2"/>
+              </a:cxn>
+              <a:cxn ang="0">
+                <a:pos x="connsiteX3" y="connsiteY3"/>
+              </a:cxn>
+              <a:cxn ang="0">
+                <a:pos x="connsiteX4" y="connsiteY4"/>
+              </a:cxn>
+              <a:cxn ang="0">
+                <a:pos x="connsiteX5" y="connsiteY5"/>
+              </a:cxn>
+              <a:cxn ang="0">
+                <a:pos x="connsiteX6" y="connsiteY6"/>
+              </a:cxn>
+              <a:cxn ang="0">
+                <a:pos x="connsiteX7" y="connsiteY7"/>
+              </a:cxn>
+              <a:cxn ang="0">
+                <a:pos x="connsiteX8" y="connsiteY8"/>
+              </a:cxn>
+              <a:cxn ang="0">
+                <a:pos x="connsiteX9" y="connsiteY9"/>
+              </a:cxn>
+              <a:cxn ang="0">
+                <a:pos x="connsiteX10" y="connsiteY10"/>
+              </a:cxn>
+              <a:cxn ang="0">
+                <a:pos x="connsiteX11" y="connsiteY11"/>
+              </a:cxn>
+              <a:cxn ang="0">
+                <a:pos x="connsiteX12" y="connsiteY12"/>
+              </a:cxn>
+              <a:cxn ang="0">
+                <a:pos x="connsiteX13" y="connsiteY13"/>
+              </a:cxn>
+            </a:cxnLst>
+            <a:rect l="l" t="t" r="r" b="b"/>
+            <a:pathLst>
+              <a:path w="1196466" h="1146395">
+                <a:moveTo>
+                  <a:pt x="598233" y="0"/>
+                </a:moveTo>
+                <a:cubicBezTo>
+                  <a:pt x="777193" y="0"/>
+                  <a:pt x="922269" y="145076"/>
+                  <a:pt x="922269" y="324036"/>
+                </a:cubicBezTo>
+                <a:cubicBezTo>
+                  <a:pt x="922269" y="413516"/>
+                  <a:pt x="886000" y="494525"/>
+                  <a:pt x="827361" y="553164"/>
+                </a:cubicBezTo>
+                <a:lnTo>
+                  <a:pt x="787092" y="586389"/>
+                </a:lnTo>
+                <a:lnTo>
+                  <a:pt x="831093" y="592966"/>
+                </a:lnTo>
+                <a:cubicBezTo>
+                  <a:pt x="1045807" y="636691"/>
+                  <a:pt x="1196466" y="739056"/>
+                  <a:pt x="1196466" y="858363"/>
+                </a:cubicBezTo>
+                <a:lnTo>
+                  <a:pt x="1196466" y="1146395"/>
+                </a:lnTo>
+                <a:lnTo>
+                  <a:pt x="0" y="1146395"/>
+                </a:lnTo>
+                <a:lnTo>
+                  <a:pt x="0" y="858363"/>
+                </a:lnTo>
+                <a:cubicBezTo>
+                  <a:pt x="0" y="739056"/>
+                  <a:pt x="150659" y="636691"/>
+                  <a:pt x="365374" y="592966"/>
+                </a:cubicBezTo>
+                <a:lnTo>
+                  <a:pt x="409375" y="586389"/>
+                </a:lnTo>
+                <a:lnTo>
+                  <a:pt x="369105" y="553164"/>
+                </a:lnTo>
+                <a:cubicBezTo>
+                  <a:pt x="310466" y="494525"/>
+                  <a:pt x="274197" y="413516"/>
+                  <a:pt x="274197" y="324036"/>
+                </a:cubicBezTo>
+                <a:cubicBezTo>
+                  <a:pt x="274197" y="145076"/>
+                  <a:pt x="419273" y="0"/>
+                  <a:pt x="598233" y="0"/>
+                </a:cubicBezTo>
+                <a:close/>
+              </a:path>
+            </a:pathLst>
+          </a:custGeom>
+          <a:solidFill>
+            <a:schemeClr val="accent6"/>
+          </a:solidFill>
+          <a:ln>
+            <a:solidFill>
+              <a:schemeClr val="accent6">
+                <a:lumMod val="75000"/>
+              </a:schemeClr>
+            </a:solidFill>
+          </a:ln>
+        </p:spPr>
+        <p:style>
+          <a:lnRef idx="2">
+            <a:schemeClr val="accent1">
+              <a:shade val="50000"/>
+            </a:schemeClr>
+          </a:lnRef>
+          <a:fillRef idx="1">
+            <a:schemeClr val="accent1"/>
+          </a:fillRef>
+          <a:effectRef idx="0">
+            <a:schemeClr val="accent1"/>
+          </a:effectRef>
+          <a:fontRef idx="minor">
+            <a:schemeClr val="lt1"/>
+          </a:fontRef>
+        </p:style>
+        <p:txBody>
+          <a:bodyPr rtlCol="0" anchor="ctr"/>
+          <a:lstStyle/>
+          <a:p>
+            <a:pPr algn="ctr"/>
+            <a:endParaRPr lang="de-DE"/>
+          </a:p>
+        </p:txBody>
+      </p:sp>
+      <p:sp>
+        <p:nvSpPr>
+          <p:cNvPr id="31" name="Pfeil nach rechts 30"/>
+          <p:cNvSpPr/>
+          <p:nvPr/>
+        </p:nvSpPr>
+        <p:spPr>
+          <a:xfrm flipH="1">
+            <a:off x="5907396" y="2911443"/>
+            <a:ext cx="1832955" cy="1070699"/>
+          </a:xfrm>
+          <a:prstGeom prst="rightArrow">
+            <a:avLst/>
+          </a:prstGeom>
+          <a:solidFill>
+            <a:schemeClr val="accent6"/>
+          </a:solidFill>
+          <a:ln>
+            <a:solidFill>
+              <a:schemeClr val="accent6">
+                <a:lumMod val="75000"/>
+              </a:schemeClr>
+            </a:solidFill>
+          </a:ln>
+        </p:spPr>
+        <p:style>
+          <a:lnRef idx="2">
+            <a:schemeClr val="accent1">
+              <a:shade val="50000"/>
+            </a:schemeClr>
+          </a:lnRef>
+          <a:fillRef idx="1">
+            <a:schemeClr val="accent1"/>
+          </a:fillRef>
+          <a:effectRef idx="0">
+            <a:schemeClr val="accent1"/>
+          </a:effectRef>
+          <a:fontRef idx="minor">
+            <a:schemeClr val="lt1"/>
+          </a:fontRef>
+        </p:style>
+        <p:txBody>
+          <a:bodyPr rtlCol="0" anchor="ctr"/>
+          <a:lstStyle/>
+          <a:p>
+            <a:pPr algn="ctr"/>
+            <a:endParaRPr lang="de-DE" sz="1400" dirty="0"/>
+          </a:p>
+        </p:txBody>
+      </p:sp>
+      <p:sp>
+        <p:nvSpPr>
+          <p:cNvPr id="32" name="Textfeld 31"/>
+          <p:cNvSpPr txBox="1"/>
+          <p:nvPr/>
+        </p:nvSpPr>
+        <p:spPr>
+          <a:xfrm rot="16200000">
+            <a:off x="4541976" y="3172325"/>
+            <a:ext cx="1846281" cy="369332"/>
+          </a:xfrm>
+          <a:prstGeom prst="rect">
+            <a:avLst/>
+          </a:prstGeom>
+          <a:noFill/>
+        </p:spPr>
+        <p:txBody>
+          <a:bodyPr wrap="square" rtlCol="0">
+            <a:spAutoFit/>
+          </a:bodyPr>
+          <a:lstStyle/>
+          <a:p>
+            <a:r>
+              <a:rPr lang="de-DE" dirty="0" smtClean="0"/>
+              <a:t>System Tests</a:t>
+            </a:r>
+            <a:endParaRPr lang="de-DE" dirty="0"/>
+          </a:p>
+        </p:txBody>
+      </p:sp>
+      <p:sp>
+        <p:nvSpPr>
+          <p:cNvPr id="33" name="Textfeld 32"/>
+          <p:cNvSpPr txBox="1"/>
+          <p:nvPr/>
+        </p:nvSpPr>
+        <p:spPr>
+          <a:xfrm>
+            <a:off x="5993232" y="3244334"/>
+            <a:ext cx="1944216" cy="369332"/>
+          </a:xfrm>
+          <a:prstGeom prst="rect">
+            <a:avLst/>
+          </a:prstGeom>
+          <a:noFill/>
+        </p:spPr>
+        <p:txBody>
+          <a:bodyPr wrap="square" rtlCol="0">
+            <a:spAutoFit/>
+          </a:bodyPr>
+          <a:lstStyle/>
+          <a:p>
+            <a:r>
+              <a:rPr lang="de-DE" dirty="0" err="1" smtClean="0"/>
+              <a:t>Aktzeptanztests</a:t>
+            </a:r>
+            <a:endParaRPr lang="de-DE" dirty="0"/>
+          </a:p>
+        </p:txBody>
+      </p:sp>
+    </p:spTree>
+    <p:extLst>
+      <p:ext uri="{BB962C8B-B14F-4D97-AF65-F5344CB8AC3E}">
+        <p14:creationId xmlns:p14="http://schemas.microsoft.com/office/powerpoint/2010/main" val="2675042044"/>
+      </p:ext>
+    </p:extLst>
+  </p:cSld>
+  <p:clrMapOvr>
+    <a:masterClrMapping/>
+  </p:clrMapOvr>
+</p:sld>
+</file>
+
+<file path=ppt/slides/slide11.xml><?xml version="1.0" encoding="utf-8"?>
 <p:sld xmlns:a="http://schemas.openxmlformats.org/drawingml/2006/main" xmlns:r="http://schemas.openxmlformats.org/officeDocument/2006/relationships" xmlns:p="http://schemas.openxmlformats.org/presentationml/2006/main">
   <p:cSld>
     <p:spTree>
@@ -6871,7 +8359,7 @@
 </p:sld>
 </file>
 
-<file path=ppt/slides/slide11.xml><?xml version="1.0" encoding="utf-8"?>
+<file path=ppt/slides/slide12.xml><?xml version="1.0" encoding="utf-8"?>
 <p:sld xmlns:a="http://schemas.openxmlformats.org/drawingml/2006/main" xmlns:r="http://schemas.openxmlformats.org/officeDocument/2006/relationships" xmlns:p="http://schemas.openxmlformats.org/presentationml/2006/main">
   <p:cSld>
     <p:spTree>
@@ -8526,7 +10014,7 @@
 </p:sld>
 </file>
 
-<file path=ppt/slides/slide12.xml><?xml version="1.0" encoding="utf-8"?>
+<file path=ppt/slides/slide13.xml><?xml version="1.0" encoding="utf-8"?>
 <p:sld xmlns:a="http://schemas.openxmlformats.org/drawingml/2006/main" xmlns:r="http://schemas.openxmlformats.org/officeDocument/2006/relationships" xmlns:p="http://schemas.openxmlformats.org/presentationml/2006/main">
   <p:cSld>
     <p:spTree>
@@ -10387,7 +11875,7 @@
 </p:sld>
 </file>
 
-<file path=ppt/slides/slide13.xml><?xml version="1.0" encoding="utf-8"?>
+<file path=ppt/slides/slide14.xml><?xml version="1.0" encoding="utf-8"?>
 <p:sld xmlns:a="http://schemas.openxmlformats.org/drawingml/2006/main" xmlns:r="http://schemas.openxmlformats.org/officeDocument/2006/relationships" xmlns:p="http://schemas.openxmlformats.org/presentationml/2006/main">
   <p:cSld>
     <p:spTree>
@@ -12888,7 +14376,7 @@
 </p:sld>
 </file>
 
-<file path=ppt/slides/slide14.xml><?xml version="1.0" encoding="utf-8"?>
+<file path=ppt/slides/slide15.xml><?xml version="1.0" encoding="utf-8"?>
 <p:sld xmlns:a="http://schemas.openxmlformats.org/drawingml/2006/main" xmlns:r="http://schemas.openxmlformats.org/officeDocument/2006/relationships" xmlns:p="http://schemas.openxmlformats.org/presentationml/2006/main">
   <p:cSld>
     <p:spTree>
@@ -14040,7 +15528,7 @@
 </p:sld>
 </file>
 
-<file path=ppt/slides/slide15.xml><?xml version="1.0" encoding="utf-8"?>
+<file path=ppt/slides/slide16.xml><?xml version="1.0" encoding="utf-8"?>
 <p:sld xmlns:a="http://schemas.openxmlformats.org/drawingml/2006/main" xmlns:r="http://schemas.openxmlformats.org/officeDocument/2006/relationships" xmlns:p="http://schemas.openxmlformats.org/presentationml/2006/main">
   <p:cSld>
     <p:spTree>
@@ -15651,7 +17139,7 @@
 </p:sld>
 </file>
 
-<file path=ppt/slides/slide16.xml><?xml version="1.0" encoding="utf-8"?>
+<file path=ppt/slides/slide17.xml><?xml version="1.0" encoding="utf-8"?>
 <p:sld xmlns:a="http://schemas.openxmlformats.org/drawingml/2006/main" xmlns:r="http://schemas.openxmlformats.org/officeDocument/2006/relationships" xmlns:p="http://schemas.openxmlformats.org/presentationml/2006/main">
   <p:cSld>
     <p:spTree>
@@ -15681,7 +17169,7 @@
 </p:sld>
 </file>
 
-<file path=ppt/slides/slide17.xml><?xml version="1.0" encoding="utf-8"?>
+<file path=ppt/slides/slide18.xml><?xml version="1.0" encoding="utf-8"?>
 <p:sld xmlns:a="http://schemas.openxmlformats.org/drawingml/2006/main" xmlns:r="http://schemas.openxmlformats.org/officeDocument/2006/relationships" xmlns:p="http://schemas.openxmlformats.org/presentationml/2006/main">
   <p:cSld>
     <p:spTree>
@@ -15711,7 +17199,7 @@
 </p:sld>
 </file>
 
-<file path=ppt/slides/slide18.xml><?xml version="1.0" encoding="utf-8"?>
+<file path=ppt/slides/slide19.xml><?xml version="1.0" encoding="utf-8"?>
 <p:sld xmlns:a="http://schemas.openxmlformats.org/drawingml/2006/main" xmlns:r="http://schemas.openxmlformats.org/officeDocument/2006/relationships" xmlns:p="http://schemas.openxmlformats.org/presentationml/2006/main">
   <p:cSld>
     <p:spTree>
@@ -15732,36 +17220,6 @@
     <p:extLst>
       <p:ext uri="{BB962C8B-B14F-4D97-AF65-F5344CB8AC3E}">
         <p14:creationId xmlns:p14="http://schemas.microsoft.com/office/powerpoint/2010/main" val="1081661797"/>
-      </p:ext>
-    </p:extLst>
-  </p:cSld>
-  <p:clrMapOvr>
-    <a:masterClrMapping/>
-  </p:clrMapOvr>
-</p:sld>
-</file>
-
-<file path=ppt/slides/slide19.xml><?xml version="1.0" encoding="utf-8"?>
-<p:sld xmlns:a="http://schemas.openxmlformats.org/drawingml/2006/main" xmlns:r="http://schemas.openxmlformats.org/officeDocument/2006/relationships" xmlns:p="http://schemas.openxmlformats.org/presentationml/2006/main">
-  <p:cSld>
-    <p:spTree>
-      <p:nvGrpSpPr>
-        <p:cNvPr id="1" name=""/>
-        <p:cNvGrpSpPr/>
-        <p:nvPr/>
-      </p:nvGrpSpPr>
-      <p:grpSpPr>
-        <a:xfrm>
-          <a:off x="0" y="0"/>
-          <a:ext cx="0" cy="0"/>
-          <a:chOff x="0" y="0"/>
-          <a:chExt cx="0" cy="0"/>
-        </a:xfrm>
-      </p:grpSpPr>
-    </p:spTree>
-    <p:extLst>
-      <p:ext uri="{BB962C8B-B14F-4D97-AF65-F5344CB8AC3E}">
-        <p14:creationId xmlns:p14="http://schemas.microsoft.com/office/powerpoint/2010/main" val="221260500"/>
       </p:ext>
     </p:extLst>
   </p:cSld>
@@ -16444,6 +17902,36 @@
 </file>
 
 <file path=ppt/slides/slide20.xml><?xml version="1.0" encoding="utf-8"?>
+<p:sld xmlns:a="http://schemas.openxmlformats.org/drawingml/2006/main" xmlns:r="http://schemas.openxmlformats.org/officeDocument/2006/relationships" xmlns:p="http://schemas.openxmlformats.org/presentationml/2006/main">
+  <p:cSld>
+    <p:spTree>
+      <p:nvGrpSpPr>
+        <p:cNvPr id="1" name=""/>
+        <p:cNvGrpSpPr/>
+        <p:nvPr/>
+      </p:nvGrpSpPr>
+      <p:grpSpPr>
+        <a:xfrm>
+          <a:off x="0" y="0"/>
+          <a:ext cx="0" cy="0"/>
+          <a:chOff x="0" y="0"/>
+          <a:chExt cx="0" cy="0"/>
+        </a:xfrm>
+      </p:grpSpPr>
+    </p:spTree>
+    <p:extLst>
+      <p:ext uri="{BB962C8B-B14F-4D97-AF65-F5344CB8AC3E}">
+        <p14:creationId xmlns:p14="http://schemas.microsoft.com/office/powerpoint/2010/main" val="221260500"/>
+      </p:ext>
+    </p:extLst>
+  </p:cSld>
+  <p:clrMapOvr>
+    <a:masterClrMapping/>
+  </p:clrMapOvr>
+</p:sld>
+</file>
+
+<file path=ppt/slides/slide21.xml><?xml version="1.0" encoding="utf-8"?>
 <p:sld xmlns:a="http://schemas.openxmlformats.org/drawingml/2006/main" xmlns:r="http://schemas.openxmlformats.org/officeDocument/2006/relationships" xmlns:p="http://schemas.openxmlformats.org/presentationml/2006/main">
   <p:cSld>
     <p:spTree>
@@ -18540,6 +20028,1423 @@
       </p:grpSpPr>
       <p:grpSp>
         <p:nvGrpSpPr>
+          <p:cNvPr id="55" name="Gruppieren 54"/>
+          <p:cNvGrpSpPr/>
+          <p:nvPr/>
+        </p:nvGrpSpPr>
+        <p:grpSpPr>
+          <a:xfrm>
+            <a:off x="118242" y="506817"/>
+            <a:ext cx="8907517" cy="2532772"/>
+            <a:chOff x="0" y="103221"/>
+            <a:chExt cx="8907517" cy="2532772"/>
+          </a:xfrm>
+        </p:grpSpPr>
+        <p:sp>
+          <p:nvSpPr>
+            <p:cNvPr id="4" name="Abgerundetes Rechteck 3"/>
+            <p:cNvSpPr/>
+            <p:nvPr/>
+          </p:nvSpPr>
+          <p:spPr>
+            <a:xfrm>
+              <a:off x="895481" y="1109891"/>
+              <a:ext cx="1500878" cy="763051"/>
+            </a:xfrm>
+            <a:prstGeom prst="roundRect">
+              <a:avLst/>
+            </a:prstGeom>
+          </p:spPr>
+          <p:style>
+            <a:lnRef idx="2">
+              <a:schemeClr val="accent1">
+                <a:shade val="50000"/>
+              </a:schemeClr>
+            </a:lnRef>
+            <a:fillRef idx="1">
+              <a:schemeClr val="accent1"/>
+            </a:fillRef>
+            <a:effectRef idx="0">
+              <a:schemeClr val="accent1"/>
+            </a:effectRef>
+            <a:fontRef idx="minor">
+              <a:schemeClr val="lt1"/>
+            </a:fontRef>
+          </p:style>
+          <p:txBody>
+            <a:bodyPr rtlCol="0" anchor="ctr"/>
+            <a:lstStyle/>
+            <a:p>
+              <a:pPr algn="ctr"/>
+              <a:r>
+                <a:rPr lang="de-DE" dirty="0" smtClean="0"/>
+                <a:t>Zahlung erwartet</a:t>
+              </a:r>
+              <a:endParaRPr lang="de-DE" dirty="0"/>
+            </a:p>
+          </p:txBody>
+        </p:sp>
+        <p:sp>
+          <p:nvSpPr>
+            <p:cNvPr id="7" name="Abgerundetes Rechteck 6"/>
+            <p:cNvSpPr/>
+            <p:nvPr/>
+          </p:nvSpPr>
+          <p:spPr>
+            <a:xfrm>
+              <a:off x="3065867" y="1872942"/>
+              <a:ext cx="1500878" cy="763051"/>
+            </a:xfrm>
+            <a:prstGeom prst="roundRect">
+              <a:avLst/>
+            </a:prstGeom>
+          </p:spPr>
+          <p:style>
+            <a:lnRef idx="2">
+              <a:schemeClr val="accent1">
+                <a:shade val="50000"/>
+              </a:schemeClr>
+            </a:lnRef>
+            <a:fillRef idx="1">
+              <a:schemeClr val="accent1"/>
+            </a:fillRef>
+            <a:effectRef idx="0">
+              <a:schemeClr val="accent1"/>
+            </a:effectRef>
+            <a:fontRef idx="minor">
+              <a:schemeClr val="lt1"/>
+            </a:fontRef>
+          </p:style>
+          <p:txBody>
+            <a:bodyPr rtlCol="0" anchor="ctr"/>
+            <a:lstStyle/>
+            <a:p>
+              <a:pPr algn="ctr"/>
+              <a:r>
+                <a:rPr lang="de-DE" dirty="0"/>
+                <a:t>Bestellung storniert</a:t>
+              </a:r>
+              <a:endParaRPr lang="de-DE" dirty="0"/>
+            </a:p>
+          </p:txBody>
+        </p:sp>
+        <p:sp>
+          <p:nvSpPr>
+            <p:cNvPr id="8" name="Abgerundetes Rechteck 7"/>
+            <p:cNvSpPr/>
+            <p:nvPr/>
+          </p:nvSpPr>
+          <p:spPr>
+            <a:xfrm>
+              <a:off x="3065867" y="346840"/>
+              <a:ext cx="1500878" cy="763051"/>
+            </a:xfrm>
+            <a:prstGeom prst="roundRect">
+              <a:avLst/>
+            </a:prstGeom>
+          </p:spPr>
+          <p:style>
+            <a:lnRef idx="2">
+              <a:schemeClr val="accent1">
+                <a:shade val="50000"/>
+              </a:schemeClr>
+            </a:lnRef>
+            <a:fillRef idx="1">
+              <a:schemeClr val="accent1"/>
+            </a:fillRef>
+            <a:effectRef idx="0">
+              <a:schemeClr val="accent1"/>
+            </a:effectRef>
+            <a:fontRef idx="minor">
+              <a:schemeClr val="lt1"/>
+            </a:fontRef>
+          </p:style>
+          <p:txBody>
+            <a:bodyPr rtlCol="0" anchor="ctr"/>
+            <a:lstStyle/>
+            <a:p>
+              <a:pPr algn="ctr"/>
+              <a:r>
+                <a:rPr lang="de-DE" dirty="0" smtClean="0"/>
+                <a:t>Vorbereiten</a:t>
+              </a:r>
+              <a:endParaRPr lang="de-DE" dirty="0"/>
+            </a:p>
+          </p:txBody>
+        </p:sp>
+        <p:sp>
+          <p:nvSpPr>
+            <p:cNvPr id="9" name="Abgerundetes Rechteck 8"/>
+            <p:cNvSpPr/>
+            <p:nvPr/>
+          </p:nvSpPr>
+          <p:spPr>
+            <a:xfrm>
+              <a:off x="5236253" y="346839"/>
+              <a:ext cx="1500878" cy="763051"/>
+            </a:xfrm>
+            <a:prstGeom prst="roundRect">
+              <a:avLst/>
+            </a:prstGeom>
+          </p:spPr>
+          <p:style>
+            <a:lnRef idx="2">
+              <a:schemeClr val="accent1">
+                <a:shade val="50000"/>
+              </a:schemeClr>
+            </a:lnRef>
+            <a:fillRef idx="1">
+              <a:schemeClr val="accent1"/>
+            </a:fillRef>
+            <a:effectRef idx="0">
+              <a:schemeClr val="accent1"/>
+            </a:effectRef>
+            <a:fontRef idx="minor">
+              <a:schemeClr val="lt1"/>
+            </a:fontRef>
+          </p:style>
+          <p:txBody>
+            <a:bodyPr rtlCol="0" anchor="ctr"/>
+            <a:lstStyle/>
+            <a:p>
+              <a:pPr algn="ctr"/>
+              <a:r>
+                <a:rPr lang="de-DE" dirty="0" smtClean="0"/>
+                <a:t>Bereit</a:t>
+              </a:r>
+              <a:endParaRPr lang="de-DE" dirty="0"/>
+            </a:p>
+          </p:txBody>
+        </p:sp>
+        <p:sp>
+          <p:nvSpPr>
+            <p:cNvPr id="10" name="Abgerundetes Rechteck 9"/>
+            <p:cNvSpPr/>
+            <p:nvPr/>
+          </p:nvSpPr>
+          <p:spPr>
+            <a:xfrm>
+              <a:off x="7406639" y="346839"/>
+              <a:ext cx="1500878" cy="763051"/>
+            </a:xfrm>
+            <a:prstGeom prst="roundRect">
+              <a:avLst/>
+            </a:prstGeom>
+          </p:spPr>
+          <p:style>
+            <a:lnRef idx="2">
+              <a:schemeClr val="accent1">
+                <a:shade val="50000"/>
+              </a:schemeClr>
+            </a:lnRef>
+            <a:fillRef idx="1">
+              <a:schemeClr val="accent1"/>
+            </a:fillRef>
+            <a:effectRef idx="0">
+              <a:schemeClr val="accent1"/>
+            </a:effectRef>
+            <a:fontRef idx="minor">
+              <a:schemeClr val="lt1"/>
+            </a:fontRef>
+          </p:style>
+          <p:txBody>
+            <a:bodyPr rtlCol="0" anchor="ctr"/>
+            <a:lstStyle/>
+            <a:p>
+              <a:pPr algn="ctr"/>
+              <a:r>
+                <a:rPr lang="de-DE" dirty="0" smtClean="0"/>
+                <a:t>Fertig</a:t>
+              </a:r>
+              <a:endParaRPr lang="de-DE" dirty="0"/>
+            </a:p>
+          </p:txBody>
+        </p:sp>
+        <p:cxnSp>
+          <p:nvCxnSpPr>
+            <p:cNvPr id="12" name="Gerade Verbindung mit Pfeil 11"/>
+            <p:cNvCxnSpPr>
+              <a:endCxn id="4" idx="1"/>
+            </p:cNvCxnSpPr>
+            <p:nvPr/>
+          </p:nvCxnSpPr>
+          <p:spPr>
+            <a:xfrm>
+              <a:off x="0" y="1491416"/>
+              <a:ext cx="895481" cy="1"/>
+            </a:xfrm>
+            <a:prstGeom prst="straightConnector1">
+              <a:avLst/>
+            </a:prstGeom>
+            <a:ln w="38100">
+              <a:tailEnd type="triangle"/>
+            </a:ln>
+          </p:spPr>
+          <p:style>
+            <a:lnRef idx="1">
+              <a:schemeClr val="accent1"/>
+            </a:lnRef>
+            <a:fillRef idx="0">
+              <a:schemeClr val="accent1"/>
+            </a:fillRef>
+            <a:effectRef idx="0">
+              <a:schemeClr val="accent1"/>
+            </a:effectRef>
+            <a:fontRef idx="minor">
+              <a:schemeClr val="tx1"/>
+            </a:fontRef>
+          </p:style>
+        </p:cxnSp>
+        <p:cxnSp>
+          <p:nvCxnSpPr>
+            <p:cNvPr id="14" name="Gerade Verbindung mit Pfeil 13"/>
+            <p:cNvCxnSpPr>
+              <a:stCxn id="4" idx="3"/>
+              <a:endCxn id="8" idx="1"/>
+            </p:cNvCxnSpPr>
+            <p:nvPr/>
+          </p:nvCxnSpPr>
+          <p:spPr>
+            <a:xfrm flipV="1">
+              <a:off x="2396359" y="728366"/>
+              <a:ext cx="669508" cy="763051"/>
+            </a:xfrm>
+            <a:prstGeom prst="straightConnector1">
+              <a:avLst/>
+            </a:prstGeom>
+            <a:ln w="38100">
+              <a:tailEnd type="triangle"/>
+            </a:ln>
+          </p:spPr>
+          <p:style>
+            <a:lnRef idx="1">
+              <a:schemeClr val="accent1"/>
+            </a:lnRef>
+            <a:fillRef idx="0">
+              <a:schemeClr val="accent1"/>
+            </a:fillRef>
+            <a:effectRef idx="0">
+              <a:schemeClr val="accent1"/>
+            </a:effectRef>
+            <a:fontRef idx="minor">
+              <a:schemeClr val="tx1"/>
+            </a:fontRef>
+          </p:style>
+        </p:cxnSp>
+        <p:cxnSp>
+          <p:nvCxnSpPr>
+            <p:cNvPr id="17" name="Gerade Verbindung mit Pfeil 16"/>
+            <p:cNvCxnSpPr>
+              <a:stCxn id="4" idx="3"/>
+              <a:endCxn id="7" idx="1"/>
+            </p:cNvCxnSpPr>
+            <p:nvPr/>
+          </p:nvCxnSpPr>
+          <p:spPr>
+            <a:xfrm>
+              <a:off x="2396359" y="1491417"/>
+              <a:ext cx="669508" cy="763051"/>
+            </a:xfrm>
+            <a:prstGeom prst="straightConnector1">
+              <a:avLst/>
+            </a:prstGeom>
+            <a:ln w="38100">
+              <a:tailEnd type="triangle"/>
+            </a:ln>
+          </p:spPr>
+          <p:style>
+            <a:lnRef idx="1">
+              <a:schemeClr val="accent1"/>
+            </a:lnRef>
+            <a:fillRef idx="0">
+              <a:schemeClr val="accent1"/>
+            </a:fillRef>
+            <a:effectRef idx="0">
+              <a:schemeClr val="accent1"/>
+            </a:effectRef>
+            <a:fontRef idx="minor">
+              <a:schemeClr val="tx1"/>
+            </a:fontRef>
+          </p:style>
+        </p:cxnSp>
+        <p:cxnSp>
+          <p:nvCxnSpPr>
+            <p:cNvPr id="21" name="Gerade Verbindung mit Pfeil 20"/>
+            <p:cNvCxnSpPr>
+              <a:stCxn id="8" idx="3"/>
+              <a:endCxn id="9" idx="1"/>
+            </p:cNvCxnSpPr>
+            <p:nvPr/>
+          </p:nvCxnSpPr>
+          <p:spPr>
+            <a:xfrm flipV="1">
+              <a:off x="4566745" y="728365"/>
+              <a:ext cx="669508" cy="1"/>
+            </a:xfrm>
+            <a:prstGeom prst="straightConnector1">
+              <a:avLst/>
+            </a:prstGeom>
+            <a:ln w="38100">
+              <a:tailEnd type="triangle"/>
+            </a:ln>
+          </p:spPr>
+          <p:style>
+            <a:lnRef idx="1">
+              <a:schemeClr val="accent1"/>
+            </a:lnRef>
+            <a:fillRef idx="0">
+              <a:schemeClr val="accent1"/>
+            </a:fillRef>
+            <a:effectRef idx="0">
+              <a:schemeClr val="accent1"/>
+            </a:effectRef>
+            <a:fontRef idx="minor">
+              <a:schemeClr val="tx1"/>
+            </a:fontRef>
+          </p:style>
+        </p:cxnSp>
+        <p:cxnSp>
+          <p:nvCxnSpPr>
+            <p:cNvPr id="24" name="Gerade Verbindung mit Pfeil 23"/>
+            <p:cNvCxnSpPr>
+              <a:stCxn id="9" idx="3"/>
+              <a:endCxn id="10" idx="1"/>
+            </p:cNvCxnSpPr>
+            <p:nvPr/>
+          </p:nvCxnSpPr>
+          <p:spPr>
+            <a:xfrm>
+              <a:off x="6737131" y="728365"/>
+              <a:ext cx="669508" cy="0"/>
+            </a:xfrm>
+            <a:prstGeom prst="straightConnector1">
+              <a:avLst/>
+            </a:prstGeom>
+            <a:ln w="38100">
+              <a:tailEnd type="triangle"/>
+            </a:ln>
+          </p:spPr>
+          <p:style>
+            <a:lnRef idx="1">
+              <a:schemeClr val="accent1"/>
+            </a:lnRef>
+            <a:fillRef idx="0">
+              <a:schemeClr val="accent1"/>
+            </a:fillRef>
+            <a:effectRef idx="0">
+              <a:schemeClr val="accent1"/>
+            </a:effectRef>
+            <a:fontRef idx="minor">
+              <a:schemeClr val="tx1"/>
+            </a:fontRef>
+          </p:style>
+        </p:cxnSp>
+        <p:sp>
+          <p:nvSpPr>
+            <p:cNvPr id="47" name="Freihandform 46"/>
+            <p:cNvSpPr/>
+            <p:nvPr/>
+          </p:nvSpPr>
+          <p:spPr>
+            <a:xfrm>
+              <a:off x="1216239" y="506821"/>
+              <a:ext cx="859362" cy="603069"/>
+            </a:xfrm>
+            <a:custGeom>
+              <a:avLst/>
+              <a:gdLst>
+                <a:gd name="connsiteX0" fmla="*/ 812176 w 859362"/>
+                <a:gd name="connsiteY0" fmla="*/ 603069 h 603069"/>
+                <a:gd name="connsiteX1" fmla="*/ 837401 w 859362"/>
+                <a:gd name="connsiteY1" fmla="*/ 85960 h 603069"/>
+                <a:gd name="connsiteX2" fmla="*/ 534703 w 859362"/>
+                <a:gd name="connsiteY2" fmla="*/ 10285 h 603069"/>
+                <a:gd name="connsiteX3" fmla="*/ 11288 w 859362"/>
+                <a:gd name="connsiteY3" fmla="*/ 193165 h 603069"/>
+                <a:gd name="connsiteX4" fmla="*/ 206780 w 859362"/>
+                <a:gd name="connsiteY4" fmla="*/ 558925 h 603069"/>
+              </a:gdLst>
+              <a:ahLst/>
+              <a:cxnLst>
+                <a:cxn ang="0">
+                  <a:pos x="connsiteX0" y="connsiteY0"/>
+                </a:cxn>
+                <a:cxn ang="0">
+                  <a:pos x="connsiteX1" y="connsiteY1"/>
+                </a:cxn>
+                <a:cxn ang="0">
+                  <a:pos x="connsiteX2" y="connsiteY2"/>
+                </a:cxn>
+                <a:cxn ang="0">
+                  <a:pos x="connsiteX3" y="connsiteY3"/>
+                </a:cxn>
+                <a:cxn ang="0">
+                  <a:pos x="connsiteX4" y="connsiteY4"/>
+                </a:cxn>
+              </a:cxnLst>
+              <a:rect l="l" t="t" r="r" b="b"/>
+              <a:pathLst>
+                <a:path w="859362" h="603069">
+                  <a:moveTo>
+                    <a:pt x="812176" y="603069"/>
+                  </a:moveTo>
+                  <a:cubicBezTo>
+                    <a:pt x="847911" y="393913"/>
+                    <a:pt x="883647" y="184757"/>
+                    <a:pt x="837401" y="85960"/>
+                  </a:cubicBezTo>
+                  <a:cubicBezTo>
+                    <a:pt x="791155" y="-12837"/>
+                    <a:pt x="672388" y="-7583"/>
+                    <a:pt x="534703" y="10285"/>
+                  </a:cubicBezTo>
+                  <a:cubicBezTo>
+                    <a:pt x="397017" y="28152"/>
+                    <a:pt x="65942" y="101725"/>
+                    <a:pt x="11288" y="193165"/>
+                  </a:cubicBezTo>
+                  <a:cubicBezTo>
+                    <a:pt x="-43366" y="284605"/>
+                    <a:pt x="113238" y="508475"/>
+                    <a:pt x="206780" y="558925"/>
+                  </a:cubicBezTo>
+                </a:path>
+              </a:pathLst>
+            </a:custGeom>
+            <a:noFill/>
+            <a:ln w="38100">
+              <a:solidFill>
+                <a:schemeClr val="accent1"/>
+              </a:solidFill>
+              <a:headEnd type="none" w="med" len="med"/>
+              <a:tailEnd type="triangle" w="med" len="med"/>
+            </a:ln>
+          </p:spPr>
+          <p:style>
+            <a:lnRef idx="2">
+              <a:schemeClr val="accent1">
+                <a:shade val="50000"/>
+              </a:schemeClr>
+            </a:lnRef>
+            <a:fillRef idx="1">
+              <a:schemeClr val="accent1"/>
+            </a:fillRef>
+            <a:effectRef idx="0">
+              <a:schemeClr val="accent1"/>
+            </a:effectRef>
+            <a:fontRef idx="minor">
+              <a:schemeClr val="lt1"/>
+            </a:fontRef>
+          </p:style>
+          <p:txBody>
+            <a:bodyPr rtlCol="0" anchor="ctr"/>
+            <a:lstStyle/>
+            <a:p>
+              <a:pPr algn="ctr"/>
+              <a:endParaRPr lang="de-DE"/>
+            </a:p>
+          </p:txBody>
+        </p:sp>
+        <p:sp>
+          <p:nvSpPr>
+            <p:cNvPr id="48" name="Ellipse 47"/>
+            <p:cNvSpPr/>
+            <p:nvPr/>
+          </p:nvSpPr>
+          <p:spPr>
+            <a:xfrm>
+              <a:off x="278332" y="1109890"/>
+              <a:ext cx="334231" cy="334231"/>
+            </a:xfrm>
+            <a:prstGeom prst="ellipse">
+              <a:avLst/>
+            </a:prstGeom>
+          </p:spPr>
+          <p:style>
+            <a:lnRef idx="2">
+              <a:schemeClr val="accent2">
+                <a:shade val="50000"/>
+              </a:schemeClr>
+            </a:lnRef>
+            <a:fillRef idx="1">
+              <a:schemeClr val="accent2"/>
+            </a:fillRef>
+            <a:effectRef idx="0">
+              <a:schemeClr val="accent2"/>
+            </a:effectRef>
+            <a:fontRef idx="minor">
+              <a:schemeClr val="lt1"/>
+            </a:fontRef>
+          </p:style>
+          <p:txBody>
+            <a:bodyPr rtlCol="0" anchor="ctr"/>
+            <a:lstStyle/>
+            <a:p>
+              <a:pPr algn="ctr"/>
+              <a:r>
+                <a:rPr lang="de-DE" dirty="0" smtClean="0"/>
+                <a:t>1</a:t>
+              </a:r>
+              <a:endParaRPr lang="de-DE" dirty="0"/>
+            </a:p>
+          </p:txBody>
+        </p:sp>
+        <p:sp>
+          <p:nvSpPr>
+            <p:cNvPr id="49" name="Ellipse 48"/>
+            <p:cNvSpPr/>
+            <p:nvPr/>
+          </p:nvSpPr>
+          <p:spPr>
+            <a:xfrm>
+              <a:off x="1478804" y="103221"/>
+              <a:ext cx="334231" cy="334231"/>
+            </a:xfrm>
+            <a:prstGeom prst="ellipse">
+              <a:avLst/>
+            </a:prstGeom>
+          </p:spPr>
+          <p:style>
+            <a:lnRef idx="2">
+              <a:schemeClr val="accent2">
+                <a:shade val="50000"/>
+              </a:schemeClr>
+            </a:lnRef>
+            <a:fillRef idx="1">
+              <a:schemeClr val="accent2"/>
+            </a:fillRef>
+            <a:effectRef idx="0">
+              <a:schemeClr val="accent2"/>
+            </a:effectRef>
+            <a:fontRef idx="minor">
+              <a:schemeClr val="lt1"/>
+            </a:fontRef>
+          </p:style>
+          <p:txBody>
+            <a:bodyPr rtlCol="0" anchor="ctr"/>
+            <a:lstStyle/>
+            <a:p>
+              <a:pPr algn="ctr"/>
+              <a:r>
+                <a:rPr lang="de-DE" dirty="0"/>
+                <a:t>2</a:t>
+              </a:r>
+            </a:p>
+          </p:txBody>
+        </p:sp>
+        <p:sp>
+          <p:nvSpPr>
+            <p:cNvPr id="50" name="Ellipse 49"/>
+            <p:cNvSpPr/>
+            <p:nvPr/>
+          </p:nvSpPr>
+          <p:spPr>
+            <a:xfrm>
+              <a:off x="2448717" y="728364"/>
+              <a:ext cx="334231" cy="334231"/>
+            </a:xfrm>
+            <a:prstGeom prst="ellipse">
+              <a:avLst/>
+            </a:prstGeom>
+          </p:spPr>
+          <p:style>
+            <a:lnRef idx="2">
+              <a:schemeClr val="accent2">
+                <a:shade val="50000"/>
+              </a:schemeClr>
+            </a:lnRef>
+            <a:fillRef idx="1">
+              <a:schemeClr val="accent2"/>
+            </a:fillRef>
+            <a:effectRef idx="0">
+              <a:schemeClr val="accent2"/>
+            </a:effectRef>
+            <a:fontRef idx="minor">
+              <a:schemeClr val="lt1"/>
+            </a:fontRef>
+          </p:style>
+          <p:txBody>
+            <a:bodyPr rtlCol="0" anchor="ctr"/>
+            <a:lstStyle/>
+            <a:p>
+              <a:pPr algn="ctr"/>
+              <a:r>
+                <a:rPr lang="de-DE" dirty="0"/>
+                <a:t>4</a:t>
+              </a:r>
+            </a:p>
+          </p:txBody>
+        </p:sp>
+        <p:sp>
+          <p:nvSpPr>
+            <p:cNvPr id="51" name="Ellipse 50"/>
+            <p:cNvSpPr/>
+            <p:nvPr/>
+          </p:nvSpPr>
+          <p:spPr>
+            <a:xfrm>
+              <a:off x="2448717" y="1924964"/>
+              <a:ext cx="334231" cy="334231"/>
+            </a:xfrm>
+            <a:prstGeom prst="ellipse">
+              <a:avLst/>
+            </a:prstGeom>
+          </p:spPr>
+          <p:style>
+            <a:lnRef idx="2">
+              <a:schemeClr val="accent2">
+                <a:shade val="50000"/>
+              </a:schemeClr>
+            </a:lnRef>
+            <a:fillRef idx="1">
+              <a:schemeClr val="accent2"/>
+            </a:fillRef>
+            <a:effectRef idx="0">
+              <a:schemeClr val="accent2"/>
+            </a:effectRef>
+            <a:fontRef idx="minor">
+              <a:schemeClr val="lt1"/>
+            </a:fontRef>
+          </p:style>
+          <p:txBody>
+            <a:bodyPr rtlCol="0" anchor="ctr"/>
+            <a:lstStyle/>
+            <a:p>
+              <a:pPr algn="ctr"/>
+              <a:r>
+                <a:rPr lang="de-DE" dirty="0"/>
+                <a:t>3</a:t>
+              </a:r>
+              <a:endParaRPr lang="de-DE" dirty="0"/>
+            </a:p>
+          </p:txBody>
+        </p:sp>
+        <p:sp>
+          <p:nvSpPr>
+            <p:cNvPr id="52" name="Ellipse 51"/>
+            <p:cNvSpPr/>
+            <p:nvPr/>
+          </p:nvSpPr>
+          <p:spPr>
+            <a:xfrm>
+              <a:off x="4734383" y="270336"/>
+              <a:ext cx="334231" cy="334231"/>
+            </a:xfrm>
+            <a:prstGeom prst="ellipse">
+              <a:avLst/>
+            </a:prstGeom>
+          </p:spPr>
+          <p:style>
+            <a:lnRef idx="2">
+              <a:schemeClr val="accent2">
+                <a:shade val="50000"/>
+              </a:schemeClr>
+            </a:lnRef>
+            <a:fillRef idx="1">
+              <a:schemeClr val="accent2"/>
+            </a:fillRef>
+            <a:effectRef idx="0">
+              <a:schemeClr val="accent2"/>
+            </a:effectRef>
+            <a:fontRef idx="minor">
+              <a:schemeClr val="lt1"/>
+            </a:fontRef>
+          </p:style>
+          <p:txBody>
+            <a:bodyPr rtlCol="0" anchor="ctr"/>
+            <a:lstStyle/>
+            <a:p>
+              <a:pPr algn="ctr"/>
+              <a:r>
+                <a:rPr lang="de-DE" dirty="0"/>
+                <a:t>5</a:t>
+              </a:r>
+            </a:p>
+          </p:txBody>
+        </p:sp>
+        <p:sp>
+          <p:nvSpPr>
+            <p:cNvPr id="53" name="Ellipse 52"/>
+            <p:cNvSpPr/>
+            <p:nvPr/>
+          </p:nvSpPr>
+          <p:spPr>
+            <a:xfrm>
+              <a:off x="6908972" y="264029"/>
+              <a:ext cx="334231" cy="334231"/>
+            </a:xfrm>
+            <a:prstGeom prst="ellipse">
+              <a:avLst/>
+            </a:prstGeom>
+          </p:spPr>
+          <p:style>
+            <a:lnRef idx="2">
+              <a:schemeClr val="accent2">
+                <a:shade val="50000"/>
+              </a:schemeClr>
+            </a:lnRef>
+            <a:fillRef idx="1">
+              <a:schemeClr val="accent2"/>
+            </a:fillRef>
+            <a:effectRef idx="0">
+              <a:schemeClr val="accent2"/>
+            </a:effectRef>
+            <a:fontRef idx="minor">
+              <a:schemeClr val="lt1"/>
+            </a:fontRef>
+          </p:style>
+          <p:txBody>
+            <a:bodyPr rtlCol="0" anchor="ctr"/>
+            <a:lstStyle/>
+            <a:p>
+              <a:pPr algn="ctr"/>
+              <a:r>
+                <a:rPr lang="de-DE" dirty="0"/>
+                <a:t>6</a:t>
+              </a:r>
+            </a:p>
+          </p:txBody>
+        </p:sp>
+      </p:grpSp>
+      <p:graphicFrame>
+        <p:nvGraphicFramePr>
+          <p:cNvPr id="54" name="Tabelle 53"/>
+          <p:cNvGraphicFramePr>
+            <a:graphicFrameLocks noGrp="1"/>
+          </p:cNvGraphicFramePr>
+          <p:nvPr>
+            <p:extLst>
+              <p:ext uri="{D42A27DB-BD31-4B8C-83A1-F6EECF244321}">
+                <p14:modId xmlns:p14="http://schemas.microsoft.com/office/powerpoint/2010/main" val="1240217410"/>
+              </p:ext>
+            </p:extLst>
+          </p:nvPr>
+        </p:nvGraphicFramePr>
+        <p:xfrm>
+          <a:off x="118241" y="3317063"/>
+          <a:ext cx="8907518" cy="3252075"/>
+        </p:xfrm>
+        <a:graphic>
+          <a:graphicData uri="http://schemas.openxmlformats.org/drawingml/2006/table">
+            <a:tbl>
+              <a:tblPr firstRow="1" bandRow="1">
+                <a:tableStyleId>{5C22544A-7EE6-4342-B048-85BDC9FD1C3A}</a:tableStyleId>
+              </a:tblPr>
+              <a:tblGrid>
+                <a:gridCol w="1443650"/>
+                <a:gridCol w="2696817"/>
+                <a:gridCol w="2696817"/>
+                <a:gridCol w="2070234"/>
+              </a:tblGrid>
+              <a:tr h="361555">
+                <a:tc>
+                  <a:txBody>
+                    <a:bodyPr/>
+                    <a:lstStyle/>
+                    <a:p>
+                      <a:r>
+                        <a:rPr lang="de-DE" sz="1400" dirty="0" smtClean="0"/>
+                        <a:t>Schritt</a:t>
+                      </a:r>
+                      <a:endParaRPr lang="de-DE" sz="1400" dirty="0"/>
+                    </a:p>
+                  </a:txBody>
+                  <a:tcPr/>
+                </a:tc>
+                <a:tc>
+                  <a:txBody>
+                    <a:bodyPr/>
+                    <a:lstStyle/>
+                    <a:p>
+                      <a:r>
+                        <a:rPr lang="de-DE" sz="1400" dirty="0" smtClean="0"/>
+                        <a:t>Methode</a:t>
+                      </a:r>
+                      <a:endParaRPr lang="de-DE" sz="1400" dirty="0"/>
+                    </a:p>
+                  </a:txBody>
+                  <a:tcPr/>
+                </a:tc>
+                <a:tc>
+                  <a:txBody>
+                    <a:bodyPr/>
+                    <a:lstStyle/>
+                    <a:p>
+                      <a:r>
+                        <a:rPr lang="de-DE" sz="1400" dirty="0" smtClean="0"/>
+                        <a:t>URI</a:t>
+                      </a:r>
+                      <a:endParaRPr lang="de-DE" sz="1400" dirty="0"/>
+                    </a:p>
+                  </a:txBody>
+                  <a:tcPr/>
+                </a:tc>
+                <a:tc>
+                  <a:txBody>
+                    <a:bodyPr/>
+                    <a:lstStyle/>
+                    <a:p>
+                      <a:r>
+                        <a:rPr lang="de-DE" sz="1400" dirty="0" smtClean="0"/>
+                        <a:t>Aktion</a:t>
+                      </a:r>
+                      <a:endParaRPr lang="de-DE" sz="1400" dirty="0"/>
+                    </a:p>
+                  </a:txBody>
+                  <a:tcPr/>
+                </a:tc>
+              </a:tr>
+              <a:tr h="370840">
+                <a:tc>
+                  <a:txBody>
+                    <a:bodyPr/>
+                    <a:lstStyle/>
+                    <a:p>
+                      <a:r>
+                        <a:rPr lang="de-DE" sz="1400" dirty="0" smtClean="0"/>
+                        <a:t>1</a:t>
+                      </a:r>
+                    </a:p>
+                  </a:txBody>
+                  <a:tcPr/>
+                </a:tc>
+                <a:tc>
+                  <a:txBody>
+                    <a:bodyPr/>
+                    <a:lstStyle/>
+                    <a:p>
+                      <a:r>
+                        <a:rPr lang="de-DE" sz="1400" dirty="0" smtClean="0"/>
+                        <a:t>POST</a:t>
+                      </a:r>
+                      <a:endParaRPr lang="de-DE" sz="1400" dirty="0"/>
+                    </a:p>
+                  </a:txBody>
+                  <a:tcPr/>
+                </a:tc>
+                <a:tc>
+                  <a:txBody>
+                    <a:bodyPr/>
+                    <a:lstStyle/>
+                    <a:p>
+                      <a:r>
+                        <a:rPr lang="de-DE" sz="1400" dirty="0" smtClean="0"/>
+                        <a:t>/</a:t>
+                      </a:r>
+                      <a:r>
+                        <a:rPr lang="de-DE" sz="1400" dirty="0" err="1" smtClean="0"/>
+                        <a:t>orders</a:t>
+                      </a:r>
+                      <a:endParaRPr lang="de-DE" sz="1400" dirty="0"/>
+                    </a:p>
+                  </a:txBody>
+                  <a:tcPr/>
+                </a:tc>
+                <a:tc>
+                  <a:txBody>
+                    <a:bodyPr/>
+                    <a:lstStyle/>
+                    <a:p>
+                      <a:r>
+                        <a:rPr lang="de-DE" sz="1400" dirty="0" smtClean="0"/>
+                        <a:t>Bestellung erstellen</a:t>
+                      </a:r>
+                      <a:endParaRPr lang="de-DE" sz="1400" dirty="0"/>
+                    </a:p>
+                  </a:txBody>
+                  <a:tcPr/>
+                </a:tc>
+              </a:tr>
+              <a:tr h="370840">
+                <a:tc>
+                  <a:txBody>
+                    <a:bodyPr/>
+                    <a:lstStyle/>
+                    <a:p>
+                      <a:r>
+                        <a:rPr lang="de-DE" sz="1400" dirty="0" smtClean="0"/>
+                        <a:t>2</a:t>
+                      </a:r>
+                      <a:endParaRPr lang="de-DE" sz="1400" dirty="0"/>
+                    </a:p>
+                  </a:txBody>
+                  <a:tcPr/>
+                </a:tc>
+                <a:tc>
+                  <a:txBody>
+                    <a:bodyPr/>
+                    <a:lstStyle/>
+                    <a:p>
+                      <a:r>
+                        <a:rPr lang="de-DE" sz="1400" dirty="0" smtClean="0"/>
+                        <a:t>POST/PATCH</a:t>
+                      </a:r>
+                    </a:p>
+                  </a:txBody>
+                  <a:tcPr/>
+                </a:tc>
+                <a:tc>
+                  <a:txBody>
+                    <a:bodyPr/>
+                    <a:lstStyle/>
+                    <a:p>
+                      <a:r>
+                        <a:rPr lang="de-DE" sz="1400" dirty="0" smtClean="0"/>
+                        <a:t>/</a:t>
+                      </a:r>
+                      <a:r>
+                        <a:rPr lang="de-DE" sz="1400" dirty="0" err="1" smtClean="0"/>
+                        <a:t>orders</a:t>
+                      </a:r>
+                      <a:r>
+                        <a:rPr lang="de-DE" sz="1400" dirty="0" smtClean="0"/>
+                        <a:t>/{</a:t>
+                      </a:r>
+                      <a:r>
+                        <a:rPr lang="de-DE" sz="1400" dirty="0" err="1" smtClean="0"/>
+                        <a:t>id</a:t>
+                      </a:r>
+                      <a:r>
+                        <a:rPr lang="de-DE" sz="1400" dirty="0" smtClean="0"/>
+                        <a:t>}</a:t>
+                      </a:r>
+                    </a:p>
+                  </a:txBody>
+                  <a:tcPr/>
+                </a:tc>
+                <a:tc>
+                  <a:txBody>
+                    <a:bodyPr/>
+                    <a:lstStyle/>
+                    <a:p>
+                      <a:r>
+                        <a:rPr lang="de-DE" sz="1400" dirty="0" smtClean="0"/>
+                        <a:t>Bestellung bearbeiten</a:t>
+                      </a:r>
+                      <a:endParaRPr lang="de-DE" sz="1400" dirty="0"/>
+                    </a:p>
+                  </a:txBody>
+                  <a:tcPr/>
+                </a:tc>
+              </a:tr>
+              <a:tr h="370840">
+                <a:tc>
+                  <a:txBody>
+                    <a:bodyPr/>
+                    <a:lstStyle/>
+                    <a:p>
+                      <a:r>
+                        <a:rPr lang="de-DE" sz="1400" dirty="0" smtClean="0"/>
+                        <a:t>3</a:t>
+                      </a:r>
+                      <a:endParaRPr lang="de-DE" sz="1400" dirty="0"/>
+                    </a:p>
+                  </a:txBody>
+                  <a:tcPr/>
+                </a:tc>
+                <a:tc>
+                  <a:txBody>
+                    <a:bodyPr/>
+                    <a:lstStyle/>
+                    <a:p>
+                      <a:r>
+                        <a:rPr lang="de-DE" sz="1400" dirty="0" smtClean="0"/>
+                        <a:t>DELETE</a:t>
+                      </a:r>
+                      <a:endParaRPr lang="de-DE" sz="1400" dirty="0"/>
+                    </a:p>
+                  </a:txBody>
+                  <a:tcPr/>
+                </a:tc>
+                <a:tc>
+                  <a:txBody>
+                    <a:bodyPr/>
+                    <a:lstStyle/>
+                    <a:p>
+                      <a:r>
+                        <a:rPr lang="de-DE" sz="1400" dirty="0" smtClean="0"/>
+                        <a:t>/</a:t>
+                      </a:r>
+                      <a:r>
+                        <a:rPr lang="de-DE" sz="1400" dirty="0" err="1" smtClean="0"/>
+                        <a:t>orders</a:t>
+                      </a:r>
+                      <a:r>
+                        <a:rPr lang="de-DE" sz="1400" dirty="0" smtClean="0"/>
+                        <a:t>/{</a:t>
+                      </a:r>
+                      <a:r>
+                        <a:rPr lang="de-DE" sz="1400" dirty="0" err="1" smtClean="0"/>
+                        <a:t>id</a:t>
+                      </a:r>
+                      <a:r>
+                        <a:rPr lang="de-DE" sz="1400" dirty="0" smtClean="0"/>
+                        <a:t>}</a:t>
+                      </a:r>
+                      <a:endParaRPr lang="de-DE" sz="1400" dirty="0"/>
+                    </a:p>
+                  </a:txBody>
+                  <a:tcPr/>
+                </a:tc>
+                <a:tc>
+                  <a:txBody>
+                    <a:bodyPr/>
+                    <a:lstStyle/>
+                    <a:p>
+                      <a:r>
+                        <a:rPr lang="de-DE" sz="1400" dirty="0" smtClean="0"/>
+                        <a:t>Bestellung stornieren</a:t>
+                      </a:r>
+                      <a:endParaRPr lang="de-DE" sz="1400" dirty="0"/>
+                    </a:p>
+                  </a:txBody>
+                  <a:tcPr/>
+                </a:tc>
+              </a:tr>
+              <a:tr h="370840">
+                <a:tc>
+                  <a:txBody>
+                    <a:bodyPr/>
+                    <a:lstStyle/>
+                    <a:p>
+                      <a:r>
+                        <a:rPr lang="de-DE" sz="1400" dirty="0" smtClean="0"/>
+                        <a:t>4</a:t>
+                      </a:r>
+                      <a:endParaRPr lang="de-DE" sz="1400" dirty="0"/>
+                    </a:p>
+                  </a:txBody>
+                  <a:tcPr/>
+                </a:tc>
+                <a:tc>
+                  <a:txBody>
+                    <a:bodyPr/>
+                    <a:lstStyle/>
+                    <a:p>
+                      <a:r>
+                        <a:rPr lang="de-DE" sz="1400" dirty="0" smtClean="0"/>
+                        <a:t>PUT</a:t>
+                      </a:r>
+                      <a:endParaRPr lang="de-DE" sz="1400" dirty="0"/>
+                    </a:p>
+                  </a:txBody>
+                  <a:tcPr/>
+                </a:tc>
+                <a:tc>
+                  <a:txBody>
+                    <a:bodyPr/>
+                    <a:lstStyle/>
+                    <a:p>
+                      <a:r>
+                        <a:rPr lang="de-DE" sz="1400" dirty="0" smtClean="0"/>
+                        <a:t>/</a:t>
+                      </a:r>
+                      <a:r>
+                        <a:rPr lang="de-DE" sz="1400" dirty="0" err="1" smtClean="0"/>
+                        <a:t>orders</a:t>
+                      </a:r>
+                      <a:r>
+                        <a:rPr lang="de-DE" sz="1400" dirty="0" smtClean="0"/>
+                        <a:t>/{</a:t>
+                      </a:r>
+                      <a:r>
+                        <a:rPr lang="de-DE" sz="1400" dirty="0" err="1" smtClean="0"/>
+                        <a:t>id</a:t>
+                      </a:r>
+                      <a:r>
+                        <a:rPr lang="de-DE" sz="1400" dirty="0" smtClean="0"/>
+                        <a:t>}/</a:t>
+                      </a:r>
+                      <a:r>
+                        <a:rPr lang="de-DE" sz="1400" dirty="0" err="1" smtClean="0"/>
+                        <a:t>payment</a:t>
+                      </a:r>
+                      <a:endParaRPr lang="de-DE" sz="1400" dirty="0"/>
+                    </a:p>
+                  </a:txBody>
+                  <a:tcPr/>
+                </a:tc>
+                <a:tc>
+                  <a:txBody>
+                    <a:bodyPr/>
+                    <a:lstStyle/>
+                    <a:p>
+                      <a:r>
+                        <a:rPr lang="de-DE" sz="1400" dirty="0" smtClean="0"/>
+                        <a:t>Bezahlen</a:t>
+                      </a:r>
+                      <a:endParaRPr lang="de-DE" sz="1400" dirty="0"/>
+                    </a:p>
+                  </a:txBody>
+                  <a:tcPr/>
+                </a:tc>
+              </a:tr>
+              <a:tr h="370840">
+                <a:tc>
+                  <a:txBody>
+                    <a:bodyPr/>
+                    <a:lstStyle/>
+                    <a:p>
+                      <a:r>
+                        <a:rPr lang="de-DE" sz="1400" dirty="0" smtClean="0"/>
+                        <a:t>5</a:t>
+                      </a:r>
+                      <a:endParaRPr lang="de-DE" sz="1400" dirty="0"/>
+                    </a:p>
+                  </a:txBody>
+                  <a:tcPr/>
+                </a:tc>
+                <a:tc>
+                  <a:txBody>
+                    <a:bodyPr/>
+                    <a:lstStyle/>
+                    <a:p>
+                      <a:r>
+                        <a:rPr lang="de-DE" sz="1400" dirty="0" smtClean="0"/>
+                        <a:t>GET</a:t>
+                      </a:r>
+                      <a:endParaRPr lang="de-DE" sz="1400" dirty="0"/>
+                    </a:p>
+                  </a:txBody>
+                  <a:tcPr/>
+                </a:tc>
+                <a:tc>
+                  <a:txBody>
+                    <a:bodyPr/>
+                    <a:lstStyle/>
+                    <a:p>
+                      <a:r>
+                        <a:rPr lang="de-DE" sz="1400" dirty="0" smtClean="0"/>
+                        <a:t>/</a:t>
+                      </a:r>
+                      <a:r>
+                        <a:rPr lang="de-DE" sz="1400" dirty="0" err="1" smtClean="0"/>
+                        <a:t>orders</a:t>
+                      </a:r>
+                      <a:r>
+                        <a:rPr lang="de-DE" sz="1400" dirty="0" smtClean="0"/>
+                        <a:t>/{</a:t>
+                      </a:r>
+                      <a:r>
+                        <a:rPr lang="de-DE" sz="1400" dirty="0" err="1" smtClean="0"/>
+                        <a:t>id</a:t>
+                      </a:r>
+                      <a:r>
+                        <a:rPr lang="de-DE" sz="1400" dirty="0" smtClean="0"/>
+                        <a:t>}</a:t>
+                      </a:r>
+                      <a:endParaRPr lang="de-DE" sz="1400" dirty="0"/>
+                    </a:p>
+                  </a:txBody>
+                  <a:tcPr/>
+                </a:tc>
+                <a:tc>
+                  <a:txBody>
+                    <a:bodyPr/>
+                    <a:lstStyle/>
+                    <a:p>
+                      <a:r>
+                        <a:rPr lang="de-DE" sz="1400" dirty="0" smtClean="0"/>
+                        <a:t>Bestellstatus zyklisch</a:t>
+                      </a:r>
+                      <a:r>
+                        <a:rPr lang="de-DE" sz="1400" baseline="0" dirty="0" smtClean="0"/>
+                        <a:t> Abfragen</a:t>
+                      </a:r>
+                      <a:endParaRPr lang="de-DE" sz="1400" dirty="0"/>
+                    </a:p>
+                  </a:txBody>
+                  <a:tcPr/>
+                </a:tc>
+              </a:tr>
+              <a:tr h="370840">
+                <a:tc>
+                  <a:txBody>
+                    <a:bodyPr/>
+                    <a:lstStyle/>
+                    <a:p>
+                      <a:endParaRPr lang="de-DE" sz="1400" dirty="0"/>
+                    </a:p>
+                  </a:txBody>
+                  <a:tcPr/>
+                </a:tc>
+                <a:tc>
+                  <a:txBody>
+                    <a:bodyPr/>
+                    <a:lstStyle/>
+                    <a:p>
+                      <a:r>
+                        <a:rPr lang="de-DE" sz="1400" dirty="0" smtClean="0"/>
+                        <a:t>GET</a:t>
+                      </a:r>
+                      <a:endParaRPr lang="de-DE" sz="1400" dirty="0"/>
+                    </a:p>
+                  </a:txBody>
+                  <a:tcPr/>
+                </a:tc>
+                <a:tc>
+                  <a:txBody>
+                    <a:bodyPr/>
+                    <a:lstStyle/>
+                    <a:p>
+                      <a:r>
+                        <a:rPr lang="de-DE" sz="1400" dirty="0" smtClean="0"/>
+                        <a:t>/</a:t>
+                      </a:r>
+                      <a:r>
+                        <a:rPr lang="de-DE" sz="1400" dirty="0" err="1" smtClean="0"/>
+                        <a:t>orders</a:t>
+                      </a:r>
+                      <a:r>
+                        <a:rPr lang="de-DE" sz="1400" dirty="0" smtClean="0"/>
+                        <a:t>/{</a:t>
+                      </a:r>
+                      <a:r>
+                        <a:rPr lang="de-DE" sz="1400" dirty="0" err="1" smtClean="0"/>
+                        <a:t>id</a:t>
+                      </a:r>
+                      <a:r>
+                        <a:rPr lang="de-DE" sz="1400" dirty="0" smtClean="0"/>
+                        <a:t>}/</a:t>
+                      </a:r>
+                      <a:r>
+                        <a:rPr lang="de-DE" sz="1400" dirty="0" err="1" smtClean="0"/>
+                        <a:t>receipt</a:t>
+                      </a:r>
+                      <a:endParaRPr lang="de-DE" sz="1400" dirty="0"/>
+                    </a:p>
+                  </a:txBody>
+                  <a:tcPr/>
+                </a:tc>
+                <a:tc>
+                  <a:txBody>
+                    <a:bodyPr/>
+                    <a:lstStyle/>
+                    <a:p>
+                      <a:r>
+                        <a:rPr lang="de-DE" sz="1400" dirty="0" smtClean="0"/>
+                        <a:t>Quittung abrufen</a:t>
+                      </a:r>
+                      <a:endParaRPr lang="de-DE" sz="1400" dirty="0"/>
+                    </a:p>
+                  </a:txBody>
+                  <a:tcPr/>
+                </a:tc>
+              </a:tr>
+              <a:tr h="370840">
+                <a:tc>
+                  <a:txBody>
+                    <a:bodyPr/>
+                    <a:lstStyle/>
+                    <a:p>
+                      <a:r>
+                        <a:rPr lang="de-DE" sz="1400" dirty="0" smtClean="0"/>
+                        <a:t>6</a:t>
+                      </a:r>
+                      <a:endParaRPr lang="de-DE" sz="1400" dirty="0"/>
+                    </a:p>
+                  </a:txBody>
+                  <a:tcPr/>
+                </a:tc>
+                <a:tc>
+                  <a:txBody>
+                    <a:bodyPr/>
+                    <a:lstStyle/>
+                    <a:p>
+                      <a:r>
+                        <a:rPr lang="de-DE" sz="1400" dirty="0" smtClean="0"/>
+                        <a:t>DELETE</a:t>
+                      </a:r>
+                      <a:endParaRPr lang="de-DE" sz="1400" dirty="0"/>
+                    </a:p>
+                  </a:txBody>
+                  <a:tcPr/>
+                </a:tc>
+                <a:tc>
+                  <a:txBody>
+                    <a:bodyPr/>
+                    <a:lstStyle/>
+                    <a:p>
+                      <a:r>
+                        <a:rPr lang="de-DE" sz="1400" dirty="0" smtClean="0"/>
+                        <a:t>/</a:t>
+                      </a:r>
+                      <a:r>
+                        <a:rPr lang="de-DE" sz="1400" dirty="0" err="1" smtClean="0"/>
+                        <a:t>orders</a:t>
+                      </a:r>
+                      <a:r>
+                        <a:rPr lang="de-DE" sz="1400" dirty="0" smtClean="0"/>
+                        <a:t>/{</a:t>
+                      </a:r>
+                      <a:r>
+                        <a:rPr lang="de-DE" sz="1400" dirty="0" err="1" smtClean="0"/>
+                        <a:t>id</a:t>
+                      </a:r>
+                      <a:r>
+                        <a:rPr lang="de-DE" sz="1400" dirty="0" smtClean="0"/>
+                        <a:t>}/</a:t>
+                      </a:r>
+                      <a:r>
+                        <a:rPr lang="de-DE" sz="1400" dirty="0" err="1" smtClean="0"/>
+                        <a:t>receipt</a:t>
+                      </a:r>
+                      <a:endParaRPr lang="de-DE" sz="1400" dirty="0"/>
+                    </a:p>
+                  </a:txBody>
+                  <a:tcPr/>
+                </a:tc>
+                <a:tc>
+                  <a:txBody>
+                    <a:bodyPr/>
+                    <a:lstStyle/>
+                    <a:p>
+                      <a:r>
+                        <a:rPr lang="de-DE" sz="1400" dirty="0" smtClean="0"/>
+                        <a:t>Bestellprozess abschließen</a:t>
+                      </a:r>
+                      <a:endParaRPr lang="de-DE" sz="1400" dirty="0"/>
+                    </a:p>
+                  </a:txBody>
+                  <a:tcPr/>
+                </a:tc>
+              </a:tr>
+            </a:tbl>
+          </a:graphicData>
+        </a:graphic>
+      </p:graphicFrame>
+    </p:spTree>
+    <p:extLst>
+      <p:ext uri="{BB962C8B-B14F-4D97-AF65-F5344CB8AC3E}">
+        <p14:creationId xmlns:p14="http://schemas.microsoft.com/office/powerpoint/2010/main" val="221627289"/>
+      </p:ext>
+    </p:extLst>
+  </p:cSld>
+  <p:clrMapOvr>
+    <a:masterClrMapping/>
+  </p:clrMapOvr>
+</p:sld>
+</file>
+
+<file path=ppt/slides/slide6.xml><?xml version="1.0" encoding="utf-8"?>
+<p:sld xmlns:a="http://schemas.openxmlformats.org/drawingml/2006/main" xmlns:r="http://schemas.openxmlformats.org/officeDocument/2006/relationships" xmlns:p="http://schemas.openxmlformats.org/presentationml/2006/main">
+  <p:cSld>
+    <p:spTree>
+      <p:nvGrpSpPr>
+        <p:cNvPr id="1" name=""/>
+        <p:cNvGrpSpPr/>
+        <p:nvPr/>
+      </p:nvGrpSpPr>
+      <p:grpSpPr>
+        <a:xfrm>
+          <a:off x="0" y="0"/>
+          <a:ext cx="0" cy="0"/>
+          <a:chOff x="0" y="0"/>
+          <a:chExt cx="0" cy="0"/>
+        </a:xfrm>
+      </p:grpSpPr>
+      <p:grpSp>
+        <p:nvGrpSpPr>
           <p:cNvPr id="6" name="Gruppieren 5"/>
           <p:cNvGrpSpPr/>
           <p:nvPr/>
@@ -20266,7 +23171,7 @@
 </p:sld>
 </file>
 
-<file path=ppt/slides/slide6.xml><?xml version="1.0" encoding="utf-8"?>
+<file path=ppt/slides/slide7.xml><?xml version="1.0" encoding="utf-8"?>
 <p:sld xmlns:a="http://schemas.openxmlformats.org/drawingml/2006/main" xmlns:r="http://schemas.openxmlformats.org/officeDocument/2006/relationships" xmlns:p="http://schemas.openxmlformats.org/presentationml/2006/main">
   <p:cSld>
     <p:spTree>
@@ -25728,7 +28633,7 @@
 </p:sld>
 </file>
 
-<file path=ppt/slides/slide7.xml><?xml version="1.0" encoding="utf-8"?>
+<file path=ppt/slides/slide8.xml><?xml version="1.0" encoding="utf-8"?>
 <p:sld xmlns:a="http://schemas.openxmlformats.org/drawingml/2006/main" xmlns:r="http://schemas.openxmlformats.org/officeDocument/2006/relationships" xmlns:p="http://schemas.openxmlformats.org/presentationml/2006/main">
   <p:cSld>
     <p:spTree>
@@ -31599,7 +34504,7 @@
 </p:sld>
 </file>
 
-<file path=ppt/slides/slide8.xml><?xml version="1.0" encoding="utf-8"?>
+<file path=ppt/slides/slide9.xml><?xml version="1.0" encoding="utf-8"?>
 <p:sld xmlns:a="http://schemas.openxmlformats.org/drawingml/2006/main" xmlns:r="http://schemas.openxmlformats.org/officeDocument/2006/relationships" xmlns:p="http://schemas.openxmlformats.org/presentationml/2006/main">
   <p:cSld>
     <p:spTree>
@@ -32508,1405 +35413,6 @@
 </p:sld>
 </file>
 
-<file path=ppt/slides/slide9.xml><?xml version="1.0" encoding="utf-8"?>
-<p:sld xmlns:a="http://schemas.openxmlformats.org/drawingml/2006/main" xmlns:r="http://schemas.openxmlformats.org/officeDocument/2006/relationships" xmlns:p="http://schemas.openxmlformats.org/presentationml/2006/main">
-  <p:cSld>
-    <p:spTree>
-      <p:nvGrpSpPr>
-        <p:cNvPr id="1" name=""/>
-        <p:cNvGrpSpPr/>
-        <p:nvPr/>
-      </p:nvGrpSpPr>
-      <p:grpSpPr>
-        <a:xfrm>
-          <a:off x="0" y="0"/>
-          <a:ext cx="0" cy="0"/>
-          <a:chOff x="0" y="0"/>
-          <a:chExt cx="0" cy="0"/>
-        </a:xfrm>
-      </p:grpSpPr>
-      <p:sp>
-        <p:nvSpPr>
-          <p:cNvPr id="2" name="Abgerundetes Rechteck 1"/>
-          <p:cNvSpPr/>
-          <p:nvPr/>
-        </p:nvSpPr>
-        <p:spPr>
-          <a:xfrm>
-            <a:off x="275903" y="764704"/>
-            <a:ext cx="5544616" cy="5328592"/>
-          </a:xfrm>
-          <a:prstGeom prst="roundRect">
-            <a:avLst/>
-          </a:prstGeom>
-          <a:solidFill>
-            <a:schemeClr val="bg1">
-              <a:lumMod val="85000"/>
-            </a:schemeClr>
-          </a:solidFill>
-          <a:ln>
-            <a:solidFill>
-              <a:schemeClr val="tx2"/>
-            </a:solidFill>
-          </a:ln>
-        </p:spPr>
-        <p:style>
-          <a:lnRef idx="2">
-            <a:schemeClr val="accent1">
-              <a:shade val="50000"/>
-            </a:schemeClr>
-          </a:lnRef>
-          <a:fillRef idx="1">
-            <a:schemeClr val="accent1"/>
-          </a:fillRef>
-          <a:effectRef idx="0">
-            <a:schemeClr val="accent1"/>
-          </a:effectRef>
-          <a:fontRef idx="minor">
-            <a:schemeClr val="lt1"/>
-          </a:fontRef>
-        </p:style>
-        <p:txBody>
-          <a:bodyPr rtlCol="0" anchor="ctr"/>
-          <a:lstStyle/>
-          <a:p>
-            <a:pPr algn="ctr"/>
-            <a:endParaRPr lang="de-DE"/>
-          </a:p>
-        </p:txBody>
-      </p:sp>
-      <p:grpSp>
-        <p:nvGrpSpPr>
-          <p:cNvPr id="3" name="Gruppieren 2"/>
-          <p:cNvGrpSpPr/>
-          <p:nvPr/>
-        </p:nvGrpSpPr>
-        <p:grpSpPr>
-          <a:xfrm>
-            <a:off x="539552" y="980728"/>
-            <a:ext cx="4125990" cy="2376264"/>
-            <a:chOff x="1947064" y="332656"/>
-            <a:chExt cx="5001200" cy="2880320"/>
-          </a:xfrm>
-        </p:grpSpPr>
-        <p:sp>
-          <p:nvSpPr>
-            <p:cNvPr id="4" name="Ellipse 3"/>
-            <p:cNvSpPr/>
-            <p:nvPr/>
-          </p:nvSpPr>
-          <p:spPr>
-            <a:xfrm>
-              <a:off x="1947064" y="332656"/>
-              <a:ext cx="2880320" cy="2880320"/>
-            </a:xfrm>
-            <a:prstGeom prst="ellipse">
-              <a:avLst/>
-            </a:prstGeom>
-            <a:solidFill>
-              <a:schemeClr val="accent1">
-                <a:alpha val="50196"/>
-              </a:schemeClr>
-            </a:solidFill>
-            <a:ln>
-              <a:noFill/>
-            </a:ln>
-          </p:spPr>
-          <p:style>
-            <a:lnRef idx="2">
-              <a:schemeClr val="accent1">
-                <a:shade val="50000"/>
-              </a:schemeClr>
-            </a:lnRef>
-            <a:fillRef idx="1">
-              <a:schemeClr val="accent1"/>
-            </a:fillRef>
-            <a:effectRef idx="0">
-              <a:schemeClr val="accent1"/>
-            </a:effectRef>
-            <a:fontRef idx="minor">
-              <a:schemeClr val="lt1"/>
-            </a:fontRef>
-          </p:style>
-          <p:txBody>
-            <a:bodyPr rtlCol="0" anchor="ctr"/>
-            <a:lstStyle/>
-            <a:p>
-              <a:pPr algn="ctr"/>
-              <a:endParaRPr lang="de-DE" dirty="0"/>
-            </a:p>
-          </p:txBody>
-        </p:sp>
-        <p:sp>
-          <p:nvSpPr>
-            <p:cNvPr id="5" name="Ellipse 4"/>
-            <p:cNvSpPr/>
-            <p:nvPr/>
-          </p:nvSpPr>
-          <p:spPr>
-            <a:xfrm>
-              <a:off x="4067944" y="332656"/>
-              <a:ext cx="2880320" cy="2880320"/>
-            </a:xfrm>
-            <a:prstGeom prst="ellipse">
-              <a:avLst/>
-            </a:prstGeom>
-            <a:solidFill>
-              <a:srgbClr val="A6B727">
-                <a:alpha val="50196"/>
-              </a:srgbClr>
-            </a:solidFill>
-            <a:ln>
-              <a:noFill/>
-            </a:ln>
-          </p:spPr>
-          <p:style>
-            <a:lnRef idx="2">
-              <a:schemeClr val="accent1">
-                <a:shade val="50000"/>
-              </a:schemeClr>
-            </a:lnRef>
-            <a:fillRef idx="1">
-              <a:schemeClr val="accent1"/>
-            </a:fillRef>
-            <a:effectRef idx="0">
-              <a:schemeClr val="accent1"/>
-            </a:effectRef>
-            <a:fontRef idx="minor">
-              <a:schemeClr val="lt1"/>
-            </a:fontRef>
-          </p:style>
-          <p:txBody>
-            <a:bodyPr rtlCol="0" anchor="ctr"/>
-            <a:lstStyle/>
-            <a:p>
-              <a:pPr algn="ctr"/>
-              <a:endParaRPr lang="de-DE" dirty="0"/>
-            </a:p>
-          </p:txBody>
-        </p:sp>
-        <p:grpSp>
-          <p:nvGrpSpPr>
-            <p:cNvPr id="6" name="Gruppieren 5"/>
-            <p:cNvGrpSpPr/>
-            <p:nvPr/>
-          </p:nvGrpSpPr>
-          <p:grpSpPr>
-            <a:xfrm>
-              <a:off x="2915854" y="2348880"/>
-              <a:ext cx="942740" cy="792088"/>
-              <a:chOff x="1397012" y="3933056"/>
-              <a:chExt cx="942740" cy="792088"/>
-            </a:xfrm>
-          </p:grpSpPr>
-          <p:sp>
-            <p:nvSpPr>
-              <p:cNvPr id="14" name="Ellipse 13"/>
-              <p:cNvSpPr/>
-              <p:nvPr/>
-            </p:nvSpPr>
-            <p:spPr>
-              <a:xfrm>
-                <a:off x="1691680" y="3933056"/>
-                <a:ext cx="648072" cy="648072"/>
-              </a:xfrm>
-              <a:prstGeom prst="ellipse">
-                <a:avLst/>
-              </a:prstGeom>
-            </p:spPr>
-            <p:style>
-              <a:lnRef idx="2">
-                <a:schemeClr val="accent1">
-                  <a:shade val="50000"/>
-                </a:schemeClr>
-              </a:lnRef>
-              <a:fillRef idx="1">
-                <a:schemeClr val="accent1"/>
-              </a:fillRef>
-              <a:effectRef idx="0">
-                <a:schemeClr val="accent1"/>
-              </a:effectRef>
-              <a:fontRef idx="minor">
-                <a:schemeClr val="lt1"/>
-              </a:fontRef>
-            </p:style>
-            <p:txBody>
-              <a:bodyPr rtlCol="0" anchor="ctr"/>
-              <a:lstStyle/>
-              <a:p>
-                <a:pPr algn="ctr"/>
-                <a:endParaRPr lang="de-DE"/>
-              </a:p>
-            </p:txBody>
-          </p:sp>
-          <p:sp>
-            <p:nvSpPr>
-              <p:cNvPr id="15" name="Ellipse 14"/>
-              <p:cNvSpPr/>
-              <p:nvPr/>
-            </p:nvSpPr>
-            <p:spPr>
-              <a:xfrm>
-                <a:off x="1397012" y="3939520"/>
-                <a:ext cx="648072" cy="648072"/>
-              </a:xfrm>
-              <a:prstGeom prst="ellipse">
-                <a:avLst/>
-              </a:prstGeom>
-            </p:spPr>
-            <p:style>
-              <a:lnRef idx="2">
-                <a:schemeClr val="accent1">
-                  <a:shade val="50000"/>
-                </a:schemeClr>
-              </a:lnRef>
-              <a:fillRef idx="1">
-                <a:schemeClr val="accent1"/>
-              </a:fillRef>
-              <a:effectRef idx="0">
-                <a:schemeClr val="accent1"/>
-              </a:effectRef>
-              <a:fontRef idx="minor">
-                <a:schemeClr val="lt1"/>
-              </a:fontRef>
-            </p:style>
-            <p:txBody>
-              <a:bodyPr rtlCol="0" anchor="ctr"/>
-              <a:lstStyle/>
-              <a:p>
-                <a:pPr algn="ctr"/>
-                <a:endParaRPr lang="de-DE"/>
-              </a:p>
-            </p:txBody>
-          </p:sp>
-          <p:sp>
-            <p:nvSpPr>
-              <p:cNvPr id="16" name="Ellipse 15"/>
-              <p:cNvSpPr/>
-              <p:nvPr/>
-            </p:nvSpPr>
-            <p:spPr>
-              <a:xfrm>
-                <a:off x="1544346" y="4077072"/>
-                <a:ext cx="648072" cy="648072"/>
-              </a:xfrm>
-              <a:prstGeom prst="ellipse">
-                <a:avLst/>
-              </a:prstGeom>
-            </p:spPr>
-            <p:style>
-              <a:lnRef idx="2">
-                <a:schemeClr val="accent1">
-                  <a:shade val="50000"/>
-                </a:schemeClr>
-              </a:lnRef>
-              <a:fillRef idx="1">
-                <a:schemeClr val="accent1"/>
-              </a:fillRef>
-              <a:effectRef idx="0">
-                <a:schemeClr val="accent1"/>
-              </a:effectRef>
-              <a:fontRef idx="minor">
-                <a:schemeClr val="lt1"/>
-              </a:fontRef>
-            </p:style>
-            <p:txBody>
-              <a:bodyPr rtlCol="0" anchor="ctr"/>
-              <a:lstStyle/>
-              <a:p>
-                <a:pPr algn="ctr"/>
-                <a:r>
-                  <a:rPr lang="de-DE" sz="700" dirty="0" smtClean="0"/>
-                  <a:t>Unit Test</a:t>
-                </a:r>
-                <a:endParaRPr lang="de-DE" sz="700" dirty="0"/>
-              </a:p>
-            </p:txBody>
-          </p:sp>
-        </p:grpSp>
-        <p:grpSp>
-          <p:nvGrpSpPr>
-            <p:cNvPr id="7" name="Gruppieren 6"/>
-            <p:cNvGrpSpPr/>
-            <p:nvPr/>
-          </p:nvGrpSpPr>
-          <p:grpSpPr>
-            <a:xfrm>
-              <a:off x="5036734" y="2336692"/>
-              <a:ext cx="942740" cy="792088"/>
-              <a:chOff x="1397012" y="3933056"/>
-              <a:chExt cx="942740" cy="792088"/>
-            </a:xfrm>
-            <a:solidFill>
-              <a:schemeClr val="accent2"/>
-            </a:solidFill>
-          </p:grpSpPr>
-          <p:sp>
-            <p:nvSpPr>
-              <p:cNvPr id="11" name="Ellipse 10"/>
-              <p:cNvSpPr/>
-              <p:nvPr/>
-            </p:nvSpPr>
-            <p:spPr>
-              <a:xfrm>
-                <a:off x="1691680" y="3933056"/>
-                <a:ext cx="648072" cy="648072"/>
-              </a:xfrm>
-              <a:prstGeom prst="ellipse">
-                <a:avLst/>
-              </a:prstGeom>
-              <a:grpFill/>
-              <a:ln>
-                <a:solidFill>
-                  <a:schemeClr val="accent2">
-                    <a:lumMod val="75000"/>
-                  </a:schemeClr>
-                </a:solidFill>
-              </a:ln>
-            </p:spPr>
-            <p:style>
-              <a:lnRef idx="2">
-                <a:schemeClr val="accent1">
-                  <a:shade val="50000"/>
-                </a:schemeClr>
-              </a:lnRef>
-              <a:fillRef idx="1">
-                <a:schemeClr val="accent1"/>
-              </a:fillRef>
-              <a:effectRef idx="0">
-                <a:schemeClr val="accent1"/>
-              </a:effectRef>
-              <a:fontRef idx="minor">
-                <a:schemeClr val="lt1"/>
-              </a:fontRef>
-            </p:style>
-            <p:txBody>
-              <a:bodyPr rtlCol="0" anchor="ctr"/>
-              <a:lstStyle/>
-              <a:p>
-                <a:pPr algn="ctr"/>
-                <a:endParaRPr lang="de-DE"/>
-              </a:p>
-            </p:txBody>
-          </p:sp>
-          <p:sp>
-            <p:nvSpPr>
-              <p:cNvPr id="12" name="Ellipse 11"/>
-              <p:cNvSpPr/>
-              <p:nvPr/>
-            </p:nvSpPr>
-            <p:spPr>
-              <a:xfrm>
-                <a:off x="1397012" y="3939520"/>
-                <a:ext cx="648072" cy="648072"/>
-              </a:xfrm>
-              <a:prstGeom prst="ellipse">
-                <a:avLst/>
-              </a:prstGeom>
-              <a:grpFill/>
-              <a:ln>
-                <a:solidFill>
-                  <a:schemeClr val="accent2">
-                    <a:lumMod val="75000"/>
-                  </a:schemeClr>
-                </a:solidFill>
-              </a:ln>
-            </p:spPr>
-            <p:style>
-              <a:lnRef idx="2">
-                <a:schemeClr val="accent1">
-                  <a:shade val="50000"/>
-                </a:schemeClr>
-              </a:lnRef>
-              <a:fillRef idx="1">
-                <a:schemeClr val="accent1"/>
-              </a:fillRef>
-              <a:effectRef idx="0">
-                <a:schemeClr val="accent1"/>
-              </a:effectRef>
-              <a:fontRef idx="minor">
-                <a:schemeClr val="lt1"/>
-              </a:fontRef>
-            </p:style>
-            <p:txBody>
-              <a:bodyPr rtlCol="0" anchor="ctr"/>
-              <a:lstStyle/>
-              <a:p>
-                <a:pPr algn="ctr"/>
-                <a:endParaRPr lang="de-DE"/>
-              </a:p>
-            </p:txBody>
-          </p:sp>
-          <p:sp>
-            <p:nvSpPr>
-              <p:cNvPr id="13" name="Ellipse 12"/>
-              <p:cNvSpPr/>
-              <p:nvPr/>
-            </p:nvSpPr>
-            <p:spPr>
-              <a:xfrm>
-                <a:off x="1544346" y="4077072"/>
-                <a:ext cx="648072" cy="648072"/>
-              </a:xfrm>
-              <a:prstGeom prst="ellipse">
-                <a:avLst/>
-              </a:prstGeom>
-              <a:grpFill/>
-              <a:ln>
-                <a:solidFill>
-                  <a:schemeClr val="accent2">
-                    <a:lumMod val="75000"/>
-                  </a:schemeClr>
-                </a:solidFill>
-              </a:ln>
-            </p:spPr>
-            <p:style>
-              <a:lnRef idx="2">
-                <a:schemeClr val="accent1">
-                  <a:shade val="50000"/>
-                </a:schemeClr>
-              </a:lnRef>
-              <a:fillRef idx="1">
-                <a:schemeClr val="accent1"/>
-              </a:fillRef>
-              <a:effectRef idx="0">
-                <a:schemeClr val="accent1"/>
-              </a:effectRef>
-              <a:fontRef idx="minor">
-                <a:schemeClr val="lt1"/>
-              </a:fontRef>
-            </p:style>
-            <p:txBody>
-              <a:bodyPr rtlCol="0" anchor="ctr"/>
-              <a:lstStyle/>
-              <a:p>
-                <a:pPr algn="ctr"/>
-                <a:r>
-                  <a:rPr lang="de-DE" sz="700" dirty="0" smtClean="0"/>
-                  <a:t>Unit Test</a:t>
-                </a:r>
-                <a:endParaRPr lang="de-DE" sz="700" dirty="0"/>
-              </a:p>
-            </p:txBody>
-          </p:sp>
-        </p:grpSp>
-        <p:sp>
-          <p:nvSpPr>
-            <p:cNvPr id="8" name="Textfeld 7"/>
-            <p:cNvSpPr txBox="1"/>
-            <p:nvPr/>
-          </p:nvSpPr>
-          <p:spPr>
-            <a:xfrm>
-              <a:off x="1947064" y="1588151"/>
-              <a:ext cx="1758836" cy="373063"/>
-            </a:xfrm>
-            <a:prstGeom prst="rect">
-              <a:avLst/>
-            </a:prstGeom>
-            <a:noFill/>
-          </p:spPr>
-          <p:txBody>
-            <a:bodyPr wrap="square" rtlCol="0">
-              <a:spAutoFit/>
-            </a:bodyPr>
-            <a:lstStyle/>
-            <a:p>
-              <a:r>
-                <a:rPr lang="de-DE" sz="1400" dirty="0" smtClean="0"/>
-                <a:t>Komponente A</a:t>
-              </a:r>
-              <a:endParaRPr lang="de-DE" sz="1400" dirty="0"/>
-            </a:p>
-          </p:txBody>
-        </p:sp>
-        <p:sp>
-          <p:nvSpPr>
-            <p:cNvPr id="9" name="Textfeld 8"/>
-            <p:cNvSpPr txBox="1"/>
-            <p:nvPr/>
-          </p:nvSpPr>
-          <p:spPr>
-            <a:xfrm>
-              <a:off x="5175820" y="1588151"/>
-              <a:ext cx="1758836" cy="373063"/>
-            </a:xfrm>
-            <a:prstGeom prst="rect">
-              <a:avLst/>
-            </a:prstGeom>
-            <a:noFill/>
-          </p:spPr>
-          <p:txBody>
-            <a:bodyPr wrap="square" rtlCol="0">
-              <a:spAutoFit/>
-            </a:bodyPr>
-            <a:lstStyle/>
-            <a:p>
-              <a:r>
-                <a:rPr lang="de-DE" sz="1400" dirty="0" smtClean="0"/>
-                <a:t>Komponente B</a:t>
-              </a:r>
-              <a:endParaRPr lang="de-DE" sz="1400" dirty="0"/>
-            </a:p>
-          </p:txBody>
-        </p:sp>
-        <p:sp>
-          <p:nvSpPr>
-            <p:cNvPr id="10" name="Textfeld 9"/>
-            <p:cNvSpPr txBox="1"/>
-            <p:nvPr/>
-          </p:nvSpPr>
-          <p:spPr>
-            <a:xfrm rot="16200000">
-              <a:off x="3392247" y="1401618"/>
-              <a:ext cx="2094905" cy="373063"/>
-            </a:xfrm>
-            <a:prstGeom prst="rect">
-              <a:avLst/>
-            </a:prstGeom>
-            <a:noFill/>
-          </p:spPr>
-          <p:txBody>
-            <a:bodyPr wrap="square" rtlCol="0">
-              <a:spAutoFit/>
-            </a:bodyPr>
-            <a:lstStyle/>
-            <a:p>
-              <a:r>
-                <a:rPr lang="de-DE" sz="1400" dirty="0" smtClean="0"/>
-                <a:t>Integrationstest</a:t>
-              </a:r>
-              <a:endParaRPr lang="de-DE" sz="1400" dirty="0"/>
-            </a:p>
-          </p:txBody>
-        </p:sp>
-      </p:grpSp>
-      <p:sp>
-        <p:nvSpPr>
-          <p:cNvPr id="17" name="Ellipse 16"/>
-          <p:cNvSpPr/>
-          <p:nvPr/>
-        </p:nvSpPr>
-        <p:spPr>
-          <a:xfrm>
-            <a:off x="539552" y="3531384"/>
-            <a:ext cx="2376264" cy="2376264"/>
-          </a:xfrm>
-          <a:prstGeom prst="ellipse">
-            <a:avLst/>
-          </a:prstGeom>
-          <a:solidFill>
-            <a:schemeClr val="accent3">
-              <a:alpha val="50196"/>
-            </a:schemeClr>
-          </a:solidFill>
-          <a:ln>
-            <a:noFill/>
-          </a:ln>
-        </p:spPr>
-        <p:style>
-          <a:lnRef idx="2">
-            <a:schemeClr val="accent1">
-              <a:shade val="50000"/>
-            </a:schemeClr>
-          </a:lnRef>
-          <a:fillRef idx="1">
-            <a:schemeClr val="accent1"/>
-          </a:fillRef>
-          <a:effectRef idx="0">
-            <a:schemeClr val="accent1"/>
-          </a:effectRef>
-          <a:fontRef idx="minor">
-            <a:schemeClr val="lt1"/>
-          </a:fontRef>
-        </p:style>
-        <p:txBody>
-          <a:bodyPr rtlCol="0" anchor="ctr"/>
-          <a:lstStyle/>
-          <a:p>
-            <a:pPr algn="ctr"/>
-            <a:endParaRPr lang="de-DE" dirty="0"/>
-          </a:p>
-        </p:txBody>
-      </p:sp>
-      <p:sp>
-        <p:nvSpPr>
-          <p:cNvPr id="18" name="Ellipse 17"/>
-          <p:cNvSpPr/>
-          <p:nvPr/>
-        </p:nvSpPr>
-        <p:spPr>
-          <a:xfrm>
-            <a:off x="2289278" y="3531384"/>
-            <a:ext cx="2376264" cy="2376264"/>
-          </a:xfrm>
-          <a:prstGeom prst="ellipse">
-            <a:avLst/>
-          </a:prstGeom>
-          <a:solidFill>
-            <a:schemeClr val="accent4">
-              <a:alpha val="50196"/>
-            </a:schemeClr>
-          </a:solidFill>
-          <a:ln>
-            <a:noFill/>
-          </a:ln>
-        </p:spPr>
-        <p:style>
-          <a:lnRef idx="2">
-            <a:schemeClr val="accent1">
-              <a:shade val="50000"/>
-            </a:schemeClr>
-          </a:lnRef>
-          <a:fillRef idx="1">
-            <a:schemeClr val="accent1"/>
-          </a:fillRef>
-          <a:effectRef idx="0">
-            <a:schemeClr val="accent1"/>
-          </a:effectRef>
-          <a:fontRef idx="minor">
-            <a:schemeClr val="lt1"/>
-          </a:fontRef>
-        </p:style>
-        <p:txBody>
-          <a:bodyPr rtlCol="0" anchor="ctr"/>
-          <a:lstStyle/>
-          <a:p>
-            <a:pPr algn="ctr"/>
-            <a:endParaRPr lang="de-DE" dirty="0"/>
-          </a:p>
-        </p:txBody>
-      </p:sp>
-      <p:grpSp>
-        <p:nvGrpSpPr>
-          <p:cNvPr id="19" name="Gruppieren 18"/>
-          <p:cNvGrpSpPr/>
-          <p:nvPr/>
-        </p:nvGrpSpPr>
-        <p:grpSpPr>
-          <a:xfrm>
-            <a:off x="1338804" y="5194769"/>
-            <a:ext cx="777761" cy="653473"/>
-            <a:chOff x="1397012" y="3933056"/>
-            <a:chExt cx="942740" cy="792088"/>
-          </a:xfrm>
-          <a:solidFill>
-            <a:schemeClr val="accent3"/>
-          </a:solidFill>
-        </p:grpSpPr>
-        <p:sp>
-          <p:nvSpPr>
-            <p:cNvPr id="20" name="Ellipse 19"/>
-            <p:cNvSpPr/>
-            <p:nvPr/>
-          </p:nvSpPr>
-          <p:spPr>
-            <a:xfrm>
-              <a:off x="1691680" y="3933056"/>
-              <a:ext cx="648072" cy="648072"/>
-            </a:xfrm>
-            <a:prstGeom prst="ellipse">
-              <a:avLst/>
-            </a:prstGeom>
-            <a:grpFill/>
-            <a:ln>
-              <a:solidFill>
-                <a:schemeClr val="accent3">
-                  <a:lumMod val="75000"/>
-                </a:schemeClr>
-              </a:solidFill>
-            </a:ln>
-          </p:spPr>
-          <p:style>
-            <a:lnRef idx="2">
-              <a:schemeClr val="accent1">
-                <a:shade val="50000"/>
-              </a:schemeClr>
-            </a:lnRef>
-            <a:fillRef idx="1">
-              <a:schemeClr val="accent1"/>
-            </a:fillRef>
-            <a:effectRef idx="0">
-              <a:schemeClr val="accent1"/>
-            </a:effectRef>
-            <a:fontRef idx="minor">
-              <a:schemeClr val="lt1"/>
-            </a:fontRef>
-          </p:style>
-          <p:txBody>
-            <a:bodyPr rtlCol="0" anchor="ctr"/>
-            <a:lstStyle/>
-            <a:p>
-              <a:pPr algn="ctr"/>
-              <a:endParaRPr lang="de-DE"/>
-            </a:p>
-          </p:txBody>
-        </p:sp>
-        <p:sp>
-          <p:nvSpPr>
-            <p:cNvPr id="21" name="Ellipse 20"/>
-            <p:cNvSpPr/>
-            <p:nvPr/>
-          </p:nvSpPr>
-          <p:spPr>
-            <a:xfrm>
-              <a:off x="1397012" y="3939520"/>
-              <a:ext cx="648072" cy="648072"/>
-            </a:xfrm>
-            <a:prstGeom prst="ellipse">
-              <a:avLst/>
-            </a:prstGeom>
-            <a:grpFill/>
-            <a:ln>
-              <a:solidFill>
-                <a:schemeClr val="accent3">
-                  <a:lumMod val="75000"/>
-                </a:schemeClr>
-              </a:solidFill>
-            </a:ln>
-          </p:spPr>
-          <p:style>
-            <a:lnRef idx="2">
-              <a:schemeClr val="accent1">
-                <a:shade val="50000"/>
-              </a:schemeClr>
-            </a:lnRef>
-            <a:fillRef idx="1">
-              <a:schemeClr val="accent1"/>
-            </a:fillRef>
-            <a:effectRef idx="0">
-              <a:schemeClr val="accent1"/>
-            </a:effectRef>
-            <a:fontRef idx="minor">
-              <a:schemeClr val="lt1"/>
-            </a:fontRef>
-          </p:style>
-          <p:txBody>
-            <a:bodyPr rtlCol="0" anchor="ctr"/>
-            <a:lstStyle/>
-            <a:p>
-              <a:pPr algn="ctr"/>
-              <a:endParaRPr lang="de-DE"/>
-            </a:p>
-          </p:txBody>
-        </p:sp>
-        <p:sp>
-          <p:nvSpPr>
-            <p:cNvPr id="22" name="Ellipse 21"/>
-            <p:cNvSpPr/>
-            <p:nvPr/>
-          </p:nvSpPr>
-          <p:spPr>
-            <a:xfrm>
-              <a:off x="1544346" y="4077072"/>
-              <a:ext cx="648072" cy="648072"/>
-            </a:xfrm>
-            <a:prstGeom prst="ellipse">
-              <a:avLst/>
-            </a:prstGeom>
-            <a:grpFill/>
-            <a:ln>
-              <a:solidFill>
-                <a:schemeClr val="accent3">
-                  <a:lumMod val="75000"/>
-                </a:schemeClr>
-              </a:solidFill>
-            </a:ln>
-          </p:spPr>
-          <p:style>
-            <a:lnRef idx="2">
-              <a:schemeClr val="accent1">
-                <a:shade val="50000"/>
-              </a:schemeClr>
-            </a:lnRef>
-            <a:fillRef idx="1">
-              <a:schemeClr val="accent1"/>
-            </a:fillRef>
-            <a:effectRef idx="0">
-              <a:schemeClr val="accent1"/>
-            </a:effectRef>
-            <a:fontRef idx="minor">
-              <a:schemeClr val="lt1"/>
-            </a:fontRef>
-          </p:style>
-          <p:txBody>
-            <a:bodyPr rtlCol="0" anchor="ctr"/>
-            <a:lstStyle/>
-            <a:p>
-              <a:pPr algn="ctr"/>
-              <a:r>
-                <a:rPr lang="de-DE" sz="700" dirty="0" smtClean="0"/>
-                <a:t>Unit Test</a:t>
-              </a:r>
-              <a:endParaRPr lang="de-DE" sz="700" dirty="0"/>
-            </a:p>
-          </p:txBody>
-        </p:sp>
-      </p:grpSp>
-      <p:grpSp>
-        <p:nvGrpSpPr>
-          <p:cNvPr id="23" name="Gruppieren 22"/>
-          <p:cNvGrpSpPr/>
-          <p:nvPr/>
-        </p:nvGrpSpPr>
-        <p:grpSpPr>
-          <a:xfrm>
-            <a:off x="3088530" y="5184714"/>
-            <a:ext cx="777761" cy="653473"/>
-            <a:chOff x="1397012" y="3933056"/>
-            <a:chExt cx="942740" cy="792088"/>
-          </a:xfrm>
-          <a:solidFill>
-            <a:schemeClr val="accent4"/>
-          </a:solidFill>
-        </p:grpSpPr>
-        <p:sp>
-          <p:nvSpPr>
-            <p:cNvPr id="24" name="Ellipse 23"/>
-            <p:cNvSpPr/>
-            <p:nvPr/>
-          </p:nvSpPr>
-          <p:spPr>
-            <a:xfrm>
-              <a:off x="1691680" y="3933056"/>
-              <a:ext cx="648072" cy="648072"/>
-            </a:xfrm>
-            <a:prstGeom prst="ellipse">
-              <a:avLst/>
-            </a:prstGeom>
-            <a:grpFill/>
-            <a:ln>
-              <a:solidFill>
-                <a:schemeClr val="accent4">
-                  <a:lumMod val="75000"/>
-                </a:schemeClr>
-              </a:solidFill>
-            </a:ln>
-          </p:spPr>
-          <p:style>
-            <a:lnRef idx="2">
-              <a:schemeClr val="accent1">
-                <a:shade val="50000"/>
-              </a:schemeClr>
-            </a:lnRef>
-            <a:fillRef idx="1">
-              <a:schemeClr val="accent1"/>
-            </a:fillRef>
-            <a:effectRef idx="0">
-              <a:schemeClr val="accent1"/>
-            </a:effectRef>
-            <a:fontRef idx="minor">
-              <a:schemeClr val="lt1"/>
-            </a:fontRef>
-          </p:style>
-          <p:txBody>
-            <a:bodyPr rtlCol="0" anchor="ctr"/>
-            <a:lstStyle/>
-            <a:p>
-              <a:pPr algn="ctr"/>
-              <a:endParaRPr lang="de-DE"/>
-            </a:p>
-          </p:txBody>
-        </p:sp>
-        <p:sp>
-          <p:nvSpPr>
-            <p:cNvPr id="25" name="Ellipse 24"/>
-            <p:cNvSpPr/>
-            <p:nvPr/>
-          </p:nvSpPr>
-          <p:spPr>
-            <a:xfrm>
-              <a:off x="1397012" y="3939520"/>
-              <a:ext cx="648072" cy="648072"/>
-            </a:xfrm>
-            <a:prstGeom prst="ellipse">
-              <a:avLst/>
-            </a:prstGeom>
-            <a:grpFill/>
-            <a:ln>
-              <a:solidFill>
-                <a:schemeClr val="accent4">
-                  <a:lumMod val="75000"/>
-                </a:schemeClr>
-              </a:solidFill>
-            </a:ln>
-          </p:spPr>
-          <p:style>
-            <a:lnRef idx="2">
-              <a:schemeClr val="accent1">
-                <a:shade val="50000"/>
-              </a:schemeClr>
-            </a:lnRef>
-            <a:fillRef idx="1">
-              <a:schemeClr val="accent1"/>
-            </a:fillRef>
-            <a:effectRef idx="0">
-              <a:schemeClr val="accent1"/>
-            </a:effectRef>
-            <a:fontRef idx="minor">
-              <a:schemeClr val="lt1"/>
-            </a:fontRef>
-          </p:style>
-          <p:txBody>
-            <a:bodyPr rtlCol="0" anchor="ctr"/>
-            <a:lstStyle/>
-            <a:p>
-              <a:pPr algn="ctr"/>
-              <a:endParaRPr lang="de-DE"/>
-            </a:p>
-          </p:txBody>
-        </p:sp>
-        <p:sp>
-          <p:nvSpPr>
-            <p:cNvPr id="26" name="Ellipse 25"/>
-            <p:cNvSpPr/>
-            <p:nvPr/>
-          </p:nvSpPr>
-          <p:spPr>
-            <a:xfrm>
-              <a:off x="1544346" y="4077072"/>
-              <a:ext cx="648072" cy="648072"/>
-            </a:xfrm>
-            <a:prstGeom prst="ellipse">
-              <a:avLst/>
-            </a:prstGeom>
-            <a:grpFill/>
-            <a:ln>
-              <a:solidFill>
-                <a:schemeClr val="accent4">
-                  <a:lumMod val="75000"/>
-                </a:schemeClr>
-              </a:solidFill>
-            </a:ln>
-          </p:spPr>
-          <p:style>
-            <a:lnRef idx="2">
-              <a:schemeClr val="accent1">
-                <a:shade val="50000"/>
-              </a:schemeClr>
-            </a:lnRef>
-            <a:fillRef idx="1">
-              <a:schemeClr val="accent1"/>
-            </a:fillRef>
-            <a:effectRef idx="0">
-              <a:schemeClr val="accent1"/>
-            </a:effectRef>
-            <a:fontRef idx="minor">
-              <a:schemeClr val="lt1"/>
-            </a:fontRef>
-          </p:style>
-          <p:txBody>
-            <a:bodyPr rtlCol="0" anchor="ctr"/>
-            <a:lstStyle/>
-            <a:p>
-              <a:pPr algn="ctr"/>
-              <a:r>
-                <a:rPr lang="de-DE" sz="700" dirty="0" smtClean="0"/>
-                <a:t>Unit Test</a:t>
-              </a:r>
-              <a:endParaRPr lang="de-DE" sz="700" dirty="0"/>
-            </a:p>
-          </p:txBody>
-        </p:sp>
-      </p:grpSp>
-      <p:sp>
-        <p:nvSpPr>
-          <p:cNvPr id="27" name="Textfeld 26"/>
-          <p:cNvSpPr txBox="1"/>
-          <p:nvPr/>
-        </p:nvSpPr>
-        <p:spPr>
-          <a:xfrm>
-            <a:off x="539552" y="4567167"/>
-            <a:ext cx="1451040" cy="307777"/>
-          </a:xfrm>
-          <a:prstGeom prst="rect">
-            <a:avLst/>
-          </a:prstGeom>
-          <a:noFill/>
-        </p:spPr>
-        <p:txBody>
-          <a:bodyPr wrap="square" rtlCol="0">
-            <a:spAutoFit/>
-          </a:bodyPr>
-          <a:lstStyle/>
-          <a:p>
-            <a:r>
-              <a:rPr lang="de-DE" sz="1400" dirty="0" smtClean="0"/>
-              <a:t>Komponente C</a:t>
-            </a:r>
-            <a:endParaRPr lang="de-DE" sz="1400" dirty="0"/>
-          </a:p>
-        </p:txBody>
-      </p:sp>
-      <p:sp>
-        <p:nvSpPr>
-          <p:cNvPr id="28" name="Textfeld 27"/>
-          <p:cNvSpPr txBox="1"/>
-          <p:nvPr/>
-        </p:nvSpPr>
-        <p:spPr>
-          <a:xfrm>
-            <a:off x="3203276" y="4567167"/>
-            <a:ext cx="1451040" cy="307777"/>
-          </a:xfrm>
-          <a:prstGeom prst="rect">
-            <a:avLst/>
-          </a:prstGeom>
-          <a:noFill/>
-        </p:spPr>
-        <p:txBody>
-          <a:bodyPr wrap="square" rtlCol="0">
-            <a:spAutoFit/>
-          </a:bodyPr>
-          <a:lstStyle/>
-          <a:p>
-            <a:r>
-              <a:rPr lang="de-DE" sz="1400" dirty="0" smtClean="0"/>
-              <a:t>Komponente D</a:t>
-            </a:r>
-            <a:endParaRPr lang="de-DE" sz="1400" dirty="0"/>
-          </a:p>
-        </p:txBody>
-      </p:sp>
-      <p:sp>
-        <p:nvSpPr>
-          <p:cNvPr id="29" name="Textfeld 28"/>
-          <p:cNvSpPr txBox="1"/>
-          <p:nvPr/>
-        </p:nvSpPr>
-        <p:spPr>
-          <a:xfrm rot="16200000">
-            <a:off x="1731828" y="4413278"/>
-            <a:ext cx="1728297" cy="307777"/>
-          </a:xfrm>
-          <a:prstGeom prst="rect">
-            <a:avLst/>
-          </a:prstGeom>
-          <a:noFill/>
-        </p:spPr>
-        <p:txBody>
-          <a:bodyPr wrap="square" rtlCol="0">
-            <a:spAutoFit/>
-          </a:bodyPr>
-          <a:lstStyle/>
-          <a:p>
-            <a:r>
-              <a:rPr lang="de-DE" sz="1400" dirty="0" smtClean="0"/>
-              <a:t>Integrationstest</a:t>
-            </a:r>
-            <a:endParaRPr lang="de-DE" sz="1400" dirty="0"/>
-          </a:p>
-        </p:txBody>
-      </p:sp>
-      <p:sp>
-        <p:nvSpPr>
-          <p:cNvPr id="30" name="Freihandform 29"/>
-          <p:cNvSpPr/>
-          <p:nvPr/>
-        </p:nvSpPr>
-        <p:spPr>
-          <a:xfrm>
-            <a:off x="7963602" y="2977843"/>
-            <a:ext cx="941724" cy="902314"/>
-          </a:xfrm>
-          <a:custGeom>
-            <a:avLst/>
-            <a:gdLst>
-              <a:gd name="connsiteX0" fmla="*/ 598233 w 1196466"/>
-              <a:gd name="connsiteY0" fmla="*/ 0 h 1146395"/>
-              <a:gd name="connsiteX1" fmla="*/ 922269 w 1196466"/>
-              <a:gd name="connsiteY1" fmla="*/ 324036 h 1146395"/>
-              <a:gd name="connsiteX2" fmla="*/ 827361 w 1196466"/>
-              <a:gd name="connsiteY2" fmla="*/ 553164 h 1146395"/>
-              <a:gd name="connsiteX3" fmla="*/ 787092 w 1196466"/>
-              <a:gd name="connsiteY3" fmla="*/ 586389 h 1146395"/>
-              <a:gd name="connsiteX4" fmla="*/ 831093 w 1196466"/>
-              <a:gd name="connsiteY4" fmla="*/ 592966 h 1146395"/>
-              <a:gd name="connsiteX5" fmla="*/ 1196466 w 1196466"/>
-              <a:gd name="connsiteY5" fmla="*/ 858363 h 1146395"/>
-              <a:gd name="connsiteX6" fmla="*/ 1196466 w 1196466"/>
-              <a:gd name="connsiteY6" fmla="*/ 1146395 h 1146395"/>
-              <a:gd name="connsiteX7" fmla="*/ 0 w 1196466"/>
-              <a:gd name="connsiteY7" fmla="*/ 1146395 h 1146395"/>
-              <a:gd name="connsiteX8" fmla="*/ 0 w 1196466"/>
-              <a:gd name="connsiteY8" fmla="*/ 858363 h 1146395"/>
-              <a:gd name="connsiteX9" fmla="*/ 365374 w 1196466"/>
-              <a:gd name="connsiteY9" fmla="*/ 592966 h 1146395"/>
-              <a:gd name="connsiteX10" fmla="*/ 409375 w 1196466"/>
-              <a:gd name="connsiteY10" fmla="*/ 586389 h 1146395"/>
-              <a:gd name="connsiteX11" fmla="*/ 369105 w 1196466"/>
-              <a:gd name="connsiteY11" fmla="*/ 553164 h 1146395"/>
-              <a:gd name="connsiteX12" fmla="*/ 274197 w 1196466"/>
-              <a:gd name="connsiteY12" fmla="*/ 324036 h 1146395"/>
-              <a:gd name="connsiteX13" fmla="*/ 598233 w 1196466"/>
-              <a:gd name="connsiteY13" fmla="*/ 0 h 1146395"/>
-            </a:gdLst>
-            <a:ahLst/>
-            <a:cxnLst>
-              <a:cxn ang="0">
-                <a:pos x="connsiteX0" y="connsiteY0"/>
-              </a:cxn>
-              <a:cxn ang="0">
-                <a:pos x="connsiteX1" y="connsiteY1"/>
-              </a:cxn>
-              <a:cxn ang="0">
-                <a:pos x="connsiteX2" y="connsiteY2"/>
-              </a:cxn>
-              <a:cxn ang="0">
-                <a:pos x="connsiteX3" y="connsiteY3"/>
-              </a:cxn>
-              <a:cxn ang="0">
-                <a:pos x="connsiteX4" y="connsiteY4"/>
-              </a:cxn>
-              <a:cxn ang="0">
-                <a:pos x="connsiteX5" y="connsiteY5"/>
-              </a:cxn>
-              <a:cxn ang="0">
-                <a:pos x="connsiteX6" y="connsiteY6"/>
-              </a:cxn>
-              <a:cxn ang="0">
-                <a:pos x="connsiteX7" y="connsiteY7"/>
-              </a:cxn>
-              <a:cxn ang="0">
-                <a:pos x="connsiteX8" y="connsiteY8"/>
-              </a:cxn>
-              <a:cxn ang="0">
-                <a:pos x="connsiteX9" y="connsiteY9"/>
-              </a:cxn>
-              <a:cxn ang="0">
-                <a:pos x="connsiteX10" y="connsiteY10"/>
-              </a:cxn>
-              <a:cxn ang="0">
-                <a:pos x="connsiteX11" y="connsiteY11"/>
-              </a:cxn>
-              <a:cxn ang="0">
-                <a:pos x="connsiteX12" y="connsiteY12"/>
-              </a:cxn>
-              <a:cxn ang="0">
-                <a:pos x="connsiteX13" y="connsiteY13"/>
-              </a:cxn>
-            </a:cxnLst>
-            <a:rect l="l" t="t" r="r" b="b"/>
-            <a:pathLst>
-              <a:path w="1196466" h="1146395">
-                <a:moveTo>
-                  <a:pt x="598233" y="0"/>
-                </a:moveTo>
-                <a:cubicBezTo>
-                  <a:pt x="777193" y="0"/>
-                  <a:pt x="922269" y="145076"/>
-                  <a:pt x="922269" y="324036"/>
-                </a:cubicBezTo>
-                <a:cubicBezTo>
-                  <a:pt x="922269" y="413516"/>
-                  <a:pt x="886000" y="494525"/>
-                  <a:pt x="827361" y="553164"/>
-                </a:cubicBezTo>
-                <a:lnTo>
-                  <a:pt x="787092" y="586389"/>
-                </a:lnTo>
-                <a:lnTo>
-                  <a:pt x="831093" y="592966"/>
-                </a:lnTo>
-                <a:cubicBezTo>
-                  <a:pt x="1045807" y="636691"/>
-                  <a:pt x="1196466" y="739056"/>
-                  <a:pt x="1196466" y="858363"/>
-                </a:cubicBezTo>
-                <a:lnTo>
-                  <a:pt x="1196466" y="1146395"/>
-                </a:lnTo>
-                <a:lnTo>
-                  <a:pt x="0" y="1146395"/>
-                </a:lnTo>
-                <a:lnTo>
-                  <a:pt x="0" y="858363"/>
-                </a:lnTo>
-                <a:cubicBezTo>
-                  <a:pt x="0" y="739056"/>
-                  <a:pt x="150659" y="636691"/>
-                  <a:pt x="365374" y="592966"/>
-                </a:cubicBezTo>
-                <a:lnTo>
-                  <a:pt x="409375" y="586389"/>
-                </a:lnTo>
-                <a:lnTo>
-                  <a:pt x="369105" y="553164"/>
-                </a:lnTo>
-                <a:cubicBezTo>
-                  <a:pt x="310466" y="494525"/>
-                  <a:pt x="274197" y="413516"/>
-                  <a:pt x="274197" y="324036"/>
-                </a:cubicBezTo>
-                <a:cubicBezTo>
-                  <a:pt x="274197" y="145076"/>
-                  <a:pt x="419273" y="0"/>
-                  <a:pt x="598233" y="0"/>
-                </a:cubicBezTo>
-                <a:close/>
-              </a:path>
-            </a:pathLst>
-          </a:custGeom>
-          <a:solidFill>
-            <a:schemeClr val="accent6"/>
-          </a:solidFill>
-          <a:ln>
-            <a:solidFill>
-              <a:schemeClr val="accent6">
-                <a:lumMod val="75000"/>
-              </a:schemeClr>
-            </a:solidFill>
-          </a:ln>
-        </p:spPr>
-        <p:style>
-          <a:lnRef idx="2">
-            <a:schemeClr val="accent1">
-              <a:shade val="50000"/>
-            </a:schemeClr>
-          </a:lnRef>
-          <a:fillRef idx="1">
-            <a:schemeClr val="accent1"/>
-          </a:fillRef>
-          <a:effectRef idx="0">
-            <a:schemeClr val="accent1"/>
-          </a:effectRef>
-          <a:fontRef idx="minor">
-            <a:schemeClr val="lt1"/>
-          </a:fontRef>
-        </p:style>
-        <p:txBody>
-          <a:bodyPr rtlCol="0" anchor="ctr"/>
-          <a:lstStyle/>
-          <a:p>
-            <a:pPr algn="ctr"/>
-            <a:endParaRPr lang="de-DE"/>
-          </a:p>
-        </p:txBody>
-      </p:sp>
-      <p:sp>
-        <p:nvSpPr>
-          <p:cNvPr id="31" name="Pfeil nach rechts 30"/>
-          <p:cNvSpPr/>
-          <p:nvPr/>
-        </p:nvSpPr>
-        <p:spPr>
-          <a:xfrm flipH="1">
-            <a:off x="5907396" y="2911443"/>
-            <a:ext cx="1832955" cy="1070699"/>
-          </a:xfrm>
-          <a:prstGeom prst="rightArrow">
-            <a:avLst/>
-          </a:prstGeom>
-          <a:solidFill>
-            <a:schemeClr val="accent6"/>
-          </a:solidFill>
-          <a:ln>
-            <a:solidFill>
-              <a:schemeClr val="accent6">
-                <a:lumMod val="75000"/>
-              </a:schemeClr>
-            </a:solidFill>
-          </a:ln>
-        </p:spPr>
-        <p:style>
-          <a:lnRef idx="2">
-            <a:schemeClr val="accent1">
-              <a:shade val="50000"/>
-            </a:schemeClr>
-          </a:lnRef>
-          <a:fillRef idx="1">
-            <a:schemeClr val="accent1"/>
-          </a:fillRef>
-          <a:effectRef idx="0">
-            <a:schemeClr val="accent1"/>
-          </a:effectRef>
-          <a:fontRef idx="minor">
-            <a:schemeClr val="lt1"/>
-          </a:fontRef>
-        </p:style>
-        <p:txBody>
-          <a:bodyPr rtlCol="0" anchor="ctr"/>
-          <a:lstStyle/>
-          <a:p>
-            <a:pPr algn="ctr"/>
-            <a:endParaRPr lang="de-DE" sz="1400" dirty="0"/>
-          </a:p>
-        </p:txBody>
-      </p:sp>
-      <p:sp>
-        <p:nvSpPr>
-          <p:cNvPr id="32" name="Textfeld 31"/>
-          <p:cNvSpPr txBox="1"/>
-          <p:nvPr/>
-        </p:nvSpPr>
-        <p:spPr>
-          <a:xfrm rot="16200000">
-            <a:off x="4541976" y="3172325"/>
-            <a:ext cx="1846281" cy="369332"/>
-          </a:xfrm>
-          <a:prstGeom prst="rect">
-            <a:avLst/>
-          </a:prstGeom>
-          <a:noFill/>
-        </p:spPr>
-        <p:txBody>
-          <a:bodyPr wrap="square" rtlCol="0">
-            <a:spAutoFit/>
-          </a:bodyPr>
-          <a:lstStyle/>
-          <a:p>
-            <a:r>
-              <a:rPr lang="de-DE" dirty="0" smtClean="0"/>
-              <a:t>System Tests</a:t>
-            </a:r>
-            <a:endParaRPr lang="de-DE" dirty="0"/>
-          </a:p>
-        </p:txBody>
-      </p:sp>
-      <p:sp>
-        <p:nvSpPr>
-          <p:cNvPr id="33" name="Textfeld 32"/>
-          <p:cNvSpPr txBox="1"/>
-          <p:nvPr/>
-        </p:nvSpPr>
-        <p:spPr>
-          <a:xfrm>
-            <a:off x="5993232" y="3244334"/>
-            <a:ext cx="1944216" cy="369332"/>
-          </a:xfrm>
-          <a:prstGeom prst="rect">
-            <a:avLst/>
-          </a:prstGeom>
-          <a:noFill/>
-        </p:spPr>
-        <p:txBody>
-          <a:bodyPr wrap="square" rtlCol="0">
-            <a:spAutoFit/>
-          </a:bodyPr>
-          <a:lstStyle/>
-          <a:p>
-            <a:r>
-              <a:rPr lang="de-DE" dirty="0" err="1" smtClean="0"/>
-              <a:t>Aktzeptanztests</a:t>
-            </a:r>
-            <a:endParaRPr lang="de-DE" dirty="0"/>
-          </a:p>
-        </p:txBody>
-      </p:sp>
-    </p:spTree>
-    <p:extLst>
-      <p:ext uri="{BB962C8B-B14F-4D97-AF65-F5344CB8AC3E}">
-        <p14:creationId xmlns:p14="http://schemas.microsoft.com/office/powerpoint/2010/main" val="2675042044"/>
-      </p:ext>
-    </p:extLst>
-  </p:cSld>
-  <p:clrMapOvr>
-    <a:masterClrMapping/>
-  </p:clrMapOvr>
-</p:sld>
-</file>
-
 <file path=ppt/theme/theme1.xml><?xml version="1.0" encoding="utf-8"?>
 <a:theme xmlns:a="http://schemas.openxmlformats.org/drawingml/2006/main" name="Office Theme">
   <a:themeElements>

--- a/images/ppt/graphics.pptx
+++ b/images/ppt/graphics.pptx
@@ -5247,216 +5247,231 @@
           <a:chExt cx="0" cy="0"/>
         </a:xfrm>
       </p:grpSpPr>
-      <p:sp>
-        <p:nvSpPr>
-          <p:cNvPr id="2" name="Gleichschenkliges Dreieck 1"/>
-          <p:cNvSpPr/>
+      <p:grpSp>
+        <p:nvGrpSpPr>
+          <p:cNvPr id="3" name="Gruppieren 2"/>
+          <p:cNvGrpSpPr/>
           <p:nvPr/>
-        </p:nvSpPr>
-        <p:spPr>
+        </p:nvGrpSpPr>
+        <p:grpSpPr>
           <a:xfrm>
-            <a:off x="1491418" y="773326"/>
-            <a:ext cx="6161164" cy="5311349"/>
+            <a:off x="835572" y="543149"/>
+            <a:ext cx="4359001" cy="3366699"/>
+            <a:chOff x="835572" y="543149"/>
+            <a:chExt cx="7472856" cy="5771702"/>
           </a:xfrm>
-          <a:prstGeom prst="triangle">
-            <a:avLst/>
-          </a:prstGeom>
-        </p:spPr>
-        <p:style>
-          <a:lnRef idx="2">
-            <a:schemeClr val="accent1">
-              <a:shade val="50000"/>
-            </a:schemeClr>
-          </a:lnRef>
-          <a:fillRef idx="1">
-            <a:schemeClr val="accent1"/>
-          </a:fillRef>
-          <a:effectRef idx="0">
-            <a:schemeClr val="accent1"/>
-          </a:effectRef>
-          <a:fontRef idx="minor">
-            <a:schemeClr val="lt1"/>
-          </a:fontRef>
-        </p:style>
-        <p:txBody>
-          <a:bodyPr rtlCol="0" anchor="ctr"/>
-          <a:lstStyle/>
-          <a:p>
-            <a:pPr algn="ctr"/>
-            <a:endParaRPr lang="de-DE" sz="6600" dirty="0"/>
-          </a:p>
-        </p:txBody>
-      </p:sp>
-      <p:sp>
-        <p:nvSpPr>
-          <p:cNvPr id="9" name="Abgerundetes Rechteck 8"/>
-          <p:cNvSpPr/>
-          <p:nvPr/>
-        </p:nvSpPr>
-        <p:spPr>
-          <a:xfrm>
-            <a:off x="3916152" y="543149"/>
-            <a:ext cx="1311691" cy="460353"/>
-          </a:xfrm>
-          <a:prstGeom prst="roundRect">
-            <a:avLst/>
-          </a:prstGeom>
-        </p:spPr>
-        <p:style>
-          <a:lnRef idx="2">
-            <a:schemeClr val="accent2">
-              <a:shade val="50000"/>
-            </a:schemeClr>
-          </a:lnRef>
-          <a:fillRef idx="1">
-            <a:schemeClr val="accent2"/>
-          </a:fillRef>
-          <a:effectRef idx="0">
-            <a:schemeClr val="accent2"/>
-          </a:effectRef>
-          <a:fontRef idx="minor">
-            <a:schemeClr val="lt1"/>
-          </a:fontRef>
-        </p:style>
-        <p:txBody>
-          <a:bodyPr rtlCol="0" anchor="ctr"/>
-          <a:lstStyle/>
-          <a:p>
-            <a:pPr algn="ctr"/>
-            <a:r>
-              <a:rPr lang="de-DE" dirty="0" smtClean="0"/>
-              <a:t>Leistung</a:t>
-            </a:r>
-            <a:endParaRPr lang="de-DE" dirty="0"/>
-          </a:p>
-        </p:txBody>
-      </p:sp>
-      <p:sp>
-        <p:nvSpPr>
-          <p:cNvPr id="10" name="Abgerundetes Rechteck 9"/>
-          <p:cNvSpPr/>
-          <p:nvPr/>
-        </p:nvSpPr>
-        <p:spPr>
-          <a:xfrm>
-            <a:off x="835572" y="5854498"/>
-            <a:ext cx="1311691" cy="460353"/>
-          </a:xfrm>
-          <a:prstGeom prst="roundRect">
-            <a:avLst/>
-          </a:prstGeom>
-        </p:spPr>
-        <p:style>
-          <a:lnRef idx="2">
-            <a:schemeClr val="accent2">
-              <a:shade val="50000"/>
-            </a:schemeClr>
-          </a:lnRef>
-          <a:fillRef idx="1">
-            <a:schemeClr val="accent2"/>
-          </a:fillRef>
-          <a:effectRef idx="0">
-            <a:schemeClr val="accent2"/>
-          </a:effectRef>
-          <a:fontRef idx="minor">
-            <a:schemeClr val="lt1"/>
-          </a:fontRef>
-        </p:style>
-        <p:txBody>
-          <a:bodyPr rtlCol="0" anchor="ctr"/>
-          <a:lstStyle/>
-          <a:p>
-            <a:pPr algn="ctr"/>
-            <a:r>
-              <a:rPr lang="de-DE" dirty="0" smtClean="0"/>
-              <a:t>Zeit</a:t>
-            </a:r>
-            <a:endParaRPr lang="de-DE" dirty="0"/>
-          </a:p>
-        </p:txBody>
-      </p:sp>
-      <p:sp>
-        <p:nvSpPr>
-          <p:cNvPr id="11" name="Abgerundetes Rechteck 10"/>
-          <p:cNvSpPr/>
-          <p:nvPr/>
-        </p:nvSpPr>
-        <p:spPr>
-          <a:xfrm>
-            <a:off x="6996737" y="5854498"/>
-            <a:ext cx="1311691" cy="460353"/>
-          </a:xfrm>
-          <a:prstGeom prst="roundRect">
-            <a:avLst/>
-          </a:prstGeom>
-        </p:spPr>
-        <p:style>
-          <a:lnRef idx="2">
-            <a:schemeClr val="accent2">
-              <a:shade val="50000"/>
-            </a:schemeClr>
-          </a:lnRef>
-          <a:fillRef idx="1">
-            <a:schemeClr val="accent2"/>
-          </a:fillRef>
-          <a:effectRef idx="0">
-            <a:schemeClr val="accent2"/>
-          </a:effectRef>
-          <a:fontRef idx="minor">
-            <a:schemeClr val="lt1"/>
-          </a:fontRef>
-        </p:style>
-        <p:txBody>
-          <a:bodyPr rtlCol="0" anchor="ctr"/>
-          <a:lstStyle/>
-          <a:p>
-            <a:pPr algn="ctr"/>
-            <a:r>
-              <a:rPr lang="de-DE" dirty="0" smtClean="0"/>
-              <a:t>Kosten</a:t>
-            </a:r>
-            <a:endParaRPr lang="de-DE" dirty="0"/>
-          </a:p>
-        </p:txBody>
-      </p:sp>
-      <p:sp>
-        <p:nvSpPr>
-          <p:cNvPr id="13" name="Textfeld 12"/>
-          <p:cNvSpPr txBox="1"/>
-          <p:nvPr/>
-        </p:nvSpPr>
-        <p:spPr>
-          <a:xfrm>
-            <a:off x="3255578" y="3529898"/>
-            <a:ext cx="2632841" cy="923330"/>
-          </a:xfrm>
-          <a:prstGeom prst="rect">
-            <a:avLst/>
-          </a:prstGeom>
-          <a:noFill/>
-        </p:spPr>
-        <p:txBody>
-          <a:bodyPr wrap="square" rtlCol="0">
-            <a:spAutoFit/>
-          </a:bodyPr>
-          <a:lstStyle/>
-          <a:p>
-            <a:r>
-              <a:rPr lang="de-DE" sz="5400" dirty="0" smtClean="0">
+        </p:grpSpPr>
+        <p:sp>
+          <p:nvSpPr>
+            <p:cNvPr id="2" name="Gleichschenkliges Dreieck 1"/>
+            <p:cNvSpPr/>
+            <p:nvPr/>
+          </p:nvSpPr>
+          <p:spPr>
+            <a:xfrm>
+              <a:off x="1491418" y="773326"/>
+              <a:ext cx="6161164" cy="5311349"/>
+            </a:xfrm>
+            <a:prstGeom prst="triangle">
+              <a:avLst/>
+            </a:prstGeom>
+          </p:spPr>
+          <p:style>
+            <a:lnRef idx="2">
+              <a:schemeClr val="accent1">
+                <a:shade val="50000"/>
+              </a:schemeClr>
+            </a:lnRef>
+            <a:fillRef idx="1">
+              <a:schemeClr val="accent1"/>
+            </a:fillRef>
+            <a:effectRef idx="0">
+              <a:schemeClr val="accent1"/>
+            </a:effectRef>
+            <a:fontRef idx="minor">
+              <a:schemeClr val="lt1"/>
+            </a:fontRef>
+          </p:style>
+          <p:txBody>
+            <a:bodyPr rtlCol="0" anchor="ctr"/>
+            <a:lstStyle/>
+            <a:p>
+              <a:pPr algn="ctr"/>
+              <a:endParaRPr lang="de-DE" sz="4800" dirty="0"/>
+            </a:p>
+          </p:txBody>
+        </p:sp>
+        <p:sp>
+          <p:nvSpPr>
+            <p:cNvPr id="9" name="Abgerundetes Rechteck 8"/>
+            <p:cNvSpPr/>
+            <p:nvPr/>
+          </p:nvSpPr>
+          <p:spPr>
+            <a:xfrm>
+              <a:off x="3916152" y="543149"/>
+              <a:ext cx="1311691" cy="460353"/>
+            </a:xfrm>
+            <a:prstGeom prst="roundRect">
+              <a:avLst/>
+            </a:prstGeom>
+          </p:spPr>
+          <p:style>
+            <a:lnRef idx="2">
+              <a:schemeClr val="accent2">
+                <a:shade val="50000"/>
+              </a:schemeClr>
+            </a:lnRef>
+            <a:fillRef idx="1">
+              <a:schemeClr val="accent2"/>
+            </a:fillRef>
+            <a:effectRef idx="0">
+              <a:schemeClr val="accent2"/>
+            </a:effectRef>
+            <a:fontRef idx="minor">
+              <a:schemeClr val="lt1"/>
+            </a:fontRef>
+          </p:style>
+          <p:txBody>
+            <a:bodyPr rtlCol="0" anchor="ctr"/>
+            <a:lstStyle/>
+            <a:p>
+              <a:pPr algn="ctr"/>
+              <a:r>
+                <a:rPr lang="de-DE" sz="1200" dirty="0" smtClean="0"/>
+                <a:t>Leistung</a:t>
+              </a:r>
+              <a:endParaRPr lang="de-DE" sz="1200" dirty="0"/>
+            </a:p>
+          </p:txBody>
+        </p:sp>
+        <p:sp>
+          <p:nvSpPr>
+            <p:cNvPr id="10" name="Abgerundetes Rechteck 9"/>
+            <p:cNvSpPr/>
+            <p:nvPr/>
+          </p:nvSpPr>
+          <p:spPr>
+            <a:xfrm>
+              <a:off x="835572" y="5854498"/>
+              <a:ext cx="1311691" cy="460353"/>
+            </a:xfrm>
+            <a:prstGeom prst="roundRect">
+              <a:avLst/>
+            </a:prstGeom>
+          </p:spPr>
+          <p:style>
+            <a:lnRef idx="2">
+              <a:schemeClr val="accent2">
+                <a:shade val="50000"/>
+              </a:schemeClr>
+            </a:lnRef>
+            <a:fillRef idx="1">
+              <a:schemeClr val="accent2"/>
+            </a:fillRef>
+            <a:effectRef idx="0">
+              <a:schemeClr val="accent2"/>
+            </a:effectRef>
+            <a:fontRef idx="minor">
+              <a:schemeClr val="lt1"/>
+            </a:fontRef>
+          </p:style>
+          <p:txBody>
+            <a:bodyPr rtlCol="0" anchor="ctr"/>
+            <a:lstStyle/>
+            <a:p>
+              <a:pPr algn="ctr"/>
+              <a:r>
+                <a:rPr lang="de-DE" sz="1200" dirty="0" smtClean="0"/>
+                <a:t>Zeit</a:t>
+              </a:r>
+              <a:endParaRPr lang="de-DE" sz="1200" dirty="0"/>
+            </a:p>
+          </p:txBody>
+        </p:sp>
+        <p:sp>
+          <p:nvSpPr>
+            <p:cNvPr id="11" name="Abgerundetes Rechteck 10"/>
+            <p:cNvSpPr/>
+            <p:nvPr/>
+          </p:nvSpPr>
+          <p:spPr>
+            <a:xfrm>
+              <a:off x="6996737" y="5854498"/>
+              <a:ext cx="1311691" cy="460353"/>
+            </a:xfrm>
+            <a:prstGeom prst="roundRect">
+              <a:avLst/>
+            </a:prstGeom>
+          </p:spPr>
+          <p:style>
+            <a:lnRef idx="2">
+              <a:schemeClr val="accent2">
+                <a:shade val="50000"/>
+              </a:schemeClr>
+            </a:lnRef>
+            <a:fillRef idx="1">
+              <a:schemeClr val="accent2"/>
+            </a:fillRef>
+            <a:effectRef idx="0">
+              <a:schemeClr val="accent2"/>
+            </a:effectRef>
+            <a:fontRef idx="minor">
+              <a:schemeClr val="lt1"/>
+            </a:fontRef>
+          </p:style>
+          <p:txBody>
+            <a:bodyPr rtlCol="0" anchor="ctr"/>
+            <a:lstStyle/>
+            <a:p>
+              <a:pPr algn="ctr"/>
+              <a:r>
+                <a:rPr lang="de-DE" sz="1200" dirty="0" smtClean="0"/>
+                <a:t>Kosten</a:t>
+              </a:r>
+              <a:endParaRPr lang="de-DE" sz="1200" dirty="0"/>
+            </a:p>
+          </p:txBody>
+        </p:sp>
+        <p:sp>
+          <p:nvSpPr>
+            <p:cNvPr id="13" name="Textfeld 12"/>
+            <p:cNvSpPr txBox="1"/>
+            <p:nvPr/>
+          </p:nvSpPr>
+          <p:spPr>
+            <a:xfrm>
+              <a:off x="3255578" y="3529897"/>
+              <a:ext cx="2632841" cy="896982"/>
+            </a:xfrm>
+            <a:prstGeom prst="rect">
+              <a:avLst/>
+            </a:prstGeom>
+            <a:noFill/>
+          </p:spPr>
+          <p:txBody>
+            <a:bodyPr wrap="square" rtlCol="0">
+              <a:spAutoFit/>
+            </a:bodyPr>
+            <a:lstStyle/>
+            <a:p>
+              <a:r>
+                <a:rPr lang="de-DE" sz="2800" dirty="0" smtClean="0">
+                  <a:solidFill>
+                    <a:schemeClr val="bg1"/>
+                  </a:solidFill>
+                </a:rPr>
+                <a:t>Qualität</a:t>
+              </a:r>
+              <a:endParaRPr lang="de-DE" sz="2800" dirty="0">
                 <a:solidFill>
                   <a:schemeClr val="bg1"/>
                 </a:solidFill>
-              </a:rPr>
-              <a:t>Qualität</a:t>
-            </a:r>
-            <a:endParaRPr lang="de-DE" sz="5400" dirty="0">
-              <a:solidFill>
-                <a:schemeClr val="bg1"/>
-              </a:solidFill>
-            </a:endParaRPr>
-          </a:p>
-        </p:txBody>
-      </p:sp>
+              </a:endParaRPr>
+            </a:p>
+          </p:txBody>
+        </p:sp>
+      </p:grpSp>
     </p:spTree>
     <p:extLst>
       <p:ext uri="{BB962C8B-B14F-4D97-AF65-F5344CB8AC3E}">
@@ -20124,7 +20139,6 @@
                 <a:rPr lang="de-DE" dirty="0"/>
                 <a:t>Bestellung storniert</a:t>
               </a:r>
-              <a:endParaRPr lang="de-DE" dirty="0"/>
             </a:p>
           </p:txBody>
         </p:sp>
@@ -20715,7 +20729,6 @@
                 <a:rPr lang="de-DE" dirty="0"/>
                 <a:t>3</a:t>
               </a:r>
-              <a:endParaRPr lang="de-DE" dirty="0"/>
             </a:p>
           </p:txBody>
         </p:sp>
@@ -22824,8 +22837,8 @@
         </p:nvSpPr>
         <p:spPr>
           <a:xfrm rot="18900000">
-            <a:off x="446497" y="5862115"/>
-            <a:ext cx="790601" cy="276999"/>
+            <a:off x="457718" y="5862115"/>
+            <a:ext cx="768159" cy="276999"/>
           </a:xfrm>
           <a:prstGeom prst="rect">
             <a:avLst/>
@@ -22839,12 +22852,20 @@
           <a:lstStyle/>
           <a:p>
             <a:r>
+              <a:rPr lang="de-DE" sz="1200" dirty="0" err="1" smtClean="0">
+                <a:solidFill>
+                  <a:schemeClr val="bg1"/>
+                </a:solidFill>
+              </a:rPr>
+              <a:t>Komp</a:t>
+            </a:r>
+            <a:r>
               <a:rPr lang="de-DE" sz="1200" dirty="0" smtClean="0">
                 <a:solidFill>
                   <a:schemeClr val="bg1"/>
                 </a:solidFill>
               </a:rPr>
-              <a:t>Service A</a:t>
+              <a:t>. A</a:t>
             </a:r>
             <a:endParaRPr lang="de-DE" sz="1200" dirty="0">
               <a:solidFill>
@@ -22862,8 +22883,8 @@
         </p:nvSpPr>
         <p:spPr>
           <a:xfrm rot="18900000">
-            <a:off x="1152871" y="5861962"/>
-            <a:ext cx="790601" cy="276999"/>
+            <a:off x="1164092" y="5861962"/>
+            <a:ext cx="768159" cy="276999"/>
           </a:xfrm>
           <a:prstGeom prst="rect">
             <a:avLst/>
@@ -22877,12 +22898,20 @@
           <a:lstStyle/>
           <a:p>
             <a:r>
+              <a:rPr lang="de-DE" sz="1200" dirty="0" err="1" smtClean="0">
+                <a:solidFill>
+                  <a:schemeClr val="bg1"/>
+                </a:solidFill>
+              </a:rPr>
+              <a:t>Komp</a:t>
+            </a:r>
+            <a:r>
               <a:rPr lang="de-DE" sz="1200" dirty="0" smtClean="0">
                 <a:solidFill>
                   <a:schemeClr val="bg1"/>
                 </a:solidFill>
               </a:rPr>
-              <a:t>Service B</a:t>
+              <a:t>. B</a:t>
             </a:r>
             <a:endParaRPr lang="de-DE" sz="1200" dirty="0">
               <a:solidFill>
@@ -22900,8 +22929,8 @@
         </p:nvSpPr>
         <p:spPr>
           <a:xfrm rot="18900000">
-            <a:off x="1857500" y="5870850"/>
-            <a:ext cx="785793" cy="276999"/>
+            <a:off x="1868722" y="5870850"/>
+            <a:ext cx="763351" cy="276999"/>
           </a:xfrm>
           <a:prstGeom prst="rect">
             <a:avLst/>
@@ -22915,12 +22944,20 @@
           <a:lstStyle/>
           <a:p>
             <a:r>
+              <a:rPr lang="de-DE" sz="1200" dirty="0" err="1" smtClean="0">
+                <a:solidFill>
+                  <a:schemeClr val="bg1"/>
+                </a:solidFill>
+              </a:rPr>
+              <a:t>Komp</a:t>
+            </a:r>
+            <a:r>
               <a:rPr lang="de-DE" sz="1200" dirty="0" smtClean="0">
                 <a:solidFill>
                   <a:schemeClr val="bg1"/>
                 </a:solidFill>
               </a:rPr>
-              <a:t>Service C</a:t>
+              <a:t>. C</a:t>
             </a:r>
             <a:endParaRPr lang="de-DE" sz="1200" dirty="0">
               <a:solidFill>
@@ -22938,8 +22975,8 @@
         </p:nvSpPr>
         <p:spPr>
           <a:xfrm rot="18900000">
-            <a:off x="3424620" y="5886291"/>
-            <a:ext cx="790601" cy="276999"/>
+            <a:off x="3435841" y="5886291"/>
+            <a:ext cx="768159" cy="276999"/>
           </a:xfrm>
           <a:prstGeom prst="rect">
             <a:avLst/>
@@ -22953,12 +22990,20 @@
           <a:lstStyle/>
           <a:p>
             <a:r>
+              <a:rPr lang="de-DE" sz="1200" dirty="0" err="1" smtClean="0">
+                <a:solidFill>
+                  <a:schemeClr val="bg1"/>
+                </a:solidFill>
+              </a:rPr>
+              <a:t>Komp</a:t>
+            </a:r>
+            <a:r>
               <a:rPr lang="de-DE" sz="1200" dirty="0" smtClean="0">
                 <a:solidFill>
                   <a:schemeClr val="bg1"/>
                 </a:solidFill>
               </a:rPr>
-              <a:t>Service A</a:t>
+              <a:t>. A</a:t>
             </a:r>
             <a:endParaRPr lang="de-DE" sz="1200" dirty="0">
               <a:solidFill>
@@ -22976,8 +23021,8 @@
         </p:nvSpPr>
         <p:spPr>
           <a:xfrm rot="18900000">
-            <a:off x="4130994" y="5886138"/>
-            <a:ext cx="790601" cy="276999"/>
+            <a:off x="4142215" y="5886138"/>
+            <a:ext cx="768159" cy="276999"/>
           </a:xfrm>
           <a:prstGeom prst="rect">
             <a:avLst/>
@@ -22991,12 +23036,20 @@
           <a:lstStyle/>
           <a:p>
             <a:r>
+              <a:rPr lang="de-DE" sz="1200" dirty="0" err="1" smtClean="0">
+                <a:solidFill>
+                  <a:schemeClr val="bg1"/>
+                </a:solidFill>
+              </a:rPr>
+              <a:t>Komp</a:t>
+            </a:r>
+            <a:r>
               <a:rPr lang="de-DE" sz="1200" dirty="0" smtClean="0">
                 <a:solidFill>
                   <a:schemeClr val="bg1"/>
                 </a:solidFill>
               </a:rPr>
-              <a:t>Service B</a:t>
+              <a:t>. B</a:t>
             </a:r>
             <a:endParaRPr lang="de-DE" sz="1200" dirty="0">
               <a:solidFill>
@@ -23014,8 +23067,8 @@
         </p:nvSpPr>
         <p:spPr>
           <a:xfrm rot="18900000">
-            <a:off x="4835623" y="5895026"/>
-            <a:ext cx="785793" cy="276999"/>
+            <a:off x="4846845" y="5895026"/>
+            <a:ext cx="763351" cy="276999"/>
           </a:xfrm>
           <a:prstGeom prst="rect">
             <a:avLst/>
@@ -23029,12 +23082,20 @@
           <a:lstStyle/>
           <a:p>
             <a:r>
+              <a:rPr lang="de-DE" sz="1200" dirty="0" err="1" smtClean="0">
+                <a:solidFill>
+                  <a:schemeClr val="bg1"/>
+                </a:solidFill>
+              </a:rPr>
+              <a:t>Komp</a:t>
+            </a:r>
+            <a:r>
               <a:rPr lang="de-DE" sz="1200" dirty="0" smtClean="0">
                 <a:solidFill>
                   <a:schemeClr val="bg1"/>
                 </a:solidFill>
               </a:rPr>
-              <a:t>Service C</a:t>
+              <a:t>. C</a:t>
             </a:r>
             <a:endParaRPr lang="de-DE" sz="1200" dirty="0">
               <a:solidFill>
@@ -23052,8 +23113,8 @@
         </p:nvSpPr>
         <p:spPr>
           <a:xfrm rot="18900000">
-            <a:off x="6508915" y="5866012"/>
-            <a:ext cx="790601" cy="276999"/>
+            <a:off x="6520136" y="5866012"/>
+            <a:ext cx="768159" cy="276999"/>
           </a:xfrm>
           <a:prstGeom prst="rect">
             <a:avLst/>
@@ -23067,12 +23128,20 @@
           <a:lstStyle/>
           <a:p>
             <a:r>
+              <a:rPr lang="de-DE" sz="1200" dirty="0" err="1" smtClean="0">
+                <a:solidFill>
+                  <a:schemeClr val="bg1"/>
+                </a:solidFill>
+              </a:rPr>
+              <a:t>Komp</a:t>
+            </a:r>
+            <a:r>
               <a:rPr lang="de-DE" sz="1200" dirty="0" smtClean="0">
                 <a:solidFill>
                   <a:schemeClr val="bg1"/>
                 </a:solidFill>
               </a:rPr>
-              <a:t>Service A</a:t>
+              <a:t>. A</a:t>
             </a:r>
             <a:endParaRPr lang="de-DE" sz="1200" dirty="0">
               <a:solidFill>
@@ -23090,8 +23159,8 @@
         </p:nvSpPr>
         <p:spPr>
           <a:xfrm rot="18900000">
-            <a:off x="7215289" y="5865859"/>
-            <a:ext cx="790601" cy="276999"/>
+            <a:off x="7226510" y="5865859"/>
+            <a:ext cx="768159" cy="276999"/>
           </a:xfrm>
           <a:prstGeom prst="rect">
             <a:avLst/>
@@ -23105,12 +23174,20 @@
           <a:lstStyle/>
           <a:p>
             <a:r>
+              <a:rPr lang="de-DE" sz="1200" dirty="0" err="1" smtClean="0">
+                <a:solidFill>
+                  <a:schemeClr val="bg1"/>
+                </a:solidFill>
+              </a:rPr>
+              <a:t>Komp</a:t>
+            </a:r>
+            <a:r>
               <a:rPr lang="de-DE" sz="1200" dirty="0" smtClean="0">
                 <a:solidFill>
                   <a:schemeClr val="bg1"/>
                 </a:solidFill>
               </a:rPr>
-              <a:t>Service B</a:t>
+              <a:t>. B</a:t>
             </a:r>
             <a:endParaRPr lang="de-DE" sz="1200" dirty="0">
               <a:solidFill>
@@ -23128,8 +23205,8 @@
         </p:nvSpPr>
         <p:spPr>
           <a:xfrm rot="18900000">
-            <a:off x="7919918" y="5874747"/>
-            <a:ext cx="785793" cy="276999"/>
+            <a:off x="7931140" y="5874747"/>
+            <a:ext cx="763351" cy="276999"/>
           </a:xfrm>
           <a:prstGeom prst="rect">
             <a:avLst/>
@@ -23143,12 +23220,20 @@
           <a:lstStyle/>
           <a:p>
             <a:r>
+              <a:rPr lang="de-DE" sz="1200" dirty="0" err="1" smtClean="0">
+                <a:solidFill>
+                  <a:schemeClr val="bg1"/>
+                </a:solidFill>
+              </a:rPr>
+              <a:t>Komp</a:t>
+            </a:r>
+            <a:r>
               <a:rPr lang="de-DE" sz="1200" dirty="0" smtClean="0">
                 <a:solidFill>
                   <a:schemeClr val="bg1"/>
                 </a:solidFill>
               </a:rPr>
-              <a:t>Service C</a:t>
+              <a:t>. C</a:t>
             </a:r>
             <a:endParaRPr lang="de-DE" sz="1200" dirty="0">
               <a:solidFill>

--- a/images/ppt/graphics.pptx
+++ b/images/ppt/graphics.pptx
@@ -217,7 +217,7 @@
           <a:p>
             <a:fld id="{188F6163-F954-4171-86F8-919C3805A43A}" type="datetimeFigureOut">
               <a:rPr lang="de-DE" smtClean="0"/>
-              <a:t>31.01.2017</a:t>
+              <a:t>01.02.2017</a:t>
             </a:fld>
             <a:endParaRPr lang="de-DE"/>
           </a:p>
@@ -971,7 +971,7 @@
           <a:p>
             <a:r>
               <a:rPr lang="de-DE" dirty="0" smtClean="0"/>
-              <a:t>img_component-testing.pptx</a:t>
+              <a:t>img_component-testing.pptx NOCH ÜBERARBEITEN</a:t>
             </a:r>
             <a:endParaRPr lang="de-DE" dirty="0"/>
           </a:p>
@@ -2512,7 +2512,7 @@
           <a:p>
             <a:fld id="{6E727812-5F0F-454E-BB06-65ACDB23CEDF}" type="datetimeFigureOut">
               <a:rPr lang="de-DE" smtClean="0"/>
-              <a:t>31.01.2017</a:t>
+              <a:t>01.02.2017</a:t>
             </a:fld>
             <a:endParaRPr lang="de-DE"/>
           </a:p>
@@ -2689,7 +2689,7 @@
           <a:p>
             <a:fld id="{6E727812-5F0F-454E-BB06-65ACDB23CEDF}" type="datetimeFigureOut">
               <a:rPr lang="de-DE" smtClean="0"/>
-              <a:t>31.01.2017</a:t>
+              <a:t>01.02.2017</a:t>
             </a:fld>
             <a:endParaRPr lang="de-DE"/>
           </a:p>
@@ -2869,7 +2869,7 @@
           <a:p>
             <a:fld id="{6E727812-5F0F-454E-BB06-65ACDB23CEDF}" type="datetimeFigureOut">
               <a:rPr lang="de-DE" smtClean="0"/>
-              <a:t>31.01.2017</a:t>
+              <a:t>01.02.2017</a:t>
             </a:fld>
             <a:endParaRPr lang="de-DE"/>
           </a:p>
@@ -3039,7 +3039,7 @@
           <a:p>
             <a:fld id="{6E727812-5F0F-454E-BB06-65ACDB23CEDF}" type="datetimeFigureOut">
               <a:rPr lang="de-DE" smtClean="0"/>
-              <a:t>31.01.2017</a:t>
+              <a:t>01.02.2017</a:t>
             </a:fld>
             <a:endParaRPr lang="de-DE"/>
           </a:p>
@@ -3283,7 +3283,7 @@
           <a:p>
             <a:fld id="{6E727812-5F0F-454E-BB06-65ACDB23CEDF}" type="datetimeFigureOut">
               <a:rPr lang="de-DE" smtClean="0"/>
-              <a:t>31.01.2017</a:t>
+              <a:t>01.02.2017</a:t>
             </a:fld>
             <a:endParaRPr lang="de-DE"/>
           </a:p>
@@ -3515,7 +3515,7 @@
           <a:p>
             <a:fld id="{6E727812-5F0F-454E-BB06-65ACDB23CEDF}" type="datetimeFigureOut">
               <a:rPr lang="de-DE" smtClean="0"/>
-              <a:t>31.01.2017</a:t>
+              <a:t>01.02.2017</a:t>
             </a:fld>
             <a:endParaRPr lang="de-DE"/>
           </a:p>
@@ -3882,7 +3882,7 @@
           <a:p>
             <a:fld id="{6E727812-5F0F-454E-BB06-65ACDB23CEDF}" type="datetimeFigureOut">
               <a:rPr lang="de-DE" smtClean="0"/>
-              <a:t>31.01.2017</a:t>
+              <a:t>01.02.2017</a:t>
             </a:fld>
             <a:endParaRPr lang="de-DE"/>
           </a:p>
@@ -4000,7 +4000,7 @@
           <a:p>
             <a:fld id="{6E727812-5F0F-454E-BB06-65ACDB23CEDF}" type="datetimeFigureOut">
               <a:rPr lang="de-DE" smtClean="0"/>
-              <a:t>31.01.2017</a:t>
+              <a:t>01.02.2017</a:t>
             </a:fld>
             <a:endParaRPr lang="de-DE"/>
           </a:p>
@@ -4095,7 +4095,7 @@
           <a:p>
             <a:fld id="{6E727812-5F0F-454E-BB06-65ACDB23CEDF}" type="datetimeFigureOut">
               <a:rPr lang="de-DE" smtClean="0"/>
-              <a:t>31.01.2017</a:t>
+              <a:t>01.02.2017</a:t>
             </a:fld>
             <a:endParaRPr lang="de-DE"/>
           </a:p>
@@ -4372,7 +4372,7 @@
           <a:p>
             <a:fld id="{6E727812-5F0F-454E-BB06-65ACDB23CEDF}" type="datetimeFigureOut">
               <a:rPr lang="de-DE" smtClean="0"/>
-              <a:t>31.01.2017</a:t>
+              <a:t>01.02.2017</a:t>
             </a:fld>
             <a:endParaRPr lang="de-DE"/>
           </a:p>
@@ -4629,7 +4629,7 @@
           <a:p>
             <a:fld id="{6E727812-5F0F-454E-BB06-65ACDB23CEDF}" type="datetimeFigureOut">
               <a:rPr lang="de-DE" smtClean="0"/>
-              <a:t>31.01.2017</a:t>
+              <a:t>01.02.2017</a:t>
             </a:fld>
             <a:endParaRPr lang="de-DE"/>
           </a:p>
@@ -4842,7 +4842,7 @@
           <a:p>
             <a:fld id="{6E727812-5F0F-454E-BB06-65ACDB23CEDF}" type="datetimeFigureOut">
               <a:rPr lang="de-DE" smtClean="0"/>
-              <a:t>31.01.2017</a:t>
+              <a:t>01.02.2017</a:t>
             </a:fld>
             <a:endParaRPr lang="de-DE"/>
           </a:p>
@@ -7513,7 +7513,7 @@
           </p:nvSpPr>
           <p:spPr>
             <a:xfrm>
-              <a:off x="2262810" y="5733340"/>
+              <a:off x="2255940" y="5741016"/>
               <a:ext cx="757855" cy="823756"/>
             </a:xfrm>
             <a:prstGeom prst="can">
@@ -7679,7 +7679,7 @@
               <a:pPr algn="ctr"/>
               <a:r>
                 <a:rPr lang="de-DE" sz="1400" dirty="0" smtClean="0"/>
-                <a:t>Ressourcen</a:t>
+                <a:t>Ressourcen/API</a:t>
               </a:r>
               <a:endParaRPr lang="de-DE" sz="1400" dirty="0"/>
             </a:p>
@@ -7865,7 +7865,7 @@
           <p:spPr>
             <a:xfrm>
               <a:off x="2634868" y="5162582"/>
-              <a:ext cx="6870" cy="570758"/>
+              <a:ext cx="0" cy="578434"/>
             </a:xfrm>
             <a:prstGeom prst="line">
               <a:avLst/>
@@ -9106,7 +9106,7 @@
           </p:nvSpPr>
           <p:spPr>
             <a:xfrm>
-              <a:off x="2262810" y="5733340"/>
+              <a:off x="2255940" y="5741016"/>
               <a:ext cx="757855" cy="823756"/>
             </a:xfrm>
             <a:prstGeom prst="can">
@@ -9272,7 +9272,7 @@
               <a:pPr algn="ctr"/>
               <a:r>
                 <a:rPr lang="de-DE" sz="1400" dirty="0" smtClean="0"/>
-                <a:t>Ressourcen</a:t>
+                <a:t>Ressourcen/API</a:t>
               </a:r>
               <a:endParaRPr lang="de-DE" sz="1400" dirty="0"/>
             </a:p>
@@ -9458,7 +9458,7 @@
           <p:spPr>
             <a:xfrm>
               <a:off x="2634868" y="5162582"/>
-              <a:ext cx="6870" cy="570758"/>
+              <a:ext cx="0" cy="578434"/>
             </a:xfrm>
             <a:prstGeom prst="line">
               <a:avLst/>
@@ -10852,8 +10852,8 @@
           </p:nvSpPr>
           <p:spPr>
             <a:xfrm>
-              <a:off x="2262810" y="5733340"/>
-              <a:ext cx="757855" cy="823756"/>
+              <a:off x="2257029" y="5764328"/>
+              <a:ext cx="757855" cy="823755"/>
             </a:xfrm>
             <a:prstGeom prst="can">
               <a:avLst/>
@@ -11018,7 +11018,7 @@
               <a:pPr algn="ctr"/>
               <a:r>
                 <a:rPr lang="de-DE" sz="1400" dirty="0" smtClean="0"/>
-                <a:t>Ressourcen</a:t>
+                <a:t>Ressourcen/API</a:t>
               </a:r>
               <a:endParaRPr lang="de-DE" sz="1400" dirty="0"/>
             </a:p>
@@ -11203,8 +11203,8 @@
           </p:nvCxnSpPr>
           <p:spPr>
             <a:xfrm>
-              <a:off x="2634868" y="5162582"/>
-              <a:ext cx="6870" cy="570758"/>
+              <a:off x="2634869" y="5162582"/>
+              <a:ext cx="1089" cy="601746"/>
             </a:xfrm>
             <a:prstGeom prst="line">
               <a:avLst/>
@@ -32342,7 +32342,7 @@
         <p:spPr>
           <a:xfrm>
             <a:off x="370922" y="2990145"/>
-            <a:ext cx="7912847" cy="0"/>
+            <a:ext cx="8463985" cy="0"/>
           </a:xfrm>
           <a:prstGeom prst="line">
             <a:avLst/>
@@ -32387,7 +32387,7 @@
               <a:gd name="adj1" fmla="val 51782"/>
             </a:avLst>
           </a:prstGeom>
-          <a:ln w="9525">
+          <a:ln w="28575">
             <a:headEnd type="triangle"/>
             <a:tailEnd type="triangle"/>
           </a:ln>
@@ -32424,7 +32424,7 @@
           <a:prstGeom prst="curvedConnector2">
             <a:avLst/>
           </a:prstGeom>
-          <a:ln w="9525">
+          <a:ln w="28575">
             <a:headEnd type="triangle"/>
             <a:tailEnd type="triangle"/>
           </a:ln>
@@ -32461,7 +32461,7 @@
           <a:prstGeom prst="curvedConnector3">
             <a:avLst/>
           </a:prstGeom>
-          <a:ln w="9525">
+          <a:ln w="28575">
             <a:headEnd type="triangle"/>
             <a:tailEnd type="triangle"/>
           </a:ln>
@@ -32498,7 +32498,7 @@
           <a:prstGeom prst="curvedConnector2">
             <a:avLst/>
           </a:prstGeom>
-          <a:ln w="9525">
+          <a:ln w="28575">
             <a:headEnd type="triangle"/>
             <a:tailEnd type="triangle"/>
           </a:ln>
@@ -32535,7 +32535,7 @@
           <a:prstGeom prst="curvedConnector3">
             <a:avLst/>
           </a:prstGeom>
-          <a:ln w="9525">
+          <a:ln w="28575">
             <a:headEnd type="triangle"/>
             <a:tailEnd type="triangle"/>
           </a:ln>
@@ -32571,7 +32571,7 @@
           <a:prstGeom prst="curvedConnector2">
             <a:avLst/>
           </a:prstGeom>
-          <a:ln w="9525">
+          <a:ln w="28575">
             <a:headEnd type="triangle"/>
             <a:tailEnd type="triangle"/>
           </a:ln>
@@ -32608,7 +32608,7 @@
           <a:prstGeom prst="curvedConnector3">
             <a:avLst/>
           </a:prstGeom>
-          <a:ln w="9525">
+          <a:ln w="28575">
             <a:headEnd type="triangle"/>
             <a:tailEnd type="triangle"/>
           </a:ln>
@@ -32645,7 +32645,7 @@
           <a:prstGeom prst="curvedConnector2">
             <a:avLst/>
           </a:prstGeom>
-          <a:ln w="9525">
+          <a:ln w="28575">
             <a:tailEnd type="triangle"/>
           </a:ln>
         </p:spPr>
@@ -32683,7 +32683,7 @@
               <a:gd name="adj1" fmla="val 25083"/>
             </a:avLst>
           </a:prstGeom>
-          <a:ln w="9525">
+          <a:ln w="28575">
             <a:tailEnd type="triangle"/>
           </a:ln>
         </p:spPr>
@@ -32721,7 +32721,7 @@
               <a:gd name="adj1" fmla="val 5918274"/>
             </a:avLst>
           </a:prstGeom>
-          <a:ln w="9525">
+          <a:ln w="28575">
             <a:tailEnd type="triangle"/>
           </a:ln>
         </p:spPr>
@@ -32759,7 +32759,7 @@
               <a:gd name="adj1" fmla="val 2412158"/>
             </a:avLst>
           </a:prstGeom>
-          <a:ln w="9525">
+          <a:ln w="28575">
             <a:tailEnd type="triangle"/>
           </a:ln>
         </p:spPr>
@@ -34309,7 +34309,7 @@
           <a:prstGeom prst="curvedConnector2">
             <a:avLst/>
           </a:prstGeom>
-          <a:ln w="9525">
+          <a:ln w="28575">
             <a:tailEnd type="triangle"/>
           </a:ln>
         </p:spPr>
@@ -34576,6 +34576,250 @@
           </a:p>
         </p:txBody>
       </p:sp>
+      <p:grpSp>
+        <p:nvGrpSpPr>
+          <p:cNvPr id="26" name="Gruppieren 25"/>
+          <p:cNvGrpSpPr/>
+          <p:nvPr/>
+        </p:nvGrpSpPr>
+        <p:grpSpPr>
+          <a:xfrm>
+            <a:off x="6475327" y="64138"/>
+            <a:ext cx="2647068" cy="1221900"/>
+            <a:chOff x="6327779" y="163412"/>
+            <a:chExt cx="2647068" cy="1221900"/>
+          </a:xfrm>
+        </p:grpSpPr>
+        <p:sp>
+          <p:nvSpPr>
+            <p:cNvPr id="6" name="Textfeld 5"/>
+            <p:cNvSpPr txBox="1"/>
+            <p:nvPr/>
+          </p:nvSpPr>
+          <p:spPr>
+            <a:xfrm>
+              <a:off x="6784824" y="163412"/>
+              <a:ext cx="1813317" cy="307777"/>
+            </a:xfrm>
+            <a:prstGeom prst="rect">
+              <a:avLst/>
+            </a:prstGeom>
+            <a:noFill/>
+          </p:spPr>
+          <p:txBody>
+            <a:bodyPr wrap="none" rtlCol="0">
+              <a:spAutoFit/>
+            </a:bodyPr>
+            <a:lstStyle/>
+            <a:p>
+              <a:r>
+                <a:rPr lang="de-DE" sz="1400" b="1" dirty="0" smtClean="0">
+                  <a:solidFill>
+                    <a:schemeClr val="accent6"/>
+                  </a:solidFill>
+                </a:rPr>
+                <a:t>Consumer-Anfragen</a:t>
+              </a:r>
+              <a:endParaRPr lang="de-DE" sz="1400" b="1" dirty="0">
+                <a:solidFill>
+                  <a:schemeClr val="accent6"/>
+                </a:solidFill>
+              </a:endParaRPr>
+            </a:p>
+          </p:txBody>
+        </p:sp>
+        <p:sp>
+          <p:nvSpPr>
+            <p:cNvPr id="66" name="Textfeld 65"/>
+            <p:cNvSpPr txBox="1"/>
+            <p:nvPr/>
+          </p:nvSpPr>
+          <p:spPr>
+            <a:xfrm>
+              <a:off x="6784824" y="498003"/>
+              <a:ext cx="1582484" cy="523220"/>
+            </a:xfrm>
+            <a:prstGeom prst="rect">
+              <a:avLst/>
+            </a:prstGeom>
+            <a:noFill/>
+          </p:spPr>
+          <p:txBody>
+            <a:bodyPr wrap="none" rtlCol="0">
+              <a:spAutoFit/>
+            </a:bodyPr>
+            <a:lstStyle/>
+            <a:p>
+              <a:r>
+                <a:rPr lang="de-DE" sz="1400" b="1" dirty="0" smtClean="0">
+                  <a:solidFill>
+                    <a:schemeClr val="accent2"/>
+                  </a:solidFill>
+                </a:rPr>
+                <a:t>Entdeckung und </a:t>
+              </a:r>
+            </a:p>
+            <a:p>
+              <a:r>
+                <a:rPr lang="de-DE" sz="1400" b="1" dirty="0" smtClean="0">
+                  <a:solidFill>
+                    <a:schemeClr val="accent2"/>
+                  </a:solidFill>
+                </a:rPr>
+                <a:t>Registrierung</a:t>
+              </a:r>
+              <a:endParaRPr lang="de-DE" sz="1400" b="1" dirty="0">
+                <a:solidFill>
+                  <a:schemeClr val="accent2"/>
+                </a:solidFill>
+              </a:endParaRPr>
+            </a:p>
+          </p:txBody>
+        </p:sp>
+        <p:sp>
+          <p:nvSpPr>
+            <p:cNvPr id="67" name="Textfeld 66"/>
+            <p:cNvSpPr txBox="1"/>
+            <p:nvPr/>
+          </p:nvSpPr>
+          <p:spPr>
+            <a:xfrm>
+              <a:off x="6784824" y="1077535"/>
+              <a:ext cx="2190023" cy="307777"/>
+            </a:xfrm>
+            <a:prstGeom prst="rect">
+              <a:avLst/>
+            </a:prstGeom>
+            <a:noFill/>
+          </p:spPr>
+          <p:txBody>
+            <a:bodyPr wrap="none" rtlCol="0">
+              <a:spAutoFit/>
+            </a:bodyPr>
+            <a:lstStyle/>
+            <a:p>
+              <a:r>
+                <a:rPr lang="de-DE" sz="1400" b="1" dirty="0" smtClean="0">
+                  <a:solidFill>
+                    <a:schemeClr val="tx2"/>
+                  </a:solidFill>
+                </a:rPr>
+                <a:t>Konfigurationsverteilung</a:t>
+              </a:r>
+              <a:endParaRPr lang="de-DE" sz="1400" b="1" dirty="0">
+                <a:solidFill>
+                  <a:schemeClr val="tx2"/>
+                </a:solidFill>
+              </a:endParaRPr>
+            </a:p>
+          </p:txBody>
+        </p:sp>
+        <p:cxnSp>
+          <p:nvCxnSpPr>
+            <p:cNvPr id="9" name="Gerader Verbinder 8"/>
+            <p:cNvCxnSpPr/>
+            <p:nvPr/>
+          </p:nvCxnSpPr>
+          <p:spPr>
+            <a:xfrm>
+              <a:off x="6327779" y="314389"/>
+              <a:ext cx="389387" cy="0"/>
+            </a:xfrm>
+            <a:prstGeom prst="line">
+              <a:avLst/>
+            </a:prstGeom>
+            <a:ln w="28575">
+              <a:solidFill>
+                <a:schemeClr val="accent6"/>
+              </a:solidFill>
+            </a:ln>
+          </p:spPr>
+          <p:style>
+            <a:lnRef idx="1">
+              <a:schemeClr val="accent1"/>
+            </a:lnRef>
+            <a:fillRef idx="0">
+              <a:schemeClr val="accent1"/>
+            </a:fillRef>
+            <a:effectRef idx="0">
+              <a:schemeClr val="accent1"/>
+            </a:effectRef>
+            <a:fontRef idx="minor">
+              <a:schemeClr val="tx1"/>
+            </a:fontRef>
+          </p:style>
+        </p:cxnSp>
+        <p:cxnSp>
+          <p:nvCxnSpPr>
+            <p:cNvPr id="68" name="Gerader Verbinder 67"/>
+            <p:cNvCxnSpPr/>
+            <p:nvPr/>
+          </p:nvCxnSpPr>
+          <p:spPr>
+            <a:xfrm>
+              <a:off x="6327779" y="777907"/>
+              <a:ext cx="389387" cy="0"/>
+            </a:xfrm>
+            <a:prstGeom prst="line">
+              <a:avLst/>
+            </a:prstGeom>
+            <a:ln w="28575">
+              <a:solidFill>
+                <a:schemeClr val="accent2"/>
+              </a:solidFill>
+            </a:ln>
+          </p:spPr>
+          <p:style>
+            <a:lnRef idx="1">
+              <a:schemeClr val="accent1"/>
+            </a:lnRef>
+            <a:fillRef idx="0">
+              <a:schemeClr val="accent1"/>
+            </a:fillRef>
+            <a:effectRef idx="0">
+              <a:schemeClr val="accent1"/>
+            </a:effectRef>
+            <a:fontRef idx="minor">
+              <a:schemeClr val="tx1"/>
+            </a:fontRef>
+          </p:style>
+        </p:cxnSp>
+        <p:cxnSp>
+          <p:nvCxnSpPr>
+            <p:cNvPr id="69" name="Gerader Verbinder 68"/>
+            <p:cNvCxnSpPr/>
+            <p:nvPr/>
+          </p:nvCxnSpPr>
+          <p:spPr>
+            <a:xfrm>
+              <a:off x="6327779" y="1219900"/>
+              <a:ext cx="388099" cy="0"/>
+            </a:xfrm>
+            <a:prstGeom prst="line">
+              <a:avLst/>
+            </a:prstGeom>
+            <a:ln w="28575">
+              <a:solidFill>
+                <a:schemeClr val="accent4"/>
+              </a:solidFill>
+            </a:ln>
+          </p:spPr>
+          <p:style>
+            <a:lnRef idx="1">
+              <a:schemeClr val="accent1"/>
+            </a:lnRef>
+            <a:fillRef idx="0">
+              <a:schemeClr val="accent1"/>
+            </a:fillRef>
+            <a:effectRef idx="0">
+              <a:schemeClr val="accent1"/>
+            </a:effectRef>
+            <a:fontRef idx="minor">
+              <a:schemeClr val="tx1"/>
+            </a:fontRef>
+          </p:style>
+        </p:cxnSp>
+      </p:grpSp>
     </p:spTree>
     <p:extLst>
       <p:ext uri="{BB962C8B-B14F-4D97-AF65-F5344CB8AC3E}">

--- a/images/ppt/graphics.pptx
+++ b/images/ppt/graphics.pptx
@@ -220,7 +220,7 @@
           <a:p>
             <a:fld id="{188F6163-F954-4171-86F8-919C3805A43A}" type="datetimeFigureOut">
               <a:rPr lang="de-DE" smtClean="0"/>
-              <a:t>06.02.2017</a:t>
+              <a:t>28.02.2017</a:t>
             </a:fld>
             <a:endParaRPr lang="de-DE"/>
           </a:p>
@@ -2846,7 +2846,7 @@
           <a:p>
             <a:fld id="{6E727812-5F0F-454E-BB06-65ACDB23CEDF}" type="datetimeFigureOut">
               <a:rPr lang="de-DE" smtClean="0"/>
-              <a:t>06.02.2017</a:t>
+              <a:t>28.02.2017</a:t>
             </a:fld>
             <a:endParaRPr lang="de-DE"/>
           </a:p>
@@ -3023,7 +3023,7 @@
           <a:p>
             <a:fld id="{6E727812-5F0F-454E-BB06-65ACDB23CEDF}" type="datetimeFigureOut">
               <a:rPr lang="de-DE" smtClean="0"/>
-              <a:t>06.02.2017</a:t>
+              <a:t>28.02.2017</a:t>
             </a:fld>
             <a:endParaRPr lang="de-DE"/>
           </a:p>
@@ -3203,7 +3203,7 @@
           <a:p>
             <a:fld id="{6E727812-5F0F-454E-BB06-65ACDB23CEDF}" type="datetimeFigureOut">
               <a:rPr lang="de-DE" smtClean="0"/>
-              <a:t>06.02.2017</a:t>
+              <a:t>28.02.2017</a:t>
             </a:fld>
             <a:endParaRPr lang="de-DE"/>
           </a:p>
@@ -3373,7 +3373,7 @@
           <a:p>
             <a:fld id="{6E727812-5F0F-454E-BB06-65ACDB23CEDF}" type="datetimeFigureOut">
               <a:rPr lang="de-DE" smtClean="0"/>
-              <a:t>06.02.2017</a:t>
+              <a:t>28.02.2017</a:t>
             </a:fld>
             <a:endParaRPr lang="de-DE"/>
           </a:p>
@@ -3617,7 +3617,7 @@
           <a:p>
             <a:fld id="{6E727812-5F0F-454E-BB06-65ACDB23CEDF}" type="datetimeFigureOut">
               <a:rPr lang="de-DE" smtClean="0"/>
-              <a:t>06.02.2017</a:t>
+              <a:t>28.02.2017</a:t>
             </a:fld>
             <a:endParaRPr lang="de-DE"/>
           </a:p>
@@ -3849,7 +3849,7 @@
           <a:p>
             <a:fld id="{6E727812-5F0F-454E-BB06-65ACDB23CEDF}" type="datetimeFigureOut">
               <a:rPr lang="de-DE" smtClean="0"/>
-              <a:t>06.02.2017</a:t>
+              <a:t>28.02.2017</a:t>
             </a:fld>
             <a:endParaRPr lang="de-DE"/>
           </a:p>
@@ -4216,7 +4216,7 @@
           <a:p>
             <a:fld id="{6E727812-5F0F-454E-BB06-65ACDB23CEDF}" type="datetimeFigureOut">
               <a:rPr lang="de-DE" smtClean="0"/>
-              <a:t>06.02.2017</a:t>
+              <a:t>28.02.2017</a:t>
             </a:fld>
             <a:endParaRPr lang="de-DE"/>
           </a:p>
@@ -4334,7 +4334,7 @@
           <a:p>
             <a:fld id="{6E727812-5F0F-454E-BB06-65ACDB23CEDF}" type="datetimeFigureOut">
               <a:rPr lang="de-DE" smtClean="0"/>
-              <a:t>06.02.2017</a:t>
+              <a:t>28.02.2017</a:t>
             </a:fld>
             <a:endParaRPr lang="de-DE"/>
           </a:p>
@@ -4429,7 +4429,7 @@
           <a:p>
             <a:fld id="{6E727812-5F0F-454E-BB06-65ACDB23CEDF}" type="datetimeFigureOut">
               <a:rPr lang="de-DE" smtClean="0"/>
-              <a:t>06.02.2017</a:t>
+              <a:t>28.02.2017</a:t>
             </a:fld>
             <a:endParaRPr lang="de-DE"/>
           </a:p>
@@ -4706,7 +4706,7 @@
           <a:p>
             <a:fld id="{6E727812-5F0F-454E-BB06-65ACDB23CEDF}" type="datetimeFigureOut">
               <a:rPr lang="de-DE" smtClean="0"/>
-              <a:t>06.02.2017</a:t>
+              <a:t>28.02.2017</a:t>
             </a:fld>
             <a:endParaRPr lang="de-DE"/>
           </a:p>
@@ -4963,7 +4963,7 @@
           <a:p>
             <a:fld id="{6E727812-5F0F-454E-BB06-65ACDB23CEDF}" type="datetimeFigureOut">
               <a:rPr lang="de-DE" smtClean="0"/>
-              <a:t>06.02.2017</a:t>
+              <a:t>28.02.2017</a:t>
             </a:fld>
             <a:endParaRPr lang="de-DE"/>
           </a:p>
@@ -5176,7 +5176,7 @@
           <a:p>
             <a:fld id="{6E727812-5F0F-454E-BB06-65ACDB23CEDF}" type="datetimeFigureOut">
               <a:rPr lang="de-DE" smtClean="0"/>
-              <a:t>06.02.2017</a:t>
+              <a:t>28.02.2017</a:t>
             </a:fld>
             <a:endParaRPr lang="de-DE"/>
           </a:p>
@@ -9141,7 +9141,6 @@
               <a:rPr lang="de-DE" sz="1200" dirty="0"/>
               <a:t>2</a:t>
             </a:r>
-            <a:endParaRPr lang="de-DE" sz="1200" dirty="0"/>
           </a:p>
         </p:txBody>
       </p:sp>
@@ -9183,7 +9182,6 @@
               <a:rPr lang="de-DE" sz="1200" dirty="0"/>
               <a:t>3</a:t>
             </a:r>
-            <a:endParaRPr lang="de-DE" sz="1200" dirty="0"/>
           </a:p>
         </p:txBody>
       </p:sp>
@@ -44536,7 +44534,6 @@
                 <a:rPr lang="de-DE" sz="1600" b="1" dirty="0" smtClean="0"/>
                 <a:t>Events</a:t>
               </a:r>
-              <a:endParaRPr lang="de-DE" sz="1600" b="1" dirty="0" smtClean="0"/>
             </a:p>
             <a:p>
               <a:pPr marL="285750" indent="-285750">
@@ -44778,7 +44775,6 @@
                 <a:rPr lang="de-DE" sz="1600" b="1" dirty="0" smtClean="0"/>
                 <a:t>Events</a:t>
               </a:r>
-              <a:endParaRPr lang="de-DE" sz="1600" b="1" dirty="0" smtClean="0"/>
             </a:p>
             <a:p>
               <a:pPr marL="285750" indent="-285750">
@@ -45020,7 +45016,6 @@
                 <a:rPr lang="de-DE" sz="1600" b="1" dirty="0" smtClean="0"/>
                 <a:t>Events</a:t>
               </a:r>
-              <a:endParaRPr lang="de-DE" sz="1600" b="1" dirty="0" smtClean="0"/>
             </a:p>
             <a:p>
               <a:pPr marL="285750" indent="-285750">
@@ -47172,7 +47167,7 @@
           <p:nvPr>
             <p:extLst>
               <p:ext uri="{D42A27DB-BD31-4B8C-83A1-F6EECF244321}">
-                <p14:modId xmlns:p14="http://schemas.microsoft.com/office/powerpoint/2010/main" val="3962712351"/>
+                <p14:modId xmlns:p14="http://schemas.microsoft.com/office/powerpoint/2010/main" val="316811679"/>
               </p:ext>
             </p:extLst>
           </p:nvPr>
@@ -47245,20 +47240,20 @@
                         <a:t> lokale Prozedur auf seinem </a:t>
                       </a:r>
                       <a:r>
+                        <a:rPr lang="de-DE" sz="1200" baseline="0" dirty="0" smtClean="0"/>
+                        <a:t>Client </a:t>
+                      </a:r>
+                      <a:r>
                         <a:rPr lang="de-DE" sz="1200" baseline="0" dirty="0" err="1" smtClean="0"/>
-                        <a:t>client</a:t>
+                        <a:t>Stub</a:t>
                       </a:r>
                       <a:r>
                         <a:rPr lang="de-DE" sz="1200" baseline="0" dirty="0" smtClean="0"/>
                         <a:t> </a:t>
                       </a:r>
                       <a:r>
-                        <a:rPr lang="de-DE" sz="1200" baseline="0" dirty="0" err="1" smtClean="0"/>
-                        <a:t>stub</a:t>
-                      </a:r>
-                      <a:r>
                         <a:rPr lang="de-DE" sz="1200" baseline="0" dirty="0" smtClean="0"/>
-                        <a:t> auf.</a:t>
+                        <a:t>auf.</a:t>
                       </a:r>
                       <a:endParaRPr lang="de-DE" sz="1200" dirty="0"/>
                     </a:p>
@@ -47291,8 +47286,8 @@
                         <a:t>Der </a:t>
                       </a:r>
                       <a:r>
-                        <a:rPr lang="de-DE" sz="1200" dirty="0" err="1" smtClean="0"/>
-                        <a:t>client</a:t>
+                        <a:rPr lang="de-DE" sz="1200" dirty="0" smtClean="0"/>
+                        <a:t>Client</a:t>
                       </a:r>
                       <a:r>
                         <a:rPr lang="de-DE" sz="1200" baseline="0" dirty="0" smtClean="0"/>
@@ -47300,7 +47295,7 @@
                       </a:r>
                       <a:r>
                         <a:rPr lang="de-DE" sz="1200" baseline="0" dirty="0" err="1" smtClean="0"/>
-                        <a:t>stub</a:t>
+                        <a:t>Stub</a:t>
                       </a:r>
                       <a:r>
                         <a:rPr lang="de-DE" sz="1200" baseline="0" dirty="0" smtClean="0"/>
@@ -47494,7 +47489,15 @@
                       </a:r>
                       <a:r>
                         <a:rPr lang="de-DE" sz="1200" baseline="0" dirty="0" smtClean="0"/>
-                        <a:t> sie per Socket zurück an die aufrufende Maschine</a:t>
+                        <a:t> </a:t>
+                      </a:r>
+                      <a:r>
+                        <a:rPr lang="de-DE" sz="1200" baseline="0" dirty="0" smtClean="0"/>
+                        <a:t>es per </a:t>
+                      </a:r>
+                      <a:r>
+                        <a:rPr lang="de-DE" sz="1200" baseline="0" dirty="0" smtClean="0"/>
+                        <a:t>Socket zurück an die aufrufende Maschine</a:t>
                       </a:r>
                       <a:endParaRPr lang="de-DE" sz="1200" dirty="0"/>
                     </a:p>
@@ -47532,11 +47535,15 @@
                       </a:r>
                       <a:r>
                         <a:rPr lang="de-DE" sz="1200" baseline="0" dirty="0" err="1" smtClean="0"/>
-                        <a:t>stub</a:t>
+                        <a:t>Stub</a:t>
                       </a:r>
                       <a:r>
                         <a:rPr lang="de-DE" sz="1200" baseline="0" dirty="0" smtClean="0"/>
-                        <a:t> liest die Nachricht</a:t>
+                        <a:t> </a:t>
+                      </a:r>
+                      <a:r>
+                        <a:rPr lang="de-DE" sz="1200" baseline="0" dirty="0" smtClean="0"/>
+                        <a:t>liest die Nachricht</a:t>
                       </a:r>
                       <a:endParaRPr lang="de-DE" sz="1200" dirty="0"/>
                     </a:p>
